--- a/JPMC CCB Risk Modelling Case Study.pptx
+++ b/JPMC CCB Risk Modelling Case Study.pptx
@@ -11,6 +11,7 @@
     <p:sldId id="258" r:id="rId5"/>
     <p:sldId id="259" r:id="rId6"/>
     <p:sldId id="260" r:id="rId7"/>
+    <p:sldId id="261" r:id="rId8"/>
   </p:sldIdLst>
   <p:sldSz cx="12192000" cy="6858000"/>
   <p:notesSz cx="6858000" cy="9144000"/>
@@ -33669,7 +33670,7 @@
           </a:bodyPr>
           <a:lstStyle/>
           <a:p>
-            <a:pPr marL="0" indent="0">
+            <a:pPr marL="0" indent="0" algn="just">
               <a:buNone/>
             </a:pPr>
             <a:r>
@@ -33678,7 +33679,7 @@
             </a:r>
           </a:p>
           <a:p>
-            <a:pPr marL="0" indent="0">
+            <a:pPr marL="0" indent="0" algn="just">
               <a:buNone/>
             </a:pPr>
             <a:r>
@@ -33687,7 +33688,7 @@
             </a:r>
           </a:p>
           <a:p>
-            <a:pPr marL="0" indent="0">
+            <a:pPr marL="0" indent="0" algn="just">
               <a:buNone/>
             </a:pPr>
             <a:r>
@@ -33951,93 +33952,2040 @@
         </p:nvSpPr>
         <p:spPr>
           <a:xfrm>
-            <a:off x="1024127" y="2084832"/>
-            <a:ext cx="9720073" cy="4023360"/>
+            <a:off x="1024127" y="1839025"/>
+            <a:ext cx="10922067" cy="4023360"/>
           </a:xfrm>
         </p:spPr>
         <p:txBody>
-          <a:bodyPr/>
+          <a:bodyPr>
+            <a:normAutofit/>
+          </a:bodyPr>
           <a:lstStyle/>
           <a:p>
-            <a:pPr marL="0" indent="0">
+            <a:pPr marL="0" indent="0" algn="just">
               <a:buNone/>
             </a:pPr>
             <a:r>
-              <a:rPr lang="en-IN" dirty="0"/>
+              <a:rPr lang="en-IN" sz="2000" dirty="0"/>
+              <a:t>Since this is a classification problem, we use a Classification Matrix to evaluate our model.</a:t>
+            </a:r>
+          </a:p>
+          <a:p>
+            <a:pPr marL="0" indent="0" algn="just">
+              <a:buNone/>
+            </a:pPr>
+            <a:r>
+              <a:rPr lang="en-IN" sz="2000" dirty="0"/>
               <a:t>During the first attempt of training, the post-loan approval variables were not removed from the input columns, giving a near perfect accuracy.</a:t>
             </a:r>
           </a:p>
           <a:p>
-            <a:pPr marL="0" indent="0">
-              <a:buNone/>
-            </a:pPr>
-            <a:endParaRPr lang="en-IN" dirty="0"/>
-          </a:p>
-          <a:p>
-            <a:pPr marL="0" indent="0">
+            <a:pPr marL="0" indent="0" algn="just">
               <a:buNone/>
             </a:pPr>
             <a:r>
-              <a:rPr lang="en-IN" dirty="0"/>
-              <a:t>[insert </a:t>
-            </a:r>
-            <a:r>
-              <a:rPr lang="en-IN" dirty="0" err="1"/>
-              <a:t>xgboost</a:t>
-            </a:r>
-            <a:r>
-              <a:rPr lang="en-IN" dirty="0"/>
-              <a:t> stats]</a:t>
-            </a:r>
-          </a:p>
-          <a:p>
-            <a:pPr marL="0" indent="0">
-              <a:buNone/>
-            </a:pPr>
-            <a:endParaRPr lang="en-IN" dirty="0"/>
-          </a:p>
-          <a:p>
-            <a:pPr marL="0" indent="0">
-              <a:buNone/>
-            </a:pPr>
-            <a:r>
-              <a:rPr lang="en-IN" dirty="0"/>
-              <a:t>[insert cm]</a:t>
-            </a:r>
-          </a:p>
-          <a:p>
-            <a:pPr marL="0" indent="0">
-              <a:buNone/>
-            </a:pPr>
-            <a:endParaRPr lang="en-IN" dirty="0"/>
-          </a:p>
-          <a:p>
-            <a:pPr marL="0" indent="0">
-              <a:buNone/>
-            </a:pPr>
-            <a:r>
-              <a:rPr lang="en-IN" dirty="0"/>
-              <a:t>[part about </a:t>
-            </a:r>
-            <a:r>
-              <a:rPr lang="en-IN" dirty="0" err="1"/>
-              <a:t>tp</a:t>
-            </a:r>
-            <a:r>
-              <a:rPr lang="en-IN" dirty="0"/>
-              <a:t>, </a:t>
-            </a:r>
-            <a:r>
-              <a:rPr lang="en-IN" dirty="0" err="1"/>
-              <a:t>tn</a:t>
-            </a:r>
-            <a:r>
-              <a:rPr lang="en-IN" dirty="0"/>
-              <a:t> etc]</a:t>
+              <a:rPr lang="en-IN" sz="2000" dirty="0"/>
+              <a:t>After removing these columns, the models were evaluated again.</a:t>
             </a:r>
           </a:p>
         </p:txBody>
       </p:sp>
+      <p:pic>
+        <p:nvPicPr>
+          <p:cNvPr id="4" name="Picture 3">
+            <a:extLst>
+              <a:ext uri="{FF2B5EF4-FFF2-40B4-BE49-F238E27FC236}">
+                <a16:creationId xmlns:a16="http://schemas.microsoft.com/office/drawing/2014/main" id="{F508196F-0B74-2197-F17F-AE86AE5F61D0}"/>
+              </a:ext>
+            </a:extLst>
+          </p:cNvPr>
+          <p:cNvPicPr>
+            <a:picLocks noChangeAspect="1"/>
+          </p:cNvPicPr>
+          <p:nvPr/>
+        </p:nvPicPr>
+        <p:blipFill>
+          <a:blip r:embed="rId2"/>
+          <a:stretch>
+            <a:fillRect/>
+          </a:stretch>
+        </p:blipFill>
+        <p:spPr>
+          <a:xfrm>
+            <a:off x="881009" y="3318978"/>
+            <a:ext cx="4005623" cy="3539042"/>
+          </a:xfrm>
+          <a:prstGeom prst="rect">
+            <a:avLst/>
+          </a:prstGeom>
+        </p:spPr>
+      </p:pic>
+      <p:graphicFrame>
+        <p:nvGraphicFramePr>
+          <p:cNvPr id="6" name="Table 5">
+            <a:extLst>
+              <a:ext uri="{FF2B5EF4-FFF2-40B4-BE49-F238E27FC236}">
+                <a16:creationId xmlns:a16="http://schemas.microsoft.com/office/drawing/2014/main" id="{6D814723-869A-A819-1751-20B4B53427D9}"/>
+              </a:ext>
+            </a:extLst>
+          </p:cNvPr>
+          <p:cNvGraphicFramePr>
+            <a:graphicFrameLocks noGrp="1"/>
+          </p:cNvGraphicFramePr>
+          <p:nvPr>
+            <p:extLst>
+              <p:ext uri="{D42A27DB-BD31-4B8C-83A1-F6EECF244321}">
+                <p14:modId xmlns:p14="http://schemas.microsoft.com/office/powerpoint/2010/main" val="2691708853"/>
+              </p:ext>
+            </p:extLst>
+          </p:nvPr>
+        </p:nvGraphicFramePr>
+        <p:xfrm>
+          <a:off x="5719602" y="3387213"/>
+          <a:ext cx="4883820" cy="1550681"/>
+        </p:xfrm>
+        <a:graphic>
+          <a:graphicData uri="http://schemas.openxmlformats.org/drawingml/2006/table">
+            <a:tbl>
+              <a:tblPr firstRow="1" firstCol="1" bandRow="1">
+                <a:tableStyleId>{5C22544A-7EE6-4342-B048-85BDC9FD1C3A}</a:tableStyleId>
+              </a:tblPr>
+              <a:tblGrid>
+                <a:gridCol w="1237264">
+                  <a:extLst>
+                    <a:ext uri="{9D8B030D-6E8A-4147-A177-3AD203B41FA5}">
+                      <a16:colId xmlns:a16="http://schemas.microsoft.com/office/drawing/2014/main" val="2423583734"/>
+                    </a:ext>
+                  </a:extLst>
+                </a:gridCol>
+                <a:gridCol w="799677">
+                  <a:extLst>
+                    <a:ext uri="{9D8B030D-6E8A-4147-A177-3AD203B41FA5}">
+                      <a16:colId xmlns:a16="http://schemas.microsoft.com/office/drawing/2014/main" val="3094063780"/>
+                    </a:ext>
+                  </a:extLst>
+                </a:gridCol>
+                <a:gridCol w="944806">
+                  <a:extLst>
+                    <a:ext uri="{9D8B030D-6E8A-4147-A177-3AD203B41FA5}">
+                      <a16:colId xmlns:a16="http://schemas.microsoft.com/office/drawing/2014/main" val="2548265231"/>
+                    </a:ext>
+                  </a:extLst>
+                </a:gridCol>
+                <a:gridCol w="944806">
+                  <a:extLst>
+                    <a:ext uri="{9D8B030D-6E8A-4147-A177-3AD203B41FA5}">
+                      <a16:colId xmlns:a16="http://schemas.microsoft.com/office/drawing/2014/main" val="2967795713"/>
+                    </a:ext>
+                  </a:extLst>
+                </a:gridCol>
+                <a:gridCol w="957267">
+                  <a:extLst>
+                    <a:ext uri="{9D8B030D-6E8A-4147-A177-3AD203B41FA5}">
+                      <a16:colId xmlns:a16="http://schemas.microsoft.com/office/drawing/2014/main" val="434746526"/>
+                    </a:ext>
+                  </a:extLst>
+                </a:gridCol>
+              </a:tblGrid>
+              <a:tr h="450531">
+                <a:tc>
+                  <a:txBody>
+                    <a:bodyPr/>
+                    <a:lstStyle/>
+                    <a:p>
+                      <a:pPr algn="just">
+                        <a:lnSpc>
+                          <a:spcPct val="107000"/>
+                        </a:lnSpc>
+                        <a:spcAft>
+                          <a:spcPts val="800"/>
+                        </a:spcAft>
+                      </a:pPr>
+                      <a:r>
+                        <a:rPr lang="en-IN" sz="1200" kern="100" dirty="0">
+                          <a:effectLst/>
+                        </a:rPr>
+                        <a:t> Train Set Metrics</a:t>
+                      </a:r>
+                      <a:endParaRPr lang="en-IN" sz="1100" kern="100" dirty="0">
+                        <a:effectLst/>
+                        <a:latin typeface="Calibri" panose="020F0502020204030204" pitchFamily="34" charset="0"/>
+                        <a:ea typeface="Calibri" panose="020F0502020204030204" pitchFamily="34" charset="0"/>
+                        <a:cs typeface="Mangal" panose="02040503050203030202" pitchFamily="18" charset="0"/>
+                      </a:endParaRPr>
+                    </a:p>
+                  </a:txBody>
+                  <a:tcPr marL="68580" marR="68580" marT="0" marB="0"/>
+                </a:tc>
+                <a:tc>
+                  <a:txBody>
+                    <a:bodyPr/>
+                    <a:lstStyle/>
+                    <a:p>
+                      <a:pPr algn="just">
+                        <a:lnSpc>
+                          <a:spcPct val="107000"/>
+                        </a:lnSpc>
+                        <a:spcAft>
+                          <a:spcPts val="800"/>
+                        </a:spcAft>
+                      </a:pPr>
+                      <a:r>
+                        <a:rPr lang="en-IN" sz="1200" kern="100">
+                          <a:effectLst/>
+                        </a:rPr>
+                        <a:t>precision</a:t>
+                      </a:r>
+                      <a:endParaRPr lang="en-IN" sz="1100" kern="100">
+                        <a:effectLst/>
+                        <a:latin typeface="Calibri" panose="020F0502020204030204" pitchFamily="34" charset="0"/>
+                        <a:ea typeface="Calibri" panose="020F0502020204030204" pitchFamily="34" charset="0"/>
+                        <a:cs typeface="Mangal" panose="02040503050203030202" pitchFamily="18" charset="0"/>
+                      </a:endParaRPr>
+                    </a:p>
+                  </a:txBody>
+                  <a:tcPr marL="68580" marR="68580" marT="0" marB="0"/>
+                </a:tc>
+                <a:tc>
+                  <a:txBody>
+                    <a:bodyPr/>
+                    <a:lstStyle/>
+                    <a:p>
+                      <a:pPr algn="just">
+                        <a:lnSpc>
+                          <a:spcPct val="107000"/>
+                        </a:lnSpc>
+                        <a:spcAft>
+                          <a:spcPts val="800"/>
+                        </a:spcAft>
+                      </a:pPr>
+                      <a:r>
+                        <a:rPr lang="en-IN" sz="1200" kern="100">
+                          <a:effectLst/>
+                        </a:rPr>
+                        <a:t>recall</a:t>
+                      </a:r>
+                      <a:endParaRPr lang="en-IN" sz="1100" kern="100">
+                        <a:effectLst/>
+                        <a:latin typeface="Calibri" panose="020F0502020204030204" pitchFamily="34" charset="0"/>
+                        <a:ea typeface="Calibri" panose="020F0502020204030204" pitchFamily="34" charset="0"/>
+                        <a:cs typeface="Mangal" panose="02040503050203030202" pitchFamily="18" charset="0"/>
+                      </a:endParaRPr>
+                    </a:p>
+                  </a:txBody>
+                  <a:tcPr marL="68580" marR="68580" marT="0" marB="0"/>
+                </a:tc>
+                <a:tc>
+                  <a:txBody>
+                    <a:bodyPr/>
+                    <a:lstStyle/>
+                    <a:p>
+                      <a:pPr algn="just">
+                        <a:lnSpc>
+                          <a:spcPct val="107000"/>
+                        </a:lnSpc>
+                        <a:spcAft>
+                          <a:spcPts val="800"/>
+                        </a:spcAft>
+                      </a:pPr>
+                      <a:r>
+                        <a:rPr lang="en-IN" sz="1200" kern="100">
+                          <a:effectLst/>
+                        </a:rPr>
+                        <a:t>F1-score</a:t>
+                      </a:r>
+                      <a:endParaRPr lang="en-IN" sz="1100" kern="100">
+                        <a:effectLst/>
+                        <a:latin typeface="Calibri" panose="020F0502020204030204" pitchFamily="34" charset="0"/>
+                        <a:ea typeface="Calibri" panose="020F0502020204030204" pitchFamily="34" charset="0"/>
+                        <a:cs typeface="Mangal" panose="02040503050203030202" pitchFamily="18" charset="0"/>
+                      </a:endParaRPr>
+                    </a:p>
+                  </a:txBody>
+                  <a:tcPr marL="68580" marR="68580" marT="0" marB="0"/>
+                </a:tc>
+                <a:tc>
+                  <a:txBody>
+                    <a:bodyPr/>
+                    <a:lstStyle/>
+                    <a:p>
+                      <a:pPr algn="just">
+                        <a:lnSpc>
+                          <a:spcPct val="107000"/>
+                        </a:lnSpc>
+                        <a:spcAft>
+                          <a:spcPts val="800"/>
+                        </a:spcAft>
+                      </a:pPr>
+                      <a:r>
+                        <a:rPr lang="en-IN" sz="1200" kern="100">
+                          <a:effectLst/>
+                        </a:rPr>
+                        <a:t>support</a:t>
+                      </a:r>
+                      <a:endParaRPr lang="en-IN" sz="1100" kern="100">
+                        <a:effectLst/>
+                        <a:latin typeface="Calibri" panose="020F0502020204030204" pitchFamily="34" charset="0"/>
+                        <a:ea typeface="Calibri" panose="020F0502020204030204" pitchFamily="34" charset="0"/>
+                        <a:cs typeface="Mangal" panose="02040503050203030202" pitchFamily="18" charset="0"/>
+                      </a:endParaRPr>
+                    </a:p>
+                  </a:txBody>
+                  <a:tcPr marL="68580" marR="68580" marT="0" marB="0"/>
+                </a:tc>
+                <a:extLst>
+                  <a:ext uri="{0D108BD9-81ED-4DB2-BD59-A6C34878D82A}">
+                    <a16:rowId xmlns:a16="http://schemas.microsoft.com/office/drawing/2014/main" val="205783533"/>
+                  </a:ext>
+                </a:extLst>
+              </a:tr>
+              <a:tr h="220030">
+                <a:tc>
+                  <a:txBody>
+                    <a:bodyPr/>
+                    <a:lstStyle/>
+                    <a:p>
+                      <a:pPr algn="just">
+                        <a:lnSpc>
+                          <a:spcPct val="107000"/>
+                        </a:lnSpc>
+                        <a:spcAft>
+                          <a:spcPts val="800"/>
+                        </a:spcAft>
+                      </a:pPr>
+                      <a:r>
+                        <a:rPr lang="en-IN" sz="1200" kern="100">
+                          <a:effectLst/>
+                        </a:rPr>
+                        <a:t>0</a:t>
+                      </a:r>
+                      <a:endParaRPr lang="en-IN" sz="1100" kern="100">
+                        <a:effectLst/>
+                        <a:latin typeface="Calibri" panose="020F0502020204030204" pitchFamily="34" charset="0"/>
+                        <a:ea typeface="Calibri" panose="020F0502020204030204" pitchFamily="34" charset="0"/>
+                        <a:cs typeface="Mangal" panose="02040503050203030202" pitchFamily="18" charset="0"/>
+                      </a:endParaRPr>
+                    </a:p>
+                  </a:txBody>
+                  <a:tcPr marL="68580" marR="68580" marT="0" marB="0"/>
+                </a:tc>
+                <a:tc>
+                  <a:txBody>
+                    <a:bodyPr/>
+                    <a:lstStyle/>
+                    <a:p>
+                      <a:pPr algn="just">
+                        <a:lnSpc>
+                          <a:spcPct val="107000"/>
+                        </a:lnSpc>
+                        <a:spcAft>
+                          <a:spcPts val="800"/>
+                        </a:spcAft>
+                      </a:pPr>
+                      <a:r>
+                        <a:rPr lang="en-IN" sz="1200" kern="100">
+                          <a:effectLst/>
+                        </a:rPr>
+                        <a:t>0.98</a:t>
+                      </a:r>
+                      <a:endParaRPr lang="en-IN" sz="1100" kern="100">
+                        <a:effectLst/>
+                        <a:latin typeface="Calibri" panose="020F0502020204030204" pitchFamily="34" charset="0"/>
+                        <a:ea typeface="Calibri" panose="020F0502020204030204" pitchFamily="34" charset="0"/>
+                        <a:cs typeface="Mangal" panose="02040503050203030202" pitchFamily="18" charset="0"/>
+                      </a:endParaRPr>
+                    </a:p>
+                  </a:txBody>
+                  <a:tcPr marL="68580" marR="68580" marT="0" marB="0"/>
+                </a:tc>
+                <a:tc>
+                  <a:txBody>
+                    <a:bodyPr/>
+                    <a:lstStyle/>
+                    <a:p>
+                      <a:pPr algn="just">
+                        <a:lnSpc>
+                          <a:spcPct val="107000"/>
+                        </a:lnSpc>
+                        <a:spcAft>
+                          <a:spcPts val="800"/>
+                        </a:spcAft>
+                      </a:pPr>
+                      <a:r>
+                        <a:rPr lang="en-IN" sz="1200" kern="100">
+                          <a:effectLst/>
+                        </a:rPr>
+                        <a:t>0.96</a:t>
+                      </a:r>
+                      <a:endParaRPr lang="en-IN" sz="1100" kern="100">
+                        <a:effectLst/>
+                        <a:latin typeface="Calibri" panose="020F0502020204030204" pitchFamily="34" charset="0"/>
+                        <a:ea typeface="Calibri" panose="020F0502020204030204" pitchFamily="34" charset="0"/>
+                        <a:cs typeface="Mangal" panose="02040503050203030202" pitchFamily="18" charset="0"/>
+                      </a:endParaRPr>
+                    </a:p>
+                  </a:txBody>
+                  <a:tcPr marL="68580" marR="68580" marT="0" marB="0"/>
+                </a:tc>
+                <a:tc>
+                  <a:txBody>
+                    <a:bodyPr/>
+                    <a:lstStyle/>
+                    <a:p>
+                      <a:pPr algn="just">
+                        <a:lnSpc>
+                          <a:spcPct val="107000"/>
+                        </a:lnSpc>
+                        <a:spcAft>
+                          <a:spcPts val="800"/>
+                        </a:spcAft>
+                      </a:pPr>
+                      <a:r>
+                        <a:rPr lang="en-IN" sz="1200" kern="100" dirty="0">
+                          <a:effectLst/>
+                        </a:rPr>
+                        <a:t>0.97</a:t>
+                      </a:r>
+                      <a:endParaRPr lang="en-IN" sz="1100" kern="100" dirty="0">
+                        <a:effectLst/>
+                        <a:latin typeface="Calibri" panose="020F0502020204030204" pitchFamily="34" charset="0"/>
+                        <a:ea typeface="Calibri" panose="020F0502020204030204" pitchFamily="34" charset="0"/>
+                        <a:cs typeface="Mangal" panose="02040503050203030202" pitchFamily="18" charset="0"/>
+                      </a:endParaRPr>
+                    </a:p>
+                  </a:txBody>
+                  <a:tcPr marL="68580" marR="68580" marT="0" marB="0"/>
+                </a:tc>
+                <a:tc>
+                  <a:txBody>
+                    <a:bodyPr/>
+                    <a:lstStyle/>
+                    <a:p>
+                      <a:pPr algn="just">
+                        <a:lnSpc>
+                          <a:spcPct val="107000"/>
+                        </a:lnSpc>
+                        <a:spcAft>
+                          <a:spcPts val="800"/>
+                        </a:spcAft>
+                      </a:pPr>
+                      <a:r>
+                        <a:rPr lang="en-IN" sz="1200" kern="100">
+                          <a:effectLst/>
+                        </a:rPr>
+                        <a:t>32488</a:t>
+                      </a:r>
+                      <a:endParaRPr lang="en-IN" sz="1100" kern="100">
+                        <a:effectLst/>
+                        <a:latin typeface="Calibri" panose="020F0502020204030204" pitchFamily="34" charset="0"/>
+                        <a:ea typeface="Calibri" panose="020F0502020204030204" pitchFamily="34" charset="0"/>
+                        <a:cs typeface="Mangal" panose="02040503050203030202" pitchFamily="18" charset="0"/>
+                      </a:endParaRPr>
+                    </a:p>
+                  </a:txBody>
+                  <a:tcPr marL="68580" marR="68580" marT="0" marB="0"/>
+                </a:tc>
+                <a:extLst>
+                  <a:ext uri="{0D108BD9-81ED-4DB2-BD59-A6C34878D82A}">
+                    <a16:rowId xmlns:a16="http://schemas.microsoft.com/office/drawing/2014/main" val="804799362"/>
+                  </a:ext>
+                </a:extLst>
+              </a:tr>
+              <a:tr h="220030">
+                <a:tc>
+                  <a:txBody>
+                    <a:bodyPr/>
+                    <a:lstStyle/>
+                    <a:p>
+                      <a:pPr algn="just">
+                        <a:lnSpc>
+                          <a:spcPct val="107000"/>
+                        </a:lnSpc>
+                        <a:spcAft>
+                          <a:spcPts val="800"/>
+                        </a:spcAft>
+                      </a:pPr>
+                      <a:r>
+                        <a:rPr lang="en-IN" sz="1200" kern="100">
+                          <a:effectLst/>
+                        </a:rPr>
+                        <a:t>1</a:t>
+                      </a:r>
+                      <a:endParaRPr lang="en-IN" sz="1100" kern="100">
+                        <a:effectLst/>
+                        <a:latin typeface="Calibri" panose="020F0502020204030204" pitchFamily="34" charset="0"/>
+                        <a:ea typeface="Calibri" panose="020F0502020204030204" pitchFamily="34" charset="0"/>
+                        <a:cs typeface="Mangal" panose="02040503050203030202" pitchFamily="18" charset="0"/>
+                      </a:endParaRPr>
+                    </a:p>
+                  </a:txBody>
+                  <a:tcPr marL="68580" marR="68580" marT="0" marB="0"/>
+                </a:tc>
+                <a:tc>
+                  <a:txBody>
+                    <a:bodyPr/>
+                    <a:lstStyle/>
+                    <a:p>
+                      <a:pPr algn="just">
+                        <a:lnSpc>
+                          <a:spcPct val="107000"/>
+                        </a:lnSpc>
+                        <a:spcAft>
+                          <a:spcPts val="800"/>
+                        </a:spcAft>
+                      </a:pPr>
+                      <a:r>
+                        <a:rPr lang="en-IN" sz="1200" kern="100">
+                          <a:effectLst/>
+                        </a:rPr>
+                        <a:t>0.96</a:t>
+                      </a:r>
+                      <a:endParaRPr lang="en-IN" sz="1100" kern="100">
+                        <a:effectLst/>
+                        <a:latin typeface="Calibri" panose="020F0502020204030204" pitchFamily="34" charset="0"/>
+                        <a:ea typeface="Calibri" panose="020F0502020204030204" pitchFamily="34" charset="0"/>
+                        <a:cs typeface="Mangal" panose="02040503050203030202" pitchFamily="18" charset="0"/>
+                      </a:endParaRPr>
+                    </a:p>
+                  </a:txBody>
+                  <a:tcPr marL="68580" marR="68580" marT="0" marB="0"/>
+                </a:tc>
+                <a:tc>
+                  <a:txBody>
+                    <a:bodyPr/>
+                    <a:lstStyle/>
+                    <a:p>
+                      <a:pPr algn="just">
+                        <a:lnSpc>
+                          <a:spcPct val="107000"/>
+                        </a:lnSpc>
+                        <a:spcAft>
+                          <a:spcPts val="800"/>
+                        </a:spcAft>
+                      </a:pPr>
+                      <a:r>
+                        <a:rPr lang="en-IN" sz="1200" kern="100">
+                          <a:effectLst/>
+                        </a:rPr>
+                        <a:t>0.98</a:t>
+                      </a:r>
+                      <a:endParaRPr lang="en-IN" sz="1100" kern="100">
+                        <a:effectLst/>
+                        <a:latin typeface="Calibri" panose="020F0502020204030204" pitchFamily="34" charset="0"/>
+                        <a:ea typeface="Calibri" panose="020F0502020204030204" pitchFamily="34" charset="0"/>
+                        <a:cs typeface="Mangal" panose="02040503050203030202" pitchFamily="18" charset="0"/>
+                      </a:endParaRPr>
+                    </a:p>
+                  </a:txBody>
+                  <a:tcPr marL="68580" marR="68580" marT="0" marB="0"/>
+                </a:tc>
+                <a:tc>
+                  <a:txBody>
+                    <a:bodyPr/>
+                    <a:lstStyle/>
+                    <a:p>
+                      <a:pPr algn="just">
+                        <a:lnSpc>
+                          <a:spcPct val="107000"/>
+                        </a:lnSpc>
+                        <a:spcAft>
+                          <a:spcPts val="800"/>
+                        </a:spcAft>
+                      </a:pPr>
+                      <a:r>
+                        <a:rPr lang="en-IN" sz="1200" kern="100">
+                          <a:effectLst/>
+                        </a:rPr>
+                        <a:t>0.97</a:t>
+                      </a:r>
+                      <a:endParaRPr lang="en-IN" sz="1100" kern="100">
+                        <a:effectLst/>
+                        <a:latin typeface="Calibri" panose="020F0502020204030204" pitchFamily="34" charset="0"/>
+                        <a:ea typeface="Calibri" panose="020F0502020204030204" pitchFamily="34" charset="0"/>
+                        <a:cs typeface="Mangal" panose="02040503050203030202" pitchFamily="18" charset="0"/>
+                      </a:endParaRPr>
+                    </a:p>
+                  </a:txBody>
+                  <a:tcPr marL="68580" marR="68580" marT="0" marB="0"/>
+                </a:tc>
+                <a:tc>
+                  <a:txBody>
+                    <a:bodyPr/>
+                    <a:lstStyle/>
+                    <a:p>
+                      <a:pPr algn="just">
+                        <a:lnSpc>
+                          <a:spcPct val="107000"/>
+                        </a:lnSpc>
+                        <a:spcAft>
+                          <a:spcPts val="800"/>
+                        </a:spcAft>
+                      </a:pPr>
+                      <a:r>
+                        <a:rPr lang="en-IN" sz="1200" kern="100">
+                          <a:effectLst/>
+                        </a:rPr>
+                        <a:t>32488</a:t>
+                      </a:r>
+                      <a:endParaRPr lang="en-IN" sz="1100" kern="100">
+                        <a:effectLst/>
+                        <a:latin typeface="Calibri" panose="020F0502020204030204" pitchFamily="34" charset="0"/>
+                        <a:ea typeface="Calibri" panose="020F0502020204030204" pitchFamily="34" charset="0"/>
+                        <a:cs typeface="Mangal" panose="02040503050203030202" pitchFamily="18" charset="0"/>
+                      </a:endParaRPr>
+                    </a:p>
+                  </a:txBody>
+                  <a:tcPr marL="68580" marR="68580" marT="0" marB="0"/>
+                </a:tc>
+                <a:extLst>
+                  <a:ext uri="{0D108BD9-81ED-4DB2-BD59-A6C34878D82A}">
+                    <a16:rowId xmlns:a16="http://schemas.microsoft.com/office/drawing/2014/main" val="989306251"/>
+                  </a:ext>
+                </a:extLst>
+              </a:tr>
+              <a:tr h="220030">
+                <a:tc>
+                  <a:txBody>
+                    <a:bodyPr/>
+                    <a:lstStyle/>
+                    <a:p>
+                      <a:pPr algn="just">
+                        <a:lnSpc>
+                          <a:spcPct val="107000"/>
+                        </a:lnSpc>
+                        <a:spcAft>
+                          <a:spcPts val="800"/>
+                        </a:spcAft>
+                      </a:pPr>
+                      <a:r>
+                        <a:rPr lang="en-IN" sz="1200" kern="100">
+                          <a:effectLst/>
+                        </a:rPr>
+                        <a:t>Accuracy</a:t>
+                      </a:r>
+                      <a:endParaRPr lang="en-IN" sz="1100" kern="100">
+                        <a:effectLst/>
+                        <a:latin typeface="Calibri" panose="020F0502020204030204" pitchFamily="34" charset="0"/>
+                        <a:ea typeface="Calibri" panose="020F0502020204030204" pitchFamily="34" charset="0"/>
+                        <a:cs typeface="Mangal" panose="02040503050203030202" pitchFamily="18" charset="0"/>
+                      </a:endParaRPr>
+                    </a:p>
+                  </a:txBody>
+                  <a:tcPr marL="68580" marR="68580" marT="0" marB="0"/>
+                </a:tc>
+                <a:tc>
+                  <a:txBody>
+                    <a:bodyPr/>
+                    <a:lstStyle/>
+                    <a:p>
+                      <a:pPr algn="just">
+                        <a:lnSpc>
+                          <a:spcPct val="107000"/>
+                        </a:lnSpc>
+                        <a:spcAft>
+                          <a:spcPts val="800"/>
+                        </a:spcAft>
+                      </a:pPr>
+                      <a:r>
+                        <a:rPr lang="en-IN" sz="1200" kern="100">
+                          <a:effectLst/>
+                        </a:rPr>
+                        <a:t> </a:t>
+                      </a:r>
+                      <a:endParaRPr lang="en-IN" sz="1100" kern="100">
+                        <a:effectLst/>
+                        <a:latin typeface="Calibri" panose="020F0502020204030204" pitchFamily="34" charset="0"/>
+                        <a:ea typeface="Calibri" panose="020F0502020204030204" pitchFamily="34" charset="0"/>
+                        <a:cs typeface="Mangal" panose="02040503050203030202" pitchFamily="18" charset="0"/>
+                      </a:endParaRPr>
+                    </a:p>
+                  </a:txBody>
+                  <a:tcPr marL="68580" marR="68580" marT="0" marB="0"/>
+                </a:tc>
+                <a:tc>
+                  <a:txBody>
+                    <a:bodyPr/>
+                    <a:lstStyle/>
+                    <a:p>
+                      <a:pPr algn="just">
+                        <a:lnSpc>
+                          <a:spcPct val="107000"/>
+                        </a:lnSpc>
+                        <a:spcAft>
+                          <a:spcPts val="800"/>
+                        </a:spcAft>
+                      </a:pPr>
+                      <a:r>
+                        <a:rPr lang="en-IN" sz="1200" kern="100">
+                          <a:effectLst/>
+                        </a:rPr>
+                        <a:t> </a:t>
+                      </a:r>
+                      <a:endParaRPr lang="en-IN" sz="1100" kern="100">
+                        <a:effectLst/>
+                        <a:latin typeface="Calibri" panose="020F0502020204030204" pitchFamily="34" charset="0"/>
+                        <a:ea typeface="Calibri" panose="020F0502020204030204" pitchFamily="34" charset="0"/>
+                        <a:cs typeface="Mangal" panose="02040503050203030202" pitchFamily="18" charset="0"/>
+                      </a:endParaRPr>
+                    </a:p>
+                  </a:txBody>
+                  <a:tcPr marL="68580" marR="68580" marT="0" marB="0"/>
+                </a:tc>
+                <a:tc>
+                  <a:txBody>
+                    <a:bodyPr/>
+                    <a:lstStyle/>
+                    <a:p>
+                      <a:pPr algn="just">
+                        <a:lnSpc>
+                          <a:spcPct val="107000"/>
+                        </a:lnSpc>
+                        <a:spcAft>
+                          <a:spcPts val="800"/>
+                        </a:spcAft>
+                      </a:pPr>
+                      <a:r>
+                        <a:rPr lang="en-IN" sz="1200" kern="100">
+                          <a:effectLst/>
+                        </a:rPr>
+                        <a:t>0.95</a:t>
+                      </a:r>
+                      <a:endParaRPr lang="en-IN" sz="1100" kern="100">
+                        <a:effectLst/>
+                        <a:latin typeface="Calibri" panose="020F0502020204030204" pitchFamily="34" charset="0"/>
+                        <a:ea typeface="Calibri" panose="020F0502020204030204" pitchFamily="34" charset="0"/>
+                        <a:cs typeface="Mangal" panose="02040503050203030202" pitchFamily="18" charset="0"/>
+                      </a:endParaRPr>
+                    </a:p>
+                  </a:txBody>
+                  <a:tcPr marL="68580" marR="68580" marT="0" marB="0"/>
+                </a:tc>
+                <a:tc>
+                  <a:txBody>
+                    <a:bodyPr/>
+                    <a:lstStyle/>
+                    <a:p>
+                      <a:pPr algn="just">
+                        <a:lnSpc>
+                          <a:spcPct val="107000"/>
+                        </a:lnSpc>
+                        <a:spcAft>
+                          <a:spcPts val="800"/>
+                        </a:spcAft>
+                      </a:pPr>
+                      <a:r>
+                        <a:rPr lang="en-IN" sz="1200" kern="100">
+                          <a:effectLst/>
+                        </a:rPr>
+                        <a:t>64976</a:t>
+                      </a:r>
+                      <a:endParaRPr lang="en-IN" sz="1100" kern="100">
+                        <a:effectLst/>
+                        <a:latin typeface="Calibri" panose="020F0502020204030204" pitchFamily="34" charset="0"/>
+                        <a:ea typeface="Calibri" panose="020F0502020204030204" pitchFamily="34" charset="0"/>
+                        <a:cs typeface="Mangal" panose="02040503050203030202" pitchFamily="18" charset="0"/>
+                      </a:endParaRPr>
+                    </a:p>
+                  </a:txBody>
+                  <a:tcPr marL="68580" marR="68580" marT="0" marB="0"/>
+                </a:tc>
+                <a:extLst>
+                  <a:ext uri="{0D108BD9-81ED-4DB2-BD59-A6C34878D82A}">
+                    <a16:rowId xmlns:a16="http://schemas.microsoft.com/office/drawing/2014/main" val="2523366064"/>
+                  </a:ext>
+                </a:extLst>
+              </a:tr>
+              <a:tr h="220030">
+                <a:tc>
+                  <a:txBody>
+                    <a:bodyPr/>
+                    <a:lstStyle/>
+                    <a:p>
+                      <a:pPr algn="just">
+                        <a:lnSpc>
+                          <a:spcPct val="107000"/>
+                        </a:lnSpc>
+                        <a:spcAft>
+                          <a:spcPts val="800"/>
+                        </a:spcAft>
+                      </a:pPr>
+                      <a:r>
+                        <a:rPr lang="en-IN" sz="1200" kern="100">
+                          <a:effectLst/>
+                        </a:rPr>
+                        <a:t>Macro avg</a:t>
+                      </a:r>
+                      <a:endParaRPr lang="en-IN" sz="1100" kern="100">
+                        <a:effectLst/>
+                        <a:latin typeface="Calibri" panose="020F0502020204030204" pitchFamily="34" charset="0"/>
+                        <a:ea typeface="Calibri" panose="020F0502020204030204" pitchFamily="34" charset="0"/>
+                        <a:cs typeface="Mangal" panose="02040503050203030202" pitchFamily="18" charset="0"/>
+                      </a:endParaRPr>
+                    </a:p>
+                  </a:txBody>
+                  <a:tcPr marL="68580" marR="68580" marT="0" marB="0"/>
+                </a:tc>
+                <a:tc>
+                  <a:txBody>
+                    <a:bodyPr/>
+                    <a:lstStyle/>
+                    <a:p>
+                      <a:pPr algn="just">
+                        <a:lnSpc>
+                          <a:spcPct val="107000"/>
+                        </a:lnSpc>
+                        <a:spcAft>
+                          <a:spcPts val="800"/>
+                        </a:spcAft>
+                      </a:pPr>
+                      <a:r>
+                        <a:rPr lang="en-IN" sz="1200" kern="100">
+                          <a:effectLst/>
+                        </a:rPr>
+                        <a:t>0.91</a:t>
+                      </a:r>
+                      <a:endParaRPr lang="en-IN" sz="1100" kern="100">
+                        <a:effectLst/>
+                        <a:latin typeface="Calibri" panose="020F0502020204030204" pitchFamily="34" charset="0"/>
+                        <a:ea typeface="Calibri" panose="020F0502020204030204" pitchFamily="34" charset="0"/>
+                        <a:cs typeface="Mangal" panose="02040503050203030202" pitchFamily="18" charset="0"/>
+                      </a:endParaRPr>
+                    </a:p>
+                  </a:txBody>
+                  <a:tcPr marL="68580" marR="68580" marT="0" marB="0"/>
+                </a:tc>
+                <a:tc>
+                  <a:txBody>
+                    <a:bodyPr/>
+                    <a:lstStyle/>
+                    <a:p>
+                      <a:pPr algn="just">
+                        <a:lnSpc>
+                          <a:spcPct val="107000"/>
+                        </a:lnSpc>
+                        <a:spcAft>
+                          <a:spcPts val="800"/>
+                        </a:spcAft>
+                      </a:pPr>
+                      <a:r>
+                        <a:rPr lang="en-IN" sz="1200" kern="100">
+                          <a:effectLst/>
+                        </a:rPr>
+                        <a:t>0.91</a:t>
+                      </a:r>
+                      <a:endParaRPr lang="en-IN" sz="1100" kern="100">
+                        <a:effectLst/>
+                        <a:latin typeface="Calibri" panose="020F0502020204030204" pitchFamily="34" charset="0"/>
+                        <a:ea typeface="Calibri" panose="020F0502020204030204" pitchFamily="34" charset="0"/>
+                        <a:cs typeface="Mangal" panose="02040503050203030202" pitchFamily="18" charset="0"/>
+                      </a:endParaRPr>
+                    </a:p>
+                  </a:txBody>
+                  <a:tcPr marL="68580" marR="68580" marT="0" marB="0"/>
+                </a:tc>
+                <a:tc>
+                  <a:txBody>
+                    <a:bodyPr/>
+                    <a:lstStyle/>
+                    <a:p>
+                      <a:pPr algn="just">
+                        <a:lnSpc>
+                          <a:spcPct val="107000"/>
+                        </a:lnSpc>
+                        <a:spcAft>
+                          <a:spcPts val="800"/>
+                        </a:spcAft>
+                      </a:pPr>
+                      <a:r>
+                        <a:rPr lang="en-IN" sz="1200" kern="100">
+                          <a:effectLst/>
+                        </a:rPr>
+                        <a:t>0.91</a:t>
+                      </a:r>
+                      <a:endParaRPr lang="en-IN" sz="1100" kern="100">
+                        <a:effectLst/>
+                        <a:latin typeface="Calibri" panose="020F0502020204030204" pitchFamily="34" charset="0"/>
+                        <a:ea typeface="Calibri" panose="020F0502020204030204" pitchFamily="34" charset="0"/>
+                        <a:cs typeface="Mangal" panose="02040503050203030202" pitchFamily="18" charset="0"/>
+                      </a:endParaRPr>
+                    </a:p>
+                  </a:txBody>
+                  <a:tcPr marL="68580" marR="68580" marT="0" marB="0"/>
+                </a:tc>
+                <a:tc>
+                  <a:txBody>
+                    <a:bodyPr/>
+                    <a:lstStyle/>
+                    <a:p>
+                      <a:pPr algn="just">
+                        <a:lnSpc>
+                          <a:spcPct val="107000"/>
+                        </a:lnSpc>
+                        <a:spcAft>
+                          <a:spcPts val="800"/>
+                        </a:spcAft>
+                      </a:pPr>
+                      <a:r>
+                        <a:rPr lang="en-IN" sz="1200" kern="100">
+                          <a:effectLst/>
+                        </a:rPr>
+                        <a:t>64976</a:t>
+                      </a:r>
+                      <a:endParaRPr lang="en-IN" sz="1100" kern="100">
+                        <a:effectLst/>
+                        <a:latin typeface="Calibri" panose="020F0502020204030204" pitchFamily="34" charset="0"/>
+                        <a:ea typeface="Calibri" panose="020F0502020204030204" pitchFamily="34" charset="0"/>
+                        <a:cs typeface="Mangal" panose="02040503050203030202" pitchFamily="18" charset="0"/>
+                      </a:endParaRPr>
+                    </a:p>
+                  </a:txBody>
+                  <a:tcPr marL="68580" marR="68580" marT="0" marB="0"/>
+                </a:tc>
+                <a:extLst>
+                  <a:ext uri="{0D108BD9-81ED-4DB2-BD59-A6C34878D82A}">
+                    <a16:rowId xmlns:a16="http://schemas.microsoft.com/office/drawing/2014/main" val="2500902984"/>
+                  </a:ext>
+                </a:extLst>
+              </a:tr>
+              <a:tr h="220030">
+                <a:tc>
+                  <a:txBody>
+                    <a:bodyPr/>
+                    <a:lstStyle/>
+                    <a:p>
+                      <a:pPr algn="just">
+                        <a:lnSpc>
+                          <a:spcPct val="107000"/>
+                        </a:lnSpc>
+                        <a:spcAft>
+                          <a:spcPts val="800"/>
+                        </a:spcAft>
+                      </a:pPr>
+                      <a:r>
+                        <a:rPr lang="en-IN" sz="1200" kern="100">
+                          <a:effectLst/>
+                        </a:rPr>
+                        <a:t>Weighted avg</a:t>
+                      </a:r>
+                      <a:endParaRPr lang="en-IN" sz="1100" kern="100">
+                        <a:effectLst/>
+                        <a:latin typeface="Calibri" panose="020F0502020204030204" pitchFamily="34" charset="0"/>
+                        <a:ea typeface="Calibri" panose="020F0502020204030204" pitchFamily="34" charset="0"/>
+                        <a:cs typeface="Mangal" panose="02040503050203030202" pitchFamily="18" charset="0"/>
+                      </a:endParaRPr>
+                    </a:p>
+                  </a:txBody>
+                  <a:tcPr marL="68580" marR="68580" marT="0" marB="0"/>
+                </a:tc>
+                <a:tc>
+                  <a:txBody>
+                    <a:bodyPr/>
+                    <a:lstStyle/>
+                    <a:p>
+                      <a:pPr algn="just">
+                        <a:lnSpc>
+                          <a:spcPct val="107000"/>
+                        </a:lnSpc>
+                        <a:spcAft>
+                          <a:spcPts val="800"/>
+                        </a:spcAft>
+                      </a:pPr>
+                      <a:r>
+                        <a:rPr lang="en-IN" sz="1200" kern="100">
+                          <a:effectLst/>
+                        </a:rPr>
+                        <a:t>0.95</a:t>
+                      </a:r>
+                      <a:endParaRPr lang="en-IN" sz="1100" kern="100">
+                        <a:effectLst/>
+                        <a:latin typeface="Calibri" panose="020F0502020204030204" pitchFamily="34" charset="0"/>
+                        <a:ea typeface="Calibri" panose="020F0502020204030204" pitchFamily="34" charset="0"/>
+                        <a:cs typeface="Mangal" panose="02040503050203030202" pitchFamily="18" charset="0"/>
+                      </a:endParaRPr>
+                    </a:p>
+                  </a:txBody>
+                  <a:tcPr marL="68580" marR="68580" marT="0" marB="0"/>
+                </a:tc>
+                <a:tc>
+                  <a:txBody>
+                    <a:bodyPr/>
+                    <a:lstStyle/>
+                    <a:p>
+                      <a:pPr algn="just">
+                        <a:lnSpc>
+                          <a:spcPct val="107000"/>
+                        </a:lnSpc>
+                        <a:spcAft>
+                          <a:spcPts val="800"/>
+                        </a:spcAft>
+                      </a:pPr>
+                      <a:r>
+                        <a:rPr lang="en-IN" sz="1200" kern="100">
+                          <a:effectLst/>
+                        </a:rPr>
+                        <a:t>0.95</a:t>
+                      </a:r>
+                      <a:endParaRPr lang="en-IN" sz="1100" kern="100">
+                        <a:effectLst/>
+                        <a:latin typeface="Calibri" panose="020F0502020204030204" pitchFamily="34" charset="0"/>
+                        <a:ea typeface="Calibri" panose="020F0502020204030204" pitchFamily="34" charset="0"/>
+                        <a:cs typeface="Mangal" panose="02040503050203030202" pitchFamily="18" charset="0"/>
+                      </a:endParaRPr>
+                    </a:p>
+                  </a:txBody>
+                  <a:tcPr marL="68580" marR="68580" marT="0" marB="0"/>
+                </a:tc>
+                <a:tc>
+                  <a:txBody>
+                    <a:bodyPr/>
+                    <a:lstStyle/>
+                    <a:p>
+                      <a:pPr algn="just">
+                        <a:lnSpc>
+                          <a:spcPct val="107000"/>
+                        </a:lnSpc>
+                        <a:spcAft>
+                          <a:spcPts val="800"/>
+                        </a:spcAft>
+                      </a:pPr>
+                      <a:r>
+                        <a:rPr lang="en-IN" sz="1200" kern="100">
+                          <a:effectLst/>
+                        </a:rPr>
+                        <a:t>0.95</a:t>
+                      </a:r>
+                      <a:endParaRPr lang="en-IN" sz="1100" kern="100">
+                        <a:effectLst/>
+                        <a:latin typeface="Calibri" panose="020F0502020204030204" pitchFamily="34" charset="0"/>
+                        <a:ea typeface="Calibri" panose="020F0502020204030204" pitchFamily="34" charset="0"/>
+                        <a:cs typeface="Mangal" panose="02040503050203030202" pitchFamily="18" charset="0"/>
+                      </a:endParaRPr>
+                    </a:p>
+                  </a:txBody>
+                  <a:tcPr marL="68580" marR="68580" marT="0" marB="0"/>
+                </a:tc>
+                <a:tc>
+                  <a:txBody>
+                    <a:bodyPr/>
+                    <a:lstStyle/>
+                    <a:p>
+                      <a:pPr algn="just">
+                        <a:lnSpc>
+                          <a:spcPct val="107000"/>
+                        </a:lnSpc>
+                        <a:spcAft>
+                          <a:spcPts val="800"/>
+                        </a:spcAft>
+                      </a:pPr>
+                      <a:r>
+                        <a:rPr lang="en-IN" sz="1200" kern="100" dirty="0">
+                          <a:effectLst/>
+                        </a:rPr>
+                        <a:t>64976</a:t>
+                      </a:r>
+                      <a:endParaRPr lang="en-IN" sz="1100" kern="100" dirty="0">
+                        <a:effectLst/>
+                        <a:latin typeface="Calibri" panose="020F0502020204030204" pitchFamily="34" charset="0"/>
+                        <a:ea typeface="Calibri" panose="020F0502020204030204" pitchFamily="34" charset="0"/>
+                        <a:cs typeface="Mangal" panose="02040503050203030202" pitchFamily="18" charset="0"/>
+                      </a:endParaRPr>
+                    </a:p>
+                  </a:txBody>
+                  <a:tcPr marL="68580" marR="68580" marT="0" marB="0"/>
+                </a:tc>
+                <a:extLst>
+                  <a:ext uri="{0D108BD9-81ED-4DB2-BD59-A6C34878D82A}">
+                    <a16:rowId xmlns:a16="http://schemas.microsoft.com/office/drawing/2014/main" val="2605280230"/>
+                  </a:ext>
+                </a:extLst>
+              </a:tr>
+            </a:tbl>
+          </a:graphicData>
+        </a:graphic>
+      </p:graphicFrame>
+      <p:graphicFrame>
+        <p:nvGraphicFramePr>
+          <p:cNvPr id="7" name="Table 6">
+            <a:extLst>
+              <a:ext uri="{FF2B5EF4-FFF2-40B4-BE49-F238E27FC236}">
+                <a16:creationId xmlns:a16="http://schemas.microsoft.com/office/drawing/2014/main" id="{9492B766-48A5-8F2B-F0EB-B41BBA74DDCD}"/>
+              </a:ext>
+            </a:extLst>
+          </p:cNvPr>
+          <p:cNvGraphicFramePr>
+            <a:graphicFrameLocks noGrp="1"/>
+          </p:cNvGraphicFramePr>
+          <p:nvPr>
+            <p:extLst>
+              <p:ext uri="{D42A27DB-BD31-4B8C-83A1-F6EECF244321}">
+                <p14:modId xmlns:p14="http://schemas.microsoft.com/office/powerpoint/2010/main" val="3880807678"/>
+              </p:ext>
+            </p:extLst>
+          </p:nvPr>
+        </p:nvGraphicFramePr>
+        <p:xfrm>
+          <a:off x="5719602" y="5115591"/>
+          <a:ext cx="4883820" cy="1550681"/>
+        </p:xfrm>
+        <a:graphic>
+          <a:graphicData uri="http://schemas.openxmlformats.org/drawingml/2006/table">
+            <a:tbl>
+              <a:tblPr firstRow="1" firstCol="1" bandRow="1">
+                <a:tableStyleId>{5C22544A-7EE6-4342-B048-85BDC9FD1C3A}</a:tableStyleId>
+              </a:tblPr>
+              <a:tblGrid>
+                <a:gridCol w="1237264">
+                  <a:extLst>
+                    <a:ext uri="{9D8B030D-6E8A-4147-A177-3AD203B41FA5}">
+                      <a16:colId xmlns:a16="http://schemas.microsoft.com/office/drawing/2014/main" val="1749447144"/>
+                    </a:ext>
+                  </a:extLst>
+                </a:gridCol>
+                <a:gridCol w="799677">
+                  <a:extLst>
+                    <a:ext uri="{9D8B030D-6E8A-4147-A177-3AD203B41FA5}">
+                      <a16:colId xmlns:a16="http://schemas.microsoft.com/office/drawing/2014/main" val="3916995760"/>
+                    </a:ext>
+                  </a:extLst>
+                </a:gridCol>
+                <a:gridCol w="944806">
+                  <a:extLst>
+                    <a:ext uri="{9D8B030D-6E8A-4147-A177-3AD203B41FA5}">
+                      <a16:colId xmlns:a16="http://schemas.microsoft.com/office/drawing/2014/main" val="1645338459"/>
+                    </a:ext>
+                  </a:extLst>
+                </a:gridCol>
+                <a:gridCol w="944806">
+                  <a:extLst>
+                    <a:ext uri="{9D8B030D-6E8A-4147-A177-3AD203B41FA5}">
+                      <a16:colId xmlns:a16="http://schemas.microsoft.com/office/drawing/2014/main" val="2764101618"/>
+                    </a:ext>
+                  </a:extLst>
+                </a:gridCol>
+                <a:gridCol w="957267">
+                  <a:extLst>
+                    <a:ext uri="{9D8B030D-6E8A-4147-A177-3AD203B41FA5}">
+                      <a16:colId xmlns:a16="http://schemas.microsoft.com/office/drawing/2014/main" val="3033205072"/>
+                    </a:ext>
+                  </a:extLst>
+                </a:gridCol>
+              </a:tblGrid>
+              <a:tr h="450531">
+                <a:tc>
+                  <a:txBody>
+                    <a:bodyPr/>
+                    <a:lstStyle/>
+                    <a:p>
+                      <a:pPr algn="just">
+                        <a:lnSpc>
+                          <a:spcPct val="107000"/>
+                        </a:lnSpc>
+                        <a:spcAft>
+                          <a:spcPts val="800"/>
+                        </a:spcAft>
+                      </a:pPr>
+                      <a:r>
+                        <a:rPr lang="en-IN" sz="1200" kern="100" dirty="0">
+                          <a:effectLst/>
+                        </a:rPr>
+                        <a:t> Test Set Metrics</a:t>
+                      </a:r>
+                      <a:endParaRPr lang="en-IN" sz="1100" kern="100" dirty="0">
+                        <a:effectLst/>
+                        <a:latin typeface="Calibri" panose="020F0502020204030204" pitchFamily="34" charset="0"/>
+                        <a:ea typeface="Calibri" panose="020F0502020204030204" pitchFamily="34" charset="0"/>
+                        <a:cs typeface="Mangal" panose="02040503050203030202" pitchFamily="18" charset="0"/>
+                      </a:endParaRPr>
+                    </a:p>
+                  </a:txBody>
+                  <a:tcPr marL="68580" marR="68580" marT="0" marB="0"/>
+                </a:tc>
+                <a:tc>
+                  <a:txBody>
+                    <a:bodyPr/>
+                    <a:lstStyle/>
+                    <a:p>
+                      <a:pPr algn="just">
+                        <a:lnSpc>
+                          <a:spcPct val="107000"/>
+                        </a:lnSpc>
+                        <a:spcAft>
+                          <a:spcPts val="800"/>
+                        </a:spcAft>
+                      </a:pPr>
+                      <a:r>
+                        <a:rPr lang="en-IN" sz="1200" kern="100">
+                          <a:effectLst/>
+                        </a:rPr>
+                        <a:t>precision</a:t>
+                      </a:r>
+                      <a:endParaRPr lang="en-IN" sz="1100" kern="100">
+                        <a:effectLst/>
+                        <a:latin typeface="Calibri" panose="020F0502020204030204" pitchFamily="34" charset="0"/>
+                        <a:ea typeface="Calibri" panose="020F0502020204030204" pitchFamily="34" charset="0"/>
+                        <a:cs typeface="Mangal" panose="02040503050203030202" pitchFamily="18" charset="0"/>
+                      </a:endParaRPr>
+                    </a:p>
+                  </a:txBody>
+                  <a:tcPr marL="68580" marR="68580" marT="0" marB="0"/>
+                </a:tc>
+                <a:tc>
+                  <a:txBody>
+                    <a:bodyPr/>
+                    <a:lstStyle/>
+                    <a:p>
+                      <a:pPr algn="just">
+                        <a:lnSpc>
+                          <a:spcPct val="107000"/>
+                        </a:lnSpc>
+                        <a:spcAft>
+                          <a:spcPts val="800"/>
+                        </a:spcAft>
+                      </a:pPr>
+                      <a:r>
+                        <a:rPr lang="en-IN" sz="1200" kern="100">
+                          <a:effectLst/>
+                        </a:rPr>
+                        <a:t>recall</a:t>
+                      </a:r>
+                      <a:endParaRPr lang="en-IN" sz="1100" kern="100">
+                        <a:effectLst/>
+                        <a:latin typeface="Calibri" panose="020F0502020204030204" pitchFamily="34" charset="0"/>
+                        <a:ea typeface="Calibri" panose="020F0502020204030204" pitchFamily="34" charset="0"/>
+                        <a:cs typeface="Mangal" panose="02040503050203030202" pitchFamily="18" charset="0"/>
+                      </a:endParaRPr>
+                    </a:p>
+                  </a:txBody>
+                  <a:tcPr marL="68580" marR="68580" marT="0" marB="0"/>
+                </a:tc>
+                <a:tc>
+                  <a:txBody>
+                    <a:bodyPr/>
+                    <a:lstStyle/>
+                    <a:p>
+                      <a:pPr algn="just">
+                        <a:lnSpc>
+                          <a:spcPct val="107000"/>
+                        </a:lnSpc>
+                        <a:spcAft>
+                          <a:spcPts val="800"/>
+                        </a:spcAft>
+                      </a:pPr>
+                      <a:r>
+                        <a:rPr lang="en-IN" sz="1200" kern="100">
+                          <a:effectLst/>
+                        </a:rPr>
+                        <a:t>F1-score</a:t>
+                      </a:r>
+                      <a:endParaRPr lang="en-IN" sz="1100" kern="100">
+                        <a:effectLst/>
+                        <a:latin typeface="Calibri" panose="020F0502020204030204" pitchFamily="34" charset="0"/>
+                        <a:ea typeface="Calibri" panose="020F0502020204030204" pitchFamily="34" charset="0"/>
+                        <a:cs typeface="Mangal" panose="02040503050203030202" pitchFamily="18" charset="0"/>
+                      </a:endParaRPr>
+                    </a:p>
+                  </a:txBody>
+                  <a:tcPr marL="68580" marR="68580" marT="0" marB="0"/>
+                </a:tc>
+                <a:tc>
+                  <a:txBody>
+                    <a:bodyPr/>
+                    <a:lstStyle/>
+                    <a:p>
+                      <a:pPr algn="just">
+                        <a:lnSpc>
+                          <a:spcPct val="107000"/>
+                        </a:lnSpc>
+                        <a:spcAft>
+                          <a:spcPts val="800"/>
+                        </a:spcAft>
+                      </a:pPr>
+                      <a:r>
+                        <a:rPr lang="en-IN" sz="1200" kern="100">
+                          <a:effectLst/>
+                        </a:rPr>
+                        <a:t>support</a:t>
+                      </a:r>
+                      <a:endParaRPr lang="en-IN" sz="1100" kern="100">
+                        <a:effectLst/>
+                        <a:latin typeface="Calibri" panose="020F0502020204030204" pitchFamily="34" charset="0"/>
+                        <a:ea typeface="Calibri" panose="020F0502020204030204" pitchFamily="34" charset="0"/>
+                        <a:cs typeface="Mangal" panose="02040503050203030202" pitchFamily="18" charset="0"/>
+                      </a:endParaRPr>
+                    </a:p>
+                  </a:txBody>
+                  <a:tcPr marL="68580" marR="68580" marT="0" marB="0"/>
+                </a:tc>
+                <a:extLst>
+                  <a:ext uri="{0D108BD9-81ED-4DB2-BD59-A6C34878D82A}">
+                    <a16:rowId xmlns:a16="http://schemas.microsoft.com/office/drawing/2014/main" val="596559169"/>
+                  </a:ext>
+                </a:extLst>
+              </a:tr>
+              <a:tr h="220030">
+                <a:tc>
+                  <a:txBody>
+                    <a:bodyPr/>
+                    <a:lstStyle/>
+                    <a:p>
+                      <a:pPr algn="just">
+                        <a:lnSpc>
+                          <a:spcPct val="107000"/>
+                        </a:lnSpc>
+                        <a:spcAft>
+                          <a:spcPts val="800"/>
+                        </a:spcAft>
+                      </a:pPr>
+                      <a:r>
+                        <a:rPr lang="en-IN" sz="1200" kern="100">
+                          <a:effectLst/>
+                        </a:rPr>
+                        <a:t>0</a:t>
+                      </a:r>
+                      <a:endParaRPr lang="en-IN" sz="1100" kern="100">
+                        <a:effectLst/>
+                        <a:latin typeface="Calibri" panose="020F0502020204030204" pitchFamily="34" charset="0"/>
+                        <a:ea typeface="Calibri" panose="020F0502020204030204" pitchFamily="34" charset="0"/>
+                        <a:cs typeface="Mangal" panose="02040503050203030202" pitchFamily="18" charset="0"/>
+                      </a:endParaRPr>
+                    </a:p>
+                  </a:txBody>
+                  <a:tcPr marL="68580" marR="68580" marT="0" marB="0"/>
+                </a:tc>
+                <a:tc>
+                  <a:txBody>
+                    <a:bodyPr/>
+                    <a:lstStyle/>
+                    <a:p>
+                      <a:pPr algn="just">
+                        <a:lnSpc>
+                          <a:spcPct val="107000"/>
+                        </a:lnSpc>
+                        <a:spcAft>
+                          <a:spcPts val="800"/>
+                        </a:spcAft>
+                      </a:pPr>
+                      <a:r>
+                        <a:rPr lang="en-IN" sz="1200" kern="100">
+                          <a:effectLst/>
+                        </a:rPr>
+                        <a:t>0.83</a:t>
+                      </a:r>
+                      <a:endParaRPr lang="en-IN" sz="1100" kern="100">
+                        <a:effectLst/>
+                        <a:latin typeface="Calibri" panose="020F0502020204030204" pitchFamily="34" charset="0"/>
+                        <a:ea typeface="Calibri" panose="020F0502020204030204" pitchFamily="34" charset="0"/>
+                        <a:cs typeface="Mangal" panose="02040503050203030202" pitchFamily="18" charset="0"/>
+                      </a:endParaRPr>
+                    </a:p>
+                  </a:txBody>
+                  <a:tcPr marL="68580" marR="68580" marT="0" marB="0"/>
+                </a:tc>
+                <a:tc>
+                  <a:txBody>
+                    <a:bodyPr/>
+                    <a:lstStyle/>
+                    <a:p>
+                      <a:pPr algn="just">
+                        <a:lnSpc>
+                          <a:spcPct val="107000"/>
+                        </a:lnSpc>
+                        <a:spcAft>
+                          <a:spcPts val="800"/>
+                        </a:spcAft>
+                      </a:pPr>
+                      <a:r>
+                        <a:rPr lang="en-IN" sz="1200" kern="100">
+                          <a:effectLst/>
+                        </a:rPr>
+                        <a:t>0.86</a:t>
+                      </a:r>
+                      <a:endParaRPr lang="en-IN" sz="1100" kern="100">
+                        <a:effectLst/>
+                        <a:latin typeface="Calibri" panose="020F0502020204030204" pitchFamily="34" charset="0"/>
+                        <a:ea typeface="Calibri" panose="020F0502020204030204" pitchFamily="34" charset="0"/>
+                        <a:cs typeface="Mangal" panose="02040503050203030202" pitchFamily="18" charset="0"/>
+                      </a:endParaRPr>
+                    </a:p>
+                  </a:txBody>
+                  <a:tcPr marL="68580" marR="68580" marT="0" marB="0"/>
+                </a:tc>
+                <a:tc>
+                  <a:txBody>
+                    <a:bodyPr/>
+                    <a:lstStyle/>
+                    <a:p>
+                      <a:pPr algn="just">
+                        <a:lnSpc>
+                          <a:spcPct val="107000"/>
+                        </a:lnSpc>
+                        <a:spcAft>
+                          <a:spcPts val="800"/>
+                        </a:spcAft>
+                      </a:pPr>
+                      <a:r>
+                        <a:rPr lang="en-IN" sz="1200" kern="100">
+                          <a:effectLst/>
+                        </a:rPr>
+                        <a:t>0.84</a:t>
+                      </a:r>
+                      <a:endParaRPr lang="en-IN" sz="1100" kern="100">
+                        <a:effectLst/>
+                        <a:latin typeface="Calibri" panose="020F0502020204030204" pitchFamily="34" charset="0"/>
+                        <a:ea typeface="Calibri" panose="020F0502020204030204" pitchFamily="34" charset="0"/>
+                        <a:cs typeface="Mangal" panose="02040503050203030202" pitchFamily="18" charset="0"/>
+                      </a:endParaRPr>
+                    </a:p>
+                  </a:txBody>
+                  <a:tcPr marL="68580" marR="68580" marT="0" marB="0"/>
+                </a:tc>
+                <a:tc>
+                  <a:txBody>
+                    <a:bodyPr/>
+                    <a:lstStyle/>
+                    <a:p>
+                      <a:pPr algn="just">
+                        <a:lnSpc>
+                          <a:spcPct val="107000"/>
+                        </a:lnSpc>
+                        <a:spcAft>
+                          <a:spcPts val="800"/>
+                        </a:spcAft>
+                      </a:pPr>
+                      <a:r>
+                        <a:rPr lang="en-IN" sz="1200" kern="100">
+                          <a:effectLst/>
+                        </a:rPr>
+                        <a:t>634</a:t>
+                      </a:r>
+                      <a:endParaRPr lang="en-IN" sz="1100" kern="100">
+                        <a:effectLst/>
+                        <a:latin typeface="Calibri" panose="020F0502020204030204" pitchFamily="34" charset="0"/>
+                        <a:ea typeface="Calibri" panose="020F0502020204030204" pitchFamily="34" charset="0"/>
+                        <a:cs typeface="Mangal" panose="02040503050203030202" pitchFamily="18" charset="0"/>
+                      </a:endParaRPr>
+                    </a:p>
+                  </a:txBody>
+                  <a:tcPr marL="68580" marR="68580" marT="0" marB="0"/>
+                </a:tc>
+                <a:extLst>
+                  <a:ext uri="{0D108BD9-81ED-4DB2-BD59-A6C34878D82A}">
+                    <a16:rowId xmlns:a16="http://schemas.microsoft.com/office/drawing/2014/main" val="242692550"/>
+                  </a:ext>
+                </a:extLst>
+              </a:tr>
+              <a:tr h="220030">
+                <a:tc>
+                  <a:txBody>
+                    <a:bodyPr/>
+                    <a:lstStyle/>
+                    <a:p>
+                      <a:pPr algn="just">
+                        <a:lnSpc>
+                          <a:spcPct val="107000"/>
+                        </a:lnSpc>
+                        <a:spcAft>
+                          <a:spcPts val="800"/>
+                        </a:spcAft>
+                      </a:pPr>
+                      <a:r>
+                        <a:rPr lang="en-IN" sz="1200" kern="100">
+                          <a:effectLst/>
+                        </a:rPr>
+                        <a:t>1</a:t>
+                      </a:r>
+                      <a:endParaRPr lang="en-IN" sz="1100" kern="100">
+                        <a:effectLst/>
+                        <a:latin typeface="Calibri" panose="020F0502020204030204" pitchFamily="34" charset="0"/>
+                        <a:ea typeface="Calibri" panose="020F0502020204030204" pitchFamily="34" charset="0"/>
+                        <a:cs typeface="Mangal" panose="02040503050203030202" pitchFamily="18" charset="0"/>
+                      </a:endParaRPr>
+                    </a:p>
+                  </a:txBody>
+                  <a:tcPr marL="68580" marR="68580" marT="0" marB="0"/>
+                </a:tc>
+                <a:tc>
+                  <a:txBody>
+                    <a:bodyPr/>
+                    <a:lstStyle/>
+                    <a:p>
+                      <a:pPr algn="just">
+                        <a:lnSpc>
+                          <a:spcPct val="107000"/>
+                        </a:lnSpc>
+                        <a:spcAft>
+                          <a:spcPts val="800"/>
+                        </a:spcAft>
+                      </a:pPr>
+                      <a:r>
+                        <a:rPr lang="en-IN" sz="1200" kern="100">
+                          <a:effectLst/>
+                        </a:rPr>
+                        <a:t>0.98</a:t>
+                      </a:r>
+                      <a:endParaRPr lang="en-IN" sz="1100" kern="100">
+                        <a:effectLst/>
+                        <a:latin typeface="Calibri" panose="020F0502020204030204" pitchFamily="34" charset="0"/>
+                        <a:ea typeface="Calibri" panose="020F0502020204030204" pitchFamily="34" charset="0"/>
+                        <a:cs typeface="Mangal" panose="02040503050203030202" pitchFamily="18" charset="0"/>
+                      </a:endParaRPr>
+                    </a:p>
+                  </a:txBody>
+                  <a:tcPr marL="68580" marR="68580" marT="0" marB="0"/>
+                </a:tc>
+                <a:tc>
+                  <a:txBody>
+                    <a:bodyPr/>
+                    <a:lstStyle/>
+                    <a:p>
+                      <a:pPr algn="just">
+                        <a:lnSpc>
+                          <a:spcPct val="107000"/>
+                        </a:lnSpc>
+                        <a:spcAft>
+                          <a:spcPts val="800"/>
+                        </a:spcAft>
+                      </a:pPr>
+                      <a:r>
+                        <a:rPr lang="en-IN" sz="1200" kern="100">
+                          <a:effectLst/>
+                        </a:rPr>
+                        <a:t>0.97</a:t>
+                      </a:r>
+                      <a:endParaRPr lang="en-IN" sz="1100" kern="100">
+                        <a:effectLst/>
+                        <a:latin typeface="Calibri" panose="020F0502020204030204" pitchFamily="34" charset="0"/>
+                        <a:ea typeface="Calibri" panose="020F0502020204030204" pitchFamily="34" charset="0"/>
+                        <a:cs typeface="Mangal" panose="02040503050203030202" pitchFamily="18" charset="0"/>
+                      </a:endParaRPr>
+                    </a:p>
+                  </a:txBody>
+                  <a:tcPr marL="68580" marR="68580" marT="0" marB="0"/>
+                </a:tc>
+                <a:tc>
+                  <a:txBody>
+                    <a:bodyPr/>
+                    <a:lstStyle/>
+                    <a:p>
+                      <a:pPr algn="just">
+                        <a:lnSpc>
+                          <a:spcPct val="107000"/>
+                        </a:lnSpc>
+                        <a:spcAft>
+                          <a:spcPts val="800"/>
+                        </a:spcAft>
+                      </a:pPr>
+                      <a:r>
+                        <a:rPr lang="en-IN" sz="1200" kern="100">
+                          <a:effectLst/>
+                        </a:rPr>
+                        <a:t>0.97</a:t>
+                      </a:r>
+                      <a:endParaRPr lang="en-IN" sz="1100" kern="100">
+                        <a:effectLst/>
+                        <a:latin typeface="Calibri" panose="020F0502020204030204" pitchFamily="34" charset="0"/>
+                        <a:ea typeface="Calibri" panose="020F0502020204030204" pitchFamily="34" charset="0"/>
+                        <a:cs typeface="Mangal" panose="02040503050203030202" pitchFamily="18" charset="0"/>
+                      </a:endParaRPr>
+                    </a:p>
+                  </a:txBody>
+                  <a:tcPr marL="68580" marR="68580" marT="0" marB="0"/>
+                </a:tc>
+                <a:tc>
+                  <a:txBody>
+                    <a:bodyPr/>
+                    <a:lstStyle/>
+                    <a:p>
+                      <a:pPr algn="just">
+                        <a:lnSpc>
+                          <a:spcPct val="107000"/>
+                        </a:lnSpc>
+                        <a:spcAft>
+                          <a:spcPts val="800"/>
+                        </a:spcAft>
+                      </a:pPr>
+                      <a:r>
+                        <a:rPr lang="en-IN" sz="1200" kern="100">
+                          <a:effectLst/>
+                        </a:rPr>
+                        <a:t>3620</a:t>
+                      </a:r>
+                      <a:endParaRPr lang="en-IN" sz="1100" kern="100">
+                        <a:effectLst/>
+                        <a:latin typeface="Calibri" panose="020F0502020204030204" pitchFamily="34" charset="0"/>
+                        <a:ea typeface="Calibri" panose="020F0502020204030204" pitchFamily="34" charset="0"/>
+                        <a:cs typeface="Mangal" panose="02040503050203030202" pitchFamily="18" charset="0"/>
+                      </a:endParaRPr>
+                    </a:p>
+                  </a:txBody>
+                  <a:tcPr marL="68580" marR="68580" marT="0" marB="0"/>
+                </a:tc>
+                <a:extLst>
+                  <a:ext uri="{0D108BD9-81ED-4DB2-BD59-A6C34878D82A}">
+                    <a16:rowId xmlns:a16="http://schemas.microsoft.com/office/drawing/2014/main" val="1298533442"/>
+                  </a:ext>
+                </a:extLst>
+              </a:tr>
+              <a:tr h="220030">
+                <a:tc>
+                  <a:txBody>
+                    <a:bodyPr/>
+                    <a:lstStyle/>
+                    <a:p>
+                      <a:pPr algn="just">
+                        <a:lnSpc>
+                          <a:spcPct val="107000"/>
+                        </a:lnSpc>
+                        <a:spcAft>
+                          <a:spcPts val="800"/>
+                        </a:spcAft>
+                      </a:pPr>
+                      <a:r>
+                        <a:rPr lang="en-IN" sz="1200" kern="100">
+                          <a:effectLst/>
+                        </a:rPr>
+                        <a:t>Accuracy</a:t>
+                      </a:r>
+                      <a:endParaRPr lang="en-IN" sz="1100" kern="100">
+                        <a:effectLst/>
+                        <a:latin typeface="Calibri" panose="020F0502020204030204" pitchFamily="34" charset="0"/>
+                        <a:ea typeface="Calibri" panose="020F0502020204030204" pitchFamily="34" charset="0"/>
+                        <a:cs typeface="Mangal" panose="02040503050203030202" pitchFamily="18" charset="0"/>
+                      </a:endParaRPr>
+                    </a:p>
+                  </a:txBody>
+                  <a:tcPr marL="68580" marR="68580" marT="0" marB="0"/>
+                </a:tc>
+                <a:tc>
+                  <a:txBody>
+                    <a:bodyPr/>
+                    <a:lstStyle/>
+                    <a:p>
+                      <a:pPr algn="just">
+                        <a:lnSpc>
+                          <a:spcPct val="107000"/>
+                        </a:lnSpc>
+                        <a:spcAft>
+                          <a:spcPts val="800"/>
+                        </a:spcAft>
+                      </a:pPr>
+                      <a:r>
+                        <a:rPr lang="en-IN" sz="1200" kern="100">
+                          <a:effectLst/>
+                        </a:rPr>
+                        <a:t> </a:t>
+                      </a:r>
+                      <a:endParaRPr lang="en-IN" sz="1100" kern="100">
+                        <a:effectLst/>
+                        <a:latin typeface="Calibri" panose="020F0502020204030204" pitchFamily="34" charset="0"/>
+                        <a:ea typeface="Calibri" panose="020F0502020204030204" pitchFamily="34" charset="0"/>
+                        <a:cs typeface="Mangal" panose="02040503050203030202" pitchFamily="18" charset="0"/>
+                      </a:endParaRPr>
+                    </a:p>
+                  </a:txBody>
+                  <a:tcPr marL="68580" marR="68580" marT="0" marB="0"/>
+                </a:tc>
+                <a:tc>
+                  <a:txBody>
+                    <a:bodyPr/>
+                    <a:lstStyle/>
+                    <a:p>
+                      <a:pPr algn="just">
+                        <a:lnSpc>
+                          <a:spcPct val="107000"/>
+                        </a:lnSpc>
+                        <a:spcAft>
+                          <a:spcPts val="800"/>
+                        </a:spcAft>
+                      </a:pPr>
+                      <a:r>
+                        <a:rPr lang="en-IN" sz="1200" kern="100">
+                          <a:effectLst/>
+                        </a:rPr>
+                        <a:t> </a:t>
+                      </a:r>
+                      <a:endParaRPr lang="en-IN" sz="1100" kern="100">
+                        <a:effectLst/>
+                        <a:latin typeface="Calibri" panose="020F0502020204030204" pitchFamily="34" charset="0"/>
+                        <a:ea typeface="Calibri" panose="020F0502020204030204" pitchFamily="34" charset="0"/>
+                        <a:cs typeface="Mangal" panose="02040503050203030202" pitchFamily="18" charset="0"/>
+                      </a:endParaRPr>
+                    </a:p>
+                  </a:txBody>
+                  <a:tcPr marL="68580" marR="68580" marT="0" marB="0"/>
+                </a:tc>
+                <a:tc>
+                  <a:txBody>
+                    <a:bodyPr/>
+                    <a:lstStyle/>
+                    <a:p>
+                      <a:pPr algn="just">
+                        <a:lnSpc>
+                          <a:spcPct val="107000"/>
+                        </a:lnSpc>
+                        <a:spcAft>
+                          <a:spcPts val="800"/>
+                        </a:spcAft>
+                      </a:pPr>
+                      <a:r>
+                        <a:rPr lang="en-IN" sz="1200" kern="100">
+                          <a:effectLst/>
+                        </a:rPr>
+                        <a:t>0.95</a:t>
+                      </a:r>
+                      <a:endParaRPr lang="en-IN" sz="1100" kern="100">
+                        <a:effectLst/>
+                        <a:latin typeface="Calibri" panose="020F0502020204030204" pitchFamily="34" charset="0"/>
+                        <a:ea typeface="Calibri" panose="020F0502020204030204" pitchFamily="34" charset="0"/>
+                        <a:cs typeface="Mangal" panose="02040503050203030202" pitchFamily="18" charset="0"/>
+                      </a:endParaRPr>
+                    </a:p>
+                  </a:txBody>
+                  <a:tcPr marL="68580" marR="68580" marT="0" marB="0"/>
+                </a:tc>
+                <a:tc>
+                  <a:txBody>
+                    <a:bodyPr/>
+                    <a:lstStyle/>
+                    <a:p>
+                      <a:pPr algn="just">
+                        <a:lnSpc>
+                          <a:spcPct val="107000"/>
+                        </a:lnSpc>
+                        <a:spcAft>
+                          <a:spcPts val="800"/>
+                        </a:spcAft>
+                      </a:pPr>
+                      <a:r>
+                        <a:rPr lang="en-IN" sz="1200" kern="100">
+                          <a:effectLst/>
+                        </a:rPr>
+                        <a:t>4254</a:t>
+                      </a:r>
+                      <a:endParaRPr lang="en-IN" sz="1100" kern="100">
+                        <a:effectLst/>
+                        <a:latin typeface="Calibri" panose="020F0502020204030204" pitchFamily="34" charset="0"/>
+                        <a:ea typeface="Calibri" panose="020F0502020204030204" pitchFamily="34" charset="0"/>
+                        <a:cs typeface="Mangal" panose="02040503050203030202" pitchFamily="18" charset="0"/>
+                      </a:endParaRPr>
+                    </a:p>
+                  </a:txBody>
+                  <a:tcPr marL="68580" marR="68580" marT="0" marB="0"/>
+                </a:tc>
+                <a:extLst>
+                  <a:ext uri="{0D108BD9-81ED-4DB2-BD59-A6C34878D82A}">
+                    <a16:rowId xmlns:a16="http://schemas.microsoft.com/office/drawing/2014/main" val="871028428"/>
+                  </a:ext>
+                </a:extLst>
+              </a:tr>
+              <a:tr h="220030">
+                <a:tc>
+                  <a:txBody>
+                    <a:bodyPr/>
+                    <a:lstStyle/>
+                    <a:p>
+                      <a:pPr algn="just">
+                        <a:lnSpc>
+                          <a:spcPct val="107000"/>
+                        </a:lnSpc>
+                        <a:spcAft>
+                          <a:spcPts val="800"/>
+                        </a:spcAft>
+                      </a:pPr>
+                      <a:r>
+                        <a:rPr lang="en-IN" sz="1200" kern="100">
+                          <a:effectLst/>
+                        </a:rPr>
+                        <a:t>Macro avg</a:t>
+                      </a:r>
+                      <a:endParaRPr lang="en-IN" sz="1100" kern="100">
+                        <a:effectLst/>
+                        <a:latin typeface="Calibri" panose="020F0502020204030204" pitchFamily="34" charset="0"/>
+                        <a:ea typeface="Calibri" panose="020F0502020204030204" pitchFamily="34" charset="0"/>
+                        <a:cs typeface="Mangal" panose="02040503050203030202" pitchFamily="18" charset="0"/>
+                      </a:endParaRPr>
+                    </a:p>
+                  </a:txBody>
+                  <a:tcPr marL="68580" marR="68580" marT="0" marB="0"/>
+                </a:tc>
+                <a:tc>
+                  <a:txBody>
+                    <a:bodyPr/>
+                    <a:lstStyle/>
+                    <a:p>
+                      <a:pPr algn="just">
+                        <a:lnSpc>
+                          <a:spcPct val="107000"/>
+                        </a:lnSpc>
+                        <a:spcAft>
+                          <a:spcPts val="800"/>
+                        </a:spcAft>
+                      </a:pPr>
+                      <a:r>
+                        <a:rPr lang="en-IN" sz="1200" kern="100">
+                          <a:effectLst/>
+                        </a:rPr>
+                        <a:t>0.90</a:t>
+                      </a:r>
+                      <a:endParaRPr lang="en-IN" sz="1100" kern="100">
+                        <a:effectLst/>
+                        <a:latin typeface="Calibri" panose="020F0502020204030204" pitchFamily="34" charset="0"/>
+                        <a:ea typeface="Calibri" panose="020F0502020204030204" pitchFamily="34" charset="0"/>
+                        <a:cs typeface="Mangal" panose="02040503050203030202" pitchFamily="18" charset="0"/>
+                      </a:endParaRPr>
+                    </a:p>
+                  </a:txBody>
+                  <a:tcPr marL="68580" marR="68580" marT="0" marB="0"/>
+                </a:tc>
+                <a:tc>
+                  <a:txBody>
+                    <a:bodyPr/>
+                    <a:lstStyle/>
+                    <a:p>
+                      <a:pPr algn="just">
+                        <a:lnSpc>
+                          <a:spcPct val="107000"/>
+                        </a:lnSpc>
+                        <a:spcAft>
+                          <a:spcPts val="800"/>
+                        </a:spcAft>
+                      </a:pPr>
+                      <a:r>
+                        <a:rPr lang="en-IN" sz="1200" kern="100">
+                          <a:effectLst/>
+                        </a:rPr>
+                        <a:t>0.91</a:t>
+                      </a:r>
+                      <a:endParaRPr lang="en-IN" sz="1100" kern="100">
+                        <a:effectLst/>
+                        <a:latin typeface="Calibri" panose="020F0502020204030204" pitchFamily="34" charset="0"/>
+                        <a:ea typeface="Calibri" panose="020F0502020204030204" pitchFamily="34" charset="0"/>
+                        <a:cs typeface="Mangal" panose="02040503050203030202" pitchFamily="18" charset="0"/>
+                      </a:endParaRPr>
+                    </a:p>
+                  </a:txBody>
+                  <a:tcPr marL="68580" marR="68580" marT="0" marB="0"/>
+                </a:tc>
+                <a:tc>
+                  <a:txBody>
+                    <a:bodyPr/>
+                    <a:lstStyle/>
+                    <a:p>
+                      <a:pPr algn="just">
+                        <a:lnSpc>
+                          <a:spcPct val="107000"/>
+                        </a:lnSpc>
+                        <a:spcAft>
+                          <a:spcPts val="800"/>
+                        </a:spcAft>
+                      </a:pPr>
+                      <a:r>
+                        <a:rPr lang="en-IN" sz="1200" kern="100">
+                          <a:effectLst/>
+                        </a:rPr>
+                        <a:t>0.91</a:t>
+                      </a:r>
+                      <a:endParaRPr lang="en-IN" sz="1100" kern="100">
+                        <a:effectLst/>
+                        <a:latin typeface="Calibri" panose="020F0502020204030204" pitchFamily="34" charset="0"/>
+                        <a:ea typeface="Calibri" panose="020F0502020204030204" pitchFamily="34" charset="0"/>
+                        <a:cs typeface="Mangal" panose="02040503050203030202" pitchFamily="18" charset="0"/>
+                      </a:endParaRPr>
+                    </a:p>
+                  </a:txBody>
+                  <a:tcPr marL="68580" marR="68580" marT="0" marB="0"/>
+                </a:tc>
+                <a:tc>
+                  <a:txBody>
+                    <a:bodyPr/>
+                    <a:lstStyle/>
+                    <a:p>
+                      <a:pPr algn="just">
+                        <a:lnSpc>
+                          <a:spcPct val="107000"/>
+                        </a:lnSpc>
+                        <a:spcAft>
+                          <a:spcPts val="800"/>
+                        </a:spcAft>
+                      </a:pPr>
+                      <a:r>
+                        <a:rPr lang="en-IN" sz="1200" kern="100">
+                          <a:effectLst/>
+                        </a:rPr>
+                        <a:t>4254</a:t>
+                      </a:r>
+                      <a:endParaRPr lang="en-IN" sz="1100" kern="100">
+                        <a:effectLst/>
+                        <a:latin typeface="Calibri" panose="020F0502020204030204" pitchFamily="34" charset="0"/>
+                        <a:ea typeface="Calibri" panose="020F0502020204030204" pitchFamily="34" charset="0"/>
+                        <a:cs typeface="Mangal" panose="02040503050203030202" pitchFamily="18" charset="0"/>
+                      </a:endParaRPr>
+                    </a:p>
+                  </a:txBody>
+                  <a:tcPr marL="68580" marR="68580" marT="0" marB="0"/>
+                </a:tc>
+                <a:extLst>
+                  <a:ext uri="{0D108BD9-81ED-4DB2-BD59-A6C34878D82A}">
+                    <a16:rowId xmlns:a16="http://schemas.microsoft.com/office/drawing/2014/main" val="3750593600"/>
+                  </a:ext>
+                </a:extLst>
+              </a:tr>
+              <a:tr h="220030">
+                <a:tc>
+                  <a:txBody>
+                    <a:bodyPr/>
+                    <a:lstStyle/>
+                    <a:p>
+                      <a:pPr algn="just">
+                        <a:lnSpc>
+                          <a:spcPct val="107000"/>
+                        </a:lnSpc>
+                        <a:spcAft>
+                          <a:spcPts val="800"/>
+                        </a:spcAft>
+                      </a:pPr>
+                      <a:r>
+                        <a:rPr lang="en-IN" sz="1200" kern="100">
+                          <a:effectLst/>
+                        </a:rPr>
+                        <a:t>Weighted avg</a:t>
+                      </a:r>
+                      <a:endParaRPr lang="en-IN" sz="1100" kern="100">
+                        <a:effectLst/>
+                        <a:latin typeface="Calibri" panose="020F0502020204030204" pitchFamily="34" charset="0"/>
+                        <a:ea typeface="Calibri" panose="020F0502020204030204" pitchFamily="34" charset="0"/>
+                        <a:cs typeface="Mangal" panose="02040503050203030202" pitchFamily="18" charset="0"/>
+                      </a:endParaRPr>
+                    </a:p>
+                  </a:txBody>
+                  <a:tcPr marL="68580" marR="68580" marT="0" marB="0"/>
+                </a:tc>
+                <a:tc>
+                  <a:txBody>
+                    <a:bodyPr/>
+                    <a:lstStyle/>
+                    <a:p>
+                      <a:pPr algn="just">
+                        <a:lnSpc>
+                          <a:spcPct val="107000"/>
+                        </a:lnSpc>
+                        <a:spcAft>
+                          <a:spcPts val="800"/>
+                        </a:spcAft>
+                      </a:pPr>
+                      <a:r>
+                        <a:rPr lang="en-IN" sz="1200" kern="100">
+                          <a:effectLst/>
+                        </a:rPr>
+                        <a:t>0.95</a:t>
+                      </a:r>
+                      <a:endParaRPr lang="en-IN" sz="1100" kern="100">
+                        <a:effectLst/>
+                        <a:latin typeface="Calibri" panose="020F0502020204030204" pitchFamily="34" charset="0"/>
+                        <a:ea typeface="Calibri" panose="020F0502020204030204" pitchFamily="34" charset="0"/>
+                        <a:cs typeface="Mangal" panose="02040503050203030202" pitchFamily="18" charset="0"/>
+                      </a:endParaRPr>
+                    </a:p>
+                  </a:txBody>
+                  <a:tcPr marL="68580" marR="68580" marT="0" marB="0"/>
+                </a:tc>
+                <a:tc>
+                  <a:txBody>
+                    <a:bodyPr/>
+                    <a:lstStyle/>
+                    <a:p>
+                      <a:pPr algn="just">
+                        <a:lnSpc>
+                          <a:spcPct val="107000"/>
+                        </a:lnSpc>
+                        <a:spcAft>
+                          <a:spcPts val="800"/>
+                        </a:spcAft>
+                      </a:pPr>
+                      <a:r>
+                        <a:rPr lang="en-IN" sz="1200" kern="100">
+                          <a:effectLst/>
+                        </a:rPr>
+                        <a:t>0.95</a:t>
+                      </a:r>
+                      <a:endParaRPr lang="en-IN" sz="1100" kern="100">
+                        <a:effectLst/>
+                        <a:latin typeface="Calibri" panose="020F0502020204030204" pitchFamily="34" charset="0"/>
+                        <a:ea typeface="Calibri" panose="020F0502020204030204" pitchFamily="34" charset="0"/>
+                        <a:cs typeface="Mangal" panose="02040503050203030202" pitchFamily="18" charset="0"/>
+                      </a:endParaRPr>
+                    </a:p>
+                  </a:txBody>
+                  <a:tcPr marL="68580" marR="68580" marT="0" marB="0"/>
+                </a:tc>
+                <a:tc>
+                  <a:txBody>
+                    <a:bodyPr/>
+                    <a:lstStyle/>
+                    <a:p>
+                      <a:pPr algn="just">
+                        <a:lnSpc>
+                          <a:spcPct val="107000"/>
+                        </a:lnSpc>
+                        <a:spcAft>
+                          <a:spcPts val="800"/>
+                        </a:spcAft>
+                      </a:pPr>
+                      <a:r>
+                        <a:rPr lang="en-IN" sz="1200" kern="100">
+                          <a:effectLst/>
+                        </a:rPr>
+                        <a:t>0.95</a:t>
+                      </a:r>
+                      <a:endParaRPr lang="en-IN" sz="1100" kern="100">
+                        <a:effectLst/>
+                        <a:latin typeface="Calibri" panose="020F0502020204030204" pitchFamily="34" charset="0"/>
+                        <a:ea typeface="Calibri" panose="020F0502020204030204" pitchFamily="34" charset="0"/>
+                        <a:cs typeface="Mangal" panose="02040503050203030202" pitchFamily="18" charset="0"/>
+                      </a:endParaRPr>
+                    </a:p>
+                  </a:txBody>
+                  <a:tcPr marL="68580" marR="68580" marT="0" marB="0"/>
+                </a:tc>
+                <a:tc>
+                  <a:txBody>
+                    <a:bodyPr/>
+                    <a:lstStyle/>
+                    <a:p>
+                      <a:pPr algn="just">
+                        <a:lnSpc>
+                          <a:spcPct val="107000"/>
+                        </a:lnSpc>
+                        <a:spcAft>
+                          <a:spcPts val="800"/>
+                        </a:spcAft>
+                      </a:pPr>
+                      <a:r>
+                        <a:rPr lang="en-IN" sz="1200" kern="100" dirty="0">
+                          <a:effectLst/>
+                        </a:rPr>
+                        <a:t>4254</a:t>
+                      </a:r>
+                      <a:endParaRPr lang="en-IN" sz="1100" kern="100" dirty="0">
+                        <a:effectLst/>
+                        <a:latin typeface="Calibri" panose="020F0502020204030204" pitchFamily="34" charset="0"/>
+                        <a:ea typeface="Calibri" panose="020F0502020204030204" pitchFamily="34" charset="0"/>
+                        <a:cs typeface="Mangal" panose="02040503050203030202" pitchFamily="18" charset="0"/>
+                      </a:endParaRPr>
+                    </a:p>
+                  </a:txBody>
+                  <a:tcPr marL="68580" marR="68580" marT="0" marB="0"/>
+                </a:tc>
+                <a:extLst>
+                  <a:ext uri="{0D108BD9-81ED-4DB2-BD59-A6C34878D82A}">
+                    <a16:rowId xmlns:a16="http://schemas.microsoft.com/office/drawing/2014/main" val="2438593452"/>
+                  </a:ext>
+                </a:extLst>
+              </a:tr>
+            </a:tbl>
+          </a:graphicData>
+        </a:graphic>
+      </p:graphicFrame>
     </p:spTree>
     <p:extLst>
       <p:ext uri="{BB962C8B-B14F-4D97-AF65-F5344CB8AC3E}">
@@ -34068,6 +36016,107 @@
           <a:chExt cx="0" cy="0"/>
         </a:xfrm>
       </p:grpSpPr>
+      <p:sp>
+        <p:nvSpPr>
+          <p:cNvPr id="8" name="TextBox 7">
+            <a:extLst>
+              <a:ext uri="{FF2B5EF4-FFF2-40B4-BE49-F238E27FC236}">
+                <a16:creationId xmlns:a16="http://schemas.microsoft.com/office/drawing/2014/main" id="{78723528-33E5-CC0F-6443-57E61161A4AE}"/>
+              </a:ext>
+            </a:extLst>
+          </p:cNvPr>
+          <p:cNvSpPr txBox="1"/>
+          <p:nvPr/>
+        </p:nvSpPr>
+        <p:spPr>
+          <a:xfrm>
+            <a:off x="4440248" y="6390773"/>
+            <a:ext cx="3803990" cy="369332"/>
+          </a:xfrm>
+          <a:prstGeom prst="rect">
+            <a:avLst/>
+          </a:prstGeom>
+          <a:noFill/>
+        </p:spPr>
+        <p:txBody>
+          <a:bodyPr wrap="none" rtlCol="0">
+            <a:spAutoFit/>
+          </a:bodyPr>
+          <a:lstStyle/>
+          <a:p>
+            <a:r>
+              <a:rPr lang="en-IN" dirty="0">
+                <a:solidFill>
+                  <a:schemeClr val="bg2">
+                    <a:lumMod val="50000"/>
+                  </a:schemeClr>
+                </a:solidFill>
+              </a:rPr>
+              <a:t>SHAP explanation for the entire test set</a:t>
+            </a:r>
+          </a:p>
+        </p:txBody>
+      </p:sp>
+      <p:pic>
+        <p:nvPicPr>
+          <p:cNvPr id="7" name="Picture 6">
+            <a:extLst>
+              <a:ext uri="{FF2B5EF4-FFF2-40B4-BE49-F238E27FC236}">
+                <a16:creationId xmlns:a16="http://schemas.microsoft.com/office/drawing/2014/main" id="{C2B4331E-75C3-5502-25CC-8259566BDFD0}"/>
+              </a:ext>
+            </a:extLst>
+          </p:cNvPr>
+          <p:cNvPicPr>
+            <a:picLocks noChangeAspect="1"/>
+          </p:cNvPicPr>
+          <p:nvPr/>
+        </p:nvPicPr>
+        <p:blipFill>
+          <a:blip r:embed="rId2"/>
+          <a:stretch>
+            <a:fillRect/>
+          </a:stretch>
+        </p:blipFill>
+        <p:spPr>
+          <a:xfrm>
+            <a:off x="8234406" y="1763639"/>
+            <a:ext cx="3402000" cy="4646798"/>
+          </a:xfrm>
+          <a:prstGeom prst="rect">
+            <a:avLst/>
+          </a:prstGeom>
+        </p:spPr>
+      </p:pic>
+      <p:pic>
+        <p:nvPicPr>
+          <p:cNvPr id="5" name="Picture 4">
+            <a:extLst>
+              <a:ext uri="{FF2B5EF4-FFF2-40B4-BE49-F238E27FC236}">
+                <a16:creationId xmlns:a16="http://schemas.microsoft.com/office/drawing/2014/main" id="{3A736898-95E5-F750-D5BF-CFA7FF99D98C}"/>
+              </a:ext>
+            </a:extLst>
+          </p:cNvPr>
+          <p:cNvPicPr>
+            <a:picLocks noChangeAspect="1"/>
+          </p:cNvPicPr>
+          <p:nvPr/>
+        </p:nvPicPr>
+        <p:blipFill>
+          <a:blip r:embed="rId3"/>
+          <a:stretch>
+            <a:fillRect/>
+          </a:stretch>
+        </p:blipFill>
+        <p:spPr>
+          <a:xfrm>
+            <a:off x="3982682" y="1832148"/>
+            <a:ext cx="3961783" cy="4588412"/>
+          </a:xfrm>
+          <a:prstGeom prst="rect">
+            <a:avLst/>
+          </a:prstGeom>
+        </p:spPr>
+      </p:pic>
       <p:sp>
         <p:nvSpPr>
           <p:cNvPr id="2" name="Title 1">
@@ -34112,23 +36161,95 @@
             <p:ph idx="1"/>
           </p:nvPr>
         </p:nvSpPr>
-        <p:spPr/>
+        <p:spPr>
+          <a:xfrm>
+            <a:off x="601342" y="2482644"/>
+            <a:ext cx="2918608" cy="3033252"/>
+          </a:xfrm>
+        </p:spPr>
         <p:txBody>
           <a:bodyPr/>
           <a:lstStyle/>
           <a:p>
-            <a:pPr marL="0" indent="0">
+            <a:pPr marL="0" indent="0" algn="just">
               <a:buNone/>
             </a:pPr>
             <a:r>
               <a:rPr lang="en-IN" dirty="0"/>
-              <a:t>Something about </a:t>
+              <a:t>According to the </a:t>
             </a:r>
             <a:r>
-              <a:rPr lang="en-IN" dirty="0" err="1"/>
-              <a:t>shap</a:t>
+              <a:rPr lang="en-US" b="0" i="0" dirty="0">
+                <a:solidFill>
+                  <a:srgbClr val="1B1B1B"/>
+                </a:solidFill>
+                <a:effectLst/>
+                <a:highlight>
+                  <a:srgbClr val="FFFFFF"/>
+                </a:highlight>
+                <a:latin typeface="Inter"/>
+              </a:rPr>
+              <a:t>Equal Credit Opportunity Act (ECOA), a customer has the right to know why the creditor rejected their application.</a:t>
+            </a:r>
+          </a:p>
+          <a:p>
+            <a:pPr marL="0" indent="0" algn="just">
+              <a:buNone/>
+            </a:pPr>
+            <a:r>
+              <a:rPr lang="en-US" dirty="0">
+                <a:solidFill>
+                  <a:srgbClr val="1B1B1B"/>
+                </a:solidFill>
+                <a:highlight>
+                  <a:srgbClr val="FFFFFF"/>
+                </a:highlight>
+                <a:latin typeface="Inter"/>
+              </a:rPr>
+              <a:t>To help understand the decisions of our model, we can use SHAP.</a:t>
             </a:r>
             <a:endParaRPr lang="en-IN" dirty="0"/>
+          </a:p>
+        </p:txBody>
+      </p:sp>
+      <p:sp>
+        <p:nvSpPr>
+          <p:cNvPr id="9" name="TextBox 8">
+            <a:extLst>
+              <a:ext uri="{FF2B5EF4-FFF2-40B4-BE49-F238E27FC236}">
+                <a16:creationId xmlns:a16="http://schemas.microsoft.com/office/drawing/2014/main" id="{936046A6-A80B-19E9-0ADE-1E6E422ECCAD}"/>
+              </a:ext>
+            </a:extLst>
+          </p:cNvPr>
+          <p:cNvSpPr txBox="1"/>
+          <p:nvPr/>
+        </p:nvSpPr>
+        <p:spPr>
+          <a:xfrm>
+            <a:off x="8672303" y="6319604"/>
+            <a:ext cx="3040961" cy="369332"/>
+          </a:xfrm>
+          <a:prstGeom prst="rect">
+            <a:avLst/>
+          </a:prstGeom>
+          <a:noFill/>
+        </p:spPr>
+        <p:txBody>
+          <a:bodyPr wrap="none" rtlCol="0">
+            <a:spAutoFit/>
+          </a:bodyPr>
+          <a:lstStyle/>
+          <a:p>
+            <a:r>
+              <a:rPr lang="en-IN" dirty="0">
+                <a:solidFill>
+                  <a:schemeClr val="bg2">
+                    <a:lumMod val="50000"/>
+                  </a:schemeClr>
+                </a:solidFill>
+              </a:rPr>
+              <a:t>SHAP explanation for one case</a:t>
+            </a:r>
           </a:p>
         </p:txBody>
       </p:sp>
@@ -34136,6 +36257,102 @@
     <p:extLst>
       <p:ext uri="{BB962C8B-B14F-4D97-AF65-F5344CB8AC3E}">
         <p14:creationId xmlns:p14="http://schemas.microsoft.com/office/powerpoint/2010/main" val="3234535331"/>
+      </p:ext>
+    </p:extLst>
+  </p:cSld>
+  <p:clrMapOvr>
+    <a:masterClrMapping/>
+  </p:clrMapOvr>
+</p:sld>
+</file>
+
+<file path=ppt/slides/slide6.xml><?xml version="1.0" encoding="utf-8"?>
+<p:sld xmlns:a="http://schemas.openxmlformats.org/drawingml/2006/main" xmlns:r="http://schemas.openxmlformats.org/officeDocument/2006/relationships" xmlns:p="http://schemas.openxmlformats.org/presentationml/2006/main">
+  <p:cSld>
+    <p:spTree>
+      <p:nvGrpSpPr>
+        <p:cNvPr id="1" name=""/>
+        <p:cNvGrpSpPr/>
+        <p:nvPr/>
+      </p:nvGrpSpPr>
+      <p:grpSpPr>
+        <a:xfrm>
+          <a:off x="0" y="0"/>
+          <a:ext cx="0" cy="0"/>
+          <a:chOff x="0" y="0"/>
+          <a:chExt cx="0" cy="0"/>
+        </a:xfrm>
+      </p:grpSpPr>
+      <p:sp>
+        <p:nvSpPr>
+          <p:cNvPr id="2" name="Title 1">
+            <a:extLst>
+              <a:ext uri="{FF2B5EF4-FFF2-40B4-BE49-F238E27FC236}">
+                <a16:creationId xmlns:a16="http://schemas.microsoft.com/office/drawing/2014/main" id="{9CAEE06F-3CF7-75C3-44D6-1B76EA5B7569}"/>
+              </a:ext>
+            </a:extLst>
+          </p:cNvPr>
+          <p:cNvSpPr>
+            <a:spLocks noGrp="1"/>
+          </p:cNvSpPr>
+          <p:nvPr>
+            <p:ph type="title"/>
+          </p:nvPr>
+        </p:nvSpPr>
+        <p:spPr/>
+        <p:txBody>
+          <a:bodyPr/>
+          <a:lstStyle/>
+          <a:p>
+            <a:r>
+              <a:rPr lang="en-IN" dirty="0"/>
+              <a:t>Post prediction Steps</a:t>
+            </a:r>
+          </a:p>
+        </p:txBody>
+      </p:sp>
+      <p:sp>
+        <p:nvSpPr>
+          <p:cNvPr id="3" name="Content Placeholder 2">
+            <a:extLst>
+              <a:ext uri="{FF2B5EF4-FFF2-40B4-BE49-F238E27FC236}">
+                <a16:creationId xmlns:a16="http://schemas.microsoft.com/office/drawing/2014/main" id="{EB91CE0B-51E3-D6B0-BB9D-7694DF7B4F19}"/>
+              </a:ext>
+            </a:extLst>
+          </p:cNvPr>
+          <p:cNvSpPr>
+            <a:spLocks noGrp="1"/>
+          </p:cNvSpPr>
+          <p:nvPr>
+            <p:ph idx="1"/>
+          </p:nvPr>
+        </p:nvSpPr>
+        <p:spPr/>
+        <p:txBody>
+          <a:bodyPr/>
+          <a:lstStyle/>
+          <a:p>
+            <a:pPr algn="just"/>
+            <a:r>
+              <a:rPr lang="en-IN" dirty="0"/>
+              <a:t>As new data keeps on being added to the model it is important that we keep making sanity checks to make sure that we are getting reasonable predictions.</a:t>
+            </a:r>
+          </a:p>
+          <a:p>
+            <a:pPr marL="0" indent="0" algn="just">
+              <a:buNone/>
+            </a:pPr>
+            <a:r>
+              <a:rPr lang="en-IN" dirty="0"/>
+              <a:t>This can be ensured by using statistical tests like t-test and chi-square to make sure that there is no inherent bias in the model regarding any sensitive variable. These checks should happen at regular intervals to maintain the integrity of our model.</a:t>
+            </a:r>
+          </a:p>
+        </p:txBody>
+      </p:sp>
+    </p:spTree>
+    <p:extLst>
+      <p:ext uri="{BB962C8B-B14F-4D97-AF65-F5344CB8AC3E}">
+        <p14:creationId xmlns:p14="http://schemas.microsoft.com/office/powerpoint/2010/main" val="3248774737"/>
       </p:ext>
     </p:extLst>
   </p:cSld>

--- a/JPMC CCB Risk Modelling Case Study.pptx
+++ b/JPMC CCB Risk Modelling Case Study.pptx
@@ -3047,6 +3047,78 @@
         </a:p>
       </dgm:t>
     </dgm:pt>
+    <dgm:pt modelId="{13C68548-78D4-42EB-8A4E-355ADF5DB3ED}">
+      <dgm:prSet phldrT="[Text]"/>
+      <dgm:spPr/>
+      <dgm:t>
+        <a:bodyPr/>
+        <a:lstStyle/>
+        <a:p>
+          <a:r>
+            <a:rPr lang="en-IN" dirty="0"/>
+            <a:t>Graphs and Plots</a:t>
+          </a:r>
+        </a:p>
+      </dgm:t>
+    </dgm:pt>
+    <dgm:pt modelId="{FD04A5A8-D653-414C-9CB2-871AD466BB26}" type="parTrans" cxnId="{EF358AFE-C887-4F32-A138-762069FFB118}">
+      <dgm:prSet/>
+      <dgm:spPr/>
+      <dgm:t>
+        <a:bodyPr/>
+        <a:lstStyle/>
+        <a:p>
+          <a:endParaRPr lang="en-IN"/>
+        </a:p>
+      </dgm:t>
+    </dgm:pt>
+    <dgm:pt modelId="{265266E8-B628-4641-AF38-86C61CFBC6E8}" type="sibTrans" cxnId="{EF358AFE-C887-4F32-A138-762069FFB118}">
+      <dgm:prSet/>
+      <dgm:spPr/>
+      <dgm:t>
+        <a:bodyPr/>
+        <a:lstStyle/>
+        <a:p>
+          <a:endParaRPr lang="en-IN"/>
+        </a:p>
+      </dgm:t>
+    </dgm:pt>
+    <dgm:pt modelId="{924345C8-548C-42F9-9038-809466137207}">
+      <dgm:prSet phldrT="[Text]"/>
+      <dgm:spPr/>
+      <dgm:t>
+        <a:bodyPr/>
+        <a:lstStyle/>
+        <a:p>
+          <a:r>
+            <a:rPr lang="en-IN" dirty="0"/>
+            <a:t>Statistical tests</a:t>
+          </a:r>
+        </a:p>
+      </dgm:t>
+    </dgm:pt>
+    <dgm:pt modelId="{6D903541-63D2-483E-AFF1-457784F29F62}" type="parTrans" cxnId="{01557B17-2AC1-42CB-9B1B-8F52C6DE6578}">
+      <dgm:prSet/>
+      <dgm:spPr/>
+      <dgm:t>
+        <a:bodyPr/>
+        <a:lstStyle/>
+        <a:p>
+          <a:endParaRPr lang="en-IN"/>
+        </a:p>
+      </dgm:t>
+    </dgm:pt>
+    <dgm:pt modelId="{A502BDD9-648C-4854-B585-61D49C62C56A}" type="sibTrans" cxnId="{01557B17-2AC1-42CB-9B1B-8F52C6DE6578}">
+      <dgm:prSet/>
+      <dgm:spPr/>
+      <dgm:t>
+        <a:bodyPr/>
+        <a:lstStyle/>
+        <a:p>
+          <a:endParaRPr lang="en-IN"/>
+        </a:p>
+      </dgm:t>
+    </dgm:pt>
     <dgm:pt modelId="{DBE36D18-8F81-4A90-B0A8-C898FC1DF993}" type="pres">
       <dgm:prSet presAssocID="{61E1D4B5-16F8-45A9-8846-0462DD05B9A8}" presName="vert0" presStyleCnt="0">
         <dgm:presLayoutVars>
@@ -3066,7 +3138,7 @@
       <dgm:spPr/>
     </dgm:pt>
     <dgm:pt modelId="{ED24C99C-041B-4A18-A390-31046E1A500B}" type="pres">
-      <dgm:prSet presAssocID="{CE4F871D-A71B-44F0-BF4D-ADBE436046CD}" presName="tx1" presStyleLbl="revTx" presStyleIdx="0" presStyleCnt="10"/>
+      <dgm:prSet presAssocID="{CE4F871D-A71B-44F0-BF4D-ADBE436046CD}" presName="tx1" presStyleLbl="revTx" presStyleIdx="0" presStyleCnt="12"/>
       <dgm:spPr/>
     </dgm:pt>
     <dgm:pt modelId="{5F6E8188-5150-44B5-AF06-DD727397032E}" type="pres">
@@ -3086,7 +3158,7 @@
       <dgm:spPr/>
     </dgm:pt>
     <dgm:pt modelId="{941753AE-B722-471C-AC62-47319BF0C8D9}" type="pres">
-      <dgm:prSet presAssocID="{CBA260BE-26DF-4CA2-8529-0EA2431A5CF2}" presName="tx2" presStyleLbl="revTx" presStyleIdx="1" presStyleCnt="10"/>
+      <dgm:prSet presAssocID="{CBA260BE-26DF-4CA2-8529-0EA2431A5CF2}" presName="tx2" presStyleLbl="revTx" presStyleIdx="1" presStyleCnt="12"/>
       <dgm:spPr/>
     </dgm:pt>
     <dgm:pt modelId="{4732C1CE-1D2A-42E0-B848-CA52ABBFF090}" type="pres">
@@ -3102,7 +3174,7 @@
       <dgm:spPr/>
     </dgm:pt>
     <dgm:pt modelId="{5985B81B-530D-4971-88A2-3EE4ECBB8E69}" type="pres">
-      <dgm:prSet presAssocID="{3E3F56BA-E945-4C66-9B60-F0E8F28D2E92}" presName="tx3" presStyleLbl="revTx" presStyleIdx="2" presStyleCnt="10"/>
+      <dgm:prSet presAssocID="{3E3F56BA-E945-4C66-9B60-F0E8F28D2E92}" presName="tx3" presStyleLbl="revTx" presStyleIdx="2" presStyleCnt="12"/>
       <dgm:spPr/>
     </dgm:pt>
     <dgm:pt modelId="{BDDFD716-F8B6-48AF-9B75-26DCD52D9B88}" type="pres">
@@ -3110,7 +3182,7 @@
       <dgm:spPr/>
     </dgm:pt>
     <dgm:pt modelId="{FF831E13-8A6A-4D8A-BEB7-37ADC62306D4}" type="pres">
-      <dgm:prSet presAssocID="{03BAC815-F445-4298-8795-7F458AF95EAB}" presName="thinLine3" presStyleLbl="callout" presStyleIdx="0" presStyleCnt="8"/>
+      <dgm:prSet presAssocID="{03BAC815-F445-4298-8795-7F458AF95EAB}" presName="thinLine3" presStyleLbl="callout" presStyleIdx="0" presStyleCnt="9"/>
       <dgm:spPr/>
     </dgm:pt>
     <dgm:pt modelId="{10B32927-D3B3-48A4-89FB-0AB3A78CDFAE}" type="pres">
@@ -3122,7 +3194,7 @@
       <dgm:spPr/>
     </dgm:pt>
     <dgm:pt modelId="{0AFF7BF0-831D-4AD1-ABB4-F764DB6E2461}" type="pres">
-      <dgm:prSet presAssocID="{B3A68995-F847-415E-9A04-D56AE9162ADF}" presName="tx3" presStyleLbl="revTx" presStyleIdx="3" presStyleCnt="10"/>
+      <dgm:prSet presAssocID="{B3A68995-F847-415E-9A04-D56AE9162ADF}" presName="tx3" presStyleLbl="revTx" presStyleIdx="3" presStyleCnt="12"/>
       <dgm:spPr/>
     </dgm:pt>
     <dgm:pt modelId="{2ABCD0F3-8ABE-4480-8A72-96EBD37CA65B}" type="pres">
@@ -3130,7 +3202,7 @@
       <dgm:spPr/>
     </dgm:pt>
     <dgm:pt modelId="{D07F289D-12CB-40AB-A857-CA247E25A06F}" type="pres">
-      <dgm:prSet presAssocID="{C1A08A78-397D-4E34-9278-8DBCD68C51D1}" presName="thinLine3" presStyleLbl="callout" presStyleIdx="1" presStyleCnt="8"/>
+      <dgm:prSet presAssocID="{C1A08A78-397D-4E34-9278-8DBCD68C51D1}" presName="thinLine3" presStyleLbl="callout" presStyleIdx="1" presStyleCnt="9"/>
       <dgm:spPr/>
     </dgm:pt>
     <dgm:pt modelId="{8A6A3BB5-8B4B-4B34-B5D4-DFF9A1435579}" type="pres">
@@ -3142,7 +3214,7 @@
       <dgm:spPr/>
     </dgm:pt>
     <dgm:pt modelId="{4D62E9A6-E659-40CA-98AB-B285AFE75633}" type="pres">
-      <dgm:prSet presAssocID="{8CA005AC-9806-438A-9F46-92E1C8CC58D6}" presName="tx3" presStyleLbl="revTx" presStyleIdx="4" presStyleCnt="10"/>
+      <dgm:prSet presAssocID="{8CA005AC-9806-438A-9F46-92E1C8CC58D6}" presName="tx3" presStyleLbl="revTx" presStyleIdx="4" presStyleCnt="12"/>
       <dgm:spPr/>
     </dgm:pt>
     <dgm:pt modelId="{7F0641B9-10BB-443B-B35F-74B597647C5A}" type="pres">
@@ -3150,7 +3222,7 @@
       <dgm:spPr/>
     </dgm:pt>
     <dgm:pt modelId="{52EA843E-06A3-42D1-8C01-BD7D1EC5A7E2}" type="pres">
-      <dgm:prSet presAssocID="{C23A1E79-72BF-407F-A21E-0D3BAB90FC0D}" presName="thinLine3" presStyleLbl="callout" presStyleIdx="2" presStyleCnt="8"/>
+      <dgm:prSet presAssocID="{C23A1E79-72BF-407F-A21E-0D3BAB90FC0D}" presName="thinLine3" presStyleLbl="callout" presStyleIdx="2" presStyleCnt="9"/>
       <dgm:spPr/>
     </dgm:pt>
     <dgm:pt modelId="{9436CA0A-483E-4766-9945-CBD7C132CD1C}" type="pres">
@@ -3162,7 +3234,7 @@
       <dgm:spPr/>
     </dgm:pt>
     <dgm:pt modelId="{68706D7E-EE3E-4DDF-9022-D931030632D4}" type="pres">
-      <dgm:prSet presAssocID="{2010375B-7E0E-48B7-92CE-101C20197BC6}" presName="tx3" presStyleLbl="revTx" presStyleIdx="5" presStyleCnt="10"/>
+      <dgm:prSet presAssocID="{2010375B-7E0E-48B7-92CE-101C20197BC6}" presName="tx3" presStyleLbl="revTx" presStyleIdx="5" presStyleCnt="12"/>
       <dgm:spPr/>
     </dgm:pt>
     <dgm:pt modelId="{1F318117-DE1E-4C9E-A093-0CE01050CB9A}" type="pres">
@@ -3170,7 +3242,7 @@
       <dgm:spPr/>
     </dgm:pt>
     <dgm:pt modelId="{F7F3A5D0-D057-468A-B24E-9B2BE81D8CF2}" type="pres">
-      <dgm:prSet presAssocID="{35563C7F-05DC-40BD-B9D1-F74B6E93132C}" presName="thinLine3" presStyleLbl="callout" presStyleIdx="3" presStyleCnt="8"/>
+      <dgm:prSet presAssocID="{35563C7F-05DC-40BD-B9D1-F74B6E93132C}" presName="thinLine3" presStyleLbl="callout" presStyleIdx="3" presStyleCnt="9"/>
       <dgm:spPr/>
     </dgm:pt>
     <dgm:pt modelId="{2EF3347C-13D6-48EF-869B-A39E7EA65A9B}" type="pres">
@@ -3182,7 +3254,7 @@
       <dgm:spPr/>
     </dgm:pt>
     <dgm:pt modelId="{643E397E-2DA9-48E1-A4BE-33184935FB21}" type="pres">
-      <dgm:prSet presAssocID="{DD18E9A5-E7C3-4370-8339-4913E591CDBA}" presName="tx3" presStyleLbl="revTx" presStyleIdx="6" presStyleCnt="10"/>
+      <dgm:prSet presAssocID="{DD18E9A5-E7C3-4370-8339-4913E591CDBA}" presName="tx3" presStyleLbl="revTx" presStyleIdx="6" presStyleCnt="12"/>
       <dgm:spPr/>
     </dgm:pt>
     <dgm:pt modelId="{8A0FEAB5-F80C-484C-8CFD-E580693C3BE4}" type="pres">
@@ -3190,7 +3262,7 @@
       <dgm:spPr/>
     </dgm:pt>
     <dgm:pt modelId="{3BC7DEBA-2C52-4028-89DE-F5AB3FE4CB76}" type="pres">
-      <dgm:prSet presAssocID="{CBA260BE-26DF-4CA2-8529-0EA2431A5CF2}" presName="thinLine2b" presStyleLbl="callout" presStyleIdx="4" presStyleCnt="8"/>
+      <dgm:prSet presAssocID="{CBA260BE-26DF-4CA2-8529-0EA2431A5CF2}" presName="thinLine2b" presStyleLbl="callout" presStyleIdx="4" presStyleCnt="9"/>
       <dgm:spPr/>
     </dgm:pt>
     <dgm:pt modelId="{6687F389-4EDE-4A18-8963-0DDC2732DB2A}" type="pres">
@@ -3206,15 +3278,51 @@
       <dgm:spPr/>
     </dgm:pt>
     <dgm:pt modelId="{193F5734-4D54-4AF1-9A12-3B2325B908A1}" type="pres">
-      <dgm:prSet presAssocID="{895FDE64-0A3D-4ED9-99A2-22F3494EF53D}" presName="tx2" presStyleLbl="revTx" presStyleIdx="7" presStyleCnt="10"/>
+      <dgm:prSet presAssocID="{895FDE64-0A3D-4ED9-99A2-22F3494EF53D}" presName="tx2" presStyleLbl="revTx" presStyleIdx="7" presStyleCnt="12"/>
       <dgm:spPr/>
     </dgm:pt>
     <dgm:pt modelId="{FE67E293-4F22-4B7C-99DC-F92B634FD3E3}" type="pres">
       <dgm:prSet presAssocID="{895FDE64-0A3D-4ED9-99A2-22F3494EF53D}" presName="vert2" presStyleCnt="0"/>
       <dgm:spPr/>
     </dgm:pt>
+    <dgm:pt modelId="{31E15C18-2C2D-4FC9-8399-222A0ABCBFB2}" type="pres">
+      <dgm:prSet presAssocID="{13C68548-78D4-42EB-8A4E-355ADF5DB3ED}" presName="horz3" presStyleCnt="0"/>
+      <dgm:spPr/>
+    </dgm:pt>
+    <dgm:pt modelId="{876EC87B-5A0B-4D57-9D75-4EAA474AEE22}" type="pres">
+      <dgm:prSet presAssocID="{13C68548-78D4-42EB-8A4E-355ADF5DB3ED}" presName="horzSpace3" presStyleCnt="0"/>
+      <dgm:spPr/>
+    </dgm:pt>
+    <dgm:pt modelId="{928F2C93-E1BA-4337-99D6-D12DC92E91EF}" type="pres">
+      <dgm:prSet presAssocID="{13C68548-78D4-42EB-8A4E-355ADF5DB3ED}" presName="tx3" presStyleLbl="revTx" presStyleIdx="8" presStyleCnt="12"/>
+      <dgm:spPr/>
+    </dgm:pt>
+    <dgm:pt modelId="{FC499929-1754-457D-B6F5-0622B8DEEEE7}" type="pres">
+      <dgm:prSet presAssocID="{13C68548-78D4-42EB-8A4E-355ADF5DB3ED}" presName="vert3" presStyleCnt="0"/>
+      <dgm:spPr/>
+    </dgm:pt>
+    <dgm:pt modelId="{8C9FE8B8-DC11-4721-942D-905655C00CE9}" type="pres">
+      <dgm:prSet presAssocID="{265266E8-B628-4641-AF38-86C61CFBC6E8}" presName="thinLine3" presStyleLbl="callout" presStyleIdx="5" presStyleCnt="9"/>
+      <dgm:spPr/>
+    </dgm:pt>
+    <dgm:pt modelId="{1EFA7EFA-3863-4F57-93C1-BC47CDEEAD9B}" type="pres">
+      <dgm:prSet presAssocID="{924345C8-548C-42F9-9038-809466137207}" presName="horz3" presStyleCnt="0"/>
+      <dgm:spPr/>
+    </dgm:pt>
+    <dgm:pt modelId="{2AE3E8FA-93F4-4138-98B4-AC7016DA4632}" type="pres">
+      <dgm:prSet presAssocID="{924345C8-548C-42F9-9038-809466137207}" presName="horzSpace3" presStyleCnt="0"/>
+      <dgm:spPr/>
+    </dgm:pt>
+    <dgm:pt modelId="{99B615F0-8139-4359-949E-2A2A37E2D3AF}" type="pres">
+      <dgm:prSet presAssocID="{924345C8-548C-42F9-9038-809466137207}" presName="tx3" presStyleLbl="revTx" presStyleIdx="9" presStyleCnt="12"/>
+      <dgm:spPr/>
+    </dgm:pt>
+    <dgm:pt modelId="{D1680275-7FEE-4984-83F2-502D7902F368}" type="pres">
+      <dgm:prSet presAssocID="{924345C8-548C-42F9-9038-809466137207}" presName="vert3" presStyleCnt="0"/>
+      <dgm:spPr/>
+    </dgm:pt>
     <dgm:pt modelId="{C4D9330B-F04D-412D-BB13-2F067C2A29DD}" type="pres">
-      <dgm:prSet presAssocID="{895FDE64-0A3D-4ED9-99A2-22F3494EF53D}" presName="thinLine2b" presStyleLbl="callout" presStyleIdx="5" presStyleCnt="8"/>
+      <dgm:prSet presAssocID="{895FDE64-0A3D-4ED9-99A2-22F3494EF53D}" presName="thinLine2b" presStyleLbl="callout" presStyleIdx="6" presStyleCnt="9"/>
       <dgm:spPr/>
     </dgm:pt>
     <dgm:pt modelId="{F26B21B8-D985-4CBF-9F2B-E41358727437}" type="pres">
@@ -3230,7 +3338,7 @@
       <dgm:spPr/>
     </dgm:pt>
     <dgm:pt modelId="{E6DD7986-8B2F-4F73-B9F8-EFD41E23A411}" type="pres">
-      <dgm:prSet presAssocID="{223896C4-B813-411E-AA10-D364E146F37F}" presName="tx2" presStyleLbl="revTx" presStyleIdx="8" presStyleCnt="10"/>
+      <dgm:prSet presAssocID="{223896C4-B813-411E-AA10-D364E146F37F}" presName="tx2" presStyleLbl="revTx" presStyleIdx="10" presStyleCnt="12"/>
       <dgm:spPr/>
     </dgm:pt>
     <dgm:pt modelId="{7D6A553D-A345-4D63-9B5F-FD27FE0B5989}" type="pres">
@@ -3238,7 +3346,7 @@
       <dgm:spPr/>
     </dgm:pt>
     <dgm:pt modelId="{3AB6591B-587F-4DA3-830A-8A2EE4E8CC7C}" type="pres">
-      <dgm:prSet presAssocID="{223896C4-B813-411E-AA10-D364E146F37F}" presName="thinLine2b" presStyleLbl="callout" presStyleIdx="6" presStyleCnt="8"/>
+      <dgm:prSet presAssocID="{223896C4-B813-411E-AA10-D364E146F37F}" presName="thinLine2b" presStyleLbl="callout" presStyleIdx="7" presStyleCnt="9"/>
       <dgm:spPr/>
     </dgm:pt>
     <dgm:pt modelId="{E38FA96F-C0A1-4A7C-A71D-01633D2311B5}" type="pres">
@@ -3254,7 +3362,7 @@
       <dgm:spPr/>
     </dgm:pt>
     <dgm:pt modelId="{96066DCF-1020-4B1B-9719-3F5253BDEE75}" type="pres">
-      <dgm:prSet presAssocID="{622FB042-93C9-4D86-B7FA-E9E21540A62D}" presName="tx2" presStyleLbl="revTx" presStyleIdx="9" presStyleCnt="10"/>
+      <dgm:prSet presAssocID="{622FB042-93C9-4D86-B7FA-E9E21540A62D}" presName="tx2" presStyleLbl="revTx" presStyleIdx="11" presStyleCnt="12"/>
       <dgm:spPr/>
     </dgm:pt>
     <dgm:pt modelId="{D0BFBA78-BED1-4F6E-839D-61A108ED98F4}" type="pres">
@@ -3262,7 +3370,7 @@
       <dgm:spPr/>
     </dgm:pt>
     <dgm:pt modelId="{DA6A172D-C8EF-4EEE-8A72-71BE97162571}" type="pres">
-      <dgm:prSet presAssocID="{622FB042-93C9-4D86-B7FA-E9E21540A62D}" presName="thinLine2b" presStyleLbl="callout" presStyleIdx="7" presStyleCnt="8"/>
+      <dgm:prSet presAssocID="{622FB042-93C9-4D86-B7FA-E9E21540A62D}" presName="thinLine2b" presStyleLbl="callout" presStyleIdx="8" presStyleCnt="9"/>
       <dgm:spPr/>
     </dgm:pt>
     <dgm:pt modelId="{649FDDD9-97F5-45EE-A659-92652CA50EAA}" type="pres">
@@ -3271,7 +3379,9 @@
     </dgm:pt>
   </dgm:ptLst>
   <dgm:cxnLst>
+    <dgm:cxn modelId="{01557B17-2AC1-42CB-9B1B-8F52C6DE6578}" srcId="{895FDE64-0A3D-4ED9-99A2-22F3494EF53D}" destId="{924345C8-548C-42F9-9038-809466137207}" srcOrd="1" destOrd="0" parTransId="{6D903541-63D2-483E-AFF1-457784F29F62}" sibTransId="{A502BDD9-648C-4854-B585-61D49C62C56A}"/>
     <dgm:cxn modelId="{C1DEAB2D-0DC0-4AC5-9567-560E072D78C5}" srcId="{CE4F871D-A71B-44F0-BF4D-ADBE436046CD}" destId="{CBA260BE-26DF-4CA2-8529-0EA2431A5CF2}" srcOrd="0" destOrd="0" parTransId="{CB77379E-E454-4AB6-B4F6-9809E81F1C07}" sibTransId="{16F432DB-7927-41EF-BB22-22E34CAA75C4}"/>
+    <dgm:cxn modelId="{0FB79D30-399D-456D-A0A2-584E054BF617}" type="presOf" srcId="{13C68548-78D4-42EB-8A4E-355ADF5DB3ED}" destId="{928F2C93-E1BA-4337-99D6-D12DC92E91EF}" srcOrd="0" destOrd="0" presId="urn:microsoft.com/office/officeart/2008/layout/LinedList"/>
     <dgm:cxn modelId="{29DD1C33-9CD9-4748-9081-1BE1A34FE693}" srcId="{CE4F871D-A71B-44F0-BF4D-ADBE436046CD}" destId="{895FDE64-0A3D-4ED9-99A2-22F3494EF53D}" srcOrd="1" destOrd="0" parTransId="{E6351690-2566-4896-925C-CB81592ED6B5}" sibTransId="{03EB069B-6693-4EBB-88FC-AC57482BBF1D}"/>
     <dgm:cxn modelId="{30193B3C-D79B-424F-9B17-0C7ED608A7CA}" type="presOf" srcId="{3E3F56BA-E945-4C66-9B60-F0E8F28D2E92}" destId="{5985B81B-530D-4971-88A2-3EE4ECBB8E69}" srcOrd="0" destOrd="0" presId="urn:microsoft.com/office/officeart/2008/layout/LinedList"/>
     <dgm:cxn modelId="{1D85B35D-0703-4A36-B4D0-0896959907FA}" type="presOf" srcId="{61E1D4B5-16F8-45A9-8846-0462DD05B9A8}" destId="{DBE36D18-8F81-4A90-B0A8-C898FC1DF993}" srcOrd="0" destOrd="0" presId="urn:microsoft.com/office/officeart/2008/layout/LinedList"/>
@@ -3280,6 +3390,7 @@
     <dgm:cxn modelId="{A4CCCE49-A803-446E-A9FB-CAA75818963C}" srcId="{CBA260BE-26DF-4CA2-8529-0EA2431A5CF2}" destId="{3E3F56BA-E945-4C66-9B60-F0E8F28D2E92}" srcOrd="0" destOrd="0" parTransId="{F55D23B3-5007-4311-A364-424A30F190DF}" sibTransId="{03BAC815-F445-4298-8795-7F458AF95EAB}"/>
     <dgm:cxn modelId="{06CE096C-89DF-4BBF-9B16-2C6C278753B6}" type="presOf" srcId="{223896C4-B813-411E-AA10-D364E146F37F}" destId="{E6DD7986-8B2F-4F73-B9F8-EFD41E23A411}" srcOrd="0" destOrd="0" presId="urn:microsoft.com/office/officeart/2008/layout/LinedList"/>
     <dgm:cxn modelId="{531D9984-1A54-4284-8A1B-77479CCFE8B5}" srcId="{CE4F871D-A71B-44F0-BF4D-ADBE436046CD}" destId="{622FB042-93C9-4D86-B7FA-E9E21540A62D}" srcOrd="3" destOrd="0" parTransId="{44AA8F2A-F5EC-4AA7-A241-65CF8255CA7C}" sibTransId="{1DE1EBDF-3919-4AAD-A8BD-724BA2716405}"/>
+    <dgm:cxn modelId="{B5BAC29A-35D9-4A0D-B607-CC9AF0544D97}" type="presOf" srcId="{924345C8-548C-42F9-9038-809466137207}" destId="{99B615F0-8139-4359-949E-2A2A37E2D3AF}" srcOrd="0" destOrd="0" presId="urn:microsoft.com/office/officeart/2008/layout/LinedList"/>
     <dgm:cxn modelId="{2A6264A3-0C09-4CD4-A5AC-7967CBB5E98A}" type="presOf" srcId="{2010375B-7E0E-48B7-92CE-101C20197BC6}" destId="{68706D7E-EE3E-4DDF-9022-D931030632D4}" srcOrd="0" destOrd="0" presId="urn:microsoft.com/office/officeart/2008/layout/LinedList"/>
     <dgm:cxn modelId="{A820C2B5-2779-4312-8790-14FF6F32800C}" srcId="{61E1D4B5-16F8-45A9-8846-0462DD05B9A8}" destId="{CE4F871D-A71B-44F0-BF4D-ADBE436046CD}" srcOrd="0" destOrd="0" parTransId="{BA0137A8-DBE0-448F-A6DC-4EF9DE3EF2C1}" sibTransId="{BCB421C9-CD8A-4323-9A2E-04336F05DB64}"/>
     <dgm:cxn modelId="{112792B8-4279-4462-824F-094952E7EA53}" type="presOf" srcId="{CBA260BE-26DF-4CA2-8529-0EA2431A5CF2}" destId="{941753AE-B722-471C-AC62-47319BF0C8D9}" srcOrd="0" destOrd="0" presId="urn:microsoft.com/office/officeart/2008/layout/LinedList"/>
@@ -3292,6 +3403,7 @@
     <dgm:cxn modelId="{A1AE47D0-AD69-449C-8E61-79CDFE26499D}" type="presOf" srcId="{CE4F871D-A71B-44F0-BF4D-ADBE436046CD}" destId="{ED24C99C-041B-4A18-A390-31046E1A500B}" srcOrd="0" destOrd="0" presId="urn:microsoft.com/office/officeart/2008/layout/LinedList"/>
     <dgm:cxn modelId="{666524EC-9AB9-4E20-AF40-F372E47E1AD0}" srcId="{CBA260BE-26DF-4CA2-8529-0EA2431A5CF2}" destId="{2010375B-7E0E-48B7-92CE-101C20197BC6}" srcOrd="3" destOrd="0" parTransId="{82EE0B6E-7E0A-462B-87A3-1EF46B732261}" sibTransId="{35563C7F-05DC-40BD-B9D1-F74B6E93132C}"/>
     <dgm:cxn modelId="{F5FE89F4-33F6-4AC9-9EA2-78404614AB4E}" type="presOf" srcId="{8CA005AC-9806-438A-9F46-92E1C8CC58D6}" destId="{4D62E9A6-E659-40CA-98AB-B285AFE75633}" srcOrd="0" destOrd="0" presId="urn:microsoft.com/office/officeart/2008/layout/LinedList"/>
+    <dgm:cxn modelId="{EF358AFE-C887-4F32-A138-762069FFB118}" srcId="{895FDE64-0A3D-4ED9-99A2-22F3494EF53D}" destId="{13C68548-78D4-42EB-8A4E-355ADF5DB3ED}" srcOrd="0" destOrd="0" parTransId="{FD04A5A8-D653-414C-9CB2-871AD466BB26}" sibTransId="{265266E8-B628-4641-AF38-86C61CFBC6E8}"/>
     <dgm:cxn modelId="{1309D5D4-F691-4726-A0D4-C95E5CF65D46}" type="presParOf" srcId="{DBE36D18-8F81-4A90-B0A8-C898FC1DF993}" destId="{25E56E41-CC86-49E3-A244-93BDA0E88186}" srcOrd="0" destOrd="0" presId="urn:microsoft.com/office/officeart/2008/layout/LinedList"/>
     <dgm:cxn modelId="{174B2E0E-A6F0-46B5-9D6A-6819CD615D17}" type="presParOf" srcId="{DBE36D18-8F81-4A90-B0A8-C898FC1DF993}" destId="{301DC8B6-EBBC-446D-A4DB-06BE186C4770}" srcOrd="1" destOrd="0" presId="urn:microsoft.com/office/officeart/2008/layout/LinedList"/>
     <dgm:cxn modelId="{02A4E509-0869-47E0-9D49-1ED868C8AC2C}" type="presParOf" srcId="{301DC8B6-EBBC-446D-A4DB-06BE186C4770}" destId="{ED24C99C-041B-4A18-A390-31046E1A500B}" srcOrd="0" destOrd="0" presId="urn:microsoft.com/office/officeart/2008/layout/LinedList"/>
@@ -3331,6 +3443,15 @@
     <dgm:cxn modelId="{0D7AA5DF-4138-4C37-8D64-95E534E1A09B}" type="presParOf" srcId="{3FE2DC37-0677-4BE3-9843-1A664C18C8E1}" destId="{6105CDAE-B1C2-41C4-981C-AD8C2807FCCA}" srcOrd="0" destOrd="0" presId="urn:microsoft.com/office/officeart/2008/layout/LinedList"/>
     <dgm:cxn modelId="{A52BC915-3E6B-4008-B6A7-D22D24CD7752}" type="presParOf" srcId="{3FE2DC37-0677-4BE3-9843-1A664C18C8E1}" destId="{193F5734-4D54-4AF1-9A12-3B2325B908A1}" srcOrd="1" destOrd="0" presId="urn:microsoft.com/office/officeart/2008/layout/LinedList"/>
     <dgm:cxn modelId="{DB29F581-2154-4723-9AAE-2DEA0B42E2B1}" type="presParOf" srcId="{3FE2DC37-0677-4BE3-9843-1A664C18C8E1}" destId="{FE67E293-4F22-4B7C-99DC-F92B634FD3E3}" srcOrd="2" destOrd="0" presId="urn:microsoft.com/office/officeart/2008/layout/LinedList"/>
+    <dgm:cxn modelId="{997311A8-3CE8-4732-87B0-DEE28E327A1C}" type="presParOf" srcId="{FE67E293-4F22-4B7C-99DC-F92B634FD3E3}" destId="{31E15C18-2C2D-4FC9-8399-222A0ABCBFB2}" srcOrd="0" destOrd="0" presId="urn:microsoft.com/office/officeart/2008/layout/LinedList"/>
+    <dgm:cxn modelId="{EA8C0988-A126-4A62-B670-DC5033D8B195}" type="presParOf" srcId="{31E15C18-2C2D-4FC9-8399-222A0ABCBFB2}" destId="{876EC87B-5A0B-4D57-9D75-4EAA474AEE22}" srcOrd="0" destOrd="0" presId="urn:microsoft.com/office/officeart/2008/layout/LinedList"/>
+    <dgm:cxn modelId="{FC28C97C-64D0-4258-8815-BFEB56535F80}" type="presParOf" srcId="{31E15C18-2C2D-4FC9-8399-222A0ABCBFB2}" destId="{928F2C93-E1BA-4337-99D6-D12DC92E91EF}" srcOrd="1" destOrd="0" presId="urn:microsoft.com/office/officeart/2008/layout/LinedList"/>
+    <dgm:cxn modelId="{1E65487F-3E08-4458-8256-55F51FB896D8}" type="presParOf" srcId="{31E15C18-2C2D-4FC9-8399-222A0ABCBFB2}" destId="{FC499929-1754-457D-B6F5-0622B8DEEEE7}" srcOrd="2" destOrd="0" presId="urn:microsoft.com/office/officeart/2008/layout/LinedList"/>
+    <dgm:cxn modelId="{A0AFB00D-BA38-47ED-BC29-C5E09B536E1A}" type="presParOf" srcId="{FE67E293-4F22-4B7C-99DC-F92B634FD3E3}" destId="{8C9FE8B8-DC11-4721-942D-905655C00CE9}" srcOrd="1" destOrd="0" presId="urn:microsoft.com/office/officeart/2008/layout/LinedList"/>
+    <dgm:cxn modelId="{17BE6CDB-BE6D-42E4-AA21-371866BD5963}" type="presParOf" srcId="{FE67E293-4F22-4B7C-99DC-F92B634FD3E3}" destId="{1EFA7EFA-3863-4F57-93C1-BC47CDEEAD9B}" srcOrd="2" destOrd="0" presId="urn:microsoft.com/office/officeart/2008/layout/LinedList"/>
+    <dgm:cxn modelId="{01AF452A-5123-44AD-B0A1-C4145045C4F1}" type="presParOf" srcId="{1EFA7EFA-3863-4F57-93C1-BC47CDEEAD9B}" destId="{2AE3E8FA-93F4-4138-98B4-AC7016DA4632}" srcOrd="0" destOrd="0" presId="urn:microsoft.com/office/officeart/2008/layout/LinedList"/>
+    <dgm:cxn modelId="{7C69B2B6-92C3-4132-9A07-7969DD8BB2DD}" type="presParOf" srcId="{1EFA7EFA-3863-4F57-93C1-BC47CDEEAD9B}" destId="{99B615F0-8139-4359-949E-2A2A37E2D3AF}" srcOrd="1" destOrd="0" presId="urn:microsoft.com/office/officeart/2008/layout/LinedList"/>
+    <dgm:cxn modelId="{2751ABCE-DD03-4A93-8E11-6709518329E6}" type="presParOf" srcId="{1EFA7EFA-3863-4F57-93C1-BC47CDEEAD9B}" destId="{D1680275-7FEE-4984-83F2-502D7902F368}" srcOrd="2" destOrd="0" presId="urn:microsoft.com/office/officeart/2008/layout/LinedList"/>
     <dgm:cxn modelId="{E16EC014-F953-4741-A5C2-9BE860F397F3}" type="presParOf" srcId="{5F6E8188-5150-44B5-AF06-DD727397032E}" destId="{C4D9330B-F04D-412D-BB13-2F067C2A29DD}" srcOrd="5" destOrd="0" presId="urn:microsoft.com/office/officeart/2008/layout/LinedList"/>
     <dgm:cxn modelId="{20287E5D-8057-49BD-B888-ADCD96BA7C25}" type="presParOf" srcId="{5F6E8188-5150-44B5-AF06-DD727397032E}" destId="{F26B21B8-D985-4CBF-9F2B-E41358727437}" srcOrd="6" destOrd="0" presId="urn:microsoft.com/office/officeart/2008/layout/LinedList"/>
     <dgm:cxn modelId="{0B3DE333-8D9D-4338-8802-D68C098F6331}" type="presParOf" srcId="{5F6E8188-5150-44B5-AF06-DD727397032E}" destId="{2A7A61A0-EC64-4E7D-A54E-DEE840D65C3B}" srcOrd="7" destOrd="0" presId="urn:microsoft.com/office/officeart/2008/layout/LinedList"/>
@@ -4982,6 +5103,174 @@
       <dsp:txXfrm>
         <a:off x="1209171" y="1075605"/>
         <a:ext cx="2165260" cy="977823"/>
+      </dsp:txXfrm>
+    </dsp:sp>
+    <dsp:sp modelId="{928F2C93-E1BA-4337-99D6-D12DC92E91EF}">
+      <dsp:nvSpPr>
+        <dsp:cNvPr id="0" name=""/>
+        <dsp:cNvSpPr/>
+      </dsp:nvSpPr>
+      <dsp:spPr>
+        <a:xfrm>
+          <a:off x="3458791" y="1075605"/>
+          <a:ext cx="2165260" cy="488911"/>
+        </a:xfrm>
+        <a:prstGeom prst="rect">
+          <a:avLst/>
+        </a:prstGeom>
+        <a:noFill/>
+        <a:ln>
+          <a:noFill/>
+        </a:ln>
+        <a:effectLst/>
+      </dsp:spPr>
+      <dsp:style>
+        <a:lnRef idx="0">
+          <a:scrgbClr r="0" g="0" b="0"/>
+        </a:lnRef>
+        <a:fillRef idx="0">
+          <a:scrgbClr r="0" g="0" b="0"/>
+        </a:fillRef>
+        <a:effectRef idx="0">
+          <a:scrgbClr r="0" g="0" b="0"/>
+        </a:effectRef>
+        <a:fontRef idx="minor"/>
+      </dsp:style>
+      <dsp:txBody>
+        <a:bodyPr spcFirstLastPara="0" vert="horz" wrap="square" lIns="34290" tIns="34290" rIns="34290" bIns="34290" numCol="1" spcCol="1270" anchor="t" anchorCtr="0">
+          <a:noAutofit/>
+        </a:bodyPr>
+        <a:lstStyle/>
+        <a:p>
+          <a:pPr marL="0" lvl="0" indent="0" algn="l" defTabSz="400050">
+            <a:lnSpc>
+              <a:spcPct val="90000"/>
+            </a:lnSpc>
+            <a:spcBef>
+              <a:spcPct val="0"/>
+            </a:spcBef>
+            <a:spcAft>
+              <a:spcPct val="35000"/>
+            </a:spcAft>
+            <a:buNone/>
+          </a:pPr>
+          <a:r>
+            <a:rPr lang="en-IN" sz="900" kern="1200" dirty="0"/>
+            <a:t>Graphs and Plots</a:t>
+          </a:r>
+        </a:p>
+      </dsp:txBody>
+      <dsp:txXfrm>
+        <a:off x="3458791" y="1075605"/>
+        <a:ext cx="2165260" cy="488911"/>
+      </dsp:txXfrm>
+    </dsp:sp>
+    <dsp:sp modelId="{8C9FE8B8-DC11-4721-942D-905655C00CE9}">
+      <dsp:nvSpPr>
+        <dsp:cNvPr id="0" name=""/>
+        <dsp:cNvSpPr/>
+      </dsp:nvSpPr>
+      <dsp:spPr>
+        <a:xfrm>
+          <a:off x="3374431" y="1564516"/>
+          <a:ext cx="2165260" cy="0"/>
+        </a:xfrm>
+        <a:prstGeom prst="line">
+          <a:avLst/>
+        </a:prstGeom>
+        <a:solidFill>
+          <a:schemeClr val="accent1">
+            <a:hueOff val="0"/>
+            <a:satOff val="0"/>
+            <a:lumOff val="0"/>
+            <a:alphaOff val="0"/>
+          </a:schemeClr>
+        </a:solidFill>
+        <a:ln w="15875" cap="flat" cmpd="sng" algn="ctr">
+          <a:solidFill>
+            <a:schemeClr val="accent1">
+              <a:tint val="50000"/>
+              <a:hueOff val="0"/>
+              <a:satOff val="0"/>
+              <a:lumOff val="0"/>
+              <a:alphaOff val="0"/>
+            </a:schemeClr>
+          </a:solidFill>
+          <a:prstDash val="solid"/>
+        </a:ln>
+        <a:effectLst/>
+      </dsp:spPr>
+      <dsp:style>
+        <a:lnRef idx="2">
+          <a:scrgbClr r="0" g="0" b="0"/>
+        </a:lnRef>
+        <a:fillRef idx="1">
+          <a:scrgbClr r="0" g="0" b="0"/>
+        </a:fillRef>
+        <a:effectRef idx="0">
+          <a:scrgbClr r="0" g="0" b="0"/>
+        </a:effectRef>
+        <a:fontRef idx="minor"/>
+      </dsp:style>
+    </dsp:sp>
+    <dsp:sp modelId="{99B615F0-8139-4359-949E-2A2A37E2D3AF}">
+      <dsp:nvSpPr>
+        <dsp:cNvPr id="0" name=""/>
+        <dsp:cNvSpPr/>
+      </dsp:nvSpPr>
+      <dsp:spPr>
+        <a:xfrm>
+          <a:off x="3458791" y="1564516"/>
+          <a:ext cx="2165260" cy="488911"/>
+        </a:xfrm>
+        <a:prstGeom prst="rect">
+          <a:avLst/>
+        </a:prstGeom>
+        <a:noFill/>
+        <a:ln>
+          <a:noFill/>
+        </a:ln>
+        <a:effectLst/>
+      </dsp:spPr>
+      <dsp:style>
+        <a:lnRef idx="0">
+          <a:scrgbClr r="0" g="0" b="0"/>
+        </a:lnRef>
+        <a:fillRef idx="0">
+          <a:scrgbClr r="0" g="0" b="0"/>
+        </a:fillRef>
+        <a:effectRef idx="0">
+          <a:scrgbClr r="0" g="0" b="0"/>
+        </a:effectRef>
+        <a:fontRef idx="minor"/>
+      </dsp:style>
+      <dsp:txBody>
+        <a:bodyPr spcFirstLastPara="0" vert="horz" wrap="square" lIns="34290" tIns="34290" rIns="34290" bIns="34290" numCol="1" spcCol="1270" anchor="t" anchorCtr="0">
+          <a:noAutofit/>
+        </a:bodyPr>
+        <a:lstStyle/>
+        <a:p>
+          <a:pPr marL="0" lvl="0" indent="0" algn="l" defTabSz="400050">
+            <a:lnSpc>
+              <a:spcPct val="90000"/>
+            </a:lnSpc>
+            <a:spcBef>
+              <a:spcPct val="0"/>
+            </a:spcBef>
+            <a:spcAft>
+              <a:spcPct val="35000"/>
+            </a:spcAft>
+            <a:buNone/>
+          </a:pPr>
+          <a:r>
+            <a:rPr lang="en-IN" sz="900" kern="1200" dirty="0"/>
+            <a:t>Statistical tests</a:t>
+          </a:r>
+        </a:p>
+      </dsp:txBody>
+      <dsp:txXfrm>
+        <a:off x="3458791" y="1564516"/>
+        <a:ext cx="2165260" cy="488911"/>
       </dsp:txXfrm>
     </dsp:sp>
     <dsp:sp modelId="{C4D9330B-F04D-412D-BB13-2F067C2A29DD}">
@@ -33798,7 +34087,7 @@
           <p:nvPr>
             <p:extLst>
               <p:ext uri="{D42A27DB-BD31-4B8C-83A1-F6EECF244321}">
-                <p14:modId xmlns:p14="http://schemas.microsoft.com/office/powerpoint/2010/main" val="3290975418"/>
+                <p14:modId xmlns:p14="http://schemas.microsoft.com/office/powerpoint/2010/main" val="1641799041"/>
               </p:ext>
             </p:extLst>
           </p:nvPr>
@@ -33906,6 +34195,36 @@
           <a:chExt cx="0" cy="0"/>
         </a:xfrm>
       </p:grpSpPr>
+      <p:pic>
+        <p:nvPicPr>
+          <p:cNvPr id="8" name="Picture 7">
+            <a:extLst>
+              <a:ext uri="{FF2B5EF4-FFF2-40B4-BE49-F238E27FC236}">
+                <a16:creationId xmlns:a16="http://schemas.microsoft.com/office/drawing/2014/main" id="{0401C6D5-03F5-1F5F-0308-85738DD42552}"/>
+              </a:ext>
+            </a:extLst>
+          </p:cNvPr>
+          <p:cNvPicPr>
+            <a:picLocks noChangeAspect="1"/>
+          </p:cNvPicPr>
+          <p:nvPr/>
+        </p:nvPicPr>
+        <p:blipFill>
+          <a:blip r:embed="rId2"/>
+          <a:stretch>
+            <a:fillRect/>
+          </a:stretch>
+        </p:blipFill>
+        <p:spPr>
+          <a:xfrm>
+            <a:off x="1024126" y="3312793"/>
+            <a:ext cx="4000158" cy="3534873"/>
+          </a:xfrm>
+          <a:prstGeom prst="rect">
+            <a:avLst/>
+          </a:prstGeom>
+        </p:spPr>
+      </p:pic>
       <p:sp>
         <p:nvSpPr>
           <p:cNvPr id="2" name="Title 1">
@@ -33990,36 +34309,6 @@
           </a:p>
         </p:txBody>
       </p:sp>
-      <p:pic>
-        <p:nvPicPr>
-          <p:cNvPr id="4" name="Picture 3">
-            <a:extLst>
-              <a:ext uri="{FF2B5EF4-FFF2-40B4-BE49-F238E27FC236}">
-                <a16:creationId xmlns:a16="http://schemas.microsoft.com/office/drawing/2014/main" id="{F508196F-0B74-2197-F17F-AE86AE5F61D0}"/>
-              </a:ext>
-            </a:extLst>
-          </p:cNvPr>
-          <p:cNvPicPr>
-            <a:picLocks noChangeAspect="1"/>
-          </p:cNvPicPr>
-          <p:nvPr/>
-        </p:nvPicPr>
-        <p:blipFill>
-          <a:blip r:embed="rId2"/>
-          <a:stretch>
-            <a:fillRect/>
-          </a:stretch>
-        </p:blipFill>
-        <p:spPr>
-          <a:xfrm>
-            <a:off x="881009" y="3318978"/>
-            <a:ext cx="4005623" cy="3539042"/>
-          </a:xfrm>
-          <a:prstGeom prst="rect">
-            <a:avLst/>
-          </a:prstGeom>
-        </p:spPr>
-      </p:pic>
       <p:graphicFrame>
         <p:nvGraphicFramePr>
           <p:cNvPr id="6" name="Table 5">
@@ -36327,12 +36616,19 @@
             <p:ph idx="1"/>
           </p:nvPr>
         </p:nvSpPr>
-        <p:spPr/>
+        <p:spPr>
+          <a:xfrm>
+            <a:off x="1024127" y="1843548"/>
+            <a:ext cx="9720073" cy="4023360"/>
+          </a:xfrm>
+        </p:spPr>
         <p:txBody>
           <a:bodyPr/>
           <a:lstStyle/>
           <a:p>
-            <a:pPr algn="just"/>
+            <a:pPr marL="0" indent="0" algn="just">
+              <a:buNone/>
+            </a:pPr>
             <a:r>
               <a:rPr lang="en-IN" dirty="0"/>
               <a:t>As new data keeps on being added to the model it is important that we keep making sanity checks to make sure that we are getting reasonable predictions.</a:t>

--- a/JPMC CCB Risk Modelling Case Study.pptx
+++ b/JPMC CCB Risk Modelling Case Study.pptx
@@ -1649,813 +1649,6 @@
 </dgm:colorsDef>
 </file>
 
-<file path=ppt/diagrams/colors3.xml><?xml version="1.0" encoding="utf-8"?>
-<dgm:colorsDef xmlns:dgm="http://schemas.openxmlformats.org/drawingml/2006/diagram" xmlns:a="http://schemas.openxmlformats.org/drawingml/2006/main" uniqueId="urn:microsoft.com/office/officeart/2005/8/colors/accent3_1">
-  <dgm:title val=""/>
-  <dgm:desc val=""/>
-  <dgm:catLst>
-    <dgm:cat type="accent3" pri="11100"/>
-  </dgm:catLst>
-  <dgm:styleLbl name="node0">
-    <dgm:fillClrLst meth="repeat">
-      <a:schemeClr val="lt1"/>
-    </dgm:fillClrLst>
-    <dgm:linClrLst meth="repeat">
-      <a:schemeClr val="accent3">
-        <a:shade val="80000"/>
-      </a:schemeClr>
-    </dgm:linClrLst>
-    <dgm:effectClrLst/>
-    <dgm:txLinClrLst/>
-    <dgm:txFillClrLst meth="repeat">
-      <a:schemeClr val="dk1"/>
-    </dgm:txFillClrLst>
-    <dgm:txEffectClrLst/>
-  </dgm:styleLbl>
-  <dgm:styleLbl name="node1">
-    <dgm:fillClrLst meth="repeat">
-      <a:schemeClr val="lt1"/>
-    </dgm:fillClrLst>
-    <dgm:linClrLst meth="repeat">
-      <a:schemeClr val="accent3">
-        <a:shade val="80000"/>
-      </a:schemeClr>
-    </dgm:linClrLst>
-    <dgm:effectClrLst/>
-    <dgm:txLinClrLst/>
-    <dgm:txFillClrLst meth="repeat">
-      <a:schemeClr val="dk1"/>
-    </dgm:txFillClrLst>
-    <dgm:txEffectClrLst/>
-  </dgm:styleLbl>
-  <dgm:styleLbl name="alignNode1">
-    <dgm:fillClrLst meth="repeat">
-      <a:schemeClr val="lt1"/>
-    </dgm:fillClrLst>
-    <dgm:linClrLst meth="repeat">
-      <a:schemeClr val="accent3">
-        <a:shade val="80000"/>
-      </a:schemeClr>
-    </dgm:linClrLst>
-    <dgm:effectClrLst/>
-    <dgm:txLinClrLst/>
-    <dgm:txFillClrLst meth="repeat">
-      <a:schemeClr val="dk1"/>
-    </dgm:txFillClrLst>
-    <dgm:txEffectClrLst/>
-  </dgm:styleLbl>
-  <dgm:styleLbl name="lnNode1">
-    <dgm:fillClrLst meth="repeat">
-      <a:schemeClr val="lt1"/>
-    </dgm:fillClrLst>
-    <dgm:linClrLst meth="repeat">
-      <a:schemeClr val="accent3">
-        <a:shade val="80000"/>
-      </a:schemeClr>
-    </dgm:linClrLst>
-    <dgm:effectClrLst/>
-    <dgm:txLinClrLst/>
-    <dgm:txFillClrLst meth="repeat">
-      <a:schemeClr val="dk1"/>
-    </dgm:txFillClrLst>
-    <dgm:txEffectClrLst/>
-  </dgm:styleLbl>
-  <dgm:styleLbl name="vennNode1">
-    <dgm:fillClrLst meth="repeat">
-      <a:schemeClr val="lt1">
-        <a:alpha val="50000"/>
-      </a:schemeClr>
-    </dgm:fillClrLst>
-    <dgm:linClrLst meth="repeat">
-      <a:schemeClr val="accent3">
-        <a:shade val="80000"/>
-      </a:schemeClr>
-    </dgm:linClrLst>
-    <dgm:effectClrLst/>
-    <dgm:txLinClrLst/>
-    <dgm:txFillClrLst/>
-    <dgm:txEffectClrLst/>
-  </dgm:styleLbl>
-  <dgm:styleLbl name="node2">
-    <dgm:fillClrLst meth="repeat">
-      <a:schemeClr val="lt1"/>
-    </dgm:fillClrLst>
-    <dgm:linClrLst meth="repeat">
-      <a:schemeClr val="accent3">
-        <a:shade val="80000"/>
-      </a:schemeClr>
-    </dgm:linClrLst>
-    <dgm:effectClrLst/>
-    <dgm:txLinClrLst/>
-    <dgm:txFillClrLst meth="repeat">
-      <a:schemeClr val="dk1"/>
-    </dgm:txFillClrLst>
-    <dgm:txEffectClrLst/>
-  </dgm:styleLbl>
-  <dgm:styleLbl name="node3">
-    <dgm:fillClrLst meth="repeat">
-      <a:schemeClr val="lt1"/>
-    </dgm:fillClrLst>
-    <dgm:linClrLst meth="repeat">
-      <a:schemeClr val="accent3">
-        <a:shade val="80000"/>
-      </a:schemeClr>
-    </dgm:linClrLst>
-    <dgm:effectClrLst/>
-    <dgm:txLinClrLst/>
-    <dgm:txFillClrLst meth="repeat">
-      <a:schemeClr val="dk1"/>
-    </dgm:txFillClrLst>
-    <dgm:txEffectClrLst/>
-  </dgm:styleLbl>
-  <dgm:styleLbl name="node4">
-    <dgm:fillClrLst meth="repeat">
-      <a:schemeClr val="lt1"/>
-    </dgm:fillClrLst>
-    <dgm:linClrLst meth="repeat">
-      <a:schemeClr val="accent3">
-        <a:shade val="80000"/>
-      </a:schemeClr>
-    </dgm:linClrLst>
-    <dgm:effectClrLst/>
-    <dgm:txLinClrLst/>
-    <dgm:txFillClrLst meth="repeat">
-      <a:schemeClr val="dk1"/>
-    </dgm:txFillClrLst>
-    <dgm:txEffectClrLst/>
-  </dgm:styleLbl>
-  <dgm:styleLbl name="fgImgPlace1">
-    <dgm:fillClrLst meth="repeat">
-      <a:schemeClr val="accent3">
-        <a:tint val="40000"/>
-      </a:schemeClr>
-    </dgm:fillClrLst>
-    <dgm:linClrLst meth="repeat">
-      <a:schemeClr val="accent3">
-        <a:shade val="80000"/>
-      </a:schemeClr>
-    </dgm:linClrLst>
-    <dgm:effectClrLst/>
-    <dgm:txLinClrLst/>
-    <dgm:txFillClrLst meth="repeat">
-      <a:schemeClr val="lt1"/>
-    </dgm:txFillClrLst>
-    <dgm:txEffectClrLst/>
-  </dgm:styleLbl>
-  <dgm:styleLbl name="alignImgPlace1">
-    <dgm:fillClrLst meth="repeat">
-      <a:schemeClr val="accent3">
-        <a:tint val="40000"/>
-      </a:schemeClr>
-    </dgm:fillClrLst>
-    <dgm:linClrLst meth="repeat">
-      <a:schemeClr val="accent3">
-        <a:shade val="80000"/>
-      </a:schemeClr>
-    </dgm:linClrLst>
-    <dgm:effectClrLst/>
-    <dgm:txLinClrLst/>
-    <dgm:txFillClrLst meth="repeat">
-      <a:schemeClr val="lt1"/>
-    </dgm:txFillClrLst>
-    <dgm:txEffectClrLst/>
-  </dgm:styleLbl>
-  <dgm:styleLbl name="bgImgPlace1">
-    <dgm:fillClrLst meth="repeat">
-      <a:schemeClr val="accent3">
-        <a:tint val="40000"/>
-      </a:schemeClr>
-    </dgm:fillClrLst>
-    <dgm:linClrLst meth="repeat">
-      <a:schemeClr val="accent3">
-        <a:shade val="80000"/>
-      </a:schemeClr>
-    </dgm:linClrLst>
-    <dgm:effectClrLst/>
-    <dgm:txLinClrLst/>
-    <dgm:txFillClrLst meth="repeat">
-      <a:schemeClr val="lt1"/>
-    </dgm:txFillClrLst>
-    <dgm:txEffectClrLst/>
-  </dgm:styleLbl>
-  <dgm:styleLbl name="sibTrans2D1">
-    <dgm:fillClrLst meth="repeat">
-      <a:schemeClr val="accent3">
-        <a:tint val="60000"/>
-      </a:schemeClr>
-    </dgm:fillClrLst>
-    <dgm:linClrLst meth="repeat">
-      <a:schemeClr val="accent3">
-        <a:tint val="60000"/>
-      </a:schemeClr>
-    </dgm:linClrLst>
-    <dgm:effectClrLst/>
-    <dgm:txLinClrLst/>
-    <dgm:txFillClrLst meth="repeat">
-      <a:schemeClr val="dk1"/>
-    </dgm:txFillClrLst>
-    <dgm:txEffectClrLst/>
-  </dgm:styleLbl>
-  <dgm:styleLbl name="fgSibTrans2D1">
-    <dgm:fillClrLst meth="repeat">
-      <a:schemeClr val="accent3">
-        <a:tint val="60000"/>
-      </a:schemeClr>
-    </dgm:fillClrLst>
-    <dgm:linClrLst meth="repeat">
-      <a:schemeClr val="accent3">
-        <a:tint val="60000"/>
-      </a:schemeClr>
-    </dgm:linClrLst>
-    <dgm:effectClrLst/>
-    <dgm:txLinClrLst/>
-    <dgm:txFillClrLst meth="repeat">
-      <a:schemeClr val="dk1"/>
-    </dgm:txFillClrLst>
-    <dgm:txEffectClrLst/>
-  </dgm:styleLbl>
-  <dgm:styleLbl name="bgSibTrans2D1">
-    <dgm:fillClrLst meth="repeat">
-      <a:schemeClr val="accent3">
-        <a:tint val="60000"/>
-      </a:schemeClr>
-    </dgm:fillClrLst>
-    <dgm:linClrLst meth="repeat">
-      <a:schemeClr val="accent3">
-        <a:tint val="60000"/>
-      </a:schemeClr>
-    </dgm:linClrLst>
-    <dgm:effectClrLst/>
-    <dgm:txLinClrLst/>
-    <dgm:txFillClrLst meth="repeat">
-      <a:schemeClr val="dk1"/>
-    </dgm:txFillClrLst>
-    <dgm:txEffectClrLst/>
-  </dgm:styleLbl>
-  <dgm:styleLbl name="sibTrans1D1">
-    <dgm:fillClrLst meth="repeat">
-      <a:schemeClr val="accent3"/>
-    </dgm:fillClrLst>
-    <dgm:linClrLst meth="repeat">
-      <a:schemeClr val="accent3"/>
-    </dgm:linClrLst>
-    <dgm:effectClrLst/>
-    <dgm:txLinClrLst/>
-    <dgm:txFillClrLst meth="repeat">
-      <a:schemeClr val="tx1"/>
-    </dgm:txFillClrLst>
-    <dgm:txEffectClrLst/>
-  </dgm:styleLbl>
-  <dgm:styleLbl name="callout">
-    <dgm:fillClrLst meth="repeat">
-      <a:schemeClr val="accent3"/>
-    </dgm:fillClrLst>
-    <dgm:linClrLst meth="repeat">
-      <a:schemeClr val="accent3"/>
-    </dgm:linClrLst>
-    <dgm:effectClrLst/>
-    <dgm:txLinClrLst/>
-    <dgm:txFillClrLst meth="repeat">
-      <a:schemeClr val="tx1"/>
-    </dgm:txFillClrLst>
-    <dgm:txEffectClrLst/>
-  </dgm:styleLbl>
-  <dgm:styleLbl name="asst0">
-    <dgm:fillClrLst meth="repeat">
-      <a:schemeClr val="lt1"/>
-    </dgm:fillClrLst>
-    <dgm:linClrLst meth="repeat">
-      <a:schemeClr val="accent3">
-        <a:shade val="80000"/>
-      </a:schemeClr>
-    </dgm:linClrLst>
-    <dgm:effectClrLst/>
-    <dgm:txLinClrLst/>
-    <dgm:txFillClrLst meth="repeat">
-      <a:schemeClr val="dk1"/>
-    </dgm:txFillClrLst>
-    <dgm:txEffectClrLst/>
-  </dgm:styleLbl>
-  <dgm:styleLbl name="asst1">
-    <dgm:fillClrLst meth="repeat">
-      <a:schemeClr val="lt1"/>
-    </dgm:fillClrLst>
-    <dgm:linClrLst meth="repeat">
-      <a:schemeClr val="accent3">
-        <a:shade val="80000"/>
-      </a:schemeClr>
-    </dgm:linClrLst>
-    <dgm:effectClrLst/>
-    <dgm:txLinClrLst/>
-    <dgm:txFillClrLst meth="repeat">
-      <a:schemeClr val="dk1"/>
-    </dgm:txFillClrLst>
-    <dgm:txEffectClrLst/>
-  </dgm:styleLbl>
-  <dgm:styleLbl name="asst2">
-    <dgm:fillClrLst meth="repeat">
-      <a:schemeClr val="lt1"/>
-    </dgm:fillClrLst>
-    <dgm:linClrLst meth="repeat">
-      <a:schemeClr val="accent3">
-        <a:shade val="80000"/>
-      </a:schemeClr>
-    </dgm:linClrLst>
-    <dgm:effectClrLst/>
-    <dgm:txLinClrLst/>
-    <dgm:txFillClrLst meth="repeat">
-      <a:schemeClr val="dk1"/>
-    </dgm:txFillClrLst>
-    <dgm:txEffectClrLst/>
-  </dgm:styleLbl>
-  <dgm:styleLbl name="asst3">
-    <dgm:fillClrLst meth="repeat">
-      <a:schemeClr val="lt1"/>
-    </dgm:fillClrLst>
-    <dgm:linClrLst meth="repeat">
-      <a:schemeClr val="accent3">
-        <a:shade val="80000"/>
-      </a:schemeClr>
-    </dgm:linClrLst>
-    <dgm:effectClrLst/>
-    <dgm:txLinClrLst/>
-    <dgm:txFillClrLst meth="repeat">
-      <a:schemeClr val="dk1"/>
-    </dgm:txFillClrLst>
-    <dgm:txEffectClrLst/>
-  </dgm:styleLbl>
-  <dgm:styleLbl name="asst4">
-    <dgm:fillClrLst meth="repeat">
-      <a:schemeClr val="lt1"/>
-    </dgm:fillClrLst>
-    <dgm:linClrLst meth="repeat">
-      <a:schemeClr val="accent3">
-        <a:shade val="80000"/>
-      </a:schemeClr>
-    </dgm:linClrLst>
-    <dgm:effectClrLst/>
-    <dgm:txLinClrLst/>
-    <dgm:txFillClrLst meth="repeat">
-      <a:schemeClr val="dk1"/>
-    </dgm:txFillClrLst>
-    <dgm:txEffectClrLst/>
-  </dgm:styleLbl>
-  <dgm:styleLbl name="parChTrans2D1">
-    <dgm:fillClrLst meth="repeat">
-      <a:schemeClr val="accent3">
-        <a:tint val="60000"/>
-      </a:schemeClr>
-    </dgm:fillClrLst>
-    <dgm:linClrLst meth="repeat">
-      <a:schemeClr val="accent3">
-        <a:tint val="60000"/>
-      </a:schemeClr>
-    </dgm:linClrLst>
-    <dgm:effectClrLst/>
-    <dgm:txLinClrLst/>
-    <dgm:txFillClrLst/>
-    <dgm:txEffectClrLst/>
-  </dgm:styleLbl>
-  <dgm:styleLbl name="parChTrans2D2">
-    <dgm:fillClrLst meth="repeat">
-      <a:schemeClr val="accent3"/>
-    </dgm:fillClrLst>
-    <dgm:linClrLst meth="repeat">
-      <a:schemeClr val="accent3"/>
-    </dgm:linClrLst>
-    <dgm:effectClrLst/>
-    <dgm:txLinClrLst/>
-    <dgm:txFillClrLst/>
-    <dgm:txEffectClrLst/>
-  </dgm:styleLbl>
-  <dgm:styleLbl name="parChTrans2D3">
-    <dgm:fillClrLst meth="repeat">
-      <a:schemeClr val="accent3"/>
-    </dgm:fillClrLst>
-    <dgm:linClrLst meth="repeat">
-      <a:schemeClr val="accent3"/>
-    </dgm:linClrLst>
-    <dgm:effectClrLst/>
-    <dgm:txLinClrLst/>
-    <dgm:txFillClrLst/>
-    <dgm:txEffectClrLst/>
-  </dgm:styleLbl>
-  <dgm:styleLbl name="parChTrans2D4">
-    <dgm:fillClrLst meth="repeat">
-      <a:schemeClr val="accent3"/>
-    </dgm:fillClrLst>
-    <dgm:linClrLst meth="repeat">
-      <a:schemeClr val="accent3"/>
-    </dgm:linClrLst>
-    <dgm:effectClrLst/>
-    <dgm:txLinClrLst/>
-    <dgm:txFillClrLst meth="repeat">
-      <a:schemeClr val="lt1"/>
-    </dgm:txFillClrLst>
-    <dgm:txEffectClrLst/>
-  </dgm:styleLbl>
-  <dgm:styleLbl name="parChTrans1D1">
-    <dgm:fillClrLst meth="repeat">
-      <a:schemeClr val="accent3"/>
-    </dgm:fillClrLst>
-    <dgm:linClrLst meth="repeat">
-      <a:schemeClr val="accent3">
-        <a:shade val="60000"/>
-      </a:schemeClr>
-    </dgm:linClrLst>
-    <dgm:effectClrLst/>
-    <dgm:txLinClrLst/>
-    <dgm:txFillClrLst meth="repeat">
-      <a:schemeClr val="tx1"/>
-    </dgm:txFillClrLst>
-    <dgm:txEffectClrLst/>
-  </dgm:styleLbl>
-  <dgm:styleLbl name="parChTrans1D2">
-    <dgm:fillClrLst meth="repeat">
-      <a:schemeClr val="accent3"/>
-    </dgm:fillClrLst>
-    <dgm:linClrLst meth="repeat">
-      <a:schemeClr val="accent3">
-        <a:shade val="60000"/>
-      </a:schemeClr>
-    </dgm:linClrLst>
-    <dgm:effectClrLst/>
-    <dgm:txLinClrLst/>
-    <dgm:txFillClrLst meth="repeat">
-      <a:schemeClr val="tx1"/>
-    </dgm:txFillClrLst>
-    <dgm:txEffectClrLst/>
-  </dgm:styleLbl>
-  <dgm:styleLbl name="parChTrans1D3">
-    <dgm:fillClrLst meth="repeat">
-      <a:schemeClr val="accent3"/>
-    </dgm:fillClrLst>
-    <dgm:linClrLst meth="repeat">
-      <a:schemeClr val="accent3">
-        <a:shade val="80000"/>
-      </a:schemeClr>
-    </dgm:linClrLst>
-    <dgm:effectClrLst/>
-    <dgm:txLinClrLst/>
-    <dgm:txFillClrLst meth="repeat">
-      <a:schemeClr val="tx1"/>
-    </dgm:txFillClrLst>
-    <dgm:txEffectClrLst/>
-  </dgm:styleLbl>
-  <dgm:styleLbl name="parChTrans1D4">
-    <dgm:fillClrLst meth="repeat">
-      <a:schemeClr val="accent3"/>
-    </dgm:fillClrLst>
-    <dgm:linClrLst meth="repeat">
-      <a:schemeClr val="accent3">
-        <a:shade val="80000"/>
-      </a:schemeClr>
-    </dgm:linClrLst>
-    <dgm:effectClrLst/>
-    <dgm:txLinClrLst/>
-    <dgm:txFillClrLst meth="repeat">
-      <a:schemeClr val="tx1"/>
-    </dgm:txFillClrLst>
-    <dgm:txEffectClrLst/>
-  </dgm:styleLbl>
-  <dgm:styleLbl name="fgAcc1">
-    <dgm:fillClrLst meth="repeat">
-      <a:schemeClr val="accent3">
-        <a:alpha val="90000"/>
-        <a:tint val="40000"/>
-      </a:schemeClr>
-    </dgm:fillClrLst>
-    <dgm:linClrLst meth="repeat">
-      <a:schemeClr val="accent3"/>
-    </dgm:linClrLst>
-    <dgm:effectClrLst/>
-    <dgm:txLinClrLst/>
-    <dgm:txFillClrLst meth="repeat">
-      <a:schemeClr val="dk1"/>
-    </dgm:txFillClrLst>
-    <dgm:txEffectClrLst/>
-  </dgm:styleLbl>
-  <dgm:styleLbl name="conFgAcc1">
-    <dgm:fillClrLst meth="repeat">
-      <a:schemeClr val="accent3">
-        <a:alpha val="90000"/>
-        <a:tint val="40000"/>
-      </a:schemeClr>
-    </dgm:fillClrLst>
-    <dgm:linClrLst meth="repeat">
-      <a:schemeClr val="accent3"/>
-    </dgm:linClrLst>
-    <dgm:effectClrLst/>
-    <dgm:txLinClrLst/>
-    <dgm:txFillClrLst meth="repeat">
-      <a:schemeClr val="dk1"/>
-    </dgm:txFillClrLst>
-    <dgm:txEffectClrLst/>
-  </dgm:styleLbl>
-  <dgm:styleLbl name="alignAcc1">
-    <dgm:fillClrLst meth="repeat">
-      <a:schemeClr val="accent3">
-        <a:alpha val="90000"/>
-        <a:tint val="40000"/>
-      </a:schemeClr>
-    </dgm:fillClrLst>
-    <dgm:linClrLst meth="repeat">
-      <a:schemeClr val="accent3"/>
-    </dgm:linClrLst>
-    <dgm:effectClrLst/>
-    <dgm:txLinClrLst/>
-    <dgm:txFillClrLst meth="repeat">
-      <a:schemeClr val="dk1"/>
-    </dgm:txFillClrLst>
-    <dgm:txEffectClrLst/>
-  </dgm:styleLbl>
-  <dgm:styleLbl name="trAlignAcc1">
-    <dgm:fillClrLst meth="repeat">
-      <a:schemeClr val="accent3">
-        <a:alpha val="40000"/>
-        <a:tint val="40000"/>
-      </a:schemeClr>
-    </dgm:fillClrLst>
-    <dgm:linClrLst meth="repeat">
-      <a:schemeClr val="accent3"/>
-    </dgm:linClrLst>
-    <dgm:effectClrLst/>
-    <dgm:txLinClrLst/>
-    <dgm:txFillClrLst meth="repeat">
-      <a:schemeClr val="dk1"/>
-    </dgm:txFillClrLst>
-    <dgm:txEffectClrLst/>
-  </dgm:styleLbl>
-  <dgm:styleLbl name="bgAcc1">
-    <dgm:fillClrLst meth="repeat">
-      <a:schemeClr val="accent3">
-        <a:alpha val="90000"/>
-        <a:tint val="40000"/>
-      </a:schemeClr>
-    </dgm:fillClrLst>
-    <dgm:linClrLst meth="repeat">
-      <a:schemeClr val="accent3"/>
-    </dgm:linClrLst>
-    <dgm:effectClrLst/>
-    <dgm:txLinClrLst/>
-    <dgm:txFillClrLst meth="repeat">
-      <a:schemeClr val="dk1"/>
-    </dgm:txFillClrLst>
-    <dgm:txEffectClrLst/>
-  </dgm:styleLbl>
-  <dgm:styleLbl name="solidFgAcc1">
-    <dgm:fillClrLst meth="repeat">
-      <a:schemeClr val="lt1"/>
-    </dgm:fillClrLst>
-    <dgm:linClrLst meth="repeat">
-      <a:schemeClr val="accent3"/>
-    </dgm:linClrLst>
-    <dgm:effectClrLst/>
-    <dgm:txLinClrLst/>
-    <dgm:txFillClrLst meth="repeat">
-      <a:schemeClr val="dk1"/>
-    </dgm:txFillClrLst>
-    <dgm:txEffectClrLst/>
-  </dgm:styleLbl>
-  <dgm:styleLbl name="solidAlignAcc1">
-    <dgm:fillClrLst meth="repeat">
-      <a:schemeClr val="lt1"/>
-    </dgm:fillClrLst>
-    <dgm:linClrLst meth="repeat">
-      <a:schemeClr val="accent3"/>
-    </dgm:linClrLst>
-    <dgm:effectClrLst/>
-    <dgm:txLinClrLst/>
-    <dgm:txFillClrLst meth="repeat">
-      <a:schemeClr val="dk1"/>
-    </dgm:txFillClrLst>
-    <dgm:txEffectClrLst/>
-  </dgm:styleLbl>
-  <dgm:styleLbl name="solidBgAcc1">
-    <dgm:fillClrLst meth="repeat">
-      <a:schemeClr val="lt1"/>
-    </dgm:fillClrLst>
-    <dgm:linClrLst meth="repeat">
-      <a:schemeClr val="accent3"/>
-    </dgm:linClrLst>
-    <dgm:effectClrLst/>
-    <dgm:txLinClrLst/>
-    <dgm:txFillClrLst meth="repeat">
-      <a:schemeClr val="dk1"/>
-    </dgm:txFillClrLst>
-    <dgm:txEffectClrLst/>
-  </dgm:styleLbl>
-  <dgm:styleLbl name="fgAccFollowNode1">
-    <dgm:fillClrLst meth="repeat">
-      <a:schemeClr val="lt1">
-        <a:alpha val="90000"/>
-        <a:tint val="40000"/>
-      </a:schemeClr>
-    </dgm:fillClrLst>
-    <dgm:linClrLst meth="repeat">
-      <a:schemeClr val="accent3">
-        <a:alpha val="90000"/>
-      </a:schemeClr>
-    </dgm:linClrLst>
-    <dgm:effectClrLst/>
-    <dgm:txLinClrLst/>
-    <dgm:txFillClrLst meth="repeat">
-      <a:schemeClr val="dk1"/>
-    </dgm:txFillClrLst>
-    <dgm:txEffectClrLst/>
-  </dgm:styleLbl>
-  <dgm:styleLbl name="alignAccFollowNode1">
-    <dgm:fillClrLst meth="repeat">
-      <a:schemeClr val="lt1">
-        <a:alpha val="90000"/>
-        <a:tint val="40000"/>
-      </a:schemeClr>
-    </dgm:fillClrLst>
-    <dgm:linClrLst meth="repeat">
-      <a:schemeClr val="accent3">
-        <a:alpha val="90000"/>
-      </a:schemeClr>
-    </dgm:linClrLst>
-    <dgm:effectClrLst/>
-    <dgm:txLinClrLst/>
-    <dgm:txFillClrLst meth="repeat">
-      <a:schemeClr val="dk1"/>
-    </dgm:txFillClrLst>
-    <dgm:txEffectClrLst/>
-  </dgm:styleLbl>
-  <dgm:styleLbl name="bgAccFollowNode1">
-    <dgm:fillClrLst meth="repeat">
-      <a:schemeClr val="lt1">
-        <a:alpha val="90000"/>
-        <a:tint val="40000"/>
-      </a:schemeClr>
-    </dgm:fillClrLst>
-    <dgm:linClrLst meth="repeat">
-      <a:schemeClr val="accent3">
-        <a:alpha val="90000"/>
-      </a:schemeClr>
-    </dgm:linClrLst>
-    <dgm:effectClrLst/>
-    <dgm:txLinClrLst/>
-    <dgm:txFillClrLst meth="repeat">
-      <a:schemeClr val="dk1"/>
-    </dgm:txFillClrLst>
-    <dgm:txEffectClrLst/>
-  </dgm:styleLbl>
-  <dgm:styleLbl name="fgAcc0">
-    <dgm:fillClrLst meth="repeat">
-      <a:schemeClr val="accent3">
-        <a:alpha val="90000"/>
-        <a:tint val="40000"/>
-      </a:schemeClr>
-    </dgm:fillClrLst>
-    <dgm:linClrLst meth="repeat">
-      <a:schemeClr val="accent3"/>
-    </dgm:linClrLst>
-    <dgm:effectClrLst/>
-    <dgm:txLinClrLst/>
-    <dgm:txFillClrLst meth="repeat">
-      <a:schemeClr val="dk1"/>
-    </dgm:txFillClrLst>
-    <dgm:txEffectClrLst/>
-  </dgm:styleLbl>
-  <dgm:styleLbl name="fgAcc2">
-    <dgm:fillClrLst meth="repeat">
-      <a:schemeClr val="accent3">
-        <a:alpha val="90000"/>
-        <a:tint val="40000"/>
-      </a:schemeClr>
-    </dgm:fillClrLst>
-    <dgm:linClrLst meth="repeat">
-      <a:schemeClr val="accent3"/>
-    </dgm:linClrLst>
-    <dgm:effectClrLst/>
-    <dgm:txLinClrLst/>
-    <dgm:txFillClrLst meth="repeat">
-      <a:schemeClr val="dk1"/>
-    </dgm:txFillClrLst>
-    <dgm:txEffectClrLst/>
-  </dgm:styleLbl>
-  <dgm:styleLbl name="fgAcc3">
-    <dgm:fillClrLst meth="repeat">
-      <a:schemeClr val="accent3">
-        <a:alpha val="90000"/>
-        <a:tint val="40000"/>
-      </a:schemeClr>
-    </dgm:fillClrLst>
-    <dgm:linClrLst meth="repeat">
-      <a:schemeClr val="accent3"/>
-    </dgm:linClrLst>
-    <dgm:effectClrLst/>
-    <dgm:txLinClrLst/>
-    <dgm:txFillClrLst meth="repeat">
-      <a:schemeClr val="dk1"/>
-    </dgm:txFillClrLst>
-    <dgm:txEffectClrLst/>
-  </dgm:styleLbl>
-  <dgm:styleLbl name="fgAcc4">
-    <dgm:fillClrLst meth="repeat">
-      <a:schemeClr val="accent3">
-        <a:alpha val="90000"/>
-        <a:tint val="40000"/>
-      </a:schemeClr>
-    </dgm:fillClrLst>
-    <dgm:linClrLst meth="repeat">
-      <a:schemeClr val="accent3"/>
-    </dgm:linClrLst>
-    <dgm:effectClrLst/>
-    <dgm:txLinClrLst/>
-    <dgm:txFillClrLst meth="repeat">
-      <a:schemeClr val="dk1"/>
-    </dgm:txFillClrLst>
-    <dgm:txEffectClrLst/>
-  </dgm:styleLbl>
-  <dgm:styleLbl name="bgShp">
-    <dgm:fillClrLst meth="repeat">
-      <a:schemeClr val="accent3">
-        <a:tint val="40000"/>
-      </a:schemeClr>
-    </dgm:fillClrLst>
-    <dgm:linClrLst meth="repeat">
-      <a:schemeClr val="accent3"/>
-    </dgm:linClrLst>
-    <dgm:effectClrLst/>
-    <dgm:txLinClrLst/>
-    <dgm:txFillClrLst meth="repeat">
-      <a:schemeClr val="dk1"/>
-    </dgm:txFillClrLst>
-    <dgm:txEffectClrLst/>
-  </dgm:styleLbl>
-  <dgm:styleLbl name="dkBgShp">
-    <dgm:fillClrLst meth="repeat">
-      <a:schemeClr val="accent3">
-        <a:shade val="80000"/>
-      </a:schemeClr>
-    </dgm:fillClrLst>
-    <dgm:linClrLst meth="repeat">
-      <a:schemeClr val="accent3"/>
-    </dgm:linClrLst>
-    <dgm:effectClrLst/>
-    <dgm:txLinClrLst/>
-    <dgm:txFillClrLst meth="repeat">
-      <a:schemeClr val="lt1"/>
-    </dgm:txFillClrLst>
-    <dgm:txEffectClrLst/>
-  </dgm:styleLbl>
-  <dgm:styleLbl name="trBgShp">
-    <dgm:fillClrLst meth="repeat">
-      <a:schemeClr val="accent3">
-        <a:tint val="50000"/>
-        <a:alpha val="40000"/>
-      </a:schemeClr>
-    </dgm:fillClrLst>
-    <dgm:linClrLst meth="repeat">
-      <a:schemeClr val="accent3"/>
-    </dgm:linClrLst>
-    <dgm:effectClrLst/>
-    <dgm:txLinClrLst/>
-    <dgm:txFillClrLst meth="repeat">
-      <a:schemeClr val="lt1"/>
-    </dgm:txFillClrLst>
-    <dgm:txEffectClrLst/>
-  </dgm:styleLbl>
-  <dgm:styleLbl name="fgShp">
-    <dgm:fillClrLst meth="repeat">
-      <a:schemeClr val="accent3">
-        <a:tint val="60000"/>
-      </a:schemeClr>
-    </dgm:fillClrLst>
-    <dgm:linClrLst meth="repeat">
-      <a:schemeClr val="lt1"/>
-    </dgm:linClrLst>
-    <dgm:effectClrLst/>
-    <dgm:txLinClrLst/>
-    <dgm:txFillClrLst meth="repeat">
-      <a:schemeClr val="dk1"/>
-    </dgm:txFillClrLst>
-    <dgm:txEffectClrLst/>
-  </dgm:styleLbl>
-  <dgm:styleLbl name="revTx">
-    <dgm:fillClrLst meth="repeat">
-      <a:schemeClr val="lt1">
-        <a:alpha val="0"/>
-      </a:schemeClr>
-    </dgm:fillClrLst>
-    <dgm:linClrLst meth="repeat">
-      <a:schemeClr val="dk1">
-        <a:alpha val="0"/>
-      </a:schemeClr>
-    </dgm:linClrLst>
-    <dgm:effectClrLst/>
-    <dgm:txLinClrLst/>
-    <dgm:txFillClrLst meth="repeat">
-      <a:schemeClr val="tx1"/>
-    </dgm:txFillClrLst>
-    <dgm:txEffectClrLst/>
-  </dgm:styleLbl>
-</dgm:colorsDef>
-</file>
-
 <file path=ppt/diagrams/data1.xml><?xml version="1.0" encoding="utf-8"?>
 <dgm:dataModel xmlns:dgm="http://schemas.openxmlformats.org/drawingml/2006/diagram" xmlns:a="http://schemas.openxmlformats.org/drawingml/2006/main">
   <dgm:ptLst>
@@ -3509,319 +2702,6 @@
   <dgm:extLst>
     <a:ext uri="http://schemas.microsoft.com/office/drawing/2008/diagram">
       <dsp:dataModelExt xmlns:dsp="http://schemas.microsoft.com/office/drawing/2008/diagram" relId="rId11" minVer="http://schemas.openxmlformats.org/drawingml/2006/diagram"/>
-    </a:ext>
-  </dgm:extLst>
-</dgm:dataModel>
-</file>
-
-<file path=ppt/diagrams/data3.xml><?xml version="1.0" encoding="utf-8"?>
-<dgm:dataModel xmlns:dgm="http://schemas.openxmlformats.org/drawingml/2006/diagram" xmlns:a="http://schemas.openxmlformats.org/drawingml/2006/main">
-  <dgm:ptLst>
-    <dgm:pt modelId="{62D094E8-A8DA-4A5C-AF4C-5BD653957AB1}" type="doc">
-      <dgm:prSet loTypeId="urn:microsoft.com/office/officeart/2005/8/layout/matrix1" loCatId="matrix" qsTypeId="urn:microsoft.com/office/officeart/2005/8/quickstyle/3d4" qsCatId="3D" csTypeId="urn:microsoft.com/office/officeart/2005/8/colors/accent3_1" csCatId="accent3" phldr="1"/>
-      <dgm:spPr/>
-      <dgm:t>
-        <a:bodyPr/>
-        <a:lstStyle/>
-        <a:p>
-          <a:endParaRPr lang="en-IN"/>
-        </a:p>
-      </dgm:t>
-    </dgm:pt>
-    <dgm:pt modelId="{E9640C60-E8A6-41E5-8821-AB7B8D8E68C8}">
-      <dgm:prSet phldrT="[Text]"/>
-      <dgm:spPr/>
-      <dgm:t>
-        <a:bodyPr/>
-        <a:lstStyle/>
-        <a:p>
-          <a:r>
-            <a:rPr lang="en-IN" dirty="0"/>
-            <a:t>Ensemble Model</a:t>
-          </a:r>
-        </a:p>
-      </dgm:t>
-    </dgm:pt>
-    <dgm:pt modelId="{0128C239-8C39-451D-9B9A-F8B030EE2FA2}" type="parTrans" cxnId="{8BE53F44-B048-42D3-A452-46F0365A0803}">
-      <dgm:prSet/>
-      <dgm:spPr/>
-      <dgm:t>
-        <a:bodyPr/>
-        <a:lstStyle/>
-        <a:p>
-          <a:endParaRPr lang="en-IN"/>
-        </a:p>
-      </dgm:t>
-    </dgm:pt>
-    <dgm:pt modelId="{D3664F10-E547-4694-8E23-D72348CEFB19}" type="sibTrans" cxnId="{8BE53F44-B048-42D3-A452-46F0365A0803}">
-      <dgm:prSet/>
-      <dgm:spPr/>
-      <dgm:t>
-        <a:bodyPr/>
-        <a:lstStyle/>
-        <a:p>
-          <a:endParaRPr lang="en-IN"/>
-        </a:p>
-      </dgm:t>
-    </dgm:pt>
-    <dgm:pt modelId="{6FF45E75-CC14-49D0-96C1-C91D0126D4A7}">
-      <dgm:prSet phldrT="[Text]"/>
-      <dgm:spPr/>
-      <dgm:t>
-        <a:bodyPr/>
-        <a:lstStyle/>
-        <a:p>
-          <a:r>
-            <a:rPr lang="en-IN" dirty="0"/>
-            <a:t>Logistic Regression</a:t>
-          </a:r>
-        </a:p>
-      </dgm:t>
-    </dgm:pt>
-    <dgm:pt modelId="{B45893B1-1B4A-42BE-B6BB-332A05860B36}" type="parTrans" cxnId="{351F81D9-3C17-4446-8111-F3F8AC486708}">
-      <dgm:prSet/>
-      <dgm:spPr/>
-      <dgm:t>
-        <a:bodyPr/>
-        <a:lstStyle/>
-        <a:p>
-          <a:endParaRPr lang="en-IN"/>
-        </a:p>
-      </dgm:t>
-    </dgm:pt>
-    <dgm:pt modelId="{F81A7F92-7149-4D68-AEE8-324160D1AAD6}" type="sibTrans" cxnId="{351F81D9-3C17-4446-8111-F3F8AC486708}">
-      <dgm:prSet/>
-      <dgm:spPr/>
-      <dgm:t>
-        <a:bodyPr/>
-        <a:lstStyle/>
-        <a:p>
-          <a:endParaRPr lang="en-IN"/>
-        </a:p>
-      </dgm:t>
-    </dgm:pt>
-    <dgm:pt modelId="{648A033A-4B02-41D1-9C9B-FB213CF8C11A}">
-      <dgm:prSet phldrT="[Text]"/>
-      <dgm:spPr/>
-      <dgm:t>
-        <a:bodyPr/>
-        <a:lstStyle/>
-        <a:p>
-          <a:r>
-            <a:rPr lang="en-IN" dirty="0"/>
-            <a:t>Decision Tree</a:t>
-          </a:r>
-        </a:p>
-      </dgm:t>
-    </dgm:pt>
-    <dgm:pt modelId="{DFD3E9AB-3A2D-4127-88D7-5AF6135180FD}" type="parTrans" cxnId="{5DDEB5CD-B0EA-44D8-B0C1-8E4E4A04E4A3}">
-      <dgm:prSet/>
-      <dgm:spPr/>
-      <dgm:t>
-        <a:bodyPr/>
-        <a:lstStyle/>
-        <a:p>
-          <a:endParaRPr lang="en-IN"/>
-        </a:p>
-      </dgm:t>
-    </dgm:pt>
-    <dgm:pt modelId="{A3ED5954-79E8-4C29-B300-5928D6A5227B}" type="sibTrans" cxnId="{5DDEB5CD-B0EA-44D8-B0C1-8E4E4A04E4A3}">
-      <dgm:prSet/>
-      <dgm:spPr/>
-      <dgm:t>
-        <a:bodyPr/>
-        <a:lstStyle/>
-        <a:p>
-          <a:endParaRPr lang="en-IN"/>
-        </a:p>
-      </dgm:t>
-    </dgm:pt>
-    <dgm:pt modelId="{D59CAB3B-2588-4E92-BDBA-4696EE53F507}">
-      <dgm:prSet phldrT="[Text]"/>
-      <dgm:spPr/>
-      <dgm:t>
-        <a:bodyPr/>
-        <a:lstStyle/>
-        <a:p>
-          <a:r>
-            <a:rPr lang="en-IN" dirty="0"/>
-            <a:t>Random Forest</a:t>
-          </a:r>
-        </a:p>
-      </dgm:t>
-    </dgm:pt>
-    <dgm:pt modelId="{878E07DF-C7E6-4E5B-B7F9-16C9EEBECCFC}" type="parTrans" cxnId="{4EBCF63A-5879-4658-8A7E-4A4CDB8A888F}">
-      <dgm:prSet/>
-      <dgm:spPr/>
-      <dgm:t>
-        <a:bodyPr/>
-        <a:lstStyle/>
-        <a:p>
-          <a:endParaRPr lang="en-IN"/>
-        </a:p>
-      </dgm:t>
-    </dgm:pt>
-    <dgm:pt modelId="{59B13791-329F-41A2-8ED7-683EE01FFC84}" type="sibTrans" cxnId="{4EBCF63A-5879-4658-8A7E-4A4CDB8A888F}">
-      <dgm:prSet/>
-      <dgm:spPr/>
-      <dgm:t>
-        <a:bodyPr/>
-        <a:lstStyle/>
-        <a:p>
-          <a:endParaRPr lang="en-IN"/>
-        </a:p>
-      </dgm:t>
-    </dgm:pt>
-    <dgm:pt modelId="{447AAA4B-EB65-465D-9CA0-AA52A922072E}">
-      <dgm:prSet phldrT="[Text]"/>
-      <dgm:spPr/>
-      <dgm:t>
-        <a:bodyPr/>
-        <a:lstStyle/>
-        <a:p>
-          <a:r>
-            <a:rPr lang="en-IN" dirty="0" err="1"/>
-            <a:t>XGBoost</a:t>
-          </a:r>
-          <a:endParaRPr lang="en-IN" dirty="0"/>
-        </a:p>
-      </dgm:t>
-    </dgm:pt>
-    <dgm:pt modelId="{2EEE2B80-6A12-4F0C-AB55-417F2AEA55D1}" type="parTrans" cxnId="{46A90CFB-CA2C-49E6-ABE1-231B867E16F4}">
-      <dgm:prSet/>
-      <dgm:spPr/>
-      <dgm:t>
-        <a:bodyPr/>
-        <a:lstStyle/>
-        <a:p>
-          <a:endParaRPr lang="en-IN"/>
-        </a:p>
-      </dgm:t>
-    </dgm:pt>
-    <dgm:pt modelId="{1FFFBC2F-10DD-4056-ACA8-E02D9ECE8774}" type="sibTrans" cxnId="{46A90CFB-CA2C-49E6-ABE1-231B867E16F4}">
-      <dgm:prSet/>
-      <dgm:spPr/>
-      <dgm:t>
-        <a:bodyPr/>
-        <a:lstStyle/>
-        <a:p>
-          <a:endParaRPr lang="en-IN"/>
-        </a:p>
-      </dgm:t>
-    </dgm:pt>
-    <dgm:pt modelId="{DCC26E84-1C67-4CF9-9429-E70076D38517}" type="pres">
-      <dgm:prSet presAssocID="{62D094E8-A8DA-4A5C-AF4C-5BD653957AB1}" presName="diagram" presStyleCnt="0">
-        <dgm:presLayoutVars>
-          <dgm:chMax val="1"/>
-          <dgm:dir/>
-          <dgm:animLvl val="ctr"/>
-          <dgm:resizeHandles val="exact"/>
-        </dgm:presLayoutVars>
-      </dgm:prSet>
-      <dgm:spPr/>
-    </dgm:pt>
-    <dgm:pt modelId="{1717708E-75D8-4D3B-B9E9-EDB0CBBF26DD}" type="pres">
-      <dgm:prSet presAssocID="{62D094E8-A8DA-4A5C-AF4C-5BD653957AB1}" presName="matrix" presStyleCnt="0"/>
-      <dgm:spPr/>
-    </dgm:pt>
-    <dgm:pt modelId="{2B53F426-D49A-44C9-BEC3-4C1B9FB79ED7}" type="pres">
-      <dgm:prSet presAssocID="{62D094E8-A8DA-4A5C-AF4C-5BD653957AB1}" presName="tile1" presStyleLbl="node1" presStyleIdx="0" presStyleCnt="4" custLinFactNeighborY="-732"/>
-      <dgm:spPr/>
-    </dgm:pt>
-    <dgm:pt modelId="{73F71456-AE28-481F-A6E0-CED153E046DF}" type="pres">
-      <dgm:prSet presAssocID="{62D094E8-A8DA-4A5C-AF4C-5BD653957AB1}" presName="tile1text" presStyleLbl="node1" presStyleIdx="0" presStyleCnt="4">
-        <dgm:presLayoutVars>
-          <dgm:chMax val="0"/>
-          <dgm:chPref val="0"/>
-          <dgm:bulletEnabled val="1"/>
-        </dgm:presLayoutVars>
-      </dgm:prSet>
-      <dgm:spPr/>
-    </dgm:pt>
-    <dgm:pt modelId="{25DE6BBF-7D03-42B0-AFEA-E1984E9CFE46}" type="pres">
-      <dgm:prSet presAssocID="{62D094E8-A8DA-4A5C-AF4C-5BD653957AB1}" presName="tile2" presStyleLbl="node1" presStyleIdx="1" presStyleCnt="4"/>
-      <dgm:spPr/>
-    </dgm:pt>
-    <dgm:pt modelId="{06D05C7D-B612-4128-B461-879DC34EC6D5}" type="pres">
-      <dgm:prSet presAssocID="{62D094E8-A8DA-4A5C-AF4C-5BD653957AB1}" presName="tile2text" presStyleLbl="node1" presStyleIdx="1" presStyleCnt="4">
-        <dgm:presLayoutVars>
-          <dgm:chMax val="0"/>
-          <dgm:chPref val="0"/>
-          <dgm:bulletEnabled val="1"/>
-        </dgm:presLayoutVars>
-      </dgm:prSet>
-      <dgm:spPr/>
-    </dgm:pt>
-    <dgm:pt modelId="{DF28855F-C68C-4517-A273-41FE938D0D66}" type="pres">
-      <dgm:prSet presAssocID="{62D094E8-A8DA-4A5C-AF4C-5BD653957AB1}" presName="tile3" presStyleLbl="node1" presStyleIdx="2" presStyleCnt="4"/>
-      <dgm:spPr/>
-    </dgm:pt>
-    <dgm:pt modelId="{CC3C504E-34A3-47BF-8560-35E6288682D7}" type="pres">
-      <dgm:prSet presAssocID="{62D094E8-A8DA-4A5C-AF4C-5BD653957AB1}" presName="tile3text" presStyleLbl="node1" presStyleIdx="2" presStyleCnt="4">
-        <dgm:presLayoutVars>
-          <dgm:chMax val="0"/>
-          <dgm:chPref val="0"/>
-          <dgm:bulletEnabled val="1"/>
-        </dgm:presLayoutVars>
-      </dgm:prSet>
-      <dgm:spPr/>
-    </dgm:pt>
-    <dgm:pt modelId="{B993257C-69EC-48F8-B2BF-31ACED20AF8C}" type="pres">
-      <dgm:prSet presAssocID="{62D094E8-A8DA-4A5C-AF4C-5BD653957AB1}" presName="tile4" presStyleLbl="node1" presStyleIdx="3" presStyleCnt="4"/>
-      <dgm:spPr/>
-    </dgm:pt>
-    <dgm:pt modelId="{119F0DE2-4C5F-447D-8194-9E3C0EDA2A69}" type="pres">
-      <dgm:prSet presAssocID="{62D094E8-A8DA-4A5C-AF4C-5BD653957AB1}" presName="tile4text" presStyleLbl="node1" presStyleIdx="3" presStyleCnt="4">
-        <dgm:presLayoutVars>
-          <dgm:chMax val="0"/>
-          <dgm:chPref val="0"/>
-          <dgm:bulletEnabled val="1"/>
-        </dgm:presLayoutVars>
-      </dgm:prSet>
-      <dgm:spPr/>
-    </dgm:pt>
-    <dgm:pt modelId="{107F7AE2-07EF-4A5D-9710-D0A8E334ADE5}" type="pres">
-      <dgm:prSet presAssocID="{62D094E8-A8DA-4A5C-AF4C-5BD653957AB1}" presName="centerTile" presStyleLbl="fgShp" presStyleIdx="0" presStyleCnt="1">
-        <dgm:presLayoutVars>
-          <dgm:chMax val="0"/>
-          <dgm:chPref val="0"/>
-        </dgm:presLayoutVars>
-      </dgm:prSet>
-      <dgm:spPr/>
-    </dgm:pt>
-  </dgm:ptLst>
-  <dgm:cxnLst>
-    <dgm:cxn modelId="{93B0F10A-C618-450E-A057-CA4C69FCC6E9}" type="presOf" srcId="{6FF45E75-CC14-49D0-96C1-C91D0126D4A7}" destId="{73F71456-AE28-481F-A6E0-CED153E046DF}" srcOrd="1" destOrd="0" presId="urn:microsoft.com/office/officeart/2005/8/layout/matrix1"/>
-    <dgm:cxn modelId="{F2952C0F-863F-4F35-91A4-103A262F94A4}" type="presOf" srcId="{E9640C60-E8A6-41E5-8821-AB7B8D8E68C8}" destId="{107F7AE2-07EF-4A5D-9710-D0A8E334ADE5}" srcOrd="0" destOrd="0" presId="urn:microsoft.com/office/officeart/2005/8/layout/matrix1"/>
-    <dgm:cxn modelId="{BADBAC2A-BA2D-4302-827E-DAFDB2F5A51D}" type="presOf" srcId="{62D094E8-A8DA-4A5C-AF4C-5BD653957AB1}" destId="{DCC26E84-1C67-4CF9-9429-E70076D38517}" srcOrd="0" destOrd="0" presId="urn:microsoft.com/office/officeart/2005/8/layout/matrix1"/>
-    <dgm:cxn modelId="{4EBCF63A-5879-4658-8A7E-4A4CDB8A888F}" srcId="{E9640C60-E8A6-41E5-8821-AB7B8D8E68C8}" destId="{D59CAB3B-2588-4E92-BDBA-4696EE53F507}" srcOrd="2" destOrd="0" parTransId="{878E07DF-C7E6-4E5B-B7F9-16C9EEBECCFC}" sibTransId="{59B13791-329F-41A2-8ED7-683EE01FFC84}"/>
-    <dgm:cxn modelId="{6995C65D-BE29-4FCE-8E8A-7CF9DBBF4450}" type="presOf" srcId="{D59CAB3B-2588-4E92-BDBA-4696EE53F507}" destId="{DF28855F-C68C-4517-A273-41FE938D0D66}" srcOrd="0" destOrd="0" presId="urn:microsoft.com/office/officeart/2005/8/layout/matrix1"/>
-    <dgm:cxn modelId="{8BE53F44-B048-42D3-A452-46F0365A0803}" srcId="{62D094E8-A8DA-4A5C-AF4C-5BD653957AB1}" destId="{E9640C60-E8A6-41E5-8821-AB7B8D8E68C8}" srcOrd="0" destOrd="0" parTransId="{0128C239-8C39-451D-9B9A-F8B030EE2FA2}" sibTransId="{D3664F10-E547-4694-8E23-D72348CEFB19}"/>
-    <dgm:cxn modelId="{32F0D656-C093-4F8E-9119-18D5D76D6307}" type="presOf" srcId="{447AAA4B-EB65-465D-9CA0-AA52A922072E}" destId="{B993257C-69EC-48F8-B2BF-31ACED20AF8C}" srcOrd="0" destOrd="0" presId="urn:microsoft.com/office/officeart/2005/8/layout/matrix1"/>
-    <dgm:cxn modelId="{8AA2527F-74C3-4C25-A7A7-93367CCFBDC2}" type="presOf" srcId="{447AAA4B-EB65-465D-9CA0-AA52A922072E}" destId="{119F0DE2-4C5F-447D-8194-9E3C0EDA2A69}" srcOrd="1" destOrd="0" presId="urn:microsoft.com/office/officeart/2005/8/layout/matrix1"/>
-    <dgm:cxn modelId="{ECC658BA-35ED-4C08-8A9B-560F038DFED3}" type="presOf" srcId="{6FF45E75-CC14-49D0-96C1-C91D0126D4A7}" destId="{2B53F426-D49A-44C9-BEC3-4C1B9FB79ED7}" srcOrd="0" destOrd="0" presId="urn:microsoft.com/office/officeart/2005/8/layout/matrix1"/>
-    <dgm:cxn modelId="{687C1BC3-06A6-4549-B1AF-8A52E1F33A1A}" type="presOf" srcId="{648A033A-4B02-41D1-9C9B-FB213CF8C11A}" destId="{25DE6BBF-7D03-42B0-AFEA-E1984E9CFE46}" srcOrd="0" destOrd="0" presId="urn:microsoft.com/office/officeart/2005/8/layout/matrix1"/>
-    <dgm:cxn modelId="{5DDEB5CD-B0EA-44D8-B0C1-8E4E4A04E4A3}" srcId="{E9640C60-E8A6-41E5-8821-AB7B8D8E68C8}" destId="{648A033A-4B02-41D1-9C9B-FB213CF8C11A}" srcOrd="1" destOrd="0" parTransId="{DFD3E9AB-3A2D-4127-88D7-5AF6135180FD}" sibTransId="{A3ED5954-79E8-4C29-B300-5928D6A5227B}"/>
-    <dgm:cxn modelId="{351F81D9-3C17-4446-8111-F3F8AC486708}" srcId="{E9640C60-E8A6-41E5-8821-AB7B8D8E68C8}" destId="{6FF45E75-CC14-49D0-96C1-C91D0126D4A7}" srcOrd="0" destOrd="0" parTransId="{B45893B1-1B4A-42BE-B6BB-332A05860B36}" sibTransId="{F81A7F92-7149-4D68-AEE8-324160D1AAD6}"/>
-    <dgm:cxn modelId="{BAE9D8D9-B8DE-4917-8EC5-4583232CB414}" type="presOf" srcId="{648A033A-4B02-41D1-9C9B-FB213CF8C11A}" destId="{06D05C7D-B612-4128-B461-879DC34EC6D5}" srcOrd="1" destOrd="0" presId="urn:microsoft.com/office/officeart/2005/8/layout/matrix1"/>
-    <dgm:cxn modelId="{D10FD5DE-2E5B-423C-B3DC-1C5D94559C84}" type="presOf" srcId="{D59CAB3B-2588-4E92-BDBA-4696EE53F507}" destId="{CC3C504E-34A3-47BF-8560-35E6288682D7}" srcOrd="1" destOrd="0" presId="urn:microsoft.com/office/officeart/2005/8/layout/matrix1"/>
-    <dgm:cxn modelId="{46A90CFB-CA2C-49E6-ABE1-231B867E16F4}" srcId="{E9640C60-E8A6-41E5-8821-AB7B8D8E68C8}" destId="{447AAA4B-EB65-465D-9CA0-AA52A922072E}" srcOrd="3" destOrd="0" parTransId="{2EEE2B80-6A12-4F0C-AB55-417F2AEA55D1}" sibTransId="{1FFFBC2F-10DD-4056-ACA8-E02D9ECE8774}"/>
-    <dgm:cxn modelId="{77CAC0BE-307A-40B6-9067-B2E1575C7E2B}" type="presParOf" srcId="{DCC26E84-1C67-4CF9-9429-E70076D38517}" destId="{1717708E-75D8-4D3B-B9E9-EDB0CBBF26DD}" srcOrd="0" destOrd="0" presId="urn:microsoft.com/office/officeart/2005/8/layout/matrix1"/>
-    <dgm:cxn modelId="{F1147924-DF4E-4B8E-94DC-13FC39135F34}" type="presParOf" srcId="{1717708E-75D8-4D3B-B9E9-EDB0CBBF26DD}" destId="{2B53F426-D49A-44C9-BEC3-4C1B9FB79ED7}" srcOrd="0" destOrd="0" presId="urn:microsoft.com/office/officeart/2005/8/layout/matrix1"/>
-    <dgm:cxn modelId="{18D8F1D9-0716-411B-A3F0-392A277D54B1}" type="presParOf" srcId="{1717708E-75D8-4D3B-B9E9-EDB0CBBF26DD}" destId="{73F71456-AE28-481F-A6E0-CED153E046DF}" srcOrd="1" destOrd="0" presId="urn:microsoft.com/office/officeart/2005/8/layout/matrix1"/>
-    <dgm:cxn modelId="{FBFAE102-8B0E-44AA-A569-9026AAD3A35C}" type="presParOf" srcId="{1717708E-75D8-4D3B-B9E9-EDB0CBBF26DD}" destId="{25DE6BBF-7D03-42B0-AFEA-E1984E9CFE46}" srcOrd="2" destOrd="0" presId="urn:microsoft.com/office/officeart/2005/8/layout/matrix1"/>
-    <dgm:cxn modelId="{9BBD0A77-BD40-40D6-8F26-B4E3A3ED5D2F}" type="presParOf" srcId="{1717708E-75D8-4D3B-B9E9-EDB0CBBF26DD}" destId="{06D05C7D-B612-4128-B461-879DC34EC6D5}" srcOrd="3" destOrd="0" presId="urn:microsoft.com/office/officeart/2005/8/layout/matrix1"/>
-    <dgm:cxn modelId="{CAB39267-0D0A-422A-BC7D-3D5C190AFD37}" type="presParOf" srcId="{1717708E-75D8-4D3B-B9E9-EDB0CBBF26DD}" destId="{DF28855F-C68C-4517-A273-41FE938D0D66}" srcOrd="4" destOrd="0" presId="urn:microsoft.com/office/officeart/2005/8/layout/matrix1"/>
-    <dgm:cxn modelId="{5FE8F610-52B9-4226-843F-CBBCA00FA615}" type="presParOf" srcId="{1717708E-75D8-4D3B-B9E9-EDB0CBBF26DD}" destId="{CC3C504E-34A3-47BF-8560-35E6288682D7}" srcOrd="5" destOrd="0" presId="urn:microsoft.com/office/officeart/2005/8/layout/matrix1"/>
-    <dgm:cxn modelId="{0A602C01-A80F-4F20-A0E5-A2478CE4F275}" type="presParOf" srcId="{1717708E-75D8-4D3B-B9E9-EDB0CBBF26DD}" destId="{B993257C-69EC-48F8-B2BF-31ACED20AF8C}" srcOrd="6" destOrd="0" presId="urn:microsoft.com/office/officeart/2005/8/layout/matrix1"/>
-    <dgm:cxn modelId="{63326AA3-4A04-4454-94C5-2AD813C521AE}" type="presParOf" srcId="{1717708E-75D8-4D3B-B9E9-EDB0CBBF26DD}" destId="{119F0DE2-4C5F-447D-8194-9E3C0EDA2A69}" srcOrd="7" destOrd="0" presId="urn:microsoft.com/office/officeart/2005/8/layout/matrix1"/>
-    <dgm:cxn modelId="{C6E2CC4E-163E-4F30-ACA2-FC4FB118B900}" type="presParOf" srcId="{DCC26E84-1C67-4CF9-9429-E70076D38517}" destId="{107F7AE2-07EF-4A5D-9710-D0A8E334ADE5}" srcOrd="1" destOrd="0" presId="urn:microsoft.com/office/officeart/2005/8/layout/matrix1"/>
-  </dgm:cxnLst>
-  <dgm:bg/>
-  <dgm:whole/>
-  <dgm:extLst>
-    <a:ext uri="http://schemas.microsoft.com/office/drawing/2008/diagram">
-      <dsp:dataModelExt xmlns:dsp="http://schemas.microsoft.com/office/drawing/2008/diagram" relId="rId16" minVer="http://schemas.openxmlformats.org/drawingml/2006/diagram"/>
     </a:ext>
   </dgm:extLst>
 </dgm:dataModel>
@@ -5578,399 +4458,6 @@
 </dsp:drawing>
 </file>
 
-<file path=ppt/diagrams/drawing3.xml><?xml version="1.0" encoding="utf-8"?>
-<dsp:drawing xmlns:dgm="http://schemas.openxmlformats.org/drawingml/2006/diagram" xmlns:dsp="http://schemas.microsoft.com/office/drawing/2008/diagram" xmlns:a="http://schemas.openxmlformats.org/drawingml/2006/main">
-  <dsp:spTree>
-    <dsp:nvGrpSpPr>
-      <dsp:cNvPr id="0" name=""/>
-      <dsp:cNvGrpSpPr/>
-    </dsp:nvGrpSpPr>
-    <dsp:grpSpPr/>
-    <dsp:sp modelId="{2B53F426-D49A-44C9-BEC3-4C1B9FB79ED7}">
-      <dsp:nvSpPr>
-        <dsp:cNvPr id="0" name=""/>
-        <dsp:cNvSpPr/>
-      </dsp:nvSpPr>
-      <dsp:spPr>
-        <a:xfrm rot="16200000">
-          <a:off x="627161" y="-627161"/>
-          <a:ext cx="2015133" cy="3269456"/>
-        </a:xfrm>
-        <a:prstGeom prst="round1Rect">
-          <a:avLst/>
-        </a:prstGeom>
-        <a:solidFill>
-          <a:schemeClr val="lt1">
-            <a:hueOff val="0"/>
-            <a:satOff val="0"/>
-            <a:lumOff val="0"/>
-            <a:alphaOff val="0"/>
-          </a:schemeClr>
-        </a:solidFill>
-        <a:ln>
-          <a:noFill/>
-        </a:ln>
-        <a:effectLst/>
-        <a:scene3d>
-          <a:camera prst="orthographicFront"/>
-          <a:lightRig rig="chilly" dir="t"/>
-        </a:scene3d>
-        <a:sp3d prstMaterial="translucentPowder">
-          <a:bevelT w="127000" h="25400" prst="softRound"/>
-        </a:sp3d>
-      </dsp:spPr>
-      <dsp:style>
-        <a:lnRef idx="0">
-          <a:scrgbClr r="0" g="0" b="0"/>
-        </a:lnRef>
-        <a:fillRef idx="1">
-          <a:scrgbClr r="0" g="0" b="0"/>
-        </a:fillRef>
-        <a:effectRef idx="0">
-          <a:scrgbClr r="0" g="0" b="0"/>
-        </a:effectRef>
-        <a:fontRef idx="minor">
-          <a:schemeClr val="lt1"/>
-        </a:fontRef>
-      </dsp:style>
-      <dsp:txBody>
-        <a:bodyPr spcFirstLastPara="0" vert="horz" wrap="square" lIns="192024" tIns="192024" rIns="192024" bIns="192024" numCol="1" spcCol="1270" anchor="ctr" anchorCtr="0">
-          <a:noAutofit/>
-        </a:bodyPr>
-        <a:lstStyle/>
-        <a:p>
-          <a:pPr marL="0" lvl="0" indent="0" algn="ctr" defTabSz="1200150">
-            <a:lnSpc>
-              <a:spcPct val="90000"/>
-            </a:lnSpc>
-            <a:spcBef>
-              <a:spcPct val="0"/>
-            </a:spcBef>
-            <a:spcAft>
-              <a:spcPct val="35000"/>
-            </a:spcAft>
-            <a:buNone/>
-          </a:pPr>
-          <a:r>
-            <a:rPr lang="en-IN" sz="2700" kern="1200" dirty="0"/>
-            <a:t>Logistic Regression</a:t>
-          </a:r>
-        </a:p>
-      </dsp:txBody>
-      <dsp:txXfrm rot="5400000">
-        <a:off x="0" y="0"/>
-        <a:ext cx="3269456" cy="1511349"/>
-      </dsp:txXfrm>
-    </dsp:sp>
-    <dsp:sp modelId="{25DE6BBF-7D03-42B0-AFEA-E1984E9CFE46}">
-      <dsp:nvSpPr>
-        <dsp:cNvPr id="0" name=""/>
-        <dsp:cNvSpPr/>
-      </dsp:nvSpPr>
-      <dsp:spPr>
-        <a:xfrm>
-          <a:off x="3269456" y="0"/>
-          <a:ext cx="3269456" cy="2015133"/>
-        </a:xfrm>
-        <a:prstGeom prst="round1Rect">
-          <a:avLst/>
-        </a:prstGeom>
-        <a:solidFill>
-          <a:schemeClr val="lt1">
-            <a:hueOff val="0"/>
-            <a:satOff val="0"/>
-            <a:lumOff val="0"/>
-            <a:alphaOff val="0"/>
-          </a:schemeClr>
-        </a:solidFill>
-        <a:ln>
-          <a:noFill/>
-        </a:ln>
-        <a:effectLst/>
-        <a:scene3d>
-          <a:camera prst="orthographicFront"/>
-          <a:lightRig rig="chilly" dir="t"/>
-        </a:scene3d>
-        <a:sp3d prstMaterial="translucentPowder">
-          <a:bevelT w="127000" h="25400" prst="softRound"/>
-        </a:sp3d>
-      </dsp:spPr>
-      <dsp:style>
-        <a:lnRef idx="0">
-          <a:scrgbClr r="0" g="0" b="0"/>
-        </a:lnRef>
-        <a:fillRef idx="1">
-          <a:scrgbClr r="0" g="0" b="0"/>
-        </a:fillRef>
-        <a:effectRef idx="0">
-          <a:scrgbClr r="0" g="0" b="0"/>
-        </a:effectRef>
-        <a:fontRef idx="minor">
-          <a:schemeClr val="lt1"/>
-        </a:fontRef>
-      </dsp:style>
-      <dsp:txBody>
-        <a:bodyPr spcFirstLastPara="0" vert="horz" wrap="square" lIns="192024" tIns="192024" rIns="192024" bIns="192024" numCol="1" spcCol="1270" anchor="ctr" anchorCtr="0">
-          <a:noAutofit/>
-        </a:bodyPr>
-        <a:lstStyle/>
-        <a:p>
-          <a:pPr marL="0" lvl="0" indent="0" algn="ctr" defTabSz="1200150">
-            <a:lnSpc>
-              <a:spcPct val="90000"/>
-            </a:lnSpc>
-            <a:spcBef>
-              <a:spcPct val="0"/>
-            </a:spcBef>
-            <a:spcAft>
-              <a:spcPct val="35000"/>
-            </a:spcAft>
-            <a:buNone/>
-          </a:pPr>
-          <a:r>
-            <a:rPr lang="en-IN" sz="2700" kern="1200" dirty="0"/>
-            <a:t>Decision Tree</a:t>
-          </a:r>
-        </a:p>
-      </dsp:txBody>
-      <dsp:txXfrm>
-        <a:off x="3269456" y="0"/>
-        <a:ext cx="3269456" cy="1511349"/>
-      </dsp:txXfrm>
-    </dsp:sp>
-    <dsp:sp modelId="{DF28855F-C68C-4517-A273-41FE938D0D66}">
-      <dsp:nvSpPr>
-        <dsp:cNvPr id="0" name=""/>
-        <dsp:cNvSpPr/>
-      </dsp:nvSpPr>
-      <dsp:spPr>
-        <a:xfrm rot="10800000">
-          <a:off x="0" y="2015133"/>
-          <a:ext cx="3269456" cy="2015133"/>
-        </a:xfrm>
-        <a:prstGeom prst="round1Rect">
-          <a:avLst/>
-        </a:prstGeom>
-        <a:solidFill>
-          <a:schemeClr val="lt1">
-            <a:hueOff val="0"/>
-            <a:satOff val="0"/>
-            <a:lumOff val="0"/>
-            <a:alphaOff val="0"/>
-          </a:schemeClr>
-        </a:solidFill>
-        <a:ln>
-          <a:noFill/>
-        </a:ln>
-        <a:effectLst/>
-        <a:scene3d>
-          <a:camera prst="orthographicFront"/>
-          <a:lightRig rig="chilly" dir="t"/>
-        </a:scene3d>
-        <a:sp3d prstMaterial="translucentPowder">
-          <a:bevelT w="127000" h="25400" prst="softRound"/>
-        </a:sp3d>
-      </dsp:spPr>
-      <dsp:style>
-        <a:lnRef idx="0">
-          <a:scrgbClr r="0" g="0" b="0"/>
-        </a:lnRef>
-        <a:fillRef idx="1">
-          <a:scrgbClr r="0" g="0" b="0"/>
-        </a:fillRef>
-        <a:effectRef idx="0">
-          <a:scrgbClr r="0" g="0" b="0"/>
-        </a:effectRef>
-        <a:fontRef idx="minor">
-          <a:schemeClr val="lt1"/>
-        </a:fontRef>
-      </dsp:style>
-      <dsp:txBody>
-        <a:bodyPr spcFirstLastPara="0" vert="horz" wrap="square" lIns="192024" tIns="192024" rIns="192024" bIns="192024" numCol="1" spcCol="1270" anchor="ctr" anchorCtr="0">
-          <a:noAutofit/>
-        </a:bodyPr>
-        <a:lstStyle/>
-        <a:p>
-          <a:pPr marL="0" lvl="0" indent="0" algn="ctr" defTabSz="1200150">
-            <a:lnSpc>
-              <a:spcPct val="90000"/>
-            </a:lnSpc>
-            <a:spcBef>
-              <a:spcPct val="0"/>
-            </a:spcBef>
-            <a:spcAft>
-              <a:spcPct val="35000"/>
-            </a:spcAft>
-            <a:buNone/>
-          </a:pPr>
-          <a:r>
-            <a:rPr lang="en-IN" sz="2700" kern="1200" dirty="0"/>
-            <a:t>Random Forest</a:t>
-          </a:r>
-        </a:p>
-      </dsp:txBody>
-      <dsp:txXfrm rot="10800000">
-        <a:off x="0" y="2518916"/>
-        <a:ext cx="3269456" cy="1511349"/>
-      </dsp:txXfrm>
-    </dsp:sp>
-    <dsp:sp modelId="{B993257C-69EC-48F8-B2BF-31ACED20AF8C}">
-      <dsp:nvSpPr>
-        <dsp:cNvPr id="0" name=""/>
-        <dsp:cNvSpPr/>
-      </dsp:nvSpPr>
-      <dsp:spPr>
-        <a:xfrm rot="5400000">
-          <a:off x="3896618" y="1387971"/>
-          <a:ext cx="2015133" cy="3269456"/>
-        </a:xfrm>
-        <a:prstGeom prst="round1Rect">
-          <a:avLst/>
-        </a:prstGeom>
-        <a:solidFill>
-          <a:schemeClr val="lt1">
-            <a:hueOff val="0"/>
-            <a:satOff val="0"/>
-            <a:lumOff val="0"/>
-            <a:alphaOff val="0"/>
-          </a:schemeClr>
-        </a:solidFill>
-        <a:ln>
-          <a:noFill/>
-        </a:ln>
-        <a:effectLst/>
-        <a:scene3d>
-          <a:camera prst="orthographicFront"/>
-          <a:lightRig rig="chilly" dir="t"/>
-        </a:scene3d>
-        <a:sp3d prstMaterial="translucentPowder">
-          <a:bevelT w="127000" h="25400" prst="softRound"/>
-        </a:sp3d>
-      </dsp:spPr>
-      <dsp:style>
-        <a:lnRef idx="0">
-          <a:scrgbClr r="0" g="0" b="0"/>
-        </a:lnRef>
-        <a:fillRef idx="1">
-          <a:scrgbClr r="0" g="0" b="0"/>
-        </a:fillRef>
-        <a:effectRef idx="0">
-          <a:scrgbClr r="0" g="0" b="0"/>
-        </a:effectRef>
-        <a:fontRef idx="minor">
-          <a:schemeClr val="lt1"/>
-        </a:fontRef>
-      </dsp:style>
-      <dsp:txBody>
-        <a:bodyPr spcFirstLastPara="0" vert="horz" wrap="square" lIns="192024" tIns="192024" rIns="192024" bIns="192024" numCol="1" spcCol="1270" anchor="ctr" anchorCtr="0">
-          <a:noAutofit/>
-        </a:bodyPr>
-        <a:lstStyle/>
-        <a:p>
-          <a:pPr marL="0" lvl="0" indent="0" algn="ctr" defTabSz="1200150">
-            <a:lnSpc>
-              <a:spcPct val="90000"/>
-            </a:lnSpc>
-            <a:spcBef>
-              <a:spcPct val="0"/>
-            </a:spcBef>
-            <a:spcAft>
-              <a:spcPct val="35000"/>
-            </a:spcAft>
-            <a:buNone/>
-          </a:pPr>
-          <a:r>
-            <a:rPr lang="en-IN" sz="2700" kern="1200" dirty="0" err="1"/>
-            <a:t>XGBoost</a:t>
-          </a:r>
-          <a:endParaRPr lang="en-IN" sz="2700" kern="1200" dirty="0"/>
-        </a:p>
-      </dsp:txBody>
-      <dsp:txXfrm rot="-5400000">
-        <a:off x="3269456" y="2518915"/>
-        <a:ext cx="3269456" cy="1511349"/>
-      </dsp:txXfrm>
-    </dsp:sp>
-    <dsp:sp modelId="{107F7AE2-07EF-4A5D-9710-D0A8E334ADE5}">
-      <dsp:nvSpPr>
-        <dsp:cNvPr id="0" name=""/>
-        <dsp:cNvSpPr/>
-      </dsp:nvSpPr>
-      <dsp:spPr>
-        <a:xfrm>
-          <a:off x="2288619" y="1511349"/>
-          <a:ext cx="1961673" cy="1007566"/>
-        </a:xfrm>
-        <a:prstGeom prst="roundRect">
-          <a:avLst/>
-        </a:prstGeom>
-        <a:solidFill>
-          <a:schemeClr val="accent3">
-            <a:tint val="60000"/>
-            <a:hueOff val="0"/>
-            <a:satOff val="0"/>
-            <a:lumOff val="0"/>
-            <a:alphaOff val="0"/>
-          </a:schemeClr>
-        </a:solidFill>
-        <a:ln>
-          <a:noFill/>
-        </a:ln>
-        <a:effectLst/>
-        <a:scene3d>
-          <a:camera prst="orthographicFront"/>
-          <a:lightRig rig="chilly" dir="t"/>
-        </a:scene3d>
-        <a:sp3d z="12700" extrusionH="1700" prstMaterial="translucentPowder">
-          <a:bevelT w="25400" h="6350" prst="softRound"/>
-          <a:bevelB w="0" h="0" prst="convex"/>
-        </a:sp3d>
-      </dsp:spPr>
-      <dsp:style>
-        <a:lnRef idx="0">
-          <a:scrgbClr r="0" g="0" b="0"/>
-        </a:lnRef>
-        <a:fillRef idx="1">
-          <a:scrgbClr r="0" g="0" b="0"/>
-        </a:fillRef>
-        <a:effectRef idx="0">
-          <a:scrgbClr r="0" g="0" b="0"/>
-        </a:effectRef>
-        <a:fontRef idx="minor"/>
-      </dsp:style>
-      <dsp:txBody>
-        <a:bodyPr spcFirstLastPara="0" vert="horz" wrap="square" lIns="102870" tIns="102870" rIns="102870" bIns="102870" numCol="1" spcCol="1270" anchor="ctr" anchorCtr="0">
-          <a:noAutofit/>
-        </a:bodyPr>
-        <a:lstStyle/>
-        <a:p>
-          <a:pPr marL="0" lvl="0" indent="0" algn="ctr" defTabSz="1200150">
-            <a:lnSpc>
-              <a:spcPct val="90000"/>
-            </a:lnSpc>
-            <a:spcBef>
-              <a:spcPct val="0"/>
-            </a:spcBef>
-            <a:spcAft>
-              <a:spcPct val="35000"/>
-            </a:spcAft>
-            <a:buNone/>
-          </a:pPr>
-          <a:r>
-            <a:rPr lang="en-IN" sz="2700" kern="1200" dirty="0"/>
-            <a:t>Ensemble Model</a:t>
-          </a:r>
-        </a:p>
-      </dsp:txBody>
-      <dsp:txXfrm>
-        <a:off x="2337804" y="1560534"/>
-        <a:ext cx="1863303" cy="909196"/>
-      </dsp:txXfrm>
-    </dsp:sp>
-  </dsp:spTree>
-</dsp:drawing>
-</file>
-
 <file path=ppt/diagrams/layout1.xml><?xml version="1.0" encoding="utf-8"?>
 <dgm:layoutDef xmlns:dgm="http://schemas.openxmlformats.org/drawingml/2006/diagram" xmlns:a="http://schemas.openxmlformats.org/drawingml/2006/main" uniqueId="urn:microsoft.com/office/officeart/2005/8/layout/process1">
   <dgm:title val=""/>
@@ -6579,383 +5066,6 @@
         </dgm:layoutNode>
       </dgm:layoutNode>
     </dgm:forEach>
-  </dgm:layoutNode>
-</dgm:layoutDef>
-</file>
-
-<file path=ppt/diagrams/layout3.xml><?xml version="1.0" encoding="utf-8"?>
-<dgm:layoutDef xmlns:dgm="http://schemas.openxmlformats.org/drawingml/2006/diagram" xmlns:a="http://schemas.openxmlformats.org/drawingml/2006/main" uniqueId="urn:microsoft.com/office/officeart/2005/8/layout/matrix1">
-  <dgm:title val=""/>
-  <dgm:desc val=""/>
-  <dgm:catLst>
-    <dgm:cat type="matrix" pri="2000"/>
-  </dgm:catLst>
-  <dgm:sampData>
-    <dgm:dataModel>
-      <dgm:ptLst>
-        <dgm:pt modelId="0" type="doc"/>
-        <dgm:pt modelId="1">
-          <dgm:prSet phldr="1"/>
-        </dgm:pt>
-        <dgm:pt modelId="11">
-          <dgm:prSet phldr="1"/>
-        </dgm:pt>
-        <dgm:pt modelId="12">
-          <dgm:prSet phldr="1"/>
-        </dgm:pt>
-        <dgm:pt modelId="13">
-          <dgm:prSet phldr="1"/>
-        </dgm:pt>
-        <dgm:pt modelId="14">
-          <dgm:prSet phldr="1"/>
-        </dgm:pt>
-      </dgm:ptLst>
-      <dgm:cxnLst>
-        <dgm:cxn modelId="2" srcId="0" destId="1" srcOrd="0" destOrd="0"/>
-        <dgm:cxn modelId="3" srcId="1" destId="11" srcOrd="0" destOrd="0"/>
-        <dgm:cxn modelId="4" srcId="1" destId="12" srcOrd="1" destOrd="0"/>
-        <dgm:cxn modelId="5" srcId="1" destId="13" srcOrd="2" destOrd="0"/>
-        <dgm:cxn modelId="6" srcId="1" destId="14" srcOrd="3" destOrd="0"/>
-      </dgm:cxnLst>
-      <dgm:bg/>
-      <dgm:whole/>
-    </dgm:dataModel>
-  </dgm:sampData>
-  <dgm:styleData>
-    <dgm:dataModel>
-      <dgm:ptLst>
-        <dgm:pt modelId="0" type="doc"/>
-        <dgm:pt modelId="1"/>
-        <dgm:pt modelId="11"/>
-        <dgm:pt modelId="12"/>
-        <dgm:pt modelId="13"/>
-        <dgm:pt modelId="14"/>
-      </dgm:ptLst>
-      <dgm:cxnLst>
-        <dgm:cxn modelId="2" srcId="0" destId="1" srcOrd="0" destOrd="0"/>
-        <dgm:cxn modelId="15" srcId="1" destId="11" srcOrd="0" destOrd="0"/>
-        <dgm:cxn modelId="16" srcId="1" destId="12" srcOrd="1" destOrd="0"/>
-        <dgm:cxn modelId="17" srcId="1" destId="13" srcOrd="2" destOrd="0"/>
-        <dgm:cxn modelId="18" srcId="1" destId="14" srcOrd="3" destOrd="0"/>
-      </dgm:cxnLst>
-      <dgm:bg/>
-      <dgm:whole/>
-    </dgm:dataModel>
-  </dgm:styleData>
-  <dgm:clrData>
-    <dgm:dataModel>
-      <dgm:ptLst>
-        <dgm:pt modelId="0" type="doc"/>
-        <dgm:pt modelId="1"/>
-        <dgm:pt modelId="11"/>
-        <dgm:pt modelId="12"/>
-        <dgm:pt modelId="13"/>
-        <dgm:pt modelId="14"/>
-      </dgm:ptLst>
-      <dgm:cxnLst>
-        <dgm:cxn modelId="2" srcId="0" destId="1" srcOrd="0" destOrd="0"/>
-        <dgm:cxn modelId="15" srcId="1" destId="11" srcOrd="0" destOrd="0"/>
-        <dgm:cxn modelId="16" srcId="1" destId="12" srcOrd="1" destOrd="0"/>
-        <dgm:cxn modelId="17" srcId="1" destId="13" srcOrd="2" destOrd="0"/>
-        <dgm:cxn modelId="18" srcId="1" destId="14" srcOrd="3" destOrd="0"/>
-      </dgm:cxnLst>
-      <dgm:bg/>
-      <dgm:whole/>
-    </dgm:dataModel>
-  </dgm:clrData>
-  <dgm:layoutNode name="diagram">
-    <dgm:varLst>
-      <dgm:chMax val="1"/>
-      <dgm:dir/>
-      <dgm:animLvl val="ctr"/>
-      <dgm:resizeHandles val="exact"/>
-    </dgm:varLst>
-    <dgm:alg type="composite"/>
-    <dgm:shape xmlns:r="http://schemas.openxmlformats.org/officeDocument/2006/relationships" r:blip="">
-      <dgm:adjLst/>
-    </dgm:shape>
-    <dgm:presOf/>
-    <dgm:constrLst>
-      <dgm:constr type="ctrX" for="ch" forName="matrix" refType="w" fact="0.5"/>
-      <dgm:constr type="ctrY" for="ch" forName="matrix" refType="h" fact="0.5"/>
-      <dgm:constr type="w" for="ch" forName="matrix" refType="w"/>
-      <dgm:constr type="h" for="ch" forName="matrix" refType="h"/>
-      <dgm:constr type="ctrX" for="ch" forName="centerTile" refType="w" fact="0.5"/>
-      <dgm:constr type="ctrY" for="ch" forName="centerTile" refType="h" fact="0.5"/>
-      <dgm:constr type="w" for="ch" forName="centerTile" refType="w" fact="0.3"/>
-      <dgm:constr type="h" for="ch" forName="centerTile" refType="h" fact="0.25"/>
-      <dgm:constr type="primFontSz" for="des" ptType="node" op="equ" val="65"/>
-    </dgm:constrLst>
-    <dgm:ruleLst/>
-    <dgm:choose name="Name0">
-      <dgm:if name="Name1" axis="ch" ptType="node" func="cnt" op="gte" val="1">
-        <dgm:layoutNode name="matrix">
-          <dgm:alg type="composite"/>
-          <dgm:shape xmlns:r="http://schemas.openxmlformats.org/officeDocument/2006/relationships" r:blip="">
-            <dgm:adjLst/>
-          </dgm:shape>
-          <dgm:presOf/>
-          <dgm:constrLst>
-            <dgm:constr type="l" for="ch" forName="tile1"/>
-            <dgm:constr type="t" for="ch" forName="tile1"/>
-            <dgm:constr type="r" for="ch" forName="tile1" refType="w" fact="0.5"/>
-            <dgm:constr type="b" for="ch" forName="tile1" refType="h" fact="0.5"/>
-            <dgm:constr type="l" for="ch" forName="tile1text" refType="l" refFor="ch" refForName="tile1"/>
-            <dgm:constr type="t" for="ch" forName="tile1text" refType="t" refFor="ch" refForName="tile1"/>
-            <dgm:constr type="w" for="ch" forName="tile1text" refType="w" refFor="ch" refForName="tile1"/>
-            <dgm:constr type="h" for="ch" forName="tile1text" refType="h" refFor="ch" refForName="tile1" fact="0.75"/>
-            <dgm:constr type="r" for="ch" forName="tile2" refType="w"/>
-            <dgm:constr type="t" for="ch" forName="tile2"/>
-            <dgm:constr type="l" for="ch" forName="tile2" refType="w" fact="0.5"/>
-            <dgm:constr type="b" for="ch" forName="tile2" refType="h" fact="0.5"/>
-            <dgm:constr type="r" for="ch" forName="tile2text" refType="r" refFor="ch" refForName="tile2"/>
-            <dgm:constr type="t" for="ch" forName="tile2text" refType="t" refFor="ch" refForName="tile2"/>
-            <dgm:constr type="w" for="ch" forName="tile2text" refType="w" refFor="ch" refForName="tile2"/>
-            <dgm:constr type="h" for="ch" forName="tile2text" refType="h" refFor="ch" refForName="tile2" fact="0.75"/>
-            <dgm:constr type="l" for="ch" forName="tile3"/>
-            <dgm:constr type="b" for="ch" forName="tile3" refType="h"/>
-            <dgm:constr type="r" for="ch" forName="tile3" refType="w" fact="0.5"/>
-            <dgm:constr type="t" for="ch" forName="tile3" refType="h" fact="0.5"/>
-            <dgm:constr type="l" for="ch" forName="tile3text" refType="l" refFor="ch" refForName="tile3"/>
-            <dgm:constr type="b" for="ch" forName="tile3text" refType="b" refFor="ch" refForName="tile3"/>
-            <dgm:constr type="w" for="ch" forName="tile3text" refType="w" refFor="ch" refForName="tile3"/>
-            <dgm:constr type="h" for="ch" forName="tile3text" refType="h" refFor="ch" refForName="tile3" fact="0.75"/>
-            <dgm:constr type="r" for="ch" forName="tile4" refType="w"/>
-            <dgm:constr type="b" for="ch" forName="tile4" refType="h"/>
-            <dgm:constr type="l" for="ch" forName="tile4" refType="w" fact="0.5"/>
-            <dgm:constr type="t" for="ch" forName="tile4" refType="h" fact="0.5"/>
-            <dgm:constr type="r" for="ch" forName="tile4text" refType="r" refFor="ch" refForName="tile4"/>
-            <dgm:constr type="b" for="ch" forName="tile4text" refType="b" refFor="ch" refForName="tile4"/>
-            <dgm:constr type="w" for="ch" forName="tile4text" refType="w" refFor="ch" refForName="tile4"/>
-            <dgm:constr type="h" for="ch" forName="tile4text" refType="h" refFor="ch" refForName="tile4" fact="0.75"/>
-          </dgm:constrLst>
-          <dgm:ruleLst/>
-          <dgm:layoutNode name="tile1" styleLbl="node1">
-            <dgm:alg type="sp"/>
-            <dgm:shape xmlns:r="http://schemas.openxmlformats.org/officeDocument/2006/relationships" rot="270" type="round1Rect" r:blip="">
-              <dgm:adjLst/>
-            </dgm:shape>
-            <dgm:choose name="Name2">
-              <dgm:if name="Name3" func="var" arg="dir" op="equ" val="norm">
-                <dgm:presOf axis="ch ch desOrSelf" ptType="node node node" st="1 1 1" cnt="1 1 0"/>
-              </dgm:if>
-              <dgm:else name="Name4">
-                <dgm:presOf axis="ch ch desOrSelf" ptType="node node node" st="1 2 1" cnt="1 1 0"/>
-              </dgm:else>
-            </dgm:choose>
-            <dgm:constrLst/>
-            <dgm:ruleLst/>
-          </dgm:layoutNode>
-          <dgm:layoutNode name="tile1text" styleLbl="node1">
-            <dgm:varLst>
-              <dgm:chMax val="0"/>
-              <dgm:chPref val="0"/>
-              <dgm:bulletEnabled val="1"/>
-            </dgm:varLst>
-            <dgm:choose name="Name5">
-              <dgm:if name="Name6" axis="root des" func="maxDepth" op="gte" val="3">
-                <dgm:alg type="tx">
-                  <dgm:param type="txAnchorVert" val="t"/>
-                  <dgm:param type="parTxLTRAlign" val="l"/>
-                  <dgm:param type="parTxRTLAlign" val="r"/>
-                </dgm:alg>
-              </dgm:if>
-              <dgm:else name="Name7">
-                <dgm:alg type="tx"/>
-              </dgm:else>
-            </dgm:choose>
-            <dgm:shape xmlns:r="http://schemas.openxmlformats.org/officeDocument/2006/relationships" rot="270" type="rect" r:blip="" hideGeom="1">
-              <dgm:adjLst>
-                <dgm:adj idx="1" val="0.2"/>
-              </dgm:adjLst>
-            </dgm:shape>
-            <dgm:choose name="Name8">
-              <dgm:if name="Name9" func="var" arg="dir" op="equ" val="norm">
-                <dgm:presOf axis="ch ch desOrSelf" ptType="node node node" st="1 1 1" cnt="1 1 0"/>
-              </dgm:if>
-              <dgm:else name="Name10">
-                <dgm:presOf axis="ch ch desOrSelf" ptType="node node node" st="1 2 1" cnt="1 1 0"/>
-              </dgm:else>
-            </dgm:choose>
-            <dgm:constrLst/>
-            <dgm:ruleLst>
-              <dgm:rule type="primFontSz" val="5" fact="NaN" max="NaN"/>
-            </dgm:ruleLst>
-          </dgm:layoutNode>
-          <dgm:layoutNode name="tile2" styleLbl="node1">
-            <dgm:alg type="sp"/>
-            <dgm:shape xmlns:r="http://schemas.openxmlformats.org/officeDocument/2006/relationships" type="round1Rect" r:blip="">
-              <dgm:adjLst/>
-            </dgm:shape>
-            <dgm:choose name="Name11">
-              <dgm:if name="Name12" func="var" arg="dir" op="equ" val="norm">
-                <dgm:presOf axis="ch ch desOrSelf" ptType="node node node" st="1 2 1" cnt="1 1 0"/>
-              </dgm:if>
-              <dgm:else name="Name13">
-                <dgm:presOf axis="ch ch desOrSelf" ptType="node node node" st="1 1 1" cnt="1 1 0"/>
-              </dgm:else>
-            </dgm:choose>
-            <dgm:constrLst/>
-            <dgm:ruleLst/>
-          </dgm:layoutNode>
-          <dgm:layoutNode name="tile2text" styleLbl="node1">
-            <dgm:varLst>
-              <dgm:chMax val="0"/>
-              <dgm:chPref val="0"/>
-              <dgm:bulletEnabled val="1"/>
-            </dgm:varLst>
-            <dgm:choose name="Name14">
-              <dgm:if name="Name15" axis="root des" func="maxDepth" op="gte" val="3">
-                <dgm:alg type="tx">
-                  <dgm:param type="txAnchorVert" val="t"/>
-                  <dgm:param type="parTxLTRAlign" val="l"/>
-                  <dgm:param type="parTxRTLAlign" val="r"/>
-                </dgm:alg>
-              </dgm:if>
-              <dgm:else name="Name16">
-                <dgm:alg type="tx"/>
-              </dgm:else>
-            </dgm:choose>
-            <dgm:shape xmlns:r="http://schemas.openxmlformats.org/officeDocument/2006/relationships" type="rect" r:blip="" hideGeom="1">
-              <dgm:adjLst/>
-            </dgm:shape>
-            <dgm:choose name="Name17">
-              <dgm:if name="Name18" func="var" arg="dir" op="equ" val="norm">
-                <dgm:presOf axis="ch ch desOrSelf" ptType="node node node" st="1 2 1" cnt="1 1 0"/>
-              </dgm:if>
-              <dgm:else name="Name19">
-                <dgm:presOf axis="ch ch desOrSelf" ptType="node node node" st="1 1 1" cnt="1 1 0"/>
-              </dgm:else>
-            </dgm:choose>
-            <dgm:constrLst/>
-            <dgm:ruleLst>
-              <dgm:rule type="primFontSz" val="5" fact="NaN" max="NaN"/>
-            </dgm:ruleLst>
-          </dgm:layoutNode>
-          <dgm:layoutNode name="tile3" styleLbl="node1">
-            <dgm:alg type="sp"/>
-            <dgm:shape xmlns:r="http://schemas.openxmlformats.org/officeDocument/2006/relationships" rot="180" type="round1Rect" r:blip="">
-              <dgm:adjLst/>
-            </dgm:shape>
-            <dgm:choose name="Name20">
-              <dgm:if name="Name21" func="var" arg="dir" op="equ" val="norm">
-                <dgm:presOf axis="ch ch desOrSelf" ptType="node node node" st="1 3 1" cnt="1 1 0"/>
-              </dgm:if>
-              <dgm:else name="Name22">
-                <dgm:presOf axis="ch ch desOrSelf" ptType="node node node" st="1 4 1" cnt="1 1 0"/>
-              </dgm:else>
-            </dgm:choose>
-            <dgm:constrLst/>
-            <dgm:ruleLst/>
-          </dgm:layoutNode>
-          <dgm:layoutNode name="tile3text" styleLbl="node1">
-            <dgm:varLst>
-              <dgm:chMax val="0"/>
-              <dgm:chPref val="0"/>
-              <dgm:bulletEnabled val="1"/>
-            </dgm:varLst>
-            <dgm:choose name="Name23">
-              <dgm:if name="Name24" axis="root des" func="maxDepth" op="gte" val="3">
-                <dgm:alg type="tx">
-                  <dgm:param type="txAnchorVert" val="t"/>
-                  <dgm:param type="parTxLTRAlign" val="l"/>
-                  <dgm:param type="parTxRTLAlign" val="r"/>
-                </dgm:alg>
-              </dgm:if>
-              <dgm:else name="Name25">
-                <dgm:alg type="tx"/>
-              </dgm:else>
-            </dgm:choose>
-            <dgm:shape xmlns:r="http://schemas.openxmlformats.org/officeDocument/2006/relationships" rot="180" type="rect" r:blip="" hideGeom="1">
-              <dgm:adjLst/>
-            </dgm:shape>
-            <dgm:choose name="Name26">
-              <dgm:if name="Name27" func="var" arg="dir" op="equ" val="norm">
-                <dgm:presOf axis="ch ch desOrSelf" ptType="node node node" st="1 3 1" cnt="1 1 0"/>
-              </dgm:if>
-              <dgm:else name="Name28">
-                <dgm:presOf axis="ch ch desOrSelf" ptType="node node node" st="1 4 1" cnt="1 1 0"/>
-              </dgm:else>
-            </dgm:choose>
-            <dgm:constrLst/>
-            <dgm:ruleLst>
-              <dgm:rule type="primFontSz" val="5" fact="NaN" max="NaN"/>
-            </dgm:ruleLst>
-          </dgm:layoutNode>
-          <dgm:layoutNode name="tile4" styleLbl="node1">
-            <dgm:alg type="sp"/>
-            <dgm:shape xmlns:r="http://schemas.openxmlformats.org/officeDocument/2006/relationships" rot="90" type="round1Rect" r:blip="">
-              <dgm:adjLst/>
-            </dgm:shape>
-            <dgm:choose name="Name29">
-              <dgm:if name="Name30" func="var" arg="dir" op="equ" val="norm">
-                <dgm:presOf axis="ch ch desOrSelf" ptType="node node node" st="1 4 1" cnt="1 1 0"/>
-              </dgm:if>
-              <dgm:else name="Name31">
-                <dgm:presOf axis="ch ch desOrSelf" ptType="node node node" st="1 3 1" cnt="1 1 0"/>
-              </dgm:else>
-            </dgm:choose>
-            <dgm:constrLst/>
-            <dgm:ruleLst/>
-          </dgm:layoutNode>
-          <dgm:layoutNode name="tile4text" styleLbl="node1">
-            <dgm:varLst>
-              <dgm:chMax val="0"/>
-              <dgm:chPref val="0"/>
-              <dgm:bulletEnabled val="1"/>
-            </dgm:varLst>
-            <dgm:choose name="Name32">
-              <dgm:if name="Name33" axis="root des" func="maxDepth" op="gte" val="3">
-                <dgm:alg type="tx">
-                  <dgm:param type="txAnchorVert" val="t"/>
-                  <dgm:param type="parTxLTRAlign" val="l"/>
-                  <dgm:param type="parTxRTLAlign" val="r"/>
-                </dgm:alg>
-              </dgm:if>
-              <dgm:else name="Name34">
-                <dgm:alg type="tx"/>
-              </dgm:else>
-            </dgm:choose>
-            <dgm:shape xmlns:r="http://schemas.openxmlformats.org/officeDocument/2006/relationships" rot="90" type="rect" r:blip="" hideGeom="1">
-              <dgm:adjLst/>
-            </dgm:shape>
-            <dgm:choose name="Name35">
-              <dgm:if name="Name36" func="var" arg="dir" op="equ" val="norm">
-                <dgm:presOf axis="ch ch desOrSelf" ptType="node node node" st="1 4 1" cnt="1 1 0"/>
-              </dgm:if>
-              <dgm:else name="Name37">
-                <dgm:presOf axis="ch ch desOrSelf" ptType="node node node" st="1 3 1" cnt="1 1 0"/>
-              </dgm:else>
-            </dgm:choose>
-            <dgm:constrLst/>
-            <dgm:ruleLst>
-              <dgm:rule type="primFontSz" val="5" fact="NaN" max="NaN"/>
-            </dgm:ruleLst>
-          </dgm:layoutNode>
-        </dgm:layoutNode>
-        <dgm:layoutNode name="centerTile" styleLbl="fgShp">
-          <dgm:varLst>
-            <dgm:chMax val="0"/>
-            <dgm:chPref val="0"/>
-          </dgm:varLst>
-          <dgm:alg type="tx"/>
-          <dgm:shape xmlns:r="http://schemas.openxmlformats.org/officeDocument/2006/relationships" type="roundRect" r:blip="">
-            <dgm:adjLst/>
-          </dgm:shape>
-          <dgm:presOf axis="ch" ptType="node" cnt="1"/>
-          <dgm:constrLst>
-            <dgm:constr type="tMarg" refType="primFontSz" fact="0.3"/>
-            <dgm:constr type="bMarg" refType="primFontSz" fact="0.3"/>
-            <dgm:constr type="lMarg" refType="primFontSz" fact="0.3"/>
-            <dgm:constr type="rMarg" refType="primFontSz" fact="0.3"/>
-          </dgm:constrLst>
-          <dgm:ruleLst>
-            <dgm:rule type="primFontSz" val="5" fact="NaN" max="NaN"/>
-          </dgm:ruleLst>
-        </dgm:layoutNode>
-      </dgm:if>
-      <dgm:else name="Name38"/>
-    </dgm:choose>
   </dgm:layoutNode>
 </dgm:layoutDef>
 </file>
@@ -8994,1117 +7104,6 @@
     <dgm:txPr/>
     <dgm:style>
       <a:lnRef idx="2">
-        <a:scrgbClr r="0" g="0" b="0"/>
-      </a:lnRef>
-      <a:fillRef idx="1">
-        <a:scrgbClr r="0" g="0" b="0"/>
-      </a:fillRef>
-      <a:effectRef idx="0">
-        <a:scrgbClr r="0" g="0" b="0"/>
-      </a:effectRef>
-      <a:fontRef idx="minor"/>
-    </dgm:style>
-  </dgm:styleLbl>
-  <dgm:styleLbl name="revTx">
-    <dgm:scene3d>
-      <a:camera prst="orthographicFront"/>
-      <a:lightRig rig="threePt" dir="t"/>
-    </dgm:scene3d>
-    <dgm:sp3d/>
-    <dgm:txPr/>
-    <dgm:style>
-      <a:lnRef idx="0">
-        <a:scrgbClr r="0" g="0" b="0"/>
-      </a:lnRef>
-      <a:fillRef idx="0">
-        <a:scrgbClr r="0" g="0" b="0"/>
-      </a:fillRef>
-      <a:effectRef idx="0">
-        <a:scrgbClr r="0" g="0" b="0"/>
-      </a:effectRef>
-      <a:fontRef idx="minor"/>
-    </dgm:style>
-  </dgm:styleLbl>
-</dgm:styleDef>
-</file>
-
-<file path=ppt/diagrams/quickStyle3.xml><?xml version="1.0" encoding="utf-8"?>
-<dgm:styleDef xmlns:dgm="http://schemas.openxmlformats.org/drawingml/2006/diagram" xmlns:a="http://schemas.openxmlformats.org/drawingml/2006/main" uniqueId="urn:microsoft.com/office/officeart/2005/8/quickstyle/3d4">
-  <dgm:title val=""/>
-  <dgm:desc val=""/>
-  <dgm:catLst>
-    <dgm:cat type="3D" pri="11400"/>
-  </dgm:catLst>
-  <dgm:scene3d>
-    <a:camera prst="orthographicFront"/>
-    <a:lightRig rig="threePt" dir="t"/>
-  </dgm:scene3d>
-  <dgm:styleLbl name="node0">
-    <dgm:scene3d>
-      <a:camera prst="orthographicFront"/>
-      <a:lightRig rig="chilly" dir="t"/>
-    </dgm:scene3d>
-    <dgm:sp3d prstMaterial="translucentPowder">
-      <a:bevelT w="127000" h="25400" prst="softRound"/>
-    </dgm:sp3d>
-    <dgm:txPr/>
-    <dgm:style>
-      <a:lnRef idx="0">
-        <a:scrgbClr r="0" g="0" b="0"/>
-      </a:lnRef>
-      <a:fillRef idx="1">
-        <a:scrgbClr r="0" g="0" b="0"/>
-      </a:fillRef>
-      <a:effectRef idx="0">
-        <a:scrgbClr r="0" g="0" b="0"/>
-      </a:effectRef>
-      <a:fontRef idx="minor">
-        <a:schemeClr val="lt1"/>
-      </a:fontRef>
-    </dgm:style>
-  </dgm:styleLbl>
-  <dgm:styleLbl name="lnNode1">
-    <dgm:scene3d>
-      <a:camera prst="orthographicFront"/>
-      <a:lightRig rig="chilly" dir="t"/>
-    </dgm:scene3d>
-    <dgm:sp3d prstMaterial="translucentPowder">
-      <a:bevelT w="127000" h="25400" prst="softRound"/>
-    </dgm:sp3d>
-    <dgm:txPr/>
-    <dgm:style>
-      <a:lnRef idx="0">
-        <a:scrgbClr r="0" g="0" b="0"/>
-      </a:lnRef>
-      <a:fillRef idx="1">
-        <a:scrgbClr r="0" g="0" b="0"/>
-      </a:fillRef>
-      <a:effectRef idx="0">
-        <a:scrgbClr r="0" g="0" b="0"/>
-      </a:effectRef>
-      <a:fontRef idx="minor">
-        <a:schemeClr val="lt1"/>
-      </a:fontRef>
-    </dgm:style>
-  </dgm:styleLbl>
-  <dgm:styleLbl name="vennNode1">
-    <dgm:scene3d>
-      <a:camera prst="orthographicFront"/>
-      <a:lightRig rig="chilly" dir="t"/>
-    </dgm:scene3d>
-    <dgm:sp3d prstMaterial="translucentPowder">
-      <a:bevelT w="127000" h="25400" prst="softRound"/>
-    </dgm:sp3d>
-    <dgm:txPr/>
-    <dgm:style>
-      <a:lnRef idx="0">
-        <a:scrgbClr r="0" g="0" b="0"/>
-      </a:lnRef>
-      <a:fillRef idx="1">
-        <a:scrgbClr r="0" g="0" b="0"/>
-      </a:fillRef>
-      <a:effectRef idx="0">
-        <a:scrgbClr r="0" g="0" b="0"/>
-      </a:effectRef>
-      <a:fontRef idx="minor">
-        <a:schemeClr val="tx1"/>
-      </a:fontRef>
-    </dgm:style>
-  </dgm:styleLbl>
-  <dgm:styleLbl name="alignNode1">
-    <dgm:scene3d>
-      <a:camera prst="orthographicFront"/>
-      <a:lightRig rig="chilly" dir="t"/>
-    </dgm:scene3d>
-    <dgm:sp3d prstMaterial="translucentPowder">
-      <a:bevelT w="127000" h="25400" prst="softRound"/>
-    </dgm:sp3d>
-    <dgm:txPr/>
-    <dgm:style>
-      <a:lnRef idx="1">
-        <a:scrgbClr r="0" g="0" b="0"/>
-      </a:lnRef>
-      <a:fillRef idx="1">
-        <a:scrgbClr r="0" g="0" b="0"/>
-      </a:fillRef>
-      <a:effectRef idx="0">
-        <a:scrgbClr r="0" g="0" b="0"/>
-      </a:effectRef>
-      <a:fontRef idx="minor">
-        <a:schemeClr val="lt1"/>
-      </a:fontRef>
-    </dgm:style>
-  </dgm:styleLbl>
-  <dgm:styleLbl name="node1">
-    <dgm:scene3d>
-      <a:camera prst="orthographicFront"/>
-      <a:lightRig rig="chilly" dir="t"/>
-    </dgm:scene3d>
-    <dgm:sp3d prstMaterial="translucentPowder">
-      <a:bevelT w="127000" h="25400" prst="softRound"/>
-    </dgm:sp3d>
-    <dgm:txPr/>
-    <dgm:style>
-      <a:lnRef idx="0">
-        <a:scrgbClr r="0" g="0" b="0"/>
-      </a:lnRef>
-      <a:fillRef idx="1">
-        <a:scrgbClr r="0" g="0" b="0"/>
-      </a:fillRef>
-      <a:effectRef idx="0">
-        <a:scrgbClr r="0" g="0" b="0"/>
-      </a:effectRef>
-      <a:fontRef idx="minor">
-        <a:schemeClr val="lt1"/>
-      </a:fontRef>
-    </dgm:style>
-  </dgm:styleLbl>
-  <dgm:styleLbl name="node2">
-    <dgm:scene3d>
-      <a:camera prst="orthographicFront"/>
-      <a:lightRig rig="chilly" dir="t"/>
-    </dgm:scene3d>
-    <dgm:sp3d prstMaterial="translucentPowder">
-      <a:bevelT w="127000" h="25400" prst="softRound"/>
-    </dgm:sp3d>
-    <dgm:txPr/>
-    <dgm:style>
-      <a:lnRef idx="0">
-        <a:scrgbClr r="0" g="0" b="0"/>
-      </a:lnRef>
-      <a:fillRef idx="1">
-        <a:scrgbClr r="0" g="0" b="0"/>
-      </a:fillRef>
-      <a:effectRef idx="0">
-        <a:scrgbClr r="0" g="0" b="0"/>
-      </a:effectRef>
-      <a:fontRef idx="minor">
-        <a:schemeClr val="lt1"/>
-      </a:fontRef>
-    </dgm:style>
-  </dgm:styleLbl>
-  <dgm:styleLbl name="node3">
-    <dgm:scene3d>
-      <a:camera prst="orthographicFront"/>
-      <a:lightRig rig="chilly" dir="t"/>
-    </dgm:scene3d>
-    <dgm:sp3d prstMaterial="translucentPowder">
-      <a:bevelT w="127000" h="25400" prst="softRound"/>
-    </dgm:sp3d>
-    <dgm:txPr/>
-    <dgm:style>
-      <a:lnRef idx="0">
-        <a:scrgbClr r="0" g="0" b="0"/>
-      </a:lnRef>
-      <a:fillRef idx="1">
-        <a:scrgbClr r="0" g="0" b="0"/>
-      </a:fillRef>
-      <a:effectRef idx="0">
-        <a:scrgbClr r="0" g="0" b="0"/>
-      </a:effectRef>
-      <a:fontRef idx="minor">
-        <a:schemeClr val="lt1"/>
-      </a:fontRef>
-    </dgm:style>
-  </dgm:styleLbl>
-  <dgm:styleLbl name="node4">
-    <dgm:scene3d>
-      <a:camera prst="orthographicFront"/>
-      <a:lightRig rig="chilly" dir="t"/>
-    </dgm:scene3d>
-    <dgm:sp3d prstMaterial="translucentPowder">
-      <a:bevelT w="127000" h="25400" prst="softRound"/>
-    </dgm:sp3d>
-    <dgm:txPr/>
-    <dgm:style>
-      <a:lnRef idx="0">
-        <a:scrgbClr r="0" g="0" b="0"/>
-      </a:lnRef>
-      <a:fillRef idx="1">
-        <a:scrgbClr r="0" g="0" b="0"/>
-      </a:fillRef>
-      <a:effectRef idx="0">
-        <a:scrgbClr r="0" g="0" b="0"/>
-      </a:effectRef>
-      <a:fontRef idx="minor">
-        <a:schemeClr val="lt1"/>
-      </a:fontRef>
-    </dgm:style>
-  </dgm:styleLbl>
-  <dgm:styleLbl name="fgImgPlace1">
-    <dgm:scene3d>
-      <a:camera prst="orthographicFront"/>
-      <a:lightRig rig="chilly" dir="t"/>
-    </dgm:scene3d>
-    <dgm:sp3d z="12700" extrusionH="12700" prstMaterial="translucentPowder">
-      <a:bevelT w="25400" h="6350" prst="softRound"/>
-      <a:bevelB w="0" h="0" prst="convex"/>
-    </dgm:sp3d>
-    <dgm:txPr/>
-    <dgm:style>
-      <a:lnRef idx="0">
-        <a:scrgbClr r="0" g="0" b="0"/>
-      </a:lnRef>
-      <a:fillRef idx="1">
-        <a:scrgbClr r="0" g="0" b="0"/>
-      </a:fillRef>
-      <a:effectRef idx="0">
-        <a:scrgbClr r="0" g="0" b="0"/>
-      </a:effectRef>
-      <a:fontRef idx="minor"/>
-    </dgm:style>
-  </dgm:styleLbl>
-  <dgm:styleLbl name="alignImgPlace1">
-    <dgm:scene3d>
-      <a:camera prst="orthographicFront"/>
-      <a:lightRig rig="chilly" dir="t"/>
-    </dgm:scene3d>
-    <dgm:sp3d prstMaterial="translucentPowder">
-      <a:bevelT w="127000" h="25400" prst="softRound"/>
-    </dgm:sp3d>
-    <dgm:txPr/>
-    <dgm:style>
-      <a:lnRef idx="0">
-        <a:scrgbClr r="0" g="0" b="0"/>
-      </a:lnRef>
-      <a:fillRef idx="1">
-        <a:scrgbClr r="0" g="0" b="0"/>
-      </a:fillRef>
-      <a:effectRef idx="0">
-        <a:scrgbClr r="0" g="0" b="0"/>
-      </a:effectRef>
-      <a:fontRef idx="minor">
-        <a:schemeClr val="lt1"/>
-      </a:fontRef>
-    </dgm:style>
-  </dgm:styleLbl>
-  <dgm:styleLbl name="bgImgPlace1">
-    <dgm:scene3d>
-      <a:camera prst="orthographicFront"/>
-      <a:lightRig rig="chilly" dir="t"/>
-    </dgm:scene3d>
-    <dgm:sp3d z="-25700" extrusionH="63500" contourW="12700" prstMaterial="matte">
-      <a:contourClr>
-        <a:schemeClr val="lt1"/>
-      </a:contourClr>
-    </dgm:sp3d>
-    <dgm:txPr/>
-    <dgm:style>
-      <a:lnRef idx="0">
-        <a:scrgbClr r="0" g="0" b="0"/>
-      </a:lnRef>
-      <a:fillRef idx="1">
-        <a:scrgbClr r="0" g="0" b="0"/>
-      </a:fillRef>
-      <a:effectRef idx="0">
-        <a:scrgbClr r="0" g="0" b="0"/>
-      </a:effectRef>
-      <a:fontRef idx="minor"/>
-    </dgm:style>
-  </dgm:styleLbl>
-  <dgm:styleLbl name="sibTrans2D1">
-    <dgm:scene3d>
-      <a:camera prst="orthographicFront"/>
-      <a:lightRig rig="chilly" dir="t"/>
-    </dgm:scene3d>
-    <dgm:sp3d z="-70000" extrusionH="1700" prstMaterial="translucentPowder">
-      <a:bevelT w="25400" h="6350" prst="softRound"/>
-      <a:bevelB w="0" h="0" prst="convex"/>
-    </dgm:sp3d>
-    <dgm:txPr/>
-    <dgm:style>
-      <a:lnRef idx="0">
-        <a:scrgbClr r="0" g="0" b="0"/>
-      </a:lnRef>
-      <a:fillRef idx="1">
-        <a:scrgbClr r="0" g="0" b="0"/>
-      </a:fillRef>
-      <a:effectRef idx="0">
-        <a:scrgbClr r="0" g="0" b="0"/>
-      </a:effectRef>
-      <a:fontRef idx="minor">
-        <a:schemeClr val="lt1"/>
-      </a:fontRef>
-    </dgm:style>
-  </dgm:styleLbl>
-  <dgm:styleLbl name="fgSibTrans2D1">
-    <dgm:scene3d>
-      <a:camera prst="orthographicFront"/>
-      <a:lightRig rig="chilly" dir="t"/>
-    </dgm:scene3d>
-    <dgm:sp3d z="12700" extrusionH="1700" prstMaterial="translucentPowder">
-      <a:bevelT w="25400" h="6350" prst="softRound"/>
-      <a:bevelB w="0" h="0" prst="convex"/>
-    </dgm:sp3d>
-    <dgm:txPr/>
-    <dgm:style>
-      <a:lnRef idx="0">
-        <a:scrgbClr r="0" g="0" b="0"/>
-      </a:lnRef>
-      <a:fillRef idx="1">
-        <a:scrgbClr r="0" g="0" b="0"/>
-      </a:fillRef>
-      <a:effectRef idx="0">
-        <a:scrgbClr r="0" g="0" b="0"/>
-      </a:effectRef>
-      <a:fontRef idx="minor"/>
-    </dgm:style>
-  </dgm:styleLbl>
-  <dgm:styleLbl name="bgSibTrans2D1">
-    <dgm:scene3d>
-      <a:camera prst="orthographicFront"/>
-      <a:lightRig rig="chilly" dir="t"/>
-    </dgm:scene3d>
-    <dgm:sp3d z="-25700" extrusionH="1700" prstMaterial="translucentPowder">
-      <a:bevelT w="25400" h="6350" prst="softRound"/>
-      <a:bevelB w="0" h="0" prst="convex"/>
-    </dgm:sp3d>
-    <dgm:txPr/>
-    <dgm:style>
-      <a:lnRef idx="0">
-        <a:scrgbClr r="0" g="0" b="0"/>
-      </a:lnRef>
-      <a:fillRef idx="1">
-        <a:scrgbClr r="0" g="0" b="0"/>
-      </a:fillRef>
-      <a:effectRef idx="0">
-        <a:scrgbClr r="0" g="0" b="0"/>
-      </a:effectRef>
-      <a:fontRef idx="minor"/>
-    </dgm:style>
-  </dgm:styleLbl>
-  <dgm:styleLbl name="sibTrans1D1">
-    <dgm:scene3d>
-      <a:camera prst="orthographicFront"/>
-      <a:lightRig rig="chilly" dir="t"/>
-    </dgm:scene3d>
-    <dgm:sp3d z="-40000" prstMaterial="matte"/>
-    <dgm:txPr/>
-    <dgm:style>
-      <a:lnRef idx="1">
-        <a:scrgbClr r="0" g="0" b="0"/>
-      </a:lnRef>
-      <a:fillRef idx="0">
-        <a:scrgbClr r="0" g="0" b="0"/>
-      </a:fillRef>
-      <a:effectRef idx="0">
-        <a:scrgbClr r="0" g="0" b="0"/>
-      </a:effectRef>
-      <a:fontRef idx="minor"/>
-    </dgm:style>
-  </dgm:styleLbl>
-  <dgm:styleLbl name="callout">
-    <dgm:scene3d>
-      <a:camera prst="orthographicFront"/>
-      <a:lightRig rig="chilly" dir="t"/>
-    </dgm:scene3d>
-    <dgm:sp3d z="127000" prstMaterial="matte"/>
-    <dgm:txPr/>
-    <dgm:style>
-      <a:lnRef idx="2">
-        <a:scrgbClr r="0" g="0" b="0"/>
-      </a:lnRef>
-      <a:fillRef idx="1">
-        <a:scrgbClr r="0" g="0" b="0"/>
-      </a:fillRef>
-      <a:effectRef idx="0">
-        <a:scrgbClr r="0" g="0" b="0"/>
-      </a:effectRef>
-      <a:fontRef idx="minor"/>
-    </dgm:style>
-  </dgm:styleLbl>
-  <dgm:styleLbl name="asst0">
-    <dgm:scene3d>
-      <a:camera prst="orthographicFront"/>
-      <a:lightRig rig="chilly" dir="t"/>
-    </dgm:scene3d>
-    <dgm:sp3d prstMaterial="translucentPowder">
-      <a:bevelT w="127000" h="25400" prst="softRound"/>
-    </dgm:sp3d>
-    <dgm:txPr/>
-    <dgm:style>
-      <a:lnRef idx="0">
-        <a:scrgbClr r="0" g="0" b="0"/>
-      </a:lnRef>
-      <a:fillRef idx="1">
-        <a:scrgbClr r="0" g="0" b="0"/>
-      </a:fillRef>
-      <a:effectRef idx="0">
-        <a:scrgbClr r="0" g="0" b="0"/>
-      </a:effectRef>
-      <a:fontRef idx="minor">
-        <a:schemeClr val="lt1"/>
-      </a:fontRef>
-    </dgm:style>
-  </dgm:styleLbl>
-  <dgm:styleLbl name="asst1">
-    <dgm:scene3d>
-      <a:camera prst="orthographicFront"/>
-      <a:lightRig rig="chilly" dir="t"/>
-    </dgm:scene3d>
-    <dgm:sp3d prstMaterial="translucentPowder">
-      <a:bevelT w="127000" h="25400" prst="softRound"/>
-    </dgm:sp3d>
-    <dgm:txPr/>
-    <dgm:style>
-      <a:lnRef idx="0">
-        <a:scrgbClr r="0" g="0" b="0"/>
-      </a:lnRef>
-      <a:fillRef idx="1">
-        <a:scrgbClr r="0" g="0" b="0"/>
-      </a:fillRef>
-      <a:effectRef idx="0">
-        <a:scrgbClr r="0" g="0" b="0"/>
-      </a:effectRef>
-      <a:fontRef idx="minor">
-        <a:schemeClr val="lt1"/>
-      </a:fontRef>
-    </dgm:style>
-  </dgm:styleLbl>
-  <dgm:styleLbl name="asst2">
-    <dgm:scene3d>
-      <a:camera prst="orthographicFront"/>
-      <a:lightRig rig="chilly" dir="t"/>
-    </dgm:scene3d>
-    <dgm:sp3d prstMaterial="translucentPowder">
-      <a:bevelT w="127000" h="25400" prst="softRound"/>
-    </dgm:sp3d>
-    <dgm:txPr/>
-    <dgm:style>
-      <a:lnRef idx="0">
-        <a:scrgbClr r="0" g="0" b="0"/>
-      </a:lnRef>
-      <a:fillRef idx="1">
-        <a:scrgbClr r="0" g="0" b="0"/>
-      </a:fillRef>
-      <a:effectRef idx="0">
-        <a:scrgbClr r="0" g="0" b="0"/>
-      </a:effectRef>
-      <a:fontRef idx="minor">
-        <a:schemeClr val="lt1"/>
-      </a:fontRef>
-    </dgm:style>
-  </dgm:styleLbl>
-  <dgm:styleLbl name="asst3">
-    <dgm:scene3d>
-      <a:camera prst="orthographicFront"/>
-      <a:lightRig rig="chilly" dir="t"/>
-    </dgm:scene3d>
-    <dgm:sp3d prstMaterial="translucentPowder">
-      <a:bevelT w="127000" h="25400" prst="softRound"/>
-    </dgm:sp3d>
-    <dgm:txPr/>
-    <dgm:style>
-      <a:lnRef idx="0">
-        <a:scrgbClr r="0" g="0" b="0"/>
-      </a:lnRef>
-      <a:fillRef idx="1">
-        <a:scrgbClr r="0" g="0" b="0"/>
-      </a:fillRef>
-      <a:effectRef idx="0">
-        <a:scrgbClr r="0" g="0" b="0"/>
-      </a:effectRef>
-      <a:fontRef idx="minor">
-        <a:schemeClr val="lt1"/>
-      </a:fontRef>
-    </dgm:style>
-  </dgm:styleLbl>
-  <dgm:styleLbl name="parChTrans2D1">
-    <dgm:scene3d>
-      <a:camera prst="orthographicFront"/>
-      <a:lightRig rig="chilly" dir="t"/>
-    </dgm:scene3d>
-    <dgm:sp3d z="1700" extrusionH="1700" prstMaterial="translucentPowder">
-      <a:bevelT w="25400" h="6350" prst="softRound"/>
-      <a:bevelB w="0" h="0" prst="convex"/>
-    </dgm:sp3d>
-    <dgm:txPr/>
-    <dgm:style>
-      <a:lnRef idx="0">
-        <a:scrgbClr r="0" g="0" b="0"/>
-      </a:lnRef>
-      <a:fillRef idx="1">
-        <a:scrgbClr r="0" g="0" b="0"/>
-      </a:fillRef>
-      <a:effectRef idx="0">
-        <a:scrgbClr r="0" g="0" b="0"/>
-      </a:effectRef>
-      <a:fontRef idx="minor"/>
-    </dgm:style>
-  </dgm:styleLbl>
-  <dgm:styleLbl name="parChTrans2D2">
-    <dgm:scene3d>
-      <a:camera prst="orthographicFront"/>
-      <a:lightRig rig="chilly" dir="t"/>
-    </dgm:scene3d>
-    <dgm:sp3d z="1700" extrusionH="1700" prstMaterial="translucentPowder">
-      <a:bevelT w="25400" h="6350" prst="softRound"/>
-      <a:bevelB w="0" h="0" prst="convex"/>
-    </dgm:sp3d>
-    <dgm:txPr/>
-    <dgm:style>
-      <a:lnRef idx="0">
-        <a:scrgbClr r="0" g="0" b="0"/>
-      </a:lnRef>
-      <a:fillRef idx="1">
-        <a:scrgbClr r="0" g="0" b="0"/>
-      </a:fillRef>
-      <a:effectRef idx="0">
-        <a:scrgbClr r="0" g="0" b="0"/>
-      </a:effectRef>
-      <a:fontRef idx="minor"/>
-    </dgm:style>
-  </dgm:styleLbl>
-  <dgm:styleLbl name="parChTrans2D3">
-    <dgm:scene3d>
-      <a:camera prst="orthographicFront"/>
-      <a:lightRig rig="chilly" dir="t"/>
-    </dgm:scene3d>
-    <dgm:sp3d extrusionH="1700" prstMaterial="translucentPowder">
-      <a:bevelT w="25400" h="6350" prst="softRound"/>
-      <a:bevelB w="0" h="0" prst="convex"/>
-    </dgm:sp3d>
-    <dgm:txPr/>
-    <dgm:style>
-      <a:lnRef idx="0">
-        <a:scrgbClr r="0" g="0" b="0"/>
-      </a:lnRef>
-      <a:fillRef idx="1">
-        <a:scrgbClr r="0" g="0" b="0"/>
-      </a:fillRef>
-      <a:effectRef idx="0">
-        <a:scrgbClr r="0" g="0" b="0"/>
-      </a:effectRef>
-      <a:fontRef idx="minor"/>
-    </dgm:style>
-  </dgm:styleLbl>
-  <dgm:styleLbl name="parChTrans2D4">
-    <dgm:scene3d>
-      <a:camera prst="orthographicFront"/>
-      <a:lightRig rig="chilly" dir="t"/>
-    </dgm:scene3d>
-    <dgm:sp3d extrusionH="1700" prstMaterial="translucentPowder">
-      <a:bevelT w="25400" h="6350" prst="softRound"/>
-      <a:bevelB w="0" h="0" prst="convex"/>
-    </dgm:sp3d>
-    <dgm:txPr/>
-    <dgm:style>
-      <a:lnRef idx="0">
-        <a:scrgbClr r="0" g="0" b="0"/>
-      </a:lnRef>
-      <a:fillRef idx="1">
-        <a:scrgbClr r="0" g="0" b="0"/>
-      </a:fillRef>
-      <a:effectRef idx="0">
-        <a:scrgbClr r="0" g="0" b="0"/>
-      </a:effectRef>
-      <a:fontRef idx="minor"/>
-    </dgm:style>
-  </dgm:styleLbl>
-  <dgm:styleLbl name="parChTrans1D1">
-    <dgm:scene3d>
-      <a:camera prst="orthographicFront"/>
-      <a:lightRig rig="chilly" dir="t"/>
-    </dgm:scene3d>
-    <dgm:sp3d z="-40000" prstMaterial="matte"/>
-    <dgm:txPr/>
-    <dgm:style>
-      <a:lnRef idx="2">
-        <a:scrgbClr r="0" g="0" b="0"/>
-      </a:lnRef>
-      <a:fillRef idx="0">
-        <a:scrgbClr r="0" g="0" b="0"/>
-      </a:fillRef>
-      <a:effectRef idx="0">
-        <a:scrgbClr r="0" g="0" b="0"/>
-      </a:effectRef>
-      <a:fontRef idx="minor"/>
-    </dgm:style>
-  </dgm:styleLbl>
-  <dgm:styleLbl name="parChTrans1D2">
-    <dgm:scene3d>
-      <a:camera prst="orthographicFront"/>
-      <a:lightRig rig="threePt" dir="t"/>
-    </dgm:scene3d>
-    <dgm:sp3d z="-40000" prstMaterial="matte"/>
-    <dgm:txPr/>
-    <dgm:style>
-      <a:lnRef idx="2">
-        <a:scrgbClr r="0" g="0" b="0"/>
-      </a:lnRef>
-      <a:fillRef idx="0">
-        <a:scrgbClr r="0" g="0" b="0"/>
-      </a:fillRef>
-      <a:effectRef idx="0">
-        <a:scrgbClr r="0" g="0" b="0"/>
-      </a:effectRef>
-      <a:fontRef idx="minor"/>
-    </dgm:style>
-  </dgm:styleLbl>
-  <dgm:styleLbl name="parChTrans1D3">
-    <dgm:scene3d>
-      <a:camera prst="orthographicFront"/>
-      <a:lightRig rig="chilly" dir="t"/>
-    </dgm:scene3d>
-    <dgm:sp3d z="-40000" prstMaterial="matte"/>
-    <dgm:txPr/>
-    <dgm:style>
-      <a:lnRef idx="2">
-        <a:scrgbClr r="0" g="0" b="0"/>
-      </a:lnRef>
-      <a:fillRef idx="0">
-        <a:scrgbClr r="0" g="0" b="0"/>
-      </a:fillRef>
-      <a:effectRef idx="0">
-        <a:scrgbClr r="0" g="0" b="0"/>
-      </a:effectRef>
-      <a:fontRef idx="minor"/>
-    </dgm:style>
-  </dgm:styleLbl>
-  <dgm:styleLbl name="parChTrans1D4">
-    <dgm:scene3d>
-      <a:camera prst="orthographicFront"/>
-      <a:lightRig rig="chilly" dir="t"/>
-    </dgm:scene3d>
-    <dgm:sp3d z="-40000" prstMaterial="matte"/>
-    <dgm:txPr/>
-    <dgm:style>
-      <a:lnRef idx="2">
-        <a:scrgbClr r="0" g="0" b="0"/>
-      </a:lnRef>
-      <a:fillRef idx="0">
-        <a:scrgbClr r="0" g="0" b="0"/>
-      </a:fillRef>
-      <a:effectRef idx="0">
-        <a:scrgbClr r="0" g="0" b="0"/>
-      </a:effectRef>
-      <a:fontRef idx="minor"/>
-    </dgm:style>
-  </dgm:styleLbl>
-  <dgm:styleLbl name="fgAcc1">
-    <dgm:scene3d>
-      <a:camera prst="orthographicFront"/>
-      <a:lightRig rig="chilly" dir="t"/>
-    </dgm:scene3d>
-    <dgm:sp3d z="12700" extrusionH="1700" prstMaterial="dkEdge">
-      <a:bevelT w="25400" h="6350" prst="softRound"/>
-      <a:bevelB w="0" h="0" prst="convex"/>
-    </dgm:sp3d>
-    <dgm:txPr/>
-    <dgm:style>
-      <a:lnRef idx="1">
-        <a:scrgbClr r="0" g="0" b="0"/>
-      </a:lnRef>
-      <a:fillRef idx="1">
-        <a:scrgbClr r="0" g="0" b="0"/>
-      </a:fillRef>
-      <a:effectRef idx="0">
-        <a:scrgbClr r="0" g="0" b="0"/>
-      </a:effectRef>
-      <a:fontRef idx="minor"/>
-    </dgm:style>
-  </dgm:styleLbl>
-  <dgm:styleLbl name="conFgAcc1">
-    <dgm:scene3d>
-      <a:camera prst="orthographicFront"/>
-      <a:lightRig rig="chilly" dir="t"/>
-    </dgm:scene3d>
-    <dgm:sp3d z="12700" extrusionH="1700" prstMaterial="dkEdge">
-      <a:bevelT w="25400" h="6350" prst="softRound"/>
-      <a:bevelB w="0" h="0" prst="convex"/>
-    </dgm:sp3d>
-    <dgm:txPr/>
-    <dgm:style>
-      <a:lnRef idx="1">
-        <a:scrgbClr r="0" g="0" b="0"/>
-      </a:lnRef>
-      <a:fillRef idx="1">
-        <a:scrgbClr r="0" g="0" b="0"/>
-      </a:fillRef>
-      <a:effectRef idx="0">
-        <a:scrgbClr r="0" g="0" b="0"/>
-      </a:effectRef>
-      <a:fontRef idx="minor"/>
-    </dgm:style>
-  </dgm:styleLbl>
-  <dgm:styleLbl name="alignAcc1">
-    <dgm:scene3d>
-      <a:camera prst="orthographicFront"/>
-      <a:lightRig rig="chilly" dir="t"/>
-    </dgm:scene3d>
-    <dgm:sp3d prstMaterial="dkEdge">
-      <a:bevelT w="25400" h="6350" prst="softRound"/>
-      <a:bevelB w="0" h="0" prst="convex"/>
-    </dgm:sp3d>
-    <dgm:txPr/>
-    <dgm:style>
-      <a:lnRef idx="1">
-        <a:scrgbClr r="0" g="0" b="0"/>
-      </a:lnRef>
-      <a:fillRef idx="1">
-        <a:scrgbClr r="0" g="0" b="0"/>
-      </a:fillRef>
-      <a:effectRef idx="0">
-        <a:scrgbClr r="0" g="0" b="0"/>
-      </a:effectRef>
-      <a:fontRef idx="minor"/>
-    </dgm:style>
-  </dgm:styleLbl>
-  <dgm:styleLbl name="trAlignAcc1">
-    <dgm:scene3d>
-      <a:camera prst="orthographicFront"/>
-      <a:lightRig rig="chilly" dir="t"/>
-    </dgm:scene3d>
-    <dgm:sp3d prstMaterial="dkEdge">
-      <a:bevelT w="127000" h="25400"/>
-    </dgm:sp3d>
-    <dgm:txPr/>
-    <dgm:style>
-      <a:lnRef idx="1">
-        <a:scrgbClr r="0" g="0" b="0"/>
-      </a:lnRef>
-      <a:fillRef idx="1">
-        <a:scrgbClr r="0" g="0" b="0"/>
-      </a:fillRef>
-      <a:effectRef idx="0">
-        <a:scrgbClr r="0" g="0" b="0"/>
-      </a:effectRef>
-      <a:fontRef idx="minor">
-        <a:schemeClr val="lt1"/>
-      </a:fontRef>
-    </dgm:style>
-  </dgm:styleLbl>
-  <dgm:styleLbl name="bgAcc1">
-    <dgm:scene3d>
-      <a:camera prst="orthographicFront"/>
-      <a:lightRig rig="chilly" dir="t"/>
-    </dgm:scene3d>
-    <dgm:sp3d z="-12700" extrusionH="1700" prstMaterial="dkEdge">
-      <a:bevelT w="25400" h="6350" prst="softRound"/>
-      <a:bevelB w="0" h="0" prst="convex"/>
-    </dgm:sp3d>
-    <dgm:txPr/>
-    <dgm:style>
-      <a:lnRef idx="1">
-        <a:scrgbClr r="0" g="0" b="0"/>
-      </a:lnRef>
-      <a:fillRef idx="1">
-        <a:scrgbClr r="0" g="0" b="0"/>
-      </a:fillRef>
-      <a:effectRef idx="0">
-        <a:scrgbClr r="0" g="0" b="0"/>
-      </a:effectRef>
-      <a:fontRef idx="minor"/>
-    </dgm:style>
-  </dgm:styleLbl>
-  <dgm:styleLbl name="solidFgAcc1">
-    <dgm:scene3d>
-      <a:camera prst="orthographicFront"/>
-      <a:lightRig rig="chilly" dir="t"/>
-    </dgm:scene3d>
-    <dgm:sp3d z="12700" extrusionH="1700" prstMaterial="dkEdge">
-      <a:bevelT w="25400" h="6350" prst="softRound"/>
-      <a:bevelB w="0" h="0" prst="convex"/>
-    </dgm:sp3d>
-    <dgm:txPr/>
-    <dgm:style>
-      <a:lnRef idx="1">
-        <a:scrgbClr r="0" g="0" b="0"/>
-      </a:lnRef>
-      <a:fillRef idx="1">
-        <a:scrgbClr r="0" g="0" b="0"/>
-      </a:fillRef>
-      <a:effectRef idx="0">
-        <a:scrgbClr r="0" g="0" b="0"/>
-      </a:effectRef>
-      <a:fontRef idx="minor"/>
-    </dgm:style>
-  </dgm:styleLbl>
-  <dgm:styleLbl name="solidAlignAcc1">
-    <dgm:scene3d>
-      <a:camera prst="orthographicFront"/>
-      <a:lightRig rig="chilly" dir="t"/>
-    </dgm:scene3d>
-    <dgm:sp3d extrusionH="1700" prstMaterial="dkEdge">
-      <a:bevelT w="25400" h="6350" prst="softRound"/>
-      <a:bevelB w="0" h="0" prst="convex"/>
-    </dgm:sp3d>
-    <dgm:txPr/>
-    <dgm:style>
-      <a:lnRef idx="1">
-        <a:scrgbClr r="0" g="0" b="0"/>
-      </a:lnRef>
-      <a:fillRef idx="1">
-        <a:scrgbClr r="0" g="0" b="0"/>
-      </a:fillRef>
-      <a:effectRef idx="0">
-        <a:scrgbClr r="0" g="0" b="0"/>
-      </a:effectRef>
-      <a:fontRef idx="minor"/>
-    </dgm:style>
-  </dgm:styleLbl>
-  <dgm:styleLbl name="solidBgAcc1">
-    <dgm:scene3d>
-      <a:camera prst="orthographicFront"/>
-      <a:lightRig rig="chilly" dir="t"/>
-    </dgm:scene3d>
-    <dgm:sp3d z="-12700" extrusionH="1700" prstMaterial="dkEdge">
-      <a:bevelT w="25400" h="6350" prst="softRound"/>
-      <a:bevelB w="0" h="0" prst="convex"/>
-    </dgm:sp3d>
-    <dgm:txPr/>
-    <dgm:style>
-      <a:lnRef idx="1">
-        <a:scrgbClr r="0" g="0" b="0"/>
-      </a:lnRef>
-      <a:fillRef idx="1">
-        <a:scrgbClr r="0" g="0" b="0"/>
-      </a:fillRef>
-      <a:effectRef idx="0">
-        <a:scrgbClr r="0" g="0" b="0"/>
-      </a:effectRef>
-      <a:fontRef idx="minor"/>
-    </dgm:style>
-  </dgm:styleLbl>
-  <dgm:styleLbl name="fgAccFollowNode1">
-    <dgm:scene3d>
-      <a:camera prst="orthographicFront"/>
-      <a:lightRig rig="chilly" dir="t"/>
-    </dgm:scene3d>
-    <dgm:sp3d z="12700" extrusionH="1700" prstMaterial="dkEdge">
-      <a:bevelT w="25400" h="6350" prst="softRound"/>
-      <a:bevelB w="0" h="0" prst="convex"/>
-    </dgm:sp3d>
-    <dgm:txPr/>
-    <dgm:style>
-      <a:lnRef idx="1">
-        <a:scrgbClr r="0" g="0" b="0"/>
-      </a:lnRef>
-      <a:fillRef idx="1">
-        <a:scrgbClr r="0" g="0" b="0"/>
-      </a:fillRef>
-      <a:effectRef idx="0">
-        <a:scrgbClr r="0" g="0" b="0"/>
-      </a:effectRef>
-      <a:fontRef idx="minor"/>
-    </dgm:style>
-  </dgm:styleLbl>
-  <dgm:styleLbl name="alignAccFollowNode1">
-    <dgm:scene3d>
-      <a:camera prst="orthographicFront"/>
-      <a:lightRig rig="chilly" dir="t"/>
-    </dgm:scene3d>
-    <dgm:sp3d extrusionH="1700" prstMaterial="dkEdge">
-      <a:bevelT w="25400" h="6350" prst="softRound"/>
-      <a:bevelB w="0" h="0" prst="convex"/>
-    </dgm:sp3d>
-    <dgm:txPr/>
-    <dgm:style>
-      <a:lnRef idx="1">
-        <a:scrgbClr r="0" g="0" b="0"/>
-      </a:lnRef>
-      <a:fillRef idx="1">
-        <a:scrgbClr r="0" g="0" b="0"/>
-      </a:fillRef>
-      <a:effectRef idx="0">
-        <a:scrgbClr r="0" g="0" b="0"/>
-      </a:effectRef>
-      <a:fontRef idx="minor"/>
-    </dgm:style>
-  </dgm:styleLbl>
-  <dgm:styleLbl name="bgAccFollowNode1">
-    <dgm:scene3d>
-      <a:camera prst="orthographicFront"/>
-      <a:lightRig rig="chilly" dir="t"/>
-    </dgm:scene3d>
-    <dgm:sp3d z="-12700" extrusionH="1700" prstMaterial="dkEdge">
-      <a:bevelT w="25400" h="6350" prst="softRound"/>
-      <a:bevelB w="0" h="0" prst="convex"/>
-    </dgm:sp3d>
-    <dgm:txPr/>
-    <dgm:style>
-      <a:lnRef idx="1">
-        <a:scrgbClr r="0" g="0" b="0"/>
-      </a:lnRef>
-      <a:fillRef idx="1">
-        <a:scrgbClr r="0" g="0" b="0"/>
-      </a:fillRef>
-      <a:effectRef idx="0">
-        <a:scrgbClr r="0" g="0" b="0"/>
-      </a:effectRef>
-      <a:fontRef idx="minor"/>
-    </dgm:style>
-  </dgm:styleLbl>
-  <dgm:styleLbl name="fgAcc0">
-    <dgm:scene3d>
-      <a:camera prst="orthographicFront"/>
-      <a:lightRig rig="chilly" dir="t"/>
-    </dgm:scene3d>
-    <dgm:sp3d z="12700" extrusionH="1700" prstMaterial="dkEdge">
-      <a:bevelT w="25400" h="6350" prst="softRound"/>
-      <a:bevelB w="0" h="0" prst="convex"/>
-    </dgm:sp3d>
-    <dgm:txPr/>
-    <dgm:style>
-      <a:lnRef idx="1">
-        <a:scrgbClr r="0" g="0" b="0"/>
-      </a:lnRef>
-      <a:fillRef idx="1">
-        <a:scrgbClr r="0" g="0" b="0"/>
-      </a:fillRef>
-      <a:effectRef idx="0">
-        <a:scrgbClr r="0" g="0" b="0"/>
-      </a:effectRef>
-      <a:fontRef idx="minor"/>
-    </dgm:style>
-  </dgm:styleLbl>
-  <dgm:styleLbl name="fgAcc2">
-    <dgm:scene3d>
-      <a:camera prst="orthographicFront"/>
-      <a:lightRig rig="chilly" dir="t"/>
-    </dgm:scene3d>
-    <dgm:sp3d z="12700" extrusionH="1700" prstMaterial="dkEdge">
-      <a:bevelT w="25400" h="6350" prst="softRound"/>
-      <a:bevelB w="0" h="0" prst="convex"/>
-    </dgm:sp3d>
-    <dgm:txPr/>
-    <dgm:style>
-      <a:lnRef idx="1">
-        <a:scrgbClr r="0" g="0" b="0"/>
-      </a:lnRef>
-      <a:fillRef idx="1">
-        <a:scrgbClr r="0" g="0" b="0"/>
-      </a:fillRef>
-      <a:effectRef idx="0">
-        <a:scrgbClr r="0" g="0" b="0"/>
-      </a:effectRef>
-      <a:fontRef idx="minor"/>
-    </dgm:style>
-  </dgm:styleLbl>
-  <dgm:styleLbl name="fgAcc3">
-    <dgm:scene3d>
-      <a:camera prst="orthographicFront"/>
-      <a:lightRig rig="chilly" dir="t"/>
-    </dgm:scene3d>
-    <dgm:sp3d z="12700" extrusionH="1700" prstMaterial="dkEdge">
-      <a:bevelT w="25400" h="6350" prst="softRound"/>
-      <a:bevelB w="0" h="0" prst="convex"/>
-    </dgm:sp3d>
-    <dgm:txPr/>
-    <dgm:style>
-      <a:lnRef idx="1">
-        <a:scrgbClr r="0" g="0" b="0"/>
-      </a:lnRef>
-      <a:fillRef idx="1">
-        <a:scrgbClr r="0" g="0" b="0"/>
-      </a:fillRef>
-      <a:effectRef idx="0">
-        <a:scrgbClr r="0" g="0" b="0"/>
-      </a:effectRef>
-      <a:fontRef idx="minor"/>
-    </dgm:style>
-  </dgm:styleLbl>
-  <dgm:styleLbl name="fgAcc4">
-    <dgm:scene3d>
-      <a:camera prst="orthographicFront"/>
-      <a:lightRig rig="chilly" dir="t"/>
-    </dgm:scene3d>
-    <dgm:sp3d z="12700" extrusionH="1700" prstMaterial="dkEdge">
-      <a:bevelT w="25400" h="6350" prst="softRound"/>
-      <a:bevelB w="0" h="0" prst="convex"/>
-    </dgm:sp3d>
-    <dgm:txPr/>
-    <dgm:style>
-      <a:lnRef idx="1">
-        <a:scrgbClr r="0" g="0" b="0"/>
-      </a:lnRef>
-      <a:fillRef idx="1">
-        <a:scrgbClr r="0" g="0" b="0"/>
-      </a:fillRef>
-      <a:effectRef idx="0">
-        <a:scrgbClr r="0" g="0" b="0"/>
-      </a:effectRef>
-      <a:fontRef idx="minor"/>
-    </dgm:style>
-  </dgm:styleLbl>
-  <dgm:styleLbl name="bgShp">
-    <dgm:scene3d>
-      <a:camera prst="orthographicFront"/>
-      <a:lightRig rig="chilly" dir="t"/>
-    </dgm:scene3d>
-    <dgm:sp3d z="-12700" extrusionH="1700" prstMaterial="translucentPowder">
-      <a:bevelT w="25400" h="6350" prst="softRound"/>
-      <a:bevelB w="0" h="0" prst="convex"/>
-    </dgm:sp3d>
-    <dgm:txPr/>
-    <dgm:style>
-      <a:lnRef idx="0">
-        <a:scrgbClr r="0" g="0" b="0"/>
-      </a:lnRef>
-      <a:fillRef idx="1">
-        <a:scrgbClr r="0" g="0" b="0"/>
-      </a:fillRef>
-      <a:effectRef idx="0">
-        <a:scrgbClr r="0" g="0" b="0"/>
-      </a:effectRef>
-      <a:fontRef idx="minor"/>
-    </dgm:style>
-  </dgm:styleLbl>
-  <dgm:styleLbl name="dkBgShp">
-    <dgm:scene3d>
-      <a:camera prst="orthographicFront"/>
-      <a:lightRig rig="chilly" dir="t"/>
-    </dgm:scene3d>
-    <dgm:sp3d extrusionH="1700" prstMaterial="translucentPowder">
-      <a:bevelT w="25400" h="6350" prst="softRound"/>
-      <a:bevelB w="0" h="0" prst="convex"/>
-    </dgm:sp3d>
-    <dgm:txPr/>
-    <dgm:style>
-      <a:lnRef idx="0">
-        <a:scrgbClr r="0" g="0" b="0"/>
-      </a:lnRef>
-      <a:fillRef idx="1">
-        <a:scrgbClr r="0" g="0" b="0"/>
-      </a:fillRef>
-      <a:effectRef idx="0">
-        <a:scrgbClr r="0" g="0" b="0"/>
-      </a:effectRef>
-      <a:fontRef idx="minor"/>
-    </dgm:style>
-  </dgm:styleLbl>
-  <dgm:styleLbl name="trBgShp">
-    <dgm:scene3d>
-      <a:camera prst="orthographicFront"/>
-      <a:lightRig rig="chilly" dir="t"/>
-    </dgm:scene3d>
-    <dgm:sp3d z="-152400" prstMaterial="matte"/>
-    <dgm:txPr/>
-    <dgm:style>
-      <a:lnRef idx="0">
-        <a:scrgbClr r="0" g="0" b="0"/>
-      </a:lnRef>
-      <a:fillRef idx="1">
-        <a:scrgbClr r="0" g="0" b="0"/>
-      </a:fillRef>
-      <a:effectRef idx="0">
-        <a:scrgbClr r="0" g="0" b="0"/>
-      </a:effectRef>
-      <a:fontRef idx="minor"/>
-    </dgm:style>
-  </dgm:styleLbl>
-  <dgm:styleLbl name="fgShp">
-    <dgm:scene3d>
-      <a:camera prst="orthographicFront"/>
-      <a:lightRig rig="chilly" dir="t"/>
-    </dgm:scene3d>
-    <dgm:sp3d z="12700" extrusionH="1700" prstMaterial="translucentPowder">
-      <a:bevelT w="25400" h="6350" prst="softRound"/>
-      <a:bevelB w="0" h="0" prst="convex"/>
-    </dgm:sp3d>
-    <dgm:txPr/>
-    <dgm:style>
-      <a:lnRef idx="0">
         <a:scrgbClr r="0" g="0" b="0"/>
       </a:lnRef>
       <a:fillRef idx="1">
@@ -33881,6 +30880,561 @@
   <p:clrMapOvr>
     <a:masterClrMapping/>
   </p:clrMapOvr>
+  <p:timing>
+    <p:tnLst>
+      <p:par>
+        <p:cTn id="1" dur="indefinite" restart="never" nodeType="tmRoot">
+          <p:childTnLst>
+            <p:seq concurrent="1" nextAc="seek">
+              <p:cTn id="2" dur="indefinite" nodeType="mainSeq">
+                <p:childTnLst>
+                  <p:par>
+                    <p:cTn id="3" fill="hold">
+                      <p:stCondLst>
+                        <p:cond delay="indefinite"/>
+                      </p:stCondLst>
+                      <p:childTnLst>
+                        <p:par>
+                          <p:cTn id="4" fill="hold">
+                            <p:stCondLst>
+                              <p:cond delay="0"/>
+                            </p:stCondLst>
+                            <p:childTnLst>
+                              <p:par>
+                                <p:cTn id="5" presetID="53" presetClass="entr" presetSubtype="16" fill="hold" nodeType="clickEffect">
+                                  <p:stCondLst>
+                                    <p:cond delay="0"/>
+                                  </p:stCondLst>
+                                  <p:childTnLst>
+                                    <p:set>
+                                      <p:cBhvr>
+                                        <p:cTn id="6" dur="1" fill="hold">
+                                          <p:stCondLst>
+                                            <p:cond delay="0"/>
+                                          </p:stCondLst>
+                                        </p:cTn>
+                                        <p:tgtEl>
+                                          <p:spTgt spid="5"/>
+                                        </p:tgtEl>
+                                        <p:attrNameLst>
+                                          <p:attrName>style.visibility</p:attrName>
+                                        </p:attrNameLst>
+                                      </p:cBhvr>
+                                      <p:to>
+                                        <p:strVal val="visible"/>
+                                      </p:to>
+                                    </p:set>
+                                    <p:anim calcmode="lin" valueType="num">
+                                      <p:cBhvr>
+                                        <p:cTn id="7" dur="500" fill="hold"/>
+                                        <p:tgtEl>
+                                          <p:spTgt spid="5"/>
+                                        </p:tgtEl>
+                                        <p:attrNameLst>
+                                          <p:attrName>ppt_w</p:attrName>
+                                        </p:attrNameLst>
+                                      </p:cBhvr>
+                                      <p:tavLst>
+                                        <p:tav tm="0">
+                                          <p:val>
+                                            <p:fltVal val="0"/>
+                                          </p:val>
+                                        </p:tav>
+                                        <p:tav tm="100000">
+                                          <p:val>
+                                            <p:strVal val="#ppt_w"/>
+                                          </p:val>
+                                        </p:tav>
+                                      </p:tavLst>
+                                    </p:anim>
+                                    <p:anim calcmode="lin" valueType="num">
+                                      <p:cBhvr>
+                                        <p:cTn id="8" dur="500" fill="hold"/>
+                                        <p:tgtEl>
+                                          <p:spTgt spid="5"/>
+                                        </p:tgtEl>
+                                        <p:attrNameLst>
+                                          <p:attrName>ppt_h</p:attrName>
+                                        </p:attrNameLst>
+                                      </p:cBhvr>
+                                      <p:tavLst>
+                                        <p:tav tm="0">
+                                          <p:val>
+                                            <p:fltVal val="0"/>
+                                          </p:val>
+                                        </p:tav>
+                                        <p:tav tm="100000">
+                                          <p:val>
+                                            <p:strVal val="#ppt_h"/>
+                                          </p:val>
+                                        </p:tav>
+                                      </p:tavLst>
+                                    </p:anim>
+                                    <p:animEffect transition="in" filter="fade">
+                                      <p:cBhvr>
+                                        <p:cTn id="9" dur="500"/>
+                                        <p:tgtEl>
+                                          <p:spTgt spid="5"/>
+                                        </p:tgtEl>
+                                      </p:cBhvr>
+                                    </p:animEffect>
+                                  </p:childTnLst>
+                                </p:cTn>
+                              </p:par>
+                            </p:childTnLst>
+                          </p:cTn>
+                        </p:par>
+                      </p:childTnLst>
+                    </p:cTn>
+                  </p:par>
+                  <p:par>
+                    <p:cTn id="10" fill="hold">
+                      <p:stCondLst>
+                        <p:cond delay="indefinite"/>
+                      </p:stCondLst>
+                      <p:childTnLst>
+                        <p:par>
+                          <p:cTn id="11" fill="hold">
+                            <p:stCondLst>
+                              <p:cond delay="0"/>
+                            </p:stCondLst>
+                            <p:childTnLst>
+                              <p:par>
+                                <p:cTn id="12" presetID="41" presetClass="entr" presetSubtype="0" fill="hold" grpId="0" nodeType="clickEffect">
+                                  <p:stCondLst>
+                                    <p:cond delay="0"/>
+                                  </p:stCondLst>
+                                  <p:iterate type="lt">
+                                    <p:tmPct val="10000"/>
+                                  </p:iterate>
+                                  <p:childTnLst>
+                                    <p:set>
+                                      <p:cBhvr>
+                                        <p:cTn id="13" dur="1" fill="hold">
+                                          <p:stCondLst>
+                                            <p:cond delay="0"/>
+                                          </p:stCondLst>
+                                        </p:cTn>
+                                        <p:tgtEl>
+                                          <p:spTgt spid="10"/>
+                                        </p:tgtEl>
+                                        <p:attrNameLst>
+                                          <p:attrName>style.visibility</p:attrName>
+                                        </p:attrNameLst>
+                                      </p:cBhvr>
+                                      <p:to>
+                                        <p:strVal val="visible"/>
+                                      </p:to>
+                                    </p:set>
+                                    <p:anim calcmode="lin" valueType="num">
+                                      <p:cBhvr>
+                                        <p:cTn id="14" dur="250" fill="hold"/>
+                                        <p:tgtEl>
+                                          <p:spTgt spid="10"/>
+                                        </p:tgtEl>
+                                        <p:attrNameLst>
+                                          <p:attrName>ppt_x</p:attrName>
+                                        </p:attrNameLst>
+                                      </p:cBhvr>
+                                      <p:tavLst>
+                                        <p:tav tm="0">
+                                          <p:val>
+                                            <p:strVal val="#ppt_x"/>
+                                          </p:val>
+                                        </p:tav>
+                                        <p:tav tm="50000">
+                                          <p:val>
+                                            <p:strVal val="#ppt_x+.1"/>
+                                          </p:val>
+                                        </p:tav>
+                                        <p:tav tm="100000">
+                                          <p:val>
+                                            <p:strVal val="#ppt_x"/>
+                                          </p:val>
+                                        </p:tav>
+                                      </p:tavLst>
+                                    </p:anim>
+                                    <p:anim calcmode="lin" valueType="num">
+                                      <p:cBhvr>
+                                        <p:cTn id="15" dur="250" fill="hold"/>
+                                        <p:tgtEl>
+                                          <p:spTgt spid="10"/>
+                                        </p:tgtEl>
+                                        <p:attrNameLst>
+                                          <p:attrName>ppt_y</p:attrName>
+                                        </p:attrNameLst>
+                                      </p:cBhvr>
+                                      <p:tavLst>
+                                        <p:tav tm="0">
+                                          <p:val>
+                                            <p:strVal val="#ppt_y"/>
+                                          </p:val>
+                                        </p:tav>
+                                        <p:tav tm="100000">
+                                          <p:val>
+                                            <p:strVal val="#ppt_y"/>
+                                          </p:val>
+                                        </p:tav>
+                                      </p:tavLst>
+                                    </p:anim>
+                                    <p:anim calcmode="lin" valueType="num">
+                                      <p:cBhvr>
+                                        <p:cTn id="16" dur="250" fill="hold"/>
+                                        <p:tgtEl>
+                                          <p:spTgt spid="10"/>
+                                        </p:tgtEl>
+                                        <p:attrNameLst>
+                                          <p:attrName>ppt_h</p:attrName>
+                                        </p:attrNameLst>
+                                      </p:cBhvr>
+                                      <p:tavLst>
+                                        <p:tav tm="0">
+                                          <p:val>
+                                            <p:strVal val="#ppt_h/10"/>
+                                          </p:val>
+                                        </p:tav>
+                                        <p:tav tm="50000">
+                                          <p:val>
+                                            <p:strVal val="#ppt_h+.01"/>
+                                          </p:val>
+                                        </p:tav>
+                                        <p:tav tm="100000">
+                                          <p:val>
+                                            <p:strVal val="#ppt_h"/>
+                                          </p:val>
+                                        </p:tav>
+                                      </p:tavLst>
+                                    </p:anim>
+                                    <p:anim calcmode="lin" valueType="num">
+                                      <p:cBhvr>
+                                        <p:cTn id="17" dur="250" fill="hold"/>
+                                        <p:tgtEl>
+                                          <p:spTgt spid="10"/>
+                                        </p:tgtEl>
+                                        <p:attrNameLst>
+                                          <p:attrName>ppt_w</p:attrName>
+                                        </p:attrNameLst>
+                                      </p:cBhvr>
+                                      <p:tavLst>
+                                        <p:tav tm="0">
+                                          <p:val>
+                                            <p:strVal val="#ppt_w/10"/>
+                                          </p:val>
+                                        </p:tav>
+                                        <p:tav tm="50000">
+                                          <p:val>
+                                            <p:strVal val="#ppt_w+.01"/>
+                                          </p:val>
+                                        </p:tav>
+                                        <p:tav tm="100000">
+                                          <p:val>
+                                            <p:strVal val="#ppt_w"/>
+                                          </p:val>
+                                        </p:tav>
+                                      </p:tavLst>
+                                    </p:anim>
+                                    <p:animEffect transition="in" filter="fade">
+                                      <p:cBhvr>
+                                        <p:cTn id="18" dur="250" tmFilter="0,0; .5, 1; 1, 1"/>
+                                        <p:tgtEl>
+                                          <p:spTgt spid="10"/>
+                                        </p:tgtEl>
+                                      </p:cBhvr>
+                                    </p:animEffect>
+                                  </p:childTnLst>
+                                </p:cTn>
+                              </p:par>
+                            </p:childTnLst>
+                          </p:cTn>
+                        </p:par>
+                        <p:par>
+                          <p:cTn id="19" fill="hold">
+                            <p:stCondLst>
+                              <p:cond delay="625"/>
+                            </p:stCondLst>
+                            <p:childTnLst>
+                              <p:par>
+                                <p:cTn id="20" presetID="41" presetClass="entr" presetSubtype="0" fill="hold" grpId="0" nodeType="afterEffect">
+                                  <p:stCondLst>
+                                    <p:cond delay="0"/>
+                                  </p:stCondLst>
+                                  <p:iterate type="lt">
+                                    <p:tmPct val="10000"/>
+                                  </p:iterate>
+                                  <p:childTnLst>
+                                    <p:set>
+                                      <p:cBhvr>
+                                        <p:cTn id="21" dur="1" fill="hold">
+                                          <p:stCondLst>
+                                            <p:cond delay="0"/>
+                                          </p:stCondLst>
+                                        </p:cTn>
+                                        <p:tgtEl>
+                                          <p:spTgt spid="9"/>
+                                        </p:tgtEl>
+                                        <p:attrNameLst>
+                                          <p:attrName>style.visibility</p:attrName>
+                                        </p:attrNameLst>
+                                      </p:cBhvr>
+                                      <p:to>
+                                        <p:strVal val="visible"/>
+                                      </p:to>
+                                    </p:set>
+                                    <p:anim calcmode="lin" valueType="num">
+                                      <p:cBhvr>
+                                        <p:cTn id="22" dur="250" fill="hold"/>
+                                        <p:tgtEl>
+                                          <p:spTgt spid="9"/>
+                                        </p:tgtEl>
+                                        <p:attrNameLst>
+                                          <p:attrName>ppt_x</p:attrName>
+                                        </p:attrNameLst>
+                                      </p:cBhvr>
+                                      <p:tavLst>
+                                        <p:tav tm="0">
+                                          <p:val>
+                                            <p:strVal val="#ppt_x"/>
+                                          </p:val>
+                                        </p:tav>
+                                        <p:tav tm="50000">
+                                          <p:val>
+                                            <p:strVal val="#ppt_x+.1"/>
+                                          </p:val>
+                                        </p:tav>
+                                        <p:tav tm="100000">
+                                          <p:val>
+                                            <p:strVal val="#ppt_x"/>
+                                          </p:val>
+                                        </p:tav>
+                                      </p:tavLst>
+                                    </p:anim>
+                                    <p:anim calcmode="lin" valueType="num">
+                                      <p:cBhvr>
+                                        <p:cTn id="23" dur="250" fill="hold"/>
+                                        <p:tgtEl>
+                                          <p:spTgt spid="9"/>
+                                        </p:tgtEl>
+                                        <p:attrNameLst>
+                                          <p:attrName>ppt_y</p:attrName>
+                                        </p:attrNameLst>
+                                      </p:cBhvr>
+                                      <p:tavLst>
+                                        <p:tav tm="0">
+                                          <p:val>
+                                            <p:strVal val="#ppt_y"/>
+                                          </p:val>
+                                        </p:tav>
+                                        <p:tav tm="100000">
+                                          <p:val>
+                                            <p:strVal val="#ppt_y"/>
+                                          </p:val>
+                                        </p:tav>
+                                      </p:tavLst>
+                                    </p:anim>
+                                    <p:anim calcmode="lin" valueType="num">
+                                      <p:cBhvr>
+                                        <p:cTn id="24" dur="250" fill="hold"/>
+                                        <p:tgtEl>
+                                          <p:spTgt spid="9"/>
+                                        </p:tgtEl>
+                                        <p:attrNameLst>
+                                          <p:attrName>ppt_h</p:attrName>
+                                        </p:attrNameLst>
+                                      </p:cBhvr>
+                                      <p:tavLst>
+                                        <p:tav tm="0">
+                                          <p:val>
+                                            <p:strVal val="#ppt_h/10"/>
+                                          </p:val>
+                                        </p:tav>
+                                        <p:tav tm="50000">
+                                          <p:val>
+                                            <p:strVal val="#ppt_h+.01"/>
+                                          </p:val>
+                                        </p:tav>
+                                        <p:tav tm="100000">
+                                          <p:val>
+                                            <p:strVal val="#ppt_h"/>
+                                          </p:val>
+                                        </p:tav>
+                                      </p:tavLst>
+                                    </p:anim>
+                                    <p:anim calcmode="lin" valueType="num">
+                                      <p:cBhvr>
+                                        <p:cTn id="25" dur="250" fill="hold"/>
+                                        <p:tgtEl>
+                                          <p:spTgt spid="9"/>
+                                        </p:tgtEl>
+                                        <p:attrNameLst>
+                                          <p:attrName>ppt_w</p:attrName>
+                                        </p:attrNameLst>
+                                      </p:cBhvr>
+                                      <p:tavLst>
+                                        <p:tav tm="0">
+                                          <p:val>
+                                            <p:strVal val="#ppt_w/10"/>
+                                          </p:val>
+                                        </p:tav>
+                                        <p:tav tm="50000">
+                                          <p:val>
+                                            <p:strVal val="#ppt_w+.01"/>
+                                          </p:val>
+                                        </p:tav>
+                                        <p:tav tm="100000">
+                                          <p:val>
+                                            <p:strVal val="#ppt_w"/>
+                                          </p:val>
+                                        </p:tav>
+                                      </p:tavLst>
+                                    </p:anim>
+                                    <p:animEffect transition="in" filter="fade">
+                                      <p:cBhvr>
+                                        <p:cTn id="26" dur="250" tmFilter="0,0; .5, 1; 1, 1"/>
+                                        <p:tgtEl>
+                                          <p:spTgt spid="9"/>
+                                        </p:tgtEl>
+                                      </p:cBhvr>
+                                    </p:animEffect>
+                                  </p:childTnLst>
+                                </p:cTn>
+                              </p:par>
+                            </p:childTnLst>
+                          </p:cTn>
+                        </p:par>
+                        <p:par>
+                          <p:cTn id="27" fill="hold">
+                            <p:stCondLst>
+                              <p:cond delay="1375"/>
+                            </p:stCondLst>
+                            <p:childTnLst>
+                              <p:par>
+                                <p:cTn id="28" presetID="22" presetClass="entr" presetSubtype="8" fill="hold" grpId="0" nodeType="afterEffect">
+                                  <p:stCondLst>
+                                    <p:cond delay="0"/>
+                                  </p:stCondLst>
+                                  <p:childTnLst>
+                                    <p:set>
+                                      <p:cBhvr>
+                                        <p:cTn id="29" dur="1" fill="hold">
+                                          <p:stCondLst>
+                                            <p:cond delay="0"/>
+                                          </p:stCondLst>
+                                        </p:cTn>
+                                        <p:tgtEl>
+                                          <p:spTgt spid="11">
+                                            <p:txEl>
+                                              <p:pRg st="0" end="0"/>
+                                            </p:txEl>
+                                          </p:spTgt>
+                                        </p:tgtEl>
+                                        <p:attrNameLst>
+                                          <p:attrName>style.visibility</p:attrName>
+                                        </p:attrNameLst>
+                                      </p:cBhvr>
+                                      <p:to>
+                                        <p:strVal val="visible"/>
+                                      </p:to>
+                                    </p:set>
+                                    <p:animEffect transition="in" filter="wipe(left)">
+                                      <p:cBhvr>
+                                        <p:cTn id="30" dur="500"/>
+                                        <p:tgtEl>
+                                          <p:spTgt spid="11">
+                                            <p:txEl>
+                                              <p:pRg st="0" end="0"/>
+                                            </p:txEl>
+                                          </p:spTgt>
+                                        </p:tgtEl>
+                                      </p:cBhvr>
+                                    </p:animEffect>
+                                  </p:childTnLst>
+                                </p:cTn>
+                              </p:par>
+                            </p:childTnLst>
+                          </p:cTn>
+                        </p:par>
+                        <p:par>
+                          <p:cTn id="31" fill="hold">
+                            <p:stCondLst>
+                              <p:cond delay="1875"/>
+                            </p:stCondLst>
+                            <p:childTnLst>
+                              <p:par>
+                                <p:cTn id="32" presetID="22" presetClass="entr" presetSubtype="8" fill="hold" grpId="0" nodeType="afterEffect">
+                                  <p:stCondLst>
+                                    <p:cond delay="0"/>
+                                  </p:stCondLst>
+                                  <p:childTnLst>
+                                    <p:set>
+                                      <p:cBhvr>
+                                        <p:cTn id="33" dur="1" fill="hold">
+                                          <p:stCondLst>
+                                            <p:cond delay="0"/>
+                                          </p:stCondLst>
+                                        </p:cTn>
+                                        <p:tgtEl>
+                                          <p:spTgt spid="11">
+                                            <p:txEl>
+                                              <p:pRg st="1" end="1"/>
+                                            </p:txEl>
+                                          </p:spTgt>
+                                        </p:tgtEl>
+                                        <p:attrNameLst>
+                                          <p:attrName>style.visibility</p:attrName>
+                                        </p:attrNameLst>
+                                      </p:cBhvr>
+                                      <p:to>
+                                        <p:strVal val="visible"/>
+                                      </p:to>
+                                    </p:set>
+                                    <p:animEffect transition="in" filter="wipe(left)">
+                                      <p:cBhvr>
+                                        <p:cTn id="34" dur="500"/>
+                                        <p:tgtEl>
+                                          <p:spTgt spid="11">
+                                            <p:txEl>
+                                              <p:pRg st="1" end="1"/>
+                                            </p:txEl>
+                                          </p:spTgt>
+                                        </p:tgtEl>
+                                      </p:cBhvr>
+                                    </p:animEffect>
+                                  </p:childTnLst>
+                                </p:cTn>
+                              </p:par>
+                            </p:childTnLst>
+                          </p:cTn>
+                        </p:par>
+                      </p:childTnLst>
+                    </p:cTn>
+                  </p:par>
+                </p:childTnLst>
+              </p:cTn>
+              <p:prevCondLst>
+                <p:cond evt="onPrev" delay="0">
+                  <p:tgtEl>
+                    <p:sldTgt/>
+                  </p:tgtEl>
+                </p:cond>
+              </p:prevCondLst>
+              <p:nextCondLst>
+                <p:cond evt="onNext" delay="0">
+                  <p:tgtEl>
+                    <p:sldTgt/>
+                  </p:tgtEl>
+                </p:cond>
+              </p:nextCondLst>
+            </p:seq>
+          </p:childTnLst>
+        </p:cTn>
+      </p:par>
+    </p:tnLst>
+    <p:bldLst>
+      <p:bldP spid="9" grpId="0"/>
+      <p:bldP spid="10" grpId="0"/>
+      <p:bldP spid="11" grpId="0" uiExpand="1" build="p"/>
+    </p:bldLst>
+  </p:timing>
 </p:sld>
 </file>
 
@@ -33975,7 +31529,7 @@
             </a:pPr>
             <a:r>
               <a:rPr lang="en-US" dirty="0"/>
-              <a:t>The goal is to establish screening criteria based on relevant qualitative and quantitative customer attributes to approve or decline future applications, ensuring fair lending practices</a:t>
+              <a:t>The goal is to establish screening criteria based on relevant qualitative and quantitative customer attributes to approve or decline future applications, ensuring fair lending practices.</a:t>
             </a:r>
             <a:endParaRPr lang="en-IN" dirty="0"/>
           </a:p>
@@ -33991,6 +31545,288 @@
   <p:clrMapOvr>
     <a:masterClrMapping/>
   </p:clrMapOvr>
+  <mc:AlternateContent xmlns:mc="http://schemas.openxmlformats.org/markup-compatibility/2006">
+    <mc:Choice xmlns:p159="http://schemas.microsoft.com/office/powerpoint/2015/09/main" Requires="p159">
+      <p:transition xmlns:p14="http://schemas.microsoft.com/office/powerpoint/2010/main" spd="slow" p14:dur="2000">
+        <p159:morph option="byObject"/>
+      </p:transition>
+    </mc:Choice>
+    <mc:Fallback>
+      <p:transition spd="slow">
+        <p:fade/>
+      </p:transition>
+    </mc:Fallback>
+  </mc:AlternateContent>
+  <p:timing>
+    <p:tnLst>
+      <p:par>
+        <p:cTn id="1" dur="indefinite" restart="never" nodeType="tmRoot">
+          <p:childTnLst>
+            <p:seq concurrent="1" nextAc="seek">
+              <p:cTn id="2" dur="indefinite" nodeType="mainSeq">
+                <p:childTnLst>
+                  <p:par>
+                    <p:cTn id="3" fill="hold">
+                      <p:stCondLst>
+                        <p:cond delay="indefinite"/>
+                      </p:stCondLst>
+                      <p:childTnLst>
+                        <p:par>
+                          <p:cTn id="4" fill="hold">
+                            <p:stCondLst>
+                              <p:cond delay="0"/>
+                            </p:stCondLst>
+                            <p:childTnLst>
+                              <p:par>
+                                <p:cTn id="5" presetID="14" presetClass="entr" presetSubtype="10" fill="hold" grpId="0" nodeType="clickEffect">
+                                  <p:stCondLst>
+                                    <p:cond delay="0"/>
+                                  </p:stCondLst>
+                                  <p:childTnLst>
+                                    <p:set>
+                                      <p:cBhvr>
+                                        <p:cTn id="6" dur="1" fill="hold">
+                                          <p:stCondLst>
+                                            <p:cond delay="0"/>
+                                          </p:stCondLst>
+                                        </p:cTn>
+                                        <p:tgtEl>
+                                          <p:spTgt spid="2"/>
+                                        </p:tgtEl>
+                                        <p:attrNameLst>
+                                          <p:attrName>style.visibility</p:attrName>
+                                        </p:attrNameLst>
+                                      </p:cBhvr>
+                                      <p:to>
+                                        <p:strVal val="visible"/>
+                                      </p:to>
+                                    </p:set>
+                                    <p:animEffect transition="in" filter="randombar(horizontal)">
+                                      <p:cBhvr>
+                                        <p:cTn id="7" dur="500"/>
+                                        <p:tgtEl>
+                                          <p:spTgt spid="2"/>
+                                        </p:tgtEl>
+                                      </p:cBhvr>
+                                    </p:animEffect>
+                                  </p:childTnLst>
+                                </p:cTn>
+                              </p:par>
+                            </p:childTnLst>
+                          </p:cTn>
+                        </p:par>
+                      </p:childTnLst>
+                    </p:cTn>
+                  </p:par>
+                  <p:par>
+                    <p:cTn id="8" fill="hold">
+                      <p:stCondLst>
+                        <p:cond delay="indefinite"/>
+                      </p:stCondLst>
+                      <p:childTnLst>
+                        <p:par>
+                          <p:cTn id="9" fill="hold">
+                            <p:stCondLst>
+                              <p:cond delay="0"/>
+                            </p:stCondLst>
+                            <p:childTnLst>
+                              <p:par>
+                                <p:cTn id="10" presetID="10" presetClass="entr" presetSubtype="0" fill="hold" grpId="0" nodeType="clickEffect">
+                                  <p:stCondLst>
+                                    <p:cond delay="0"/>
+                                  </p:stCondLst>
+                                  <p:childTnLst>
+                                    <p:set>
+                                      <p:cBhvr>
+                                        <p:cTn id="11" dur="1" fill="hold">
+                                          <p:stCondLst>
+                                            <p:cond delay="0"/>
+                                          </p:stCondLst>
+                                        </p:cTn>
+                                        <p:tgtEl>
+                                          <p:spTgt spid="3">
+                                            <p:txEl>
+                                              <p:pRg st="0" end="0"/>
+                                            </p:txEl>
+                                          </p:spTgt>
+                                        </p:tgtEl>
+                                        <p:attrNameLst>
+                                          <p:attrName>style.visibility</p:attrName>
+                                        </p:attrNameLst>
+                                      </p:cBhvr>
+                                      <p:to>
+                                        <p:strVal val="visible"/>
+                                      </p:to>
+                                    </p:set>
+                                    <p:animEffect transition="in" filter="fade">
+                                      <p:cBhvr>
+                                        <p:cTn id="12" dur="500"/>
+                                        <p:tgtEl>
+                                          <p:spTgt spid="3">
+                                            <p:txEl>
+                                              <p:pRg st="0" end="0"/>
+                                            </p:txEl>
+                                          </p:spTgt>
+                                        </p:tgtEl>
+                                      </p:cBhvr>
+                                    </p:animEffect>
+                                  </p:childTnLst>
+                                </p:cTn>
+                              </p:par>
+                            </p:childTnLst>
+                          </p:cTn>
+                        </p:par>
+                      </p:childTnLst>
+                    </p:cTn>
+                  </p:par>
+                  <p:par>
+                    <p:cTn id="13" fill="hold">
+                      <p:stCondLst>
+                        <p:cond delay="indefinite"/>
+                      </p:stCondLst>
+                      <p:childTnLst>
+                        <p:par>
+                          <p:cTn id="14" fill="hold">
+                            <p:stCondLst>
+                              <p:cond delay="0"/>
+                            </p:stCondLst>
+                            <p:childTnLst>
+                              <p:par>
+                                <p:cTn id="15" presetID="10" presetClass="entr" presetSubtype="0" fill="hold" grpId="0" nodeType="clickEffect">
+                                  <p:stCondLst>
+                                    <p:cond delay="0"/>
+                                  </p:stCondLst>
+                                  <p:childTnLst>
+                                    <p:set>
+                                      <p:cBhvr>
+                                        <p:cTn id="16" dur="1" fill="hold">
+                                          <p:stCondLst>
+                                            <p:cond delay="0"/>
+                                          </p:stCondLst>
+                                        </p:cTn>
+                                        <p:tgtEl>
+                                          <p:spTgt spid="3">
+                                            <p:txEl>
+                                              <p:pRg st="1" end="1"/>
+                                            </p:txEl>
+                                          </p:spTgt>
+                                        </p:tgtEl>
+                                        <p:attrNameLst>
+                                          <p:attrName>style.visibility</p:attrName>
+                                        </p:attrNameLst>
+                                      </p:cBhvr>
+                                      <p:to>
+                                        <p:strVal val="visible"/>
+                                      </p:to>
+                                    </p:set>
+                                    <p:animEffect transition="in" filter="fade">
+                                      <p:cBhvr>
+                                        <p:cTn id="17" dur="500"/>
+                                        <p:tgtEl>
+                                          <p:spTgt spid="3">
+                                            <p:txEl>
+                                              <p:pRg st="1" end="1"/>
+                                            </p:txEl>
+                                          </p:spTgt>
+                                        </p:tgtEl>
+                                      </p:cBhvr>
+                                    </p:animEffect>
+                                  </p:childTnLst>
+                                </p:cTn>
+                              </p:par>
+                            </p:childTnLst>
+                          </p:cTn>
+                        </p:par>
+                      </p:childTnLst>
+                    </p:cTn>
+                  </p:par>
+                  <p:par>
+                    <p:cTn id="18" fill="hold">
+                      <p:stCondLst>
+                        <p:cond delay="indefinite"/>
+                      </p:stCondLst>
+                      <p:childTnLst>
+                        <p:par>
+                          <p:cTn id="19" fill="hold">
+                            <p:stCondLst>
+                              <p:cond delay="0"/>
+                            </p:stCondLst>
+                            <p:childTnLst>
+                              <p:par>
+                                <p:cTn id="20" presetID="10" presetClass="entr" presetSubtype="0" fill="hold" grpId="0" nodeType="clickEffect">
+                                  <p:stCondLst>
+                                    <p:cond delay="0"/>
+                                  </p:stCondLst>
+                                  <p:childTnLst>
+                                    <p:set>
+                                      <p:cBhvr>
+                                        <p:cTn id="21" dur="1" fill="hold">
+                                          <p:stCondLst>
+                                            <p:cond delay="0"/>
+                                          </p:stCondLst>
+                                        </p:cTn>
+                                        <p:tgtEl>
+                                          <p:spTgt spid="3">
+                                            <p:txEl>
+                                              <p:pRg st="2" end="2"/>
+                                            </p:txEl>
+                                          </p:spTgt>
+                                        </p:tgtEl>
+                                        <p:attrNameLst>
+                                          <p:attrName>style.visibility</p:attrName>
+                                        </p:attrNameLst>
+                                      </p:cBhvr>
+                                      <p:to>
+                                        <p:strVal val="visible"/>
+                                      </p:to>
+                                    </p:set>
+                                    <p:animEffect transition="in" filter="fade">
+                                      <p:cBhvr>
+                                        <p:cTn id="22" dur="500"/>
+                                        <p:tgtEl>
+                                          <p:spTgt spid="3">
+                                            <p:txEl>
+                                              <p:pRg st="2" end="2"/>
+                                            </p:txEl>
+                                          </p:spTgt>
+                                        </p:tgtEl>
+                                      </p:cBhvr>
+                                    </p:animEffect>
+                                  </p:childTnLst>
+                                </p:cTn>
+                              </p:par>
+                            </p:childTnLst>
+                          </p:cTn>
+                        </p:par>
+                      </p:childTnLst>
+                    </p:cTn>
+                  </p:par>
+                </p:childTnLst>
+              </p:cTn>
+              <p:prevCondLst>
+                <p:cond evt="onPrev" delay="0">
+                  <p:tgtEl>
+                    <p:sldTgt/>
+                  </p:tgtEl>
+                </p:cond>
+              </p:prevCondLst>
+              <p:nextCondLst>
+                <p:cond evt="onNext" delay="0">
+                  <p:tgtEl>
+                    <p:sldTgt/>
+                  </p:tgtEl>
+                </p:cond>
+              </p:nextCondLst>
+            </p:seq>
+          </p:childTnLst>
+        </p:cTn>
+      </p:par>
+    </p:tnLst>
+    <p:bldLst>
+      <p:bldP spid="2" grpId="0"/>
+      <p:bldP spid="3" grpId="0" build="p"/>
+    </p:bldLst>
+  </p:timing>
 </p:sld>
 </file>
 
@@ -34083,28 +31919,6 @@
           </a:graphicData>
         </a:graphic>
       </p:graphicFrame>
-      <p:graphicFrame>
-        <p:nvGraphicFramePr>
-          <p:cNvPr id="8" name="Diagram 7">
-            <a:extLst>
-              <a:ext uri="{FF2B5EF4-FFF2-40B4-BE49-F238E27FC236}">
-                <a16:creationId xmlns:a16="http://schemas.microsoft.com/office/drawing/2014/main" id="{3A6D2B26-9501-A59A-FAC0-BE3365DFEB66}"/>
-              </a:ext>
-            </a:extLst>
-          </p:cNvPr>
-          <p:cNvGraphicFramePr/>
-          <p:nvPr/>
-        </p:nvGraphicFramePr>
-        <p:xfrm>
-          <a:off x="10103630" y="5144621"/>
-          <a:ext cx="6538913" cy="4030266"/>
-        </p:xfrm>
-        <a:graphic>
-          <a:graphicData uri="http://schemas.openxmlformats.org/drawingml/2006/diagram">
-            <dgm:relIds xmlns:dgm="http://schemas.openxmlformats.org/drawingml/2006/diagram" xmlns:r="http://schemas.openxmlformats.org/officeDocument/2006/relationships" r:dm="rId12" r:lo="rId13" r:qs="rId14" r:cs="rId15"/>
-          </a:graphicData>
-        </a:graphic>
-      </p:graphicFrame>
       <p:sp>
         <p:nvSpPr>
           <p:cNvPr id="3" name="TextBox 2">
@@ -34146,6 +31960,746 @@
           </a:p>
         </p:txBody>
       </p:sp>
+      <p:grpSp>
+        <p:nvGrpSpPr>
+          <p:cNvPr id="6" name="Group 5">
+            <a:extLst>
+              <a:ext uri="{FF2B5EF4-FFF2-40B4-BE49-F238E27FC236}">
+                <a16:creationId xmlns:a16="http://schemas.microsoft.com/office/drawing/2014/main" id="{487B2FFC-BA95-B550-0B6E-C25E1FD11337}"/>
+              </a:ext>
+            </a:extLst>
+          </p:cNvPr>
+          <p:cNvGrpSpPr/>
+          <p:nvPr/>
+        </p:nvGrpSpPr>
+        <p:grpSpPr>
+          <a:xfrm>
+            <a:off x="9795555" y="5403167"/>
+            <a:ext cx="3269456" cy="2015133"/>
+            <a:chOff x="0" y="0"/>
+            <a:chExt cx="3269456" cy="2015133"/>
+          </a:xfrm>
+          <a:scene3d>
+            <a:camera prst="orthographicFront"/>
+            <a:lightRig rig="chilly" dir="t"/>
+          </a:scene3d>
+        </p:grpSpPr>
+        <p:sp>
+          <p:nvSpPr>
+            <p:cNvPr id="15" name="Rectangle: Single Corner Rounded 14">
+              <a:extLst>
+                <a:ext uri="{FF2B5EF4-FFF2-40B4-BE49-F238E27FC236}">
+                  <a16:creationId xmlns:a16="http://schemas.microsoft.com/office/drawing/2014/main" id="{6C5B58B3-44F1-B74D-EF4C-E7BC399F8B11}"/>
+                </a:ext>
+              </a:extLst>
+            </p:cNvPr>
+            <p:cNvSpPr/>
+            <p:nvPr/>
+          </p:nvSpPr>
+          <p:spPr>
+            <a:xfrm rot="16200000">
+              <a:off x="627161" y="-627161"/>
+              <a:ext cx="2015133" cy="3269456"/>
+            </a:xfrm>
+            <a:prstGeom prst="round1Rect">
+              <a:avLst/>
+            </a:prstGeom>
+            <a:sp3d prstMaterial="translucentPowder">
+              <a:bevelT w="127000" h="25400" prst="softRound"/>
+            </a:sp3d>
+          </p:spPr>
+          <p:style>
+            <a:lnRef idx="0">
+              <a:schemeClr val="accent3">
+                <a:shade val="80000"/>
+                <a:hueOff val="0"/>
+                <a:satOff val="0"/>
+                <a:lumOff val="0"/>
+                <a:alphaOff val="0"/>
+              </a:schemeClr>
+            </a:lnRef>
+            <a:fillRef idx="1">
+              <a:schemeClr val="lt1">
+                <a:hueOff val="0"/>
+                <a:satOff val="0"/>
+                <a:lumOff val="0"/>
+                <a:alphaOff val="0"/>
+              </a:schemeClr>
+            </a:fillRef>
+            <a:effectRef idx="0">
+              <a:schemeClr val="lt1">
+                <a:hueOff val="0"/>
+                <a:satOff val="0"/>
+                <a:lumOff val="0"/>
+                <a:alphaOff val="0"/>
+              </a:schemeClr>
+            </a:effectRef>
+            <a:fontRef idx="minor">
+              <a:schemeClr val="dk1">
+                <a:hueOff val="0"/>
+                <a:satOff val="0"/>
+                <a:lumOff val="0"/>
+                <a:alphaOff val="0"/>
+              </a:schemeClr>
+            </a:fontRef>
+          </p:style>
+        </p:sp>
+        <p:sp>
+          <p:nvSpPr>
+            <p:cNvPr id="16" name="Rectangle: Single Corner Rounded 4">
+              <a:extLst>
+                <a:ext uri="{FF2B5EF4-FFF2-40B4-BE49-F238E27FC236}">
+                  <a16:creationId xmlns:a16="http://schemas.microsoft.com/office/drawing/2014/main" id="{2C5821CB-DFAB-379D-D76F-F9897518FDA6}"/>
+                </a:ext>
+              </a:extLst>
+            </p:cNvPr>
+            <p:cNvSpPr txBox="1"/>
+            <p:nvPr/>
+          </p:nvSpPr>
+          <p:spPr>
+            <a:xfrm rot="21600000">
+              <a:off x="0" y="0"/>
+              <a:ext cx="3269456" cy="1511349"/>
+            </a:xfrm>
+            <a:prstGeom prst="rect">
+              <a:avLst/>
+            </a:prstGeom>
+            <a:sp3d/>
+          </p:spPr>
+          <p:style>
+            <a:lnRef idx="0">
+              <a:scrgbClr r="0" g="0" b="0"/>
+            </a:lnRef>
+            <a:fillRef idx="0">
+              <a:scrgbClr r="0" g="0" b="0"/>
+            </a:fillRef>
+            <a:effectRef idx="0">
+              <a:scrgbClr r="0" g="0" b="0"/>
+            </a:effectRef>
+            <a:fontRef idx="minor">
+              <a:schemeClr val="dk1">
+                <a:hueOff val="0"/>
+                <a:satOff val="0"/>
+                <a:lumOff val="0"/>
+                <a:alphaOff val="0"/>
+              </a:schemeClr>
+            </a:fontRef>
+          </p:style>
+          <p:txBody>
+            <a:bodyPr spcFirstLastPara="0" vert="horz" wrap="square" lIns="192024" tIns="192024" rIns="192024" bIns="192024" numCol="1" spcCol="1270" anchor="ctr" anchorCtr="0">
+              <a:noAutofit/>
+            </a:bodyPr>
+            <a:lstStyle/>
+            <a:p>
+              <a:pPr marL="0" lvl="0" indent="0" algn="ctr" defTabSz="1200150">
+                <a:lnSpc>
+                  <a:spcPct val="90000"/>
+                </a:lnSpc>
+                <a:spcBef>
+                  <a:spcPct val="0"/>
+                </a:spcBef>
+                <a:spcAft>
+                  <a:spcPct val="35000"/>
+                </a:spcAft>
+                <a:buNone/>
+              </a:pPr>
+              <a:r>
+                <a:rPr lang="en-IN" sz="2700" dirty="0"/>
+                <a:t>Logistic Regression</a:t>
+              </a:r>
+              <a:endParaRPr lang="en-IN" sz="2700" kern="1200" dirty="0"/>
+            </a:p>
+          </p:txBody>
+        </p:sp>
+      </p:grpSp>
+      <p:grpSp>
+        <p:nvGrpSpPr>
+          <p:cNvPr id="7" name="Group 6">
+            <a:extLst>
+              <a:ext uri="{FF2B5EF4-FFF2-40B4-BE49-F238E27FC236}">
+                <a16:creationId xmlns:a16="http://schemas.microsoft.com/office/drawing/2014/main" id="{CD420EBC-6573-4C79-D61F-DC462C3C81A9}"/>
+              </a:ext>
+            </a:extLst>
+          </p:cNvPr>
+          <p:cNvGrpSpPr/>
+          <p:nvPr/>
+        </p:nvGrpSpPr>
+        <p:grpSpPr>
+          <a:xfrm>
+            <a:off x="13065011" y="5403167"/>
+            <a:ext cx="3269456" cy="2015133"/>
+            <a:chOff x="3269456" y="0"/>
+            <a:chExt cx="3269456" cy="2015133"/>
+          </a:xfrm>
+          <a:scene3d>
+            <a:camera prst="orthographicFront"/>
+            <a:lightRig rig="chilly" dir="t"/>
+          </a:scene3d>
+        </p:grpSpPr>
+        <p:sp>
+          <p:nvSpPr>
+            <p:cNvPr id="13" name="Rectangle: Single Corner Rounded 12">
+              <a:extLst>
+                <a:ext uri="{FF2B5EF4-FFF2-40B4-BE49-F238E27FC236}">
+                  <a16:creationId xmlns:a16="http://schemas.microsoft.com/office/drawing/2014/main" id="{B34B7415-7BA7-78AB-F4D2-F52323051661}"/>
+                </a:ext>
+              </a:extLst>
+            </p:cNvPr>
+            <p:cNvSpPr/>
+            <p:nvPr/>
+          </p:nvSpPr>
+          <p:spPr>
+            <a:xfrm>
+              <a:off x="3269456" y="0"/>
+              <a:ext cx="3269456" cy="2015133"/>
+            </a:xfrm>
+            <a:prstGeom prst="round1Rect">
+              <a:avLst/>
+            </a:prstGeom>
+            <a:sp3d prstMaterial="translucentPowder">
+              <a:bevelT w="127000" h="25400" prst="softRound"/>
+            </a:sp3d>
+          </p:spPr>
+          <p:style>
+            <a:lnRef idx="0">
+              <a:schemeClr val="accent3">
+                <a:shade val="80000"/>
+                <a:hueOff val="0"/>
+                <a:satOff val="0"/>
+                <a:lumOff val="0"/>
+                <a:alphaOff val="0"/>
+              </a:schemeClr>
+            </a:lnRef>
+            <a:fillRef idx="1">
+              <a:schemeClr val="lt1">
+                <a:hueOff val="0"/>
+                <a:satOff val="0"/>
+                <a:lumOff val="0"/>
+                <a:alphaOff val="0"/>
+              </a:schemeClr>
+            </a:fillRef>
+            <a:effectRef idx="0">
+              <a:schemeClr val="lt1">
+                <a:hueOff val="0"/>
+                <a:satOff val="0"/>
+                <a:lumOff val="0"/>
+                <a:alphaOff val="0"/>
+              </a:schemeClr>
+            </a:effectRef>
+            <a:fontRef idx="minor">
+              <a:schemeClr val="dk1">
+                <a:hueOff val="0"/>
+                <a:satOff val="0"/>
+                <a:lumOff val="0"/>
+                <a:alphaOff val="0"/>
+              </a:schemeClr>
+            </a:fontRef>
+          </p:style>
+        </p:sp>
+        <p:sp>
+          <p:nvSpPr>
+            <p:cNvPr id="14" name="Rectangle: Single Corner Rounded 6">
+              <a:extLst>
+                <a:ext uri="{FF2B5EF4-FFF2-40B4-BE49-F238E27FC236}">
+                  <a16:creationId xmlns:a16="http://schemas.microsoft.com/office/drawing/2014/main" id="{B88066AB-17CD-36B7-2FA5-7226BBDCF62D}"/>
+                </a:ext>
+              </a:extLst>
+            </p:cNvPr>
+            <p:cNvSpPr txBox="1"/>
+            <p:nvPr/>
+          </p:nvSpPr>
+          <p:spPr>
+            <a:xfrm>
+              <a:off x="3269456" y="0"/>
+              <a:ext cx="3269456" cy="1511349"/>
+            </a:xfrm>
+            <a:prstGeom prst="rect">
+              <a:avLst/>
+            </a:prstGeom>
+            <a:sp3d/>
+          </p:spPr>
+          <p:style>
+            <a:lnRef idx="0">
+              <a:scrgbClr r="0" g="0" b="0"/>
+            </a:lnRef>
+            <a:fillRef idx="0">
+              <a:scrgbClr r="0" g="0" b="0"/>
+            </a:fillRef>
+            <a:effectRef idx="0">
+              <a:scrgbClr r="0" g="0" b="0"/>
+            </a:effectRef>
+            <a:fontRef idx="minor">
+              <a:schemeClr val="dk1">
+                <a:hueOff val="0"/>
+                <a:satOff val="0"/>
+                <a:lumOff val="0"/>
+                <a:alphaOff val="0"/>
+              </a:schemeClr>
+            </a:fontRef>
+          </p:style>
+          <p:txBody>
+            <a:bodyPr spcFirstLastPara="0" vert="horz" wrap="square" lIns="192024" tIns="192024" rIns="192024" bIns="192024" numCol="1" spcCol="1270" anchor="ctr" anchorCtr="0">
+              <a:noAutofit/>
+            </a:bodyPr>
+            <a:lstStyle/>
+            <a:p>
+              <a:pPr marL="0" lvl="0" indent="0" algn="ctr" defTabSz="1200150">
+                <a:lnSpc>
+                  <a:spcPct val="90000"/>
+                </a:lnSpc>
+                <a:spcBef>
+                  <a:spcPct val="0"/>
+                </a:spcBef>
+                <a:spcAft>
+                  <a:spcPct val="35000"/>
+                </a:spcAft>
+                <a:buNone/>
+              </a:pPr>
+              <a:r>
+                <a:rPr lang="en-IN" sz="2700" dirty="0"/>
+                <a:t>Decision Tree</a:t>
+              </a:r>
+              <a:endParaRPr lang="en-IN" sz="2700" kern="1200" dirty="0"/>
+            </a:p>
+          </p:txBody>
+        </p:sp>
+      </p:grpSp>
+      <p:grpSp>
+        <p:nvGrpSpPr>
+          <p:cNvPr id="9" name="Group 8">
+            <a:extLst>
+              <a:ext uri="{FF2B5EF4-FFF2-40B4-BE49-F238E27FC236}">
+                <a16:creationId xmlns:a16="http://schemas.microsoft.com/office/drawing/2014/main" id="{809C5EBB-BFF3-9B1A-B1BC-611978C7AF86}"/>
+              </a:ext>
+            </a:extLst>
+          </p:cNvPr>
+          <p:cNvGrpSpPr/>
+          <p:nvPr/>
+        </p:nvGrpSpPr>
+        <p:grpSpPr>
+          <a:xfrm>
+            <a:off x="9795555" y="7395567"/>
+            <a:ext cx="3269456" cy="2015133"/>
+            <a:chOff x="0" y="2015133"/>
+            <a:chExt cx="3269456" cy="2015133"/>
+          </a:xfrm>
+          <a:scene3d>
+            <a:camera prst="orthographicFront"/>
+            <a:lightRig rig="chilly" dir="t"/>
+          </a:scene3d>
+        </p:grpSpPr>
+        <p:sp>
+          <p:nvSpPr>
+            <p:cNvPr id="11" name="Rectangle: Single Corner Rounded 10">
+              <a:extLst>
+                <a:ext uri="{FF2B5EF4-FFF2-40B4-BE49-F238E27FC236}">
+                  <a16:creationId xmlns:a16="http://schemas.microsoft.com/office/drawing/2014/main" id="{B129A994-DFE3-FBF1-969A-8485E66D6F9F}"/>
+                </a:ext>
+              </a:extLst>
+            </p:cNvPr>
+            <p:cNvSpPr/>
+            <p:nvPr/>
+          </p:nvSpPr>
+          <p:spPr>
+            <a:xfrm rot="10800000">
+              <a:off x="0" y="2015133"/>
+              <a:ext cx="3269456" cy="2015133"/>
+            </a:xfrm>
+            <a:prstGeom prst="round1Rect">
+              <a:avLst/>
+            </a:prstGeom>
+            <a:sp3d prstMaterial="translucentPowder">
+              <a:bevelT w="127000" h="25400" prst="softRound"/>
+            </a:sp3d>
+          </p:spPr>
+          <p:style>
+            <a:lnRef idx="0">
+              <a:schemeClr val="accent3">
+                <a:shade val="80000"/>
+                <a:hueOff val="0"/>
+                <a:satOff val="0"/>
+                <a:lumOff val="0"/>
+                <a:alphaOff val="0"/>
+              </a:schemeClr>
+            </a:lnRef>
+            <a:fillRef idx="1">
+              <a:schemeClr val="lt1">
+                <a:hueOff val="0"/>
+                <a:satOff val="0"/>
+                <a:lumOff val="0"/>
+                <a:alphaOff val="0"/>
+              </a:schemeClr>
+            </a:fillRef>
+            <a:effectRef idx="0">
+              <a:schemeClr val="lt1">
+                <a:hueOff val="0"/>
+                <a:satOff val="0"/>
+                <a:lumOff val="0"/>
+                <a:alphaOff val="0"/>
+              </a:schemeClr>
+            </a:effectRef>
+            <a:fontRef idx="minor">
+              <a:schemeClr val="dk1">
+                <a:hueOff val="0"/>
+                <a:satOff val="0"/>
+                <a:lumOff val="0"/>
+                <a:alphaOff val="0"/>
+              </a:schemeClr>
+            </a:fontRef>
+          </p:style>
+        </p:sp>
+        <p:sp>
+          <p:nvSpPr>
+            <p:cNvPr id="12" name="Rectangle: Single Corner Rounded 8">
+              <a:extLst>
+                <a:ext uri="{FF2B5EF4-FFF2-40B4-BE49-F238E27FC236}">
+                  <a16:creationId xmlns:a16="http://schemas.microsoft.com/office/drawing/2014/main" id="{3E11FEF4-C2B7-701C-05A6-ED9EB10C17AA}"/>
+                </a:ext>
+              </a:extLst>
+            </p:cNvPr>
+            <p:cNvSpPr txBox="1"/>
+            <p:nvPr/>
+          </p:nvSpPr>
+          <p:spPr>
+            <a:xfrm>
+              <a:off x="0" y="2518916"/>
+              <a:ext cx="3269456" cy="1511349"/>
+            </a:xfrm>
+            <a:prstGeom prst="rect">
+              <a:avLst/>
+            </a:prstGeom>
+            <a:sp3d/>
+          </p:spPr>
+          <p:style>
+            <a:lnRef idx="0">
+              <a:scrgbClr r="0" g="0" b="0"/>
+            </a:lnRef>
+            <a:fillRef idx="0">
+              <a:scrgbClr r="0" g="0" b="0"/>
+            </a:fillRef>
+            <a:effectRef idx="0">
+              <a:scrgbClr r="0" g="0" b="0"/>
+            </a:effectRef>
+            <a:fontRef idx="minor">
+              <a:schemeClr val="dk1">
+                <a:hueOff val="0"/>
+                <a:satOff val="0"/>
+                <a:lumOff val="0"/>
+                <a:alphaOff val="0"/>
+              </a:schemeClr>
+            </a:fontRef>
+          </p:style>
+          <p:txBody>
+            <a:bodyPr spcFirstLastPara="0" vert="horz" wrap="square" lIns="192024" tIns="192024" rIns="192024" bIns="192024" numCol="1" spcCol="1270" anchor="ctr" anchorCtr="0">
+              <a:noAutofit/>
+            </a:bodyPr>
+            <a:lstStyle/>
+            <a:p>
+              <a:pPr marL="0" lvl="0" indent="0" algn="ctr" defTabSz="1200150">
+                <a:lnSpc>
+                  <a:spcPct val="90000"/>
+                </a:lnSpc>
+                <a:spcBef>
+                  <a:spcPct val="0"/>
+                </a:spcBef>
+                <a:spcAft>
+                  <a:spcPct val="35000"/>
+                </a:spcAft>
+                <a:buNone/>
+              </a:pPr>
+              <a:r>
+                <a:rPr lang="en-IN" sz="2700" dirty="0"/>
+                <a:t>Random Forest</a:t>
+              </a:r>
+              <a:endParaRPr lang="en-IN" sz="2700" kern="1200" dirty="0"/>
+            </a:p>
+          </p:txBody>
+        </p:sp>
+      </p:grpSp>
+      <p:grpSp>
+        <p:nvGrpSpPr>
+          <p:cNvPr id="21" name="Group 20">
+            <a:extLst>
+              <a:ext uri="{FF2B5EF4-FFF2-40B4-BE49-F238E27FC236}">
+                <a16:creationId xmlns:a16="http://schemas.microsoft.com/office/drawing/2014/main" id="{2E7DC1EF-84C3-27FF-4636-46BBF6B3978D}"/>
+              </a:ext>
+            </a:extLst>
+          </p:cNvPr>
+          <p:cNvGrpSpPr/>
+          <p:nvPr/>
+        </p:nvGrpSpPr>
+        <p:grpSpPr>
+          <a:xfrm>
+            <a:off x="13065012" y="7353300"/>
+            <a:ext cx="3269456" cy="2015133"/>
+            <a:chOff x="13065012" y="7395566"/>
+            <a:chExt cx="3269456" cy="2015133"/>
+          </a:xfrm>
+        </p:grpSpPr>
+        <p:sp>
+          <p:nvSpPr>
+            <p:cNvPr id="10" name="Rectangle: Single Corner Rounded 9">
+              <a:extLst>
+                <a:ext uri="{FF2B5EF4-FFF2-40B4-BE49-F238E27FC236}">
+                  <a16:creationId xmlns:a16="http://schemas.microsoft.com/office/drawing/2014/main" id="{417DBFEF-2434-6B7E-05C4-C59191549D97}"/>
+                </a:ext>
+              </a:extLst>
+            </p:cNvPr>
+            <p:cNvSpPr/>
+            <p:nvPr/>
+          </p:nvSpPr>
+          <p:spPr>
+            <a:xfrm rot="5400000">
+              <a:off x="13692173" y="6768405"/>
+              <a:ext cx="2015133" cy="3269456"/>
+            </a:xfrm>
+            <a:prstGeom prst="round1Rect">
+              <a:avLst/>
+            </a:prstGeom>
+            <a:scene3d>
+              <a:camera prst="orthographicFront"/>
+              <a:lightRig rig="chilly" dir="t"/>
+            </a:scene3d>
+            <a:sp3d prstMaterial="translucentPowder">
+              <a:bevelT w="127000" h="25400" prst="softRound"/>
+            </a:sp3d>
+          </p:spPr>
+          <p:style>
+            <a:lnRef idx="0">
+              <a:schemeClr val="accent3">
+                <a:shade val="80000"/>
+                <a:hueOff val="0"/>
+                <a:satOff val="0"/>
+                <a:lumOff val="0"/>
+                <a:alphaOff val="0"/>
+              </a:schemeClr>
+            </a:lnRef>
+            <a:fillRef idx="1">
+              <a:schemeClr val="lt1">
+                <a:hueOff val="0"/>
+                <a:satOff val="0"/>
+                <a:lumOff val="0"/>
+                <a:alphaOff val="0"/>
+              </a:schemeClr>
+            </a:fillRef>
+            <a:effectRef idx="0">
+              <a:schemeClr val="lt1">
+                <a:hueOff val="0"/>
+                <a:satOff val="0"/>
+                <a:lumOff val="0"/>
+                <a:alphaOff val="0"/>
+              </a:schemeClr>
+            </a:effectRef>
+            <a:fontRef idx="minor">
+              <a:schemeClr val="dk1">
+                <a:hueOff val="0"/>
+                <a:satOff val="0"/>
+                <a:lumOff val="0"/>
+                <a:alphaOff val="0"/>
+              </a:schemeClr>
+            </a:fontRef>
+          </p:style>
+          <p:txBody>
+            <a:bodyPr/>
+            <a:lstStyle/>
+            <a:p>
+              <a:endParaRPr lang="en-IN" dirty="0"/>
+            </a:p>
+          </p:txBody>
+        </p:sp>
+        <p:sp>
+          <p:nvSpPr>
+            <p:cNvPr id="20" name="TextBox 19">
+              <a:extLst>
+                <a:ext uri="{FF2B5EF4-FFF2-40B4-BE49-F238E27FC236}">
+                  <a16:creationId xmlns:a16="http://schemas.microsoft.com/office/drawing/2014/main" id="{3C224D96-4724-C68C-206E-9C7542FE125C}"/>
+                </a:ext>
+              </a:extLst>
+            </p:cNvPr>
+            <p:cNvSpPr txBox="1"/>
+            <p:nvPr/>
+          </p:nvSpPr>
+          <p:spPr>
+            <a:xfrm>
+              <a:off x="14006365" y="8425866"/>
+              <a:ext cx="1362168" cy="923330"/>
+            </a:xfrm>
+            <a:prstGeom prst="rect">
+              <a:avLst/>
+            </a:prstGeom>
+            <a:noFill/>
+          </p:spPr>
+          <p:txBody>
+            <a:bodyPr wrap="none" rtlCol="0">
+              <a:spAutoFit/>
+            </a:bodyPr>
+            <a:lstStyle/>
+            <a:p>
+              <a:r>
+                <a:rPr lang="en-IN" sz="2700" kern="1200" dirty="0" err="1"/>
+                <a:t>XGBoost</a:t>
+              </a:r>
+              <a:endParaRPr lang="en-IN" sz="2700" kern="1200" dirty="0"/>
+            </a:p>
+            <a:p>
+              <a:endParaRPr lang="en-IN" sz="2700" dirty="0"/>
+            </a:p>
+          </p:txBody>
+        </p:sp>
+      </p:grpSp>
+      <p:grpSp>
+        <p:nvGrpSpPr>
+          <p:cNvPr id="22" name="Group 21">
+            <a:extLst>
+              <a:ext uri="{FF2B5EF4-FFF2-40B4-BE49-F238E27FC236}">
+                <a16:creationId xmlns:a16="http://schemas.microsoft.com/office/drawing/2014/main" id="{82797732-0149-6693-AA30-8310F9F72DA3}"/>
+              </a:ext>
+            </a:extLst>
+          </p:cNvPr>
+          <p:cNvGrpSpPr/>
+          <p:nvPr/>
+        </p:nvGrpSpPr>
+        <p:grpSpPr>
+          <a:xfrm>
+            <a:off x="12084175" y="6879134"/>
+            <a:ext cx="1961673" cy="1007566"/>
+            <a:chOff x="2288619" y="1511349"/>
+            <a:chExt cx="1961673" cy="1007566"/>
+          </a:xfrm>
+          <a:scene3d>
+            <a:camera prst="orthographicFront"/>
+            <a:lightRig rig="chilly" dir="t"/>
+          </a:scene3d>
+        </p:grpSpPr>
+        <p:sp>
+          <p:nvSpPr>
+            <p:cNvPr id="23" name="Rectangle: Rounded Corners 22">
+              <a:extLst>
+                <a:ext uri="{FF2B5EF4-FFF2-40B4-BE49-F238E27FC236}">
+                  <a16:creationId xmlns:a16="http://schemas.microsoft.com/office/drawing/2014/main" id="{8F225246-A8AD-7FB6-1A4F-6C061B0D8A51}"/>
+                </a:ext>
+              </a:extLst>
+            </p:cNvPr>
+            <p:cNvSpPr/>
+            <p:nvPr/>
+          </p:nvSpPr>
+          <p:spPr>
+            <a:xfrm>
+              <a:off x="2288619" y="1511349"/>
+              <a:ext cx="1961673" cy="1007566"/>
+            </a:xfrm>
+            <a:prstGeom prst="roundRect">
+              <a:avLst/>
+            </a:prstGeom>
+            <a:sp3d z="12700" extrusionH="1700" prstMaterial="translucentPowder">
+              <a:bevelT w="25400" h="6350" prst="softRound"/>
+              <a:bevelB w="0" h="0" prst="convex"/>
+            </a:sp3d>
+          </p:spPr>
+          <p:style>
+            <a:lnRef idx="0">
+              <a:schemeClr val="lt1">
+                <a:hueOff val="0"/>
+                <a:satOff val="0"/>
+                <a:lumOff val="0"/>
+                <a:alphaOff val="0"/>
+              </a:schemeClr>
+            </a:lnRef>
+            <a:fillRef idx="1">
+              <a:schemeClr val="accent3">
+                <a:tint val="60000"/>
+                <a:hueOff val="0"/>
+                <a:satOff val="0"/>
+                <a:lumOff val="0"/>
+                <a:alphaOff val="0"/>
+              </a:schemeClr>
+            </a:fillRef>
+            <a:effectRef idx="0">
+              <a:schemeClr val="accent3">
+                <a:tint val="60000"/>
+                <a:hueOff val="0"/>
+                <a:satOff val="0"/>
+                <a:lumOff val="0"/>
+                <a:alphaOff val="0"/>
+              </a:schemeClr>
+            </a:effectRef>
+            <a:fontRef idx="minor">
+              <a:schemeClr val="dk1">
+                <a:hueOff val="0"/>
+                <a:satOff val="0"/>
+                <a:lumOff val="0"/>
+                <a:alphaOff val="0"/>
+              </a:schemeClr>
+            </a:fontRef>
+          </p:style>
+        </p:sp>
+        <p:sp>
+          <p:nvSpPr>
+            <p:cNvPr id="24" name="Rectangle: Rounded Corners 4">
+              <a:extLst>
+                <a:ext uri="{FF2B5EF4-FFF2-40B4-BE49-F238E27FC236}">
+                  <a16:creationId xmlns:a16="http://schemas.microsoft.com/office/drawing/2014/main" id="{AB45EC49-B25D-BFE0-1DDC-FA1F95628832}"/>
+                </a:ext>
+              </a:extLst>
+            </p:cNvPr>
+            <p:cNvSpPr txBox="1"/>
+            <p:nvPr/>
+          </p:nvSpPr>
+          <p:spPr>
+            <a:xfrm>
+              <a:off x="2337804" y="1560534"/>
+              <a:ext cx="1863303" cy="909196"/>
+            </a:xfrm>
+            <a:prstGeom prst="rect">
+              <a:avLst/>
+            </a:prstGeom>
+            <a:sp3d z="12700"/>
+          </p:spPr>
+          <p:style>
+            <a:lnRef idx="0">
+              <a:scrgbClr r="0" g="0" b="0"/>
+            </a:lnRef>
+            <a:fillRef idx="0">
+              <a:scrgbClr r="0" g="0" b="0"/>
+            </a:fillRef>
+            <a:effectRef idx="0">
+              <a:scrgbClr r="0" g="0" b="0"/>
+            </a:effectRef>
+            <a:fontRef idx="minor">
+              <a:schemeClr val="dk1">
+                <a:hueOff val="0"/>
+                <a:satOff val="0"/>
+                <a:lumOff val="0"/>
+                <a:alphaOff val="0"/>
+              </a:schemeClr>
+            </a:fontRef>
+          </p:style>
+          <p:txBody>
+            <a:bodyPr spcFirstLastPara="0" vert="horz" wrap="square" lIns="102870" tIns="102870" rIns="102870" bIns="102870" numCol="1" spcCol="1270" anchor="ctr" anchorCtr="0">
+              <a:noAutofit/>
+            </a:bodyPr>
+            <a:lstStyle/>
+            <a:p>
+              <a:pPr marL="0" lvl="0" indent="0" algn="ctr" defTabSz="1200150">
+                <a:lnSpc>
+                  <a:spcPct val="90000"/>
+                </a:lnSpc>
+                <a:spcBef>
+                  <a:spcPct val="0"/>
+                </a:spcBef>
+                <a:spcAft>
+                  <a:spcPct val="35000"/>
+                </a:spcAft>
+                <a:buNone/>
+              </a:pPr>
+              <a:r>
+                <a:rPr lang="en-IN" sz="2700" kern="1200" dirty="0"/>
+                <a:t>Ensemble Model</a:t>
+              </a:r>
+            </a:p>
+          </p:txBody>
+        </p:sp>
+      </p:grpSp>
     </p:spTree>
     <p:extLst>
       <p:ext uri="{BB962C8B-B14F-4D97-AF65-F5344CB8AC3E}">
@@ -34156,6 +32710,3461 @@
   <p:clrMapOvr>
     <a:masterClrMapping/>
   </p:clrMapOvr>
+  <mc:AlternateContent xmlns:mc="http://schemas.openxmlformats.org/markup-compatibility/2006">
+    <mc:Choice xmlns:p14="http://schemas.microsoft.com/office/powerpoint/2010/main" Requires="p14">
+      <p:transition spd="med" p14:dur="700">
+        <p:fade/>
+      </p:transition>
+    </mc:Choice>
+    <mc:Fallback>
+      <p:transition spd="med">
+        <p:fade/>
+      </p:transition>
+    </mc:Fallback>
+  </mc:AlternateContent>
+  <p:timing>
+    <p:tnLst>
+      <p:par>
+        <p:cTn id="1" dur="indefinite" restart="never" nodeType="tmRoot">
+          <p:childTnLst>
+            <p:seq concurrent="1" nextAc="seek">
+              <p:cTn id="2" dur="indefinite" nodeType="mainSeq">
+                <p:childTnLst>
+                  <p:par>
+                    <p:cTn id="3" fill="hold">
+                      <p:stCondLst>
+                        <p:cond delay="indefinite"/>
+                      </p:stCondLst>
+                      <p:childTnLst>
+                        <p:par>
+                          <p:cTn id="4" fill="hold">
+                            <p:stCondLst>
+                              <p:cond delay="0"/>
+                            </p:stCondLst>
+                            <p:childTnLst>
+                              <p:par>
+                                <p:cTn id="5" presetID="14" presetClass="entr" presetSubtype="10" fill="hold" grpId="0" nodeType="clickEffect">
+                                  <p:stCondLst>
+                                    <p:cond delay="0"/>
+                                  </p:stCondLst>
+                                  <p:childTnLst>
+                                    <p:set>
+                                      <p:cBhvr>
+                                        <p:cTn id="6" dur="1" fill="hold">
+                                          <p:stCondLst>
+                                            <p:cond delay="0"/>
+                                          </p:stCondLst>
+                                        </p:cTn>
+                                        <p:tgtEl>
+                                          <p:spTgt spid="2"/>
+                                        </p:tgtEl>
+                                        <p:attrNameLst>
+                                          <p:attrName>style.visibility</p:attrName>
+                                        </p:attrNameLst>
+                                      </p:cBhvr>
+                                      <p:to>
+                                        <p:strVal val="visible"/>
+                                      </p:to>
+                                    </p:set>
+                                    <p:animEffect transition="in" filter="randombar(horizontal)">
+                                      <p:cBhvr>
+                                        <p:cTn id="7" dur="500"/>
+                                        <p:tgtEl>
+                                          <p:spTgt spid="2"/>
+                                        </p:tgtEl>
+                                      </p:cBhvr>
+                                    </p:animEffect>
+                                  </p:childTnLst>
+                                </p:cTn>
+                              </p:par>
+                            </p:childTnLst>
+                          </p:cTn>
+                        </p:par>
+                      </p:childTnLst>
+                    </p:cTn>
+                  </p:par>
+                  <p:par>
+                    <p:cTn id="8" fill="hold">
+                      <p:stCondLst>
+                        <p:cond delay="indefinite"/>
+                      </p:stCondLst>
+                      <p:childTnLst>
+                        <p:par>
+                          <p:cTn id="9" fill="hold">
+                            <p:stCondLst>
+                              <p:cond delay="0"/>
+                            </p:stCondLst>
+                            <p:childTnLst>
+                              <p:par>
+                                <p:cTn id="10" presetID="22" presetClass="entr" presetSubtype="8" fill="hold" grpId="0" nodeType="clickEffect">
+                                  <p:stCondLst>
+                                    <p:cond delay="0"/>
+                                  </p:stCondLst>
+                                  <p:childTnLst>
+                                    <p:set>
+                                      <p:cBhvr>
+                                        <p:cTn id="11" dur="1" fill="hold">
+                                          <p:stCondLst>
+                                            <p:cond delay="0"/>
+                                          </p:stCondLst>
+                                        </p:cTn>
+                                        <p:tgtEl>
+                                          <p:spTgt spid="4">
+                                            <p:graphicEl>
+                                              <a:dgm id="{E0CFA7A6-C051-4997-BDE0-EAD467772694}"/>
+                                            </p:graphicEl>
+                                          </p:spTgt>
+                                        </p:tgtEl>
+                                        <p:attrNameLst>
+                                          <p:attrName>style.visibility</p:attrName>
+                                        </p:attrNameLst>
+                                      </p:cBhvr>
+                                      <p:to>
+                                        <p:strVal val="visible"/>
+                                      </p:to>
+                                    </p:set>
+                                    <p:animEffect transition="in" filter="wipe(left)">
+                                      <p:cBhvr>
+                                        <p:cTn id="12" dur="500"/>
+                                        <p:tgtEl>
+                                          <p:spTgt spid="4">
+                                            <p:graphicEl>
+                                              <a:dgm id="{E0CFA7A6-C051-4997-BDE0-EAD467772694}"/>
+                                            </p:graphicEl>
+                                          </p:spTgt>
+                                        </p:tgtEl>
+                                      </p:cBhvr>
+                                    </p:animEffect>
+                                  </p:childTnLst>
+                                </p:cTn>
+                              </p:par>
+                            </p:childTnLst>
+                          </p:cTn>
+                        </p:par>
+                      </p:childTnLst>
+                    </p:cTn>
+                  </p:par>
+                  <p:par>
+                    <p:cTn id="13" fill="hold">
+                      <p:stCondLst>
+                        <p:cond delay="indefinite"/>
+                      </p:stCondLst>
+                      <p:childTnLst>
+                        <p:par>
+                          <p:cTn id="14" fill="hold">
+                            <p:stCondLst>
+                              <p:cond delay="0"/>
+                            </p:stCondLst>
+                            <p:childTnLst>
+                              <p:par>
+                                <p:cTn id="15" presetID="22" presetClass="entr" presetSubtype="8" fill="hold" grpId="0" nodeType="clickEffect">
+                                  <p:stCondLst>
+                                    <p:cond delay="0"/>
+                                  </p:stCondLst>
+                                  <p:childTnLst>
+                                    <p:set>
+                                      <p:cBhvr>
+                                        <p:cTn id="16" dur="1" fill="hold">
+                                          <p:stCondLst>
+                                            <p:cond delay="0"/>
+                                          </p:stCondLst>
+                                        </p:cTn>
+                                        <p:tgtEl>
+                                          <p:spTgt spid="4">
+                                            <p:graphicEl>
+                                              <a:dgm id="{FC220A31-70DE-4BD5-9109-DDA58CE43B88}"/>
+                                            </p:graphicEl>
+                                          </p:spTgt>
+                                        </p:tgtEl>
+                                        <p:attrNameLst>
+                                          <p:attrName>style.visibility</p:attrName>
+                                        </p:attrNameLst>
+                                      </p:cBhvr>
+                                      <p:to>
+                                        <p:strVal val="visible"/>
+                                      </p:to>
+                                    </p:set>
+                                    <p:animEffect transition="in" filter="wipe(left)">
+                                      <p:cBhvr>
+                                        <p:cTn id="17" dur="500"/>
+                                        <p:tgtEl>
+                                          <p:spTgt spid="4">
+                                            <p:graphicEl>
+                                              <a:dgm id="{FC220A31-70DE-4BD5-9109-DDA58CE43B88}"/>
+                                            </p:graphicEl>
+                                          </p:spTgt>
+                                        </p:tgtEl>
+                                      </p:cBhvr>
+                                    </p:animEffect>
+                                  </p:childTnLst>
+                                </p:cTn>
+                              </p:par>
+                            </p:childTnLst>
+                          </p:cTn>
+                        </p:par>
+                        <p:par>
+                          <p:cTn id="18" fill="hold">
+                            <p:stCondLst>
+                              <p:cond delay="500"/>
+                            </p:stCondLst>
+                            <p:childTnLst>
+                              <p:par>
+                                <p:cTn id="19" presetID="22" presetClass="entr" presetSubtype="8" fill="hold" grpId="0" nodeType="afterEffect">
+                                  <p:stCondLst>
+                                    <p:cond delay="0"/>
+                                  </p:stCondLst>
+                                  <p:childTnLst>
+                                    <p:set>
+                                      <p:cBhvr>
+                                        <p:cTn id="20" dur="1" fill="hold">
+                                          <p:stCondLst>
+                                            <p:cond delay="0"/>
+                                          </p:stCondLst>
+                                        </p:cTn>
+                                        <p:tgtEl>
+                                          <p:spTgt spid="4">
+                                            <p:graphicEl>
+                                              <a:dgm id="{6481FFFC-9776-4F05-9311-992BFD08B7FC}"/>
+                                            </p:graphicEl>
+                                          </p:spTgt>
+                                        </p:tgtEl>
+                                        <p:attrNameLst>
+                                          <p:attrName>style.visibility</p:attrName>
+                                        </p:attrNameLst>
+                                      </p:cBhvr>
+                                      <p:to>
+                                        <p:strVal val="visible"/>
+                                      </p:to>
+                                    </p:set>
+                                    <p:animEffect transition="in" filter="wipe(left)">
+                                      <p:cBhvr>
+                                        <p:cTn id="21" dur="500"/>
+                                        <p:tgtEl>
+                                          <p:spTgt spid="4">
+                                            <p:graphicEl>
+                                              <a:dgm id="{6481FFFC-9776-4F05-9311-992BFD08B7FC}"/>
+                                            </p:graphicEl>
+                                          </p:spTgt>
+                                        </p:tgtEl>
+                                      </p:cBhvr>
+                                    </p:animEffect>
+                                  </p:childTnLst>
+                                </p:cTn>
+                              </p:par>
+                            </p:childTnLst>
+                          </p:cTn>
+                        </p:par>
+                      </p:childTnLst>
+                    </p:cTn>
+                  </p:par>
+                  <p:par>
+                    <p:cTn id="22" fill="hold">
+                      <p:stCondLst>
+                        <p:cond delay="indefinite"/>
+                      </p:stCondLst>
+                      <p:childTnLst>
+                        <p:par>
+                          <p:cTn id="23" fill="hold">
+                            <p:stCondLst>
+                              <p:cond delay="0"/>
+                            </p:stCondLst>
+                            <p:childTnLst>
+                              <p:par>
+                                <p:cTn id="24" presetID="22" presetClass="entr" presetSubtype="8" fill="hold" grpId="0" nodeType="clickEffect">
+                                  <p:stCondLst>
+                                    <p:cond delay="0"/>
+                                  </p:stCondLst>
+                                  <p:childTnLst>
+                                    <p:set>
+                                      <p:cBhvr>
+                                        <p:cTn id="25" dur="1" fill="hold">
+                                          <p:stCondLst>
+                                            <p:cond delay="0"/>
+                                          </p:stCondLst>
+                                        </p:cTn>
+                                        <p:tgtEl>
+                                          <p:spTgt spid="4">
+                                            <p:graphicEl>
+                                              <a:dgm id="{04506F61-B0F6-4665-BE65-6EB817BB623B}"/>
+                                            </p:graphicEl>
+                                          </p:spTgt>
+                                        </p:tgtEl>
+                                        <p:attrNameLst>
+                                          <p:attrName>style.visibility</p:attrName>
+                                        </p:attrNameLst>
+                                      </p:cBhvr>
+                                      <p:to>
+                                        <p:strVal val="visible"/>
+                                      </p:to>
+                                    </p:set>
+                                    <p:animEffect transition="in" filter="wipe(left)">
+                                      <p:cBhvr>
+                                        <p:cTn id="26" dur="500"/>
+                                        <p:tgtEl>
+                                          <p:spTgt spid="4">
+                                            <p:graphicEl>
+                                              <a:dgm id="{04506F61-B0F6-4665-BE65-6EB817BB623B}"/>
+                                            </p:graphicEl>
+                                          </p:spTgt>
+                                        </p:tgtEl>
+                                      </p:cBhvr>
+                                    </p:animEffect>
+                                  </p:childTnLst>
+                                </p:cTn>
+                              </p:par>
+                            </p:childTnLst>
+                          </p:cTn>
+                        </p:par>
+                        <p:par>
+                          <p:cTn id="27" fill="hold">
+                            <p:stCondLst>
+                              <p:cond delay="500"/>
+                            </p:stCondLst>
+                            <p:childTnLst>
+                              <p:par>
+                                <p:cTn id="28" presetID="22" presetClass="entr" presetSubtype="8" fill="hold" grpId="0" nodeType="afterEffect">
+                                  <p:stCondLst>
+                                    <p:cond delay="0"/>
+                                  </p:stCondLst>
+                                  <p:childTnLst>
+                                    <p:set>
+                                      <p:cBhvr>
+                                        <p:cTn id="29" dur="1" fill="hold">
+                                          <p:stCondLst>
+                                            <p:cond delay="0"/>
+                                          </p:stCondLst>
+                                        </p:cTn>
+                                        <p:tgtEl>
+                                          <p:spTgt spid="4">
+                                            <p:graphicEl>
+                                              <a:dgm id="{BBD60CDE-4844-4FDB-8887-D2CD64E7D32C}"/>
+                                            </p:graphicEl>
+                                          </p:spTgt>
+                                        </p:tgtEl>
+                                        <p:attrNameLst>
+                                          <p:attrName>style.visibility</p:attrName>
+                                        </p:attrNameLst>
+                                      </p:cBhvr>
+                                      <p:to>
+                                        <p:strVal val="visible"/>
+                                      </p:to>
+                                    </p:set>
+                                    <p:animEffect transition="in" filter="wipe(left)">
+                                      <p:cBhvr>
+                                        <p:cTn id="30" dur="500"/>
+                                        <p:tgtEl>
+                                          <p:spTgt spid="4">
+                                            <p:graphicEl>
+                                              <a:dgm id="{BBD60CDE-4844-4FDB-8887-D2CD64E7D32C}"/>
+                                            </p:graphicEl>
+                                          </p:spTgt>
+                                        </p:tgtEl>
+                                      </p:cBhvr>
+                                    </p:animEffect>
+                                  </p:childTnLst>
+                                </p:cTn>
+                              </p:par>
+                            </p:childTnLst>
+                          </p:cTn>
+                        </p:par>
+                      </p:childTnLst>
+                    </p:cTn>
+                  </p:par>
+                  <p:par>
+                    <p:cTn id="31" fill="hold">
+                      <p:stCondLst>
+                        <p:cond delay="indefinite"/>
+                      </p:stCondLst>
+                      <p:childTnLst>
+                        <p:par>
+                          <p:cTn id="32" fill="hold">
+                            <p:stCondLst>
+                              <p:cond delay="0"/>
+                            </p:stCondLst>
+                            <p:childTnLst>
+                              <p:par>
+                                <p:cTn id="33" presetID="22" presetClass="entr" presetSubtype="8" fill="hold" grpId="0" nodeType="clickEffect">
+                                  <p:stCondLst>
+                                    <p:cond delay="0"/>
+                                  </p:stCondLst>
+                                  <p:childTnLst>
+                                    <p:set>
+                                      <p:cBhvr>
+                                        <p:cTn id="34" dur="1" fill="hold">
+                                          <p:stCondLst>
+                                            <p:cond delay="0"/>
+                                          </p:stCondLst>
+                                        </p:cTn>
+                                        <p:tgtEl>
+                                          <p:spTgt spid="4">
+                                            <p:graphicEl>
+                                              <a:dgm id="{08E4EA94-E727-43B1-BB40-082B64F0E573}"/>
+                                            </p:graphicEl>
+                                          </p:spTgt>
+                                        </p:tgtEl>
+                                        <p:attrNameLst>
+                                          <p:attrName>style.visibility</p:attrName>
+                                        </p:attrNameLst>
+                                      </p:cBhvr>
+                                      <p:to>
+                                        <p:strVal val="visible"/>
+                                      </p:to>
+                                    </p:set>
+                                    <p:animEffect transition="in" filter="wipe(left)">
+                                      <p:cBhvr>
+                                        <p:cTn id="35" dur="500"/>
+                                        <p:tgtEl>
+                                          <p:spTgt spid="4">
+                                            <p:graphicEl>
+                                              <a:dgm id="{08E4EA94-E727-43B1-BB40-082B64F0E573}"/>
+                                            </p:graphicEl>
+                                          </p:spTgt>
+                                        </p:tgtEl>
+                                      </p:cBhvr>
+                                    </p:animEffect>
+                                  </p:childTnLst>
+                                </p:cTn>
+                              </p:par>
+                            </p:childTnLst>
+                          </p:cTn>
+                        </p:par>
+                        <p:par>
+                          <p:cTn id="36" fill="hold">
+                            <p:stCondLst>
+                              <p:cond delay="500"/>
+                            </p:stCondLst>
+                            <p:childTnLst>
+                              <p:par>
+                                <p:cTn id="37" presetID="22" presetClass="entr" presetSubtype="8" fill="hold" grpId="0" nodeType="afterEffect">
+                                  <p:stCondLst>
+                                    <p:cond delay="0"/>
+                                  </p:stCondLst>
+                                  <p:childTnLst>
+                                    <p:set>
+                                      <p:cBhvr>
+                                        <p:cTn id="38" dur="1" fill="hold">
+                                          <p:stCondLst>
+                                            <p:cond delay="0"/>
+                                          </p:stCondLst>
+                                        </p:cTn>
+                                        <p:tgtEl>
+                                          <p:spTgt spid="4">
+                                            <p:graphicEl>
+                                              <a:dgm id="{8363A8C1-A9C4-40BE-812A-0FF4673A9BF6}"/>
+                                            </p:graphicEl>
+                                          </p:spTgt>
+                                        </p:tgtEl>
+                                        <p:attrNameLst>
+                                          <p:attrName>style.visibility</p:attrName>
+                                        </p:attrNameLst>
+                                      </p:cBhvr>
+                                      <p:to>
+                                        <p:strVal val="visible"/>
+                                      </p:to>
+                                    </p:set>
+                                    <p:animEffect transition="in" filter="wipe(left)">
+                                      <p:cBhvr>
+                                        <p:cTn id="39" dur="500"/>
+                                        <p:tgtEl>
+                                          <p:spTgt spid="4">
+                                            <p:graphicEl>
+                                              <a:dgm id="{8363A8C1-A9C4-40BE-812A-0FF4673A9BF6}"/>
+                                            </p:graphicEl>
+                                          </p:spTgt>
+                                        </p:tgtEl>
+                                      </p:cBhvr>
+                                    </p:animEffect>
+                                  </p:childTnLst>
+                                </p:cTn>
+                              </p:par>
+                            </p:childTnLst>
+                          </p:cTn>
+                        </p:par>
+                      </p:childTnLst>
+                    </p:cTn>
+                  </p:par>
+                  <p:par>
+                    <p:cTn id="40" fill="hold">
+                      <p:stCondLst>
+                        <p:cond delay="indefinite"/>
+                      </p:stCondLst>
+                      <p:childTnLst>
+                        <p:par>
+                          <p:cTn id="41" fill="hold">
+                            <p:stCondLst>
+                              <p:cond delay="0"/>
+                            </p:stCondLst>
+                            <p:childTnLst>
+                              <p:par>
+                                <p:cTn id="42" presetID="42" presetClass="entr" presetSubtype="0" fill="hold" grpId="0" nodeType="clickEffect">
+                                  <p:stCondLst>
+                                    <p:cond delay="0"/>
+                                  </p:stCondLst>
+                                  <p:childTnLst>
+                                    <p:set>
+                                      <p:cBhvr>
+                                        <p:cTn id="43" dur="1" fill="hold">
+                                          <p:stCondLst>
+                                            <p:cond delay="0"/>
+                                          </p:stCondLst>
+                                        </p:cTn>
+                                        <p:tgtEl>
+                                          <p:spTgt spid="5">
+                                            <p:graphicEl>
+                                              <a:dgm id="{25E56E41-CC86-49E3-A244-93BDA0E88186}"/>
+                                            </p:graphicEl>
+                                          </p:spTgt>
+                                        </p:tgtEl>
+                                        <p:attrNameLst>
+                                          <p:attrName>style.visibility</p:attrName>
+                                        </p:attrNameLst>
+                                      </p:cBhvr>
+                                      <p:to>
+                                        <p:strVal val="visible"/>
+                                      </p:to>
+                                    </p:set>
+                                    <p:animEffect transition="in" filter="fade">
+                                      <p:cBhvr>
+                                        <p:cTn id="44" dur="500"/>
+                                        <p:tgtEl>
+                                          <p:spTgt spid="5">
+                                            <p:graphicEl>
+                                              <a:dgm id="{25E56E41-CC86-49E3-A244-93BDA0E88186}"/>
+                                            </p:graphicEl>
+                                          </p:spTgt>
+                                        </p:tgtEl>
+                                      </p:cBhvr>
+                                    </p:animEffect>
+                                    <p:anim calcmode="lin" valueType="num">
+                                      <p:cBhvr>
+                                        <p:cTn id="45" dur="500" fill="hold"/>
+                                        <p:tgtEl>
+                                          <p:spTgt spid="5">
+                                            <p:graphicEl>
+                                              <a:dgm id="{25E56E41-CC86-49E3-A244-93BDA0E88186}"/>
+                                            </p:graphicEl>
+                                          </p:spTgt>
+                                        </p:tgtEl>
+                                        <p:attrNameLst>
+                                          <p:attrName>ppt_x</p:attrName>
+                                        </p:attrNameLst>
+                                      </p:cBhvr>
+                                      <p:tavLst>
+                                        <p:tav tm="0">
+                                          <p:val>
+                                            <p:strVal val="#ppt_x"/>
+                                          </p:val>
+                                        </p:tav>
+                                        <p:tav tm="100000">
+                                          <p:val>
+                                            <p:strVal val="#ppt_x"/>
+                                          </p:val>
+                                        </p:tav>
+                                      </p:tavLst>
+                                    </p:anim>
+                                    <p:anim calcmode="lin" valueType="num">
+                                      <p:cBhvr>
+                                        <p:cTn id="46" dur="500" fill="hold"/>
+                                        <p:tgtEl>
+                                          <p:spTgt spid="5">
+                                            <p:graphicEl>
+                                              <a:dgm id="{25E56E41-CC86-49E3-A244-93BDA0E88186}"/>
+                                            </p:graphicEl>
+                                          </p:spTgt>
+                                        </p:tgtEl>
+                                        <p:attrNameLst>
+                                          <p:attrName>ppt_y</p:attrName>
+                                        </p:attrNameLst>
+                                      </p:cBhvr>
+                                      <p:tavLst>
+                                        <p:tav tm="0">
+                                          <p:val>
+                                            <p:strVal val="#ppt_y+.1"/>
+                                          </p:val>
+                                        </p:tav>
+                                        <p:tav tm="100000">
+                                          <p:val>
+                                            <p:strVal val="#ppt_y"/>
+                                          </p:val>
+                                        </p:tav>
+                                      </p:tavLst>
+                                    </p:anim>
+                                  </p:childTnLst>
+                                </p:cTn>
+                              </p:par>
+                              <p:par>
+                                <p:cTn id="47" presetID="42" presetClass="entr" presetSubtype="0" fill="hold" grpId="0" nodeType="withEffect">
+                                  <p:stCondLst>
+                                    <p:cond delay="0"/>
+                                  </p:stCondLst>
+                                  <p:childTnLst>
+                                    <p:set>
+                                      <p:cBhvr>
+                                        <p:cTn id="48" dur="1" fill="hold">
+                                          <p:stCondLst>
+                                            <p:cond delay="0"/>
+                                          </p:stCondLst>
+                                        </p:cTn>
+                                        <p:tgtEl>
+                                          <p:spTgt spid="5">
+                                            <p:graphicEl>
+                                              <a:dgm id="{ED24C99C-041B-4A18-A390-31046E1A500B}"/>
+                                            </p:graphicEl>
+                                          </p:spTgt>
+                                        </p:tgtEl>
+                                        <p:attrNameLst>
+                                          <p:attrName>style.visibility</p:attrName>
+                                        </p:attrNameLst>
+                                      </p:cBhvr>
+                                      <p:to>
+                                        <p:strVal val="visible"/>
+                                      </p:to>
+                                    </p:set>
+                                    <p:animEffect transition="in" filter="fade">
+                                      <p:cBhvr>
+                                        <p:cTn id="49" dur="500"/>
+                                        <p:tgtEl>
+                                          <p:spTgt spid="5">
+                                            <p:graphicEl>
+                                              <a:dgm id="{ED24C99C-041B-4A18-A390-31046E1A500B}"/>
+                                            </p:graphicEl>
+                                          </p:spTgt>
+                                        </p:tgtEl>
+                                      </p:cBhvr>
+                                    </p:animEffect>
+                                    <p:anim calcmode="lin" valueType="num">
+                                      <p:cBhvr>
+                                        <p:cTn id="50" dur="500" fill="hold"/>
+                                        <p:tgtEl>
+                                          <p:spTgt spid="5">
+                                            <p:graphicEl>
+                                              <a:dgm id="{ED24C99C-041B-4A18-A390-31046E1A500B}"/>
+                                            </p:graphicEl>
+                                          </p:spTgt>
+                                        </p:tgtEl>
+                                        <p:attrNameLst>
+                                          <p:attrName>ppt_x</p:attrName>
+                                        </p:attrNameLst>
+                                      </p:cBhvr>
+                                      <p:tavLst>
+                                        <p:tav tm="0">
+                                          <p:val>
+                                            <p:strVal val="#ppt_x"/>
+                                          </p:val>
+                                        </p:tav>
+                                        <p:tav tm="100000">
+                                          <p:val>
+                                            <p:strVal val="#ppt_x"/>
+                                          </p:val>
+                                        </p:tav>
+                                      </p:tavLst>
+                                    </p:anim>
+                                    <p:anim calcmode="lin" valueType="num">
+                                      <p:cBhvr>
+                                        <p:cTn id="51" dur="500" fill="hold"/>
+                                        <p:tgtEl>
+                                          <p:spTgt spid="5">
+                                            <p:graphicEl>
+                                              <a:dgm id="{ED24C99C-041B-4A18-A390-31046E1A500B}"/>
+                                            </p:graphicEl>
+                                          </p:spTgt>
+                                        </p:tgtEl>
+                                        <p:attrNameLst>
+                                          <p:attrName>ppt_y</p:attrName>
+                                        </p:attrNameLst>
+                                      </p:cBhvr>
+                                      <p:tavLst>
+                                        <p:tav tm="0">
+                                          <p:val>
+                                            <p:strVal val="#ppt_y+.1"/>
+                                          </p:val>
+                                        </p:tav>
+                                        <p:tav tm="100000">
+                                          <p:val>
+                                            <p:strVal val="#ppt_y"/>
+                                          </p:val>
+                                        </p:tav>
+                                      </p:tavLst>
+                                    </p:anim>
+                                  </p:childTnLst>
+                                </p:cTn>
+                              </p:par>
+                            </p:childTnLst>
+                          </p:cTn>
+                        </p:par>
+                      </p:childTnLst>
+                    </p:cTn>
+                  </p:par>
+                  <p:par>
+                    <p:cTn id="52" fill="hold">
+                      <p:stCondLst>
+                        <p:cond delay="indefinite"/>
+                      </p:stCondLst>
+                      <p:childTnLst>
+                        <p:par>
+                          <p:cTn id="53" fill="hold">
+                            <p:stCondLst>
+                              <p:cond delay="0"/>
+                            </p:stCondLst>
+                            <p:childTnLst>
+                              <p:par>
+                                <p:cTn id="54" presetID="42" presetClass="entr" presetSubtype="0" fill="hold" grpId="0" nodeType="clickEffect">
+                                  <p:stCondLst>
+                                    <p:cond delay="0"/>
+                                  </p:stCondLst>
+                                  <p:childTnLst>
+                                    <p:set>
+                                      <p:cBhvr>
+                                        <p:cTn id="55" dur="1" fill="hold">
+                                          <p:stCondLst>
+                                            <p:cond delay="0"/>
+                                          </p:stCondLst>
+                                        </p:cTn>
+                                        <p:tgtEl>
+                                          <p:spTgt spid="5">
+                                            <p:graphicEl>
+                                              <a:dgm id="{3BC7DEBA-2C52-4028-89DE-F5AB3FE4CB76}"/>
+                                            </p:graphicEl>
+                                          </p:spTgt>
+                                        </p:tgtEl>
+                                        <p:attrNameLst>
+                                          <p:attrName>style.visibility</p:attrName>
+                                        </p:attrNameLst>
+                                      </p:cBhvr>
+                                      <p:to>
+                                        <p:strVal val="visible"/>
+                                      </p:to>
+                                    </p:set>
+                                    <p:animEffect transition="in" filter="fade">
+                                      <p:cBhvr>
+                                        <p:cTn id="56" dur="500"/>
+                                        <p:tgtEl>
+                                          <p:spTgt spid="5">
+                                            <p:graphicEl>
+                                              <a:dgm id="{3BC7DEBA-2C52-4028-89DE-F5AB3FE4CB76}"/>
+                                            </p:graphicEl>
+                                          </p:spTgt>
+                                        </p:tgtEl>
+                                      </p:cBhvr>
+                                    </p:animEffect>
+                                    <p:anim calcmode="lin" valueType="num">
+                                      <p:cBhvr>
+                                        <p:cTn id="57" dur="500" fill="hold"/>
+                                        <p:tgtEl>
+                                          <p:spTgt spid="5">
+                                            <p:graphicEl>
+                                              <a:dgm id="{3BC7DEBA-2C52-4028-89DE-F5AB3FE4CB76}"/>
+                                            </p:graphicEl>
+                                          </p:spTgt>
+                                        </p:tgtEl>
+                                        <p:attrNameLst>
+                                          <p:attrName>ppt_x</p:attrName>
+                                        </p:attrNameLst>
+                                      </p:cBhvr>
+                                      <p:tavLst>
+                                        <p:tav tm="0">
+                                          <p:val>
+                                            <p:strVal val="#ppt_x"/>
+                                          </p:val>
+                                        </p:tav>
+                                        <p:tav tm="100000">
+                                          <p:val>
+                                            <p:strVal val="#ppt_x"/>
+                                          </p:val>
+                                        </p:tav>
+                                      </p:tavLst>
+                                    </p:anim>
+                                    <p:anim calcmode="lin" valueType="num">
+                                      <p:cBhvr>
+                                        <p:cTn id="58" dur="500" fill="hold"/>
+                                        <p:tgtEl>
+                                          <p:spTgt spid="5">
+                                            <p:graphicEl>
+                                              <a:dgm id="{3BC7DEBA-2C52-4028-89DE-F5AB3FE4CB76}"/>
+                                            </p:graphicEl>
+                                          </p:spTgt>
+                                        </p:tgtEl>
+                                        <p:attrNameLst>
+                                          <p:attrName>ppt_y</p:attrName>
+                                        </p:attrNameLst>
+                                      </p:cBhvr>
+                                      <p:tavLst>
+                                        <p:tav tm="0">
+                                          <p:val>
+                                            <p:strVal val="#ppt_y+.1"/>
+                                          </p:val>
+                                        </p:tav>
+                                        <p:tav tm="100000">
+                                          <p:val>
+                                            <p:strVal val="#ppt_y"/>
+                                          </p:val>
+                                        </p:tav>
+                                      </p:tavLst>
+                                    </p:anim>
+                                  </p:childTnLst>
+                                </p:cTn>
+                              </p:par>
+                              <p:par>
+                                <p:cTn id="59" presetID="42" presetClass="entr" presetSubtype="0" fill="hold" grpId="0" nodeType="withEffect">
+                                  <p:stCondLst>
+                                    <p:cond delay="0"/>
+                                  </p:stCondLst>
+                                  <p:childTnLst>
+                                    <p:set>
+                                      <p:cBhvr>
+                                        <p:cTn id="60" dur="1" fill="hold">
+                                          <p:stCondLst>
+                                            <p:cond delay="0"/>
+                                          </p:stCondLst>
+                                        </p:cTn>
+                                        <p:tgtEl>
+                                          <p:spTgt spid="5">
+                                            <p:graphicEl>
+                                              <a:dgm id="{941753AE-B722-471C-AC62-47319BF0C8D9}"/>
+                                            </p:graphicEl>
+                                          </p:spTgt>
+                                        </p:tgtEl>
+                                        <p:attrNameLst>
+                                          <p:attrName>style.visibility</p:attrName>
+                                        </p:attrNameLst>
+                                      </p:cBhvr>
+                                      <p:to>
+                                        <p:strVal val="visible"/>
+                                      </p:to>
+                                    </p:set>
+                                    <p:animEffect transition="in" filter="fade">
+                                      <p:cBhvr>
+                                        <p:cTn id="61" dur="500"/>
+                                        <p:tgtEl>
+                                          <p:spTgt spid="5">
+                                            <p:graphicEl>
+                                              <a:dgm id="{941753AE-B722-471C-AC62-47319BF0C8D9}"/>
+                                            </p:graphicEl>
+                                          </p:spTgt>
+                                        </p:tgtEl>
+                                      </p:cBhvr>
+                                    </p:animEffect>
+                                    <p:anim calcmode="lin" valueType="num">
+                                      <p:cBhvr>
+                                        <p:cTn id="62" dur="500" fill="hold"/>
+                                        <p:tgtEl>
+                                          <p:spTgt spid="5">
+                                            <p:graphicEl>
+                                              <a:dgm id="{941753AE-B722-471C-AC62-47319BF0C8D9}"/>
+                                            </p:graphicEl>
+                                          </p:spTgt>
+                                        </p:tgtEl>
+                                        <p:attrNameLst>
+                                          <p:attrName>ppt_x</p:attrName>
+                                        </p:attrNameLst>
+                                      </p:cBhvr>
+                                      <p:tavLst>
+                                        <p:tav tm="0">
+                                          <p:val>
+                                            <p:strVal val="#ppt_x"/>
+                                          </p:val>
+                                        </p:tav>
+                                        <p:tav tm="100000">
+                                          <p:val>
+                                            <p:strVal val="#ppt_x"/>
+                                          </p:val>
+                                        </p:tav>
+                                      </p:tavLst>
+                                    </p:anim>
+                                    <p:anim calcmode="lin" valueType="num">
+                                      <p:cBhvr>
+                                        <p:cTn id="63" dur="500" fill="hold"/>
+                                        <p:tgtEl>
+                                          <p:spTgt spid="5">
+                                            <p:graphicEl>
+                                              <a:dgm id="{941753AE-B722-471C-AC62-47319BF0C8D9}"/>
+                                            </p:graphicEl>
+                                          </p:spTgt>
+                                        </p:tgtEl>
+                                        <p:attrNameLst>
+                                          <p:attrName>ppt_y</p:attrName>
+                                        </p:attrNameLst>
+                                      </p:cBhvr>
+                                      <p:tavLst>
+                                        <p:tav tm="0">
+                                          <p:val>
+                                            <p:strVal val="#ppt_y+.1"/>
+                                          </p:val>
+                                        </p:tav>
+                                        <p:tav tm="100000">
+                                          <p:val>
+                                            <p:strVal val="#ppt_y"/>
+                                          </p:val>
+                                        </p:tav>
+                                      </p:tavLst>
+                                    </p:anim>
+                                  </p:childTnLst>
+                                </p:cTn>
+                              </p:par>
+                            </p:childTnLst>
+                          </p:cTn>
+                        </p:par>
+                        <p:par>
+                          <p:cTn id="64" fill="hold">
+                            <p:stCondLst>
+                              <p:cond delay="500"/>
+                            </p:stCondLst>
+                            <p:childTnLst>
+                              <p:par>
+                                <p:cTn id="65" presetID="42" presetClass="entr" presetSubtype="0" fill="hold" grpId="0" nodeType="afterEffect">
+                                  <p:stCondLst>
+                                    <p:cond delay="0"/>
+                                  </p:stCondLst>
+                                  <p:childTnLst>
+                                    <p:set>
+                                      <p:cBhvr>
+                                        <p:cTn id="66" dur="1" fill="hold">
+                                          <p:stCondLst>
+                                            <p:cond delay="0"/>
+                                          </p:stCondLst>
+                                        </p:cTn>
+                                        <p:tgtEl>
+                                          <p:spTgt spid="5">
+                                            <p:graphicEl>
+                                              <a:dgm id="{5985B81B-530D-4971-88A2-3EE4ECBB8E69}"/>
+                                            </p:graphicEl>
+                                          </p:spTgt>
+                                        </p:tgtEl>
+                                        <p:attrNameLst>
+                                          <p:attrName>style.visibility</p:attrName>
+                                        </p:attrNameLst>
+                                      </p:cBhvr>
+                                      <p:to>
+                                        <p:strVal val="visible"/>
+                                      </p:to>
+                                    </p:set>
+                                    <p:animEffect transition="in" filter="fade">
+                                      <p:cBhvr>
+                                        <p:cTn id="67" dur="500"/>
+                                        <p:tgtEl>
+                                          <p:spTgt spid="5">
+                                            <p:graphicEl>
+                                              <a:dgm id="{5985B81B-530D-4971-88A2-3EE4ECBB8E69}"/>
+                                            </p:graphicEl>
+                                          </p:spTgt>
+                                        </p:tgtEl>
+                                      </p:cBhvr>
+                                    </p:animEffect>
+                                    <p:anim calcmode="lin" valueType="num">
+                                      <p:cBhvr>
+                                        <p:cTn id="68" dur="500" fill="hold"/>
+                                        <p:tgtEl>
+                                          <p:spTgt spid="5">
+                                            <p:graphicEl>
+                                              <a:dgm id="{5985B81B-530D-4971-88A2-3EE4ECBB8E69}"/>
+                                            </p:graphicEl>
+                                          </p:spTgt>
+                                        </p:tgtEl>
+                                        <p:attrNameLst>
+                                          <p:attrName>ppt_x</p:attrName>
+                                        </p:attrNameLst>
+                                      </p:cBhvr>
+                                      <p:tavLst>
+                                        <p:tav tm="0">
+                                          <p:val>
+                                            <p:strVal val="#ppt_x"/>
+                                          </p:val>
+                                        </p:tav>
+                                        <p:tav tm="100000">
+                                          <p:val>
+                                            <p:strVal val="#ppt_x"/>
+                                          </p:val>
+                                        </p:tav>
+                                      </p:tavLst>
+                                    </p:anim>
+                                    <p:anim calcmode="lin" valueType="num">
+                                      <p:cBhvr>
+                                        <p:cTn id="69" dur="500" fill="hold"/>
+                                        <p:tgtEl>
+                                          <p:spTgt spid="5">
+                                            <p:graphicEl>
+                                              <a:dgm id="{5985B81B-530D-4971-88A2-3EE4ECBB8E69}"/>
+                                            </p:graphicEl>
+                                          </p:spTgt>
+                                        </p:tgtEl>
+                                        <p:attrNameLst>
+                                          <p:attrName>ppt_y</p:attrName>
+                                        </p:attrNameLst>
+                                      </p:cBhvr>
+                                      <p:tavLst>
+                                        <p:tav tm="0">
+                                          <p:val>
+                                            <p:strVal val="#ppt_y+.1"/>
+                                          </p:val>
+                                        </p:tav>
+                                        <p:tav tm="100000">
+                                          <p:val>
+                                            <p:strVal val="#ppt_y"/>
+                                          </p:val>
+                                        </p:tav>
+                                      </p:tavLst>
+                                    </p:anim>
+                                  </p:childTnLst>
+                                </p:cTn>
+                              </p:par>
+                            </p:childTnLst>
+                          </p:cTn>
+                        </p:par>
+                        <p:par>
+                          <p:cTn id="70" fill="hold">
+                            <p:stCondLst>
+                              <p:cond delay="1000"/>
+                            </p:stCondLst>
+                            <p:childTnLst>
+                              <p:par>
+                                <p:cTn id="71" presetID="42" presetClass="entr" presetSubtype="0" fill="hold" grpId="0" nodeType="afterEffect">
+                                  <p:stCondLst>
+                                    <p:cond delay="0"/>
+                                  </p:stCondLst>
+                                  <p:childTnLst>
+                                    <p:set>
+                                      <p:cBhvr>
+                                        <p:cTn id="72" dur="1" fill="hold">
+                                          <p:stCondLst>
+                                            <p:cond delay="0"/>
+                                          </p:stCondLst>
+                                        </p:cTn>
+                                        <p:tgtEl>
+                                          <p:spTgt spid="5">
+                                            <p:graphicEl>
+                                              <a:dgm id="{FF831E13-8A6A-4D8A-BEB7-37ADC62306D4}"/>
+                                            </p:graphicEl>
+                                          </p:spTgt>
+                                        </p:tgtEl>
+                                        <p:attrNameLst>
+                                          <p:attrName>style.visibility</p:attrName>
+                                        </p:attrNameLst>
+                                      </p:cBhvr>
+                                      <p:to>
+                                        <p:strVal val="visible"/>
+                                      </p:to>
+                                    </p:set>
+                                    <p:animEffect transition="in" filter="fade">
+                                      <p:cBhvr>
+                                        <p:cTn id="73" dur="500"/>
+                                        <p:tgtEl>
+                                          <p:spTgt spid="5">
+                                            <p:graphicEl>
+                                              <a:dgm id="{FF831E13-8A6A-4D8A-BEB7-37ADC62306D4}"/>
+                                            </p:graphicEl>
+                                          </p:spTgt>
+                                        </p:tgtEl>
+                                      </p:cBhvr>
+                                    </p:animEffect>
+                                    <p:anim calcmode="lin" valueType="num">
+                                      <p:cBhvr>
+                                        <p:cTn id="74" dur="500" fill="hold"/>
+                                        <p:tgtEl>
+                                          <p:spTgt spid="5">
+                                            <p:graphicEl>
+                                              <a:dgm id="{FF831E13-8A6A-4D8A-BEB7-37ADC62306D4}"/>
+                                            </p:graphicEl>
+                                          </p:spTgt>
+                                        </p:tgtEl>
+                                        <p:attrNameLst>
+                                          <p:attrName>ppt_x</p:attrName>
+                                        </p:attrNameLst>
+                                      </p:cBhvr>
+                                      <p:tavLst>
+                                        <p:tav tm="0">
+                                          <p:val>
+                                            <p:strVal val="#ppt_x"/>
+                                          </p:val>
+                                        </p:tav>
+                                        <p:tav tm="100000">
+                                          <p:val>
+                                            <p:strVal val="#ppt_x"/>
+                                          </p:val>
+                                        </p:tav>
+                                      </p:tavLst>
+                                    </p:anim>
+                                    <p:anim calcmode="lin" valueType="num">
+                                      <p:cBhvr>
+                                        <p:cTn id="75" dur="500" fill="hold"/>
+                                        <p:tgtEl>
+                                          <p:spTgt spid="5">
+                                            <p:graphicEl>
+                                              <a:dgm id="{FF831E13-8A6A-4D8A-BEB7-37ADC62306D4}"/>
+                                            </p:graphicEl>
+                                          </p:spTgt>
+                                        </p:tgtEl>
+                                        <p:attrNameLst>
+                                          <p:attrName>ppt_y</p:attrName>
+                                        </p:attrNameLst>
+                                      </p:cBhvr>
+                                      <p:tavLst>
+                                        <p:tav tm="0">
+                                          <p:val>
+                                            <p:strVal val="#ppt_y+.1"/>
+                                          </p:val>
+                                        </p:tav>
+                                        <p:tav tm="100000">
+                                          <p:val>
+                                            <p:strVal val="#ppt_y"/>
+                                          </p:val>
+                                        </p:tav>
+                                      </p:tavLst>
+                                    </p:anim>
+                                  </p:childTnLst>
+                                </p:cTn>
+                              </p:par>
+                              <p:par>
+                                <p:cTn id="76" presetID="42" presetClass="entr" presetSubtype="0" fill="hold" grpId="0" nodeType="withEffect">
+                                  <p:stCondLst>
+                                    <p:cond delay="0"/>
+                                  </p:stCondLst>
+                                  <p:childTnLst>
+                                    <p:set>
+                                      <p:cBhvr>
+                                        <p:cTn id="77" dur="1" fill="hold">
+                                          <p:stCondLst>
+                                            <p:cond delay="0"/>
+                                          </p:stCondLst>
+                                        </p:cTn>
+                                        <p:tgtEl>
+                                          <p:spTgt spid="5">
+                                            <p:graphicEl>
+                                              <a:dgm id="{0AFF7BF0-831D-4AD1-ABB4-F764DB6E2461}"/>
+                                            </p:graphicEl>
+                                          </p:spTgt>
+                                        </p:tgtEl>
+                                        <p:attrNameLst>
+                                          <p:attrName>style.visibility</p:attrName>
+                                        </p:attrNameLst>
+                                      </p:cBhvr>
+                                      <p:to>
+                                        <p:strVal val="visible"/>
+                                      </p:to>
+                                    </p:set>
+                                    <p:animEffect transition="in" filter="fade">
+                                      <p:cBhvr>
+                                        <p:cTn id="78" dur="500"/>
+                                        <p:tgtEl>
+                                          <p:spTgt spid="5">
+                                            <p:graphicEl>
+                                              <a:dgm id="{0AFF7BF0-831D-4AD1-ABB4-F764DB6E2461}"/>
+                                            </p:graphicEl>
+                                          </p:spTgt>
+                                        </p:tgtEl>
+                                      </p:cBhvr>
+                                    </p:animEffect>
+                                    <p:anim calcmode="lin" valueType="num">
+                                      <p:cBhvr>
+                                        <p:cTn id="79" dur="500" fill="hold"/>
+                                        <p:tgtEl>
+                                          <p:spTgt spid="5">
+                                            <p:graphicEl>
+                                              <a:dgm id="{0AFF7BF0-831D-4AD1-ABB4-F764DB6E2461}"/>
+                                            </p:graphicEl>
+                                          </p:spTgt>
+                                        </p:tgtEl>
+                                        <p:attrNameLst>
+                                          <p:attrName>ppt_x</p:attrName>
+                                        </p:attrNameLst>
+                                      </p:cBhvr>
+                                      <p:tavLst>
+                                        <p:tav tm="0">
+                                          <p:val>
+                                            <p:strVal val="#ppt_x"/>
+                                          </p:val>
+                                        </p:tav>
+                                        <p:tav tm="100000">
+                                          <p:val>
+                                            <p:strVal val="#ppt_x"/>
+                                          </p:val>
+                                        </p:tav>
+                                      </p:tavLst>
+                                    </p:anim>
+                                    <p:anim calcmode="lin" valueType="num">
+                                      <p:cBhvr>
+                                        <p:cTn id="80" dur="500" fill="hold"/>
+                                        <p:tgtEl>
+                                          <p:spTgt spid="5">
+                                            <p:graphicEl>
+                                              <a:dgm id="{0AFF7BF0-831D-4AD1-ABB4-F764DB6E2461}"/>
+                                            </p:graphicEl>
+                                          </p:spTgt>
+                                        </p:tgtEl>
+                                        <p:attrNameLst>
+                                          <p:attrName>ppt_y</p:attrName>
+                                        </p:attrNameLst>
+                                      </p:cBhvr>
+                                      <p:tavLst>
+                                        <p:tav tm="0">
+                                          <p:val>
+                                            <p:strVal val="#ppt_y+.1"/>
+                                          </p:val>
+                                        </p:tav>
+                                        <p:tav tm="100000">
+                                          <p:val>
+                                            <p:strVal val="#ppt_y"/>
+                                          </p:val>
+                                        </p:tav>
+                                      </p:tavLst>
+                                    </p:anim>
+                                  </p:childTnLst>
+                                </p:cTn>
+                              </p:par>
+                            </p:childTnLst>
+                          </p:cTn>
+                        </p:par>
+                        <p:par>
+                          <p:cTn id="81" fill="hold">
+                            <p:stCondLst>
+                              <p:cond delay="1500"/>
+                            </p:stCondLst>
+                            <p:childTnLst>
+                              <p:par>
+                                <p:cTn id="82" presetID="42" presetClass="entr" presetSubtype="0" fill="hold" grpId="0" nodeType="afterEffect">
+                                  <p:stCondLst>
+                                    <p:cond delay="0"/>
+                                  </p:stCondLst>
+                                  <p:childTnLst>
+                                    <p:set>
+                                      <p:cBhvr>
+                                        <p:cTn id="83" dur="1" fill="hold">
+                                          <p:stCondLst>
+                                            <p:cond delay="0"/>
+                                          </p:stCondLst>
+                                        </p:cTn>
+                                        <p:tgtEl>
+                                          <p:spTgt spid="5">
+                                            <p:graphicEl>
+                                              <a:dgm id="{D07F289D-12CB-40AB-A857-CA247E25A06F}"/>
+                                            </p:graphicEl>
+                                          </p:spTgt>
+                                        </p:tgtEl>
+                                        <p:attrNameLst>
+                                          <p:attrName>style.visibility</p:attrName>
+                                        </p:attrNameLst>
+                                      </p:cBhvr>
+                                      <p:to>
+                                        <p:strVal val="visible"/>
+                                      </p:to>
+                                    </p:set>
+                                    <p:animEffect transition="in" filter="fade">
+                                      <p:cBhvr>
+                                        <p:cTn id="84" dur="500"/>
+                                        <p:tgtEl>
+                                          <p:spTgt spid="5">
+                                            <p:graphicEl>
+                                              <a:dgm id="{D07F289D-12CB-40AB-A857-CA247E25A06F}"/>
+                                            </p:graphicEl>
+                                          </p:spTgt>
+                                        </p:tgtEl>
+                                      </p:cBhvr>
+                                    </p:animEffect>
+                                    <p:anim calcmode="lin" valueType="num">
+                                      <p:cBhvr>
+                                        <p:cTn id="85" dur="500" fill="hold"/>
+                                        <p:tgtEl>
+                                          <p:spTgt spid="5">
+                                            <p:graphicEl>
+                                              <a:dgm id="{D07F289D-12CB-40AB-A857-CA247E25A06F}"/>
+                                            </p:graphicEl>
+                                          </p:spTgt>
+                                        </p:tgtEl>
+                                        <p:attrNameLst>
+                                          <p:attrName>ppt_x</p:attrName>
+                                        </p:attrNameLst>
+                                      </p:cBhvr>
+                                      <p:tavLst>
+                                        <p:tav tm="0">
+                                          <p:val>
+                                            <p:strVal val="#ppt_x"/>
+                                          </p:val>
+                                        </p:tav>
+                                        <p:tav tm="100000">
+                                          <p:val>
+                                            <p:strVal val="#ppt_x"/>
+                                          </p:val>
+                                        </p:tav>
+                                      </p:tavLst>
+                                    </p:anim>
+                                    <p:anim calcmode="lin" valueType="num">
+                                      <p:cBhvr>
+                                        <p:cTn id="86" dur="500" fill="hold"/>
+                                        <p:tgtEl>
+                                          <p:spTgt spid="5">
+                                            <p:graphicEl>
+                                              <a:dgm id="{D07F289D-12CB-40AB-A857-CA247E25A06F}"/>
+                                            </p:graphicEl>
+                                          </p:spTgt>
+                                        </p:tgtEl>
+                                        <p:attrNameLst>
+                                          <p:attrName>ppt_y</p:attrName>
+                                        </p:attrNameLst>
+                                      </p:cBhvr>
+                                      <p:tavLst>
+                                        <p:tav tm="0">
+                                          <p:val>
+                                            <p:strVal val="#ppt_y+.1"/>
+                                          </p:val>
+                                        </p:tav>
+                                        <p:tav tm="100000">
+                                          <p:val>
+                                            <p:strVal val="#ppt_y"/>
+                                          </p:val>
+                                        </p:tav>
+                                      </p:tavLst>
+                                    </p:anim>
+                                  </p:childTnLst>
+                                </p:cTn>
+                              </p:par>
+                              <p:par>
+                                <p:cTn id="87" presetID="42" presetClass="entr" presetSubtype="0" fill="hold" grpId="0" nodeType="withEffect">
+                                  <p:stCondLst>
+                                    <p:cond delay="0"/>
+                                  </p:stCondLst>
+                                  <p:childTnLst>
+                                    <p:set>
+                                      <p:cBhvr>
+                                        <p:cTn id="88" dur="1" fill="hold">
+                                          <p:stCondLst>
+                                            <p:cond delay="0"/>
+                                          </p:stCondLst>
+                                        </p:cTn>
+                                        <p:tgtEl>
+                                          <p:spTgt spid="5">
+                                            <p:graphicEl>
+                                              <a:dgm id="{4D62E9A6-E659-40CA-98AB-B285AFE75633}"/>
+                                            </p:graphicEl>
+                                          </p:spTgt>
+                                        </p:tgtEl>
+                                        <p:attrNameLst>
+                                          <p:attrName>style.visibility</p:attrName>
+                                        </p:attrNameLst>
+                                      </p:cBhvr>
+                                      <p:to>
+                                        <p:strVal val="visible"/>
+                                      </p:to>
+                                    </p:set>
+                                    <p:animEffect transition="in" filter="fade">
+                                      <p:cBhvr>
+                                        <p:cTn id="89" dur="500"/>
+                                        <p:tgtEl>
+                                          <p:spTgt spid="5">
+                                            <p:graphicEl>
+                                              <a:dgm id="{4D62E9A6-E659-40CA-98AB-B285AFE75633}"/>
+                                            </p:graphicEl>
+                                          </p:spTgt>
+                                        </p:tgtEl>
+                                      </p:cBhvr>
+                                    </p:animEffect>
+                                    <p:anim calcmode="lin" valueType="num">
+                                      <p:cBhvr>
+                                        <p:cTn id="90" dur="500" fill="hold"/>
+                                        <p:tgtEl>
+                                          <p:spTgt spid="5">
+                                            <p:graphicEl>
+                                              <a:dgm id="{4D62E9A6-E659-40CA-98AB-B285AFE75633}"/>
+                                            </p:graphicEl>
+                                          </p:spTgt>
+                                        </p:tgtEl>
+                                        <p:attrNameLst>
+                                          <p:attrName>ppt_x</p:attrName>
+                                        </p:attrNameLst>
+                                      </p:cBhvr>
+                                      <p:tavLst>
+                                        <p:tav tm="0">
+                                          <p:val>
+                                            <p:strVal val="#ppt_x"/>
+                                          </p:val>
+                                        </p:tav>
+                                        <p:tav tm="100000">
+                                          <p:val>
+                                            <p:strVal val="#ppt_x"/>
+                                          </p:val>
+                                        </p:tav>
+                                      </p:tavLst>
+                                    </p:anim>
+                                    <p:anim calcmode="lin" valueType="num">
+                                      <p:cBhvr>
+                                        <p:cTn id="91" dur="500" fill="hold"/>
+                                        <p:tgtEl>
+                                          <p:spTgt spid="5">
+                                            <p:graphicEl>
+                                              <a:dgm id="{4D62E9A6-E659-40CA-98AB-B285AFE75633}"/>
+                                            </p:graphicEl>
+                                          </p:spTgt>
+                                        </p:tgtEl>
+                                        <p:attrNameLst>
+                                          <p:attrName>ppt_y</p:attrName>
+                                        </p:attrNameLst>
+                                      </p:cBhvr>
+                                      <p:tavLst>
+                                        <p:tav tm="0">
+                                          <p:val>
+                                            <p:strVal val="#ppt_y+.1"/>
+                                          </p:val>
+                                        </p:tav>
+                                        <p:tav tm="100000">
+                                          <p:val>
+                                            <p:strVal val="#ppt_y"/>
+                                          </p:val>
+                                        </p:tav>
+                                      </p:tavLst>
+                                    </p:anim>
+                                  </p:childTnLst>
+                                </p:cTn>
+                              </p:par>
+                            </p:childTnLst>
+                          </p:cTn>
+                        </p:par>
+                        <p:par>
+                          <p:cTn id="92" fill="hold">
+                            <p:stCondLst>
+                              <p:cond delay="2000"/>
+                            </p:stCondLst>
+                            <p:childTnLst>
+                              <p:par>
+                                <p:cTn id="93" presetID="42" presetClass="entr" presetSubtype="0" fill="hold" grpId="0" nodeType="afterEffect">
+                                  <p:stCondLst>
+                                    <p:cond delay="0"/>
+                                  </p:stCondLst>
+                                  <p:childTnLst>
+                                    <p:set>
+                                      <p:cBhvr>
+                                        <p:cTn id="94" dur="1" fill="hold">
+                                          <p:stCondLst>
+                                            <p:cond delay="0"/>
+                                          </p:stCondLst>
+                                        </p:cTn>
+                                        <p:tgtEl>
+                                          <p:spTgt spid="5">
+                                            <p:graphicEl>
+                                              <a:dgm id="{52EA843E-06A3-42D1-8C01-BD7D1EC5A7E2}"/>
+                                            </p:graphicEl>
+                                          </p:spTgt>
+                                        </p:tgtEl>
+                                        <p:attrNameLst>
+                                          <p:attrName>style.visibility</p:attrName>
+                                        </p:attrNameLst>
+                                      </p:cBhvr>
+                                      <p:to>
+                                        <p:strVal val="visible"/>
+                                      </p:to>
+                                    </p:set>
+                                    <p:animEffect transition="in" filter="fade">
+                                      <p:cBhvr>
+                                        <p:cTn id="95" dur="500"/>
+                                        <p:tgtEl>
+                                          <p:spTgt spid="5">
+                                            <p:graphicEl>
+                                              <a:dgm id="{52EA843E-06A3-42D1-8C01-BD7D1EC5A7E2}"/>
+                                            </p:graphicEl>
+                                          </p:spTgt>
+                                        </p:tgtEl>
+                                      </p:cBhvr>
+                                    </p:animEffect>
+                                    <p:anim calcmode="lin" valueType="num">
+                                      <p:cBhvr>
+                                        <p:cTn id="96" dur="500" fill="hold"/>
+                                        <p:tgtEl>
+                                          <p:spTgt spid="5">
+                                            <p:graphicEl>
+                                              <a:dgm id="{52EA843E-06A3-42D1-8C01-BD7D1EC5A7E2}"/>
+                                            </p:graphicEl>
+                                          </p:spTgt>
+                                        </p:tgtEl>
+                                        <p:attrNameLst>
+                                          <p:attrName>ppt_x</p:attrName>
+                                        </p:attrNameLst>
+                                      </p:cBhvr>
+                                      <p:tavLst>
+                                        <p:tav tm="0">
+                                          <p:val>
+                                            <p:strVal val="#ppt_x"/>
+                                          </p:val>
+                                        </p:tav>
+                                        <p:tav tm="100000">
+                                          <p:val>
+                                            <p:strVal val="#ppt_x"/>
+                                          </p:val>
+                                        </p:tav>
+                                      </p:tavLst>
+                                    </p:anim>
+                                    <p:anim calcmode="lin" valueType="num">
+                                      <p:cBhvr>
+                                        <p:cTn id="97" dur="500" fill="hold"/>
+                                        <p:tgtEl>
+                                          <p:spTgt spid="5">
+                                            <p:graphicEl>
+                                              <a:dgm id="{52EA843E-06A3-42D1-8C01-BD7D1EC5A7E2}"/>
+                                            </p:graphicEl>
+                                          </p:spTgt>
+                                        </p:tgtEl>
+                                        <p:attrNameLst>
+                                          <p:attrName>ppt_y</p:attrName>
+                                        </p:attrNameLst>
+                                      </p:cBhvr>
+                                      <p:tavLst>
+                                        <p:tav tm="0">
+                                          <p:val>
+                                            <p:strVal val="#ppt_y+.1"/>
+                                          </p:val>
+                                        </p:tav>
+                                        <p:tav tm="100000">
+                                          <p:val>
+                                            <p:strVal val="#ppt_y"/>
+                                          </p:val>
+                                        </p:tav>
+                                      </p:tavLst>
+                                    </p:anim>
+                                  </p:childTnLst>
+                                </p:cTn>
+                              </p:par>
+                              <p:par>
+                                <p:cTn id="98" presetID="42" presetClass="entr" presetSubtype="0" fill="hold" grpId="0" nodeType="withEffect">
+                                  <p:stCondLst>
+                                    <p:cond delay="0"/>
+                                  </p:stCondLst>
+                                  <p:childTnLst>
+                                    <p:set>
+                                      <p:cBhvr>
+                                        <p:cTn id="99" dur="1" fill="hold">
+                                          <p:stCondLst>
+                                            <p:cond delay="0"/>
+                                          </p:stCondLst>
+                                        </p:cTn>
+                                        <p:tgtEl>
+                                          <p:spTgt spid="5">
+                                            <p:graphicEl>
+                                              <a:dgm id="{68706D7E-EE3E-4DDF-9022-D931030632D4}"/>
+                                            </p:graphicEl>
+                                          </p:spTgt>
+                                        </p:tgtEl>
+                                        <p:attrNameLst>
+                                          <p:attrName>style.visibility</p:attrName>
+                                        </p:attrNameLst>
+                                      </p:cBhvr>
+                                      <p:to>
+                                        <p:strVal val="visible"/>
+                                      </p:to>
+                                    </p:set>
+                                    <p:animEffect transition="in" filter="fade">
+                                      <p:cBhvr>
+                                        <p:cTn id="100" dur="500"/>
+                                        <p:tgtEl>
+                                          <p:spTgt spid="5">
+                                            <p:graphicEl>
+                                              <a:dgm id="{68706D7E-EE3E-4DDF-9022-D931030632D4}"/>
+                                            </p:graphicEl>
+                                          </p:spTgt>
+                                        </p:tgtEl>
+                                      </p:cBhvr>
+                                    </p:animEffect>
+                                    <p:anim calcmode="lin" valueType="num">
+                                      <p:cBhvr>
+                                        <p:cTn id="101" dur="500" fill="hold"/>
+                                        <p:tgtEl>
+                                          <p:spTgt spid="5">
+                                            <p:graphicEl>
+                                              <a:dgm id="{68706D7E-EE3E-4DDF-9022-D931030632D4}"/>
+                                            </p:graphicEl>
+                                          </p:spTgt>
+                                        </p:tgtEl>
+                                        <p:attrNameLst>
+                                          <p:attrName>ppt_x</p:attrName>
+                                        </p:attrNameLst>
+                                      </p:cBhvr>
+                                      <p:tavLst>
+                                        <p:tav tm="0">
+                                          <p:val>
+                                            <p:strVal val="#ppt_x"/>
+                                          </p:val>
+                                        </p:tav>
+                                        <p:tav tm="100000">
+                                          <p:val>
+                                            <p:strVal val="#ppt_x"/>
+                                          </p:val>
+                                        </p:tav>
+                                      </p:tavLst>
+                                    </p:anim>
+                                    <p:anim calcmode="lin" valueType="num">
+                                      <p:cBhvr>
+                                        <p:cTn id="102" dur="500" fill="hold"/>
+                                        <p:tgtEl>
+                                          <p:spTgt spid="5">
+                                            <p:graphicEl>
+                                              <a:dgm id="{68706D7E-EE3E-4DDF-9022-D931030632D4}"/>
+                                            </p:graphicEl>
+                                          </p:spTgt>
+                                        </p:tgtEl>
+                                        <p:attrNameLst>
+                                          <p:attrName>ppt_y</p:attrName>
+                                        </p:attrNameLst>
+                                      </p:cBhvr>
+                                      <p:tavLst>
+                                        <p:tav tm="0">
+                                          <p:val>
+                                            <p:strVal val="#ppt_y+.1"/>
+                                          </p:val>
+                                        </p:tav>
+                                        <p:tav tm="100000">
+                                          <p:val>
+                                            <p:strVal val="#ppt_y"/>
+                                          </p:val>
+                                        </p:tav>
+                                      </p:tavLst>
+                                    </p:anim>
+                                  </p:childTnLst>
+                                </p:cTn>
+                              </p:par>
+                            </p:childTnLst>
+                          </p:cTn>
+                        </p:par>
+                        <p:par>
+                          <p:cTn id="103" fill="hold">
+                            <p:stCondLst>
+                              <p:cond delay="2500"/>
+                            </p:stCondLst>
+                            <p:childTnLst>
+                              <p:par>
+                                <p:cTn id="104" presetID="42" presetClass="entr" presetSubtype="0" fill="hold" grpId="0" nodeType="afterEffect">
+                                  <p:stCondLst>
+                                    <p:cond delay="0"/>
+                                  </p:stCondLst>
+                                  <p:childTnLst>
+                                    <p:set>
+                                      <p:cBhvr>
+                                        <p:cTn id="105" dur="1" fill="hold">
+                                          <p:stCondLst>
+                                            <p:cond delay="0"/>
+                                          </p:stCondLst>
+                                        </p:cTn>
+                                        <p:tgtEl>
+                                          <p:spTgt spid="5">
+                                            <p:graphicEl>
+                                              <a:dgm id="{F7F3A5D0-D057-468A-B24E-9B2BE81D8CF2}"/>
+                                            </p:graphicEl>
+                                          </p:spTgt>
+                                        </p:tgtEl>
+                                        <p:attrNameLst>
+                                          <p:attrName>style.visibility</p:attrName>
+                                        </p:attrNameLst>
+                                      </p:cBhvr>
+                                      <p:to>
+                                        <p:strVal val="visible"/>
+                                      </p:to>
+                                    </p:set>
+                                    <p:animEffect transition="in" filter="fade">
+                                      <p:cBhvr>
+                                        <p:cTn id="106" dur="500"/>
+                                        <p:tgtEl>
+                                          <p:spTgt spid="5">
+                                            <p:graphicEl>
+                                              <a:dgm id="{F7F3A5D0-D057-468A-B24E-9B2BE81D8CF2}"/>
+                                            </p:graphicEl>
+                                          </p:spTgt>
+                                        </p:tgtEl>
+                                      </p:cBhvr>
+                                    </p:animEffect>
+                                    <p:anim calcmode="lin" valueType="num">
+                                      <p:cBhvr>
+                                        <p:cTn id="107" dur="500" fill="hold"/>
+                                        <p:tgtEl>
+                                          <p:spTgt spid="5">
+                                            <p:graphicEl>
+                                              <a:dgm id="{F7F3A5D0-D057-468A-B24E-9B2BE81D8CF2}"/>
+                                            </p:graphicEl>
+                                          </p:spTgt>
+                                        </p:tgtEl>
+                                        <p:attrNameLst>
+                                          <p:attrName>ppt_x</p:attrName>
+                                        </p:attrNameLst>
+                                      </p:cBhvr>
+                                      <p:tavLst>
+                                        <p:tav tm="0">
+                                          <p:val>
+                                            <p:strVal val="#ppt_x"/>
+                                          </p:val>
+                                        </p:tav>
+                                        <p:tav tm="100000">
+                                          <p:val>
+                                            <p:strVal val="#ppt_x"/>
+                                          </p:val>
+                                        </p:tav>
+                                      </p:tavLst>
+                                    </p:anim>
+                                    <p:anim calcmode="lin" valueType="num">
+                                      <p:cBhvr>
+                                        <p:cTn id="108" dur="500" fill="hold"/>
+                                        <p:tgtEl>
+                                          <p:spTgt spid="5">
+                                            <p:graphicEl>
+                                              <a:dgm id="{F7F3A5D0-D057-468A-B24E-9B2BE81D8CF2}"/>
+                                            </p:graphicEl>
+                                          </p:spTgt>
+                                        </p:tgtEl>
+                                        <p:attrNameLst>
+                                          <p:attrName>ppt_y</p:attrName>
+                                        </p:attrNameLst>
+                                      </p:cBhvr>
+                                      <p:tavLst>
+                                        <p:tav tm="0">
+                                          <p:val>
+                                            <p:strVal val="#ppt_y+.1"/>
+                                          </p:val>
+                                        </p:tav>
+                                        <p:tav tm="100000">
+                                          <p:val>
+                                            <p:strVal val="#ppt_y"/>
+                                          </p:val>
+                                        </p:tav>
+                                      </p:tavLst>
+                                    </p:anim>
+                                  </p:childTnLst>
+                                </p:cTn>
+                              </p:par>
+                              <p:par>
+                                <p:cTn id="109" presetID="42" presetClass="entr" presetSubtype="0" fill="hold" grpId="0" nodeType="withEffect">
+                                  <p:stCondLst>
+                                    <p:cond delay="0"/>
+                                  </p:stCondLst>
+                                  <p:childTnLst>
+                                    <p:set>
+                                      <p:cBhvr>
+                                        <p:cTn id="110" dur="1" fill="hold">
+                                          <p:stCondLst>
+                                            <p:cond delay="0"/>
+                                          </p:stCondLst>
+                                        </p:cTn>
+                                        <p:tgtEl>
+                                          <p:spTgt spid="5">
+                                            <p:graphicEl>
+                                              <a:dgm id="{643E397E-2DA9-48E1-A4BE-33184935FB21}"/>
+                                            </p:graphicEl>
+                                          </p:spTgt>
+                                        </p:tgtEl>
+                                        <p:attrNameLst>
+                                          <p:attrName>style.visibility</p:attrName>
+                                        </p:attrNameLst>
+                                      </p:cBhvr>
+                                      <p:to>
+                                        <p:strVal val="visible"/>
+                                      </p:to>
+                                    </p:set>
+                                    <p:animEffect transition="in" filter="fade">
+                                      <p:cBhvr>
+                                        <p:cTn id="111" dur="500"/>
+                                        <p:tgtEl>
+                                          <p:spTgt spid="5">
+                                            <p:graphicEl>
+                                              <a:dgm id="{643E397E-2DA9-48E1-A4BE-33184935FB21}"/>
+                                            </p:graphicEl>
+                                          </p:spTgt>
+                                        </p:tgtEl>
+                                      </p:cBhvr>
+                                    </p:animEffect>
+                                    <p:anim calcmode="lin" valueType="num">
+                                      <p:cBhvr>
+                                        <p:cTn id="112" dur="500" fill="hold"/>
+                                        <p:tgtEl>
+                                          <p:spTgt spid="5">
+                                            <p:graphicEl>
+                                              <a:dgm id="{643E397E-2DA9-48E1-A4BE-33184935FB21}"/>
+                                            </p:graphicEl>
+                                          </p:spTgt>
+                                        </p:tgtEl>
+                                        <p:attrNameLst>
+                                          <p:attrName>ppt_x</p:attrName>
+                                        </p:attrNameLst>
+                                      </p:cBhvr>
+                                      <p:tavLst>
+                                        <p:tav tm="0">
+                                          <p:val>
+                                            <p:strVal val="#ppt_x"/>
+                                          </p:val>
+                                        </p:tav>
+                                        <p:tav tm="100000">
+                                          <p:val>
+                                            <p:strVal val="#ppt_x"/>
+                                          </p:val>
+                                        </p:tav>
+                                      </p:tavLst>
+                                    </p:anim>
+                                    <p:anim calcmode="lin" valueType="num">
+                                      <p:cBhvr>
+                                        <p:cTn id="113" dur="500" fill="hold"/>
+                                        <p:tgtEl>
+                                          <p:spTgt spid="5">
+                                            <p:graphicEl>
+                                              <a:dgm id="{643E397E-2DA9-48E1-A4BE-33184935FB21}"/>
+                                            </p:graphicEl>
+                                          </p:spTgt>
+                                        </p:tgtEl>
+                                        <p:attrNameLst>
+                                          <p:attrName>ppt_y</p:attrName>
+                                        </p:attrNameLst>
+                                      </p:cBhvr>
+                                      <p:tavLst>
+                                        <p:tav tm="0">
+                                          <p:val>
+                                            <p:strVal val="#ppt_y+.1"/>
+                                          </p:val>
+                                        </p:tav>
+                                        <p:tav tm="100000">
+                                          <p:val>
+                                            <p:strVal val="#ppt_y"/>
+                                          </p:val>
+                                        </p:tav>
+                                      </p:tavLst>
+                                    </p:anim>
+                                  </p:childTnLst>
+                                </p:cTn>
+                              </p:par>
+                            </p:childTnLst>
+                          </p:cTn>
+                        </p:par>
+                      </p:childTnLst>
+                    </p:cTn>
+                  </p:par>
+                  <p:par>
+                    <p:cTn id="114" fill="hold">
+                      <p:stCondLst>
+                        <p:cond delay="indefinite"/>
+                      </p:stCondLst>
+                      <p:childTnLst>
+                        <p:par>
+                          <p:cTn id="115" fill="hold">
+                            <p:stCondLst>
+                              <p:cond delay="0"/>
+                            </p:stCondLst>
+                            <p:childTnLst>
+                              <p:par>
+                                <p:cTn id="116" presetID="42" presetClass="entr" presetSubtype="0" fill="hold" grpId="0" nodeType="clickEffect">
+                                  <p:stCondLst>
+                                    <p:cond delay="0"/>
+                                  </p:stCondLst>
+                                  <p:childTnLst>
+                                    <p:set>
+                                      <p:cBhvr>
+                                        <p:cTn id="117" dur="1" fill="hold">
+                                          <p:stCondLst>
+                                            <p:cond delay="0"/>
+                                          </p:stCondLst>
+                                        </p:cTn>
+                                        <p:tgtEl>
+                                          <p:spTgt spid="5">
+                                            <p:graphicEl>
+                                              <a:dgm id="{C4D9330B-F04D-412D-BB13-2F067C2A29DD}"/>
+                                            </p:graphicEl>
+                                          </p:spTgt>
+                                        </p:tgtEl>
+                                        <p:attrNameLst>
+                                          <p:attrName>style.visibility</p:attrName>
+                                        </p:attrNameLst>
+                                      </p:cBhvr>
+                                      <p:to>
+                                        <p:strVal val="visible"/>
+                                      </p:to>
+                                    </p:set>
+                                    <p:animEffect transition="in" filter="fade">
+                                      <p:cBhvr>
+                                        <p:cTn id="118" dur="500"/>
+                                        <p:tgtEl>
+                                          <p:spTgt spid="5">
+                                            <p:graphicEl>
+                                              <a:dgm id="{C4D9330B-F04D-412D-BB13-2F067C2A29DD}"/>
+                                            </p:graphicEl>
+                                          </p:spTgt>
+                                        </p:tgtEl>
+                                      </p:cBhvr>
+                                    </p:animEffect>
+                                    <p:anim calcmode="lin" valueType="num">
+                                      <p:cBhvr>
+                                        <p:cTn id="119" dur="500" fill="hold"/>
+                                        <p:tgtEl>
+                                          <p:spTgt spid="5">
+                                            <p:graphicEl>
+                                              <a:dgm id="{C4D9330B-F04D-412D-BB13-2F067C2A29DD}"/>
+                                            </p:graphicEl>
+                                          </p:spTgt>
+                                        </p:tgtEl>
+                                        <p:attrNameLst>
+                                          <p:attrName>ppt_x</p:attrName>
+                                        </p:attrNameLst>
+                                      </p:cBhvr>
+                                      <p:tavLst>
+                                        <p:tav tm="0">
+                                          <p:val>
+                                            <p:strVal val="#ppt_x"/>
+                                          </p:val>
+                                        </p:tav>
+                                        <p:tav tm="100000">
+                                          <p:val>
+                                            <p:strVal val="#ppt_x"/>
+                                          </p:val>
+                                        </p:tav>
+                                      </p:tavLst>
+                                    </p:anim>
+                                    <p:anim calcmode="lin" valueType="num">
+                                      <p:cBhvr>
+                                        <p:cTn id="120" dur="500" fill="hold"/>
+                                        <p:tgtEl>
+                                          <p:spTgt spid="5">
+                                            <p:graphicEl>
+                                              <a:dgm id="{C4D9330B-F04D-412D-BB13-2F067C2A29DD}"/>
+                                            </p:graphicEl>
+                                          </p:spTgt>
+                                        </p:tgtEl>
+                                        <p:attrNameLst>
+                                          <p:attrName>ppt_y</p:attrName>
+                                        </p:attrNameLst>
+                                      </p:cBhvr>
+                                      <p:tavLst>
+                                        <p:tav tm="0">
+                                          <p:val>
+                                            <p:strVal val="#ppt_y+.1"/>
+                                          </p:val>
+                                        </p:tav>
+                                        <p:tav tm="100000">
+                                          <p:val>
+                                            <p:strVal val="#ppt_y"/>
+                                          </p:val>
+                                        </p:tav>
+                                      </p:tavLst>
+                                    </p:anim>
+                                  </p:childTnLst>
+                                </p:cTn>
+                              </p:par>
+                              <p:par>
+                                <p:cTn id="121" presetID="42" presetClass="entr" presetSubtype="0" fill="hold" grpId="0" nodeType="withEffect">
+                                  <p:stCondLst>
+                                    <p:cond delay="0"/>
+                                  </p:stCondLst>
+                                  <p:childTnLst>
+                                    <p:set>
+                                      <p:cBhvr>
+                                        <p:cTn id="122" dur="1" fill="hold">
+                                          <p:stCondLst>
+                                            <p:cond delay="0"/>
+                                          </p:stCondLst>
+                                        </p:cTn>
+                                        <p:tgtEl>
+                                          <p:spTgt spid="5">
+                                            <p:graphicEl>
+                                              <a:dgm id="{193F5734-4D54-4AF1-9A12-3B2325B908A1}"/>
+                                            </p:graphicEl>
+                                          </p:spTgt>
+                                        </p:tgtEl>
+                                        <p:attrNameLst>
+                                          <p:attrName>style.visibility</p:attrName>
+                                        </p:attrNameLst>
+                                      </p:cBhvr>
+                                      <p:to>
+                                        <p:strVal val="visible"/>
+                                      </p:to>
+                                    </p:set>
+                                    <p:animEffect transition="in" filter="fade">
+                                      <p:cBhvr>
+                                        <p:cTn id="123" dur="500"/>
+                                        <p:tgtEl>
+                                          <p:spTgt spid="5">
+                                            <p:graphicEl>
+                                              <a:dgm id="{193F5734-4D54-4AF1-9A12-3B2325B908A1}"/>
+                                            </p:graphicEl>
+                                          </p:spTgt>
+                                        </p:tgtEl>
+                                      </p:cBhvr>
+                                    </p:animEffect>
+                                    <p:anim calcmode="lin" valueType="num">
+                                      <p:cBhvr>
+                                        <p:cTn id="124" dur="500" fill="hold"/>
+                                        <p:tgtEl>
+                                          <p:spTgt spid="5">
+                                            <p:graphicEl>
+                                              <a:dgm id="{193F5734-4D54-4AF1-9A12-3B2325B908A1}"/>
+                                            </p:graphicEl>
+                                          </p:spTgt>
+                                        </p:tgtEl>
+                                        <p:attrNameLst>
+                                          <p:attrName>ppt_x</p:attrName>
+                                        </p:attrNameLst>
+                                      </p:cBhvr>
+                                      <p:tavLst>
+                                        <p:tav tm="0">
+                                          <p:val>
+                                            <p:strVal val="#ppt_x"/>
+                                          </p:val>
+                                        </p:tav>
+                                        <p:tav tm="100000">
+                                          <p:val>
+                                            <p:strVal val="#ppt_x"/>
+                                          </p:val>
+                                        </p:tav>
+                                      </p:tavLst>
+                                    </p:anim>
+                                    <p:anim calcmode="lin" valueType="num">
+                                      <p:cBhvr>
+                                        <p:cTn id="125" dur="500" fill="hold"/>
+                                        <p:tgtEl>
+                                          <p:spTgt spid="5">
+                                            <p:graphicEl>
+                                              <a:dgm id="{193F5734-4D54-4AF1-9A12-3B2325B908A1}"/>
+                                            </p:graphicEl>
+                                          </p:spTgt>
+                                        </p:tgtEl>
+                                        <p:attrNameLst>
+                                          <p:attrName>ppt_y</p:attrName>
+                                        </p:attrNameLst>
+                                      </p:cBhvr>
+                                      <p:tavLst>
+                                        <p:tav tm="0">
+                                          <p:val>
+                                            <p:strVal val="#ppt_y+.1"/>
+                                          </p:val>
+                                        </p:tav>
+                                        <p:tav tm="100000">
+                                          <p:val>
+                                            <p:strVal val="#ppt_y"/>
+                                          </p:val>
+                                        </p:tav>
+                                      </p:tavLst>
+                                    </p:anim>
+                                  </p:childTnLst>
+                                </p:cTn>
+                              </p:par>
+                            </p:childTnLst>
+                          </p:cTn>
+                        </p:par>
+                        <p:par>
+                          <p:cTn id="126" fill="hold">
+                            <p:stCondLst>
+                              <p:cond delay="500"/>
+                            </p:stCondLst>
+                            <p:childTnLst>
+                              <p:par>
+                                <p:cTn id="127" presetID="42" presetClass="entr" presetSubtype="0" fill="hold" grpId="0" nodeType="afterEffect">
+                                  <p:stCondLst>
+                                    <p:cond delay="0"/>
+                                  </p:stCondLst>
+                                  <p:childTnLst>
+                                    <p:set>
+                                      <p:cBhvr>
+                                        <p:cTn id="128" dur="1" fill="hold">
+                                          <p:stCondLst>
+                                            <p:cond delay="0"/>
+                                          </p:stCondLst>
+                                        </p:cTn>
+                                        <p:tgtEl>
+                                          <p:spTgt spid="5">
+                                            <p:graphicEl>
+                                              <a:dgm id="{928F2C93-E1BA-4337-99D6-D12DC92E91EF}"/>
+                                            </p:graphicEl>
+                                          </p:spTgt>
+                                        </p:tgtEl>
+                                        <p:attrNameLst>
+                                          <p:attrName>style.visibility</p:attrName>
+                                        </p:attrNameLst>
+                                      </p:cBhvr>
+                                      <p:to>
+                                        <p:strVal val="visible"/>
+                                      </p:to>
+                                    </p:set>
+                                    <p:animEffect transition="in" filter="fade">
+                                      <p:cBhvr>
+                                        <p:cTn id="129" dur="500"/>
+                                        <p:tgtEl>
+                                          <p:spTgt spid="5">
+                                            <p:graphicEl>
+                                              <a:dgm id="{928F2C93-E1BA-4337-99D6-D12DC92E91EF}"/>
+                                            </p:graphicEl>
+                                          </p:spTgt>
+                                        </p:tgtEl>
+                                      </p:cBhvr>
+                                    </p:animEffect>
+                                    <p:anim calcmode="lin" valueType="num">
+                                      <p:cBhvr>
+                                        <p:cTn id="130" dur="500" fill="hold"/>
+                                        <p:tgtEl>
+                                          <p:spTgt spid="5">
+                                            <p:graphicEl>
+                                              <a:dgm id="{928F2C93-E1BA-4337-99D6-D12DC92E91EF}"/>
+                                            </p:graphicEl>
+                                          </p:spTgt>
+                                        </p:tgtEl>
+                                        <p:attrNameLst>
+                                          <p:attrName>ppt_x</p:attrName>
+                                        </p:attrNameLst>
+                                      </p:cBhvr>
+                                      <p:tavLst>
+                                        <p:tav tm="0">
+                                          <p:val>
+                                            <p:strVal val="#ppt_x"/>
+                                          </p:val>
+                                        </p:tav>
+                                        <p:tav tm="100000">
+                                          <p:val>
+                                            <p:strVal val="#ppt_x"/>
+                                          </p:val>
+                                        </p:tav>
+                                      </p:tavLst>
+                                    </p:anim>
+                                    <p:anim calcmode="lin" valueType="num">
+                                      <p:cBhvr>
+                                        <p:cTn id="131" dur="500" fill="hold"/>
+                                        <p:tgtEl>
+                                          <p:spTgt spid="5">
+                                            <p:graphicEl>
+                                              <a:dgm id="{928F2C93-E1BA-4337-99D6-D12DC92E91EF}"/>
+                                            </p:graphicEl>
+                                          </p:spTgt>
+                                        </p:tgtEl>
+                                        <p:attrNameLst>
+                                          <p:attrName>ppt_y</p:attrName>
+                                        </p:attrNameLst>
+                                      </p:cBhvr>
+                                      <p:tavLst>
+                                        <p:tav tm="0">
+                                          <p:val>
+                                            <p:strVal val="#ppt_y+.1"/>
+                                          </p:val>
+                                        </p:tav>
+                                        <p:tav tm="100000">
+                                          <p:val>
+                                            <p:strVal val="#ppt_y"/>
+                                          </p:val>
+                                        </p:tav>
+                                      </p:tavLst>
+                                    </p:anim>
+                                  </p:childTnLst>
+                                </p:cTn>
+                              </p:par>
+                            </p:childTnLst>
+                          </p:cTn>
+                        </p:par>
+                        <p:par>
+                          <p:cTn id="132" fill="hold">
+                            <p:stCondLst>
+                              <p:cond delay="1000"/>
+                            </p:stCondLst>
+                            <p:childTnLst>
+                              <p:par>
+                                <p:cTn id="133" presetID="42" presetClass="entr" presetSubtype="0" fill="hold" grpId="0" nodeType="afterEffect">
+                                  <p:stCondLst>
+                                    <p:cond delay="0"/>
+                                  </p:stCondLst>
+                                  <p:childTnLst>
+                                    <p:set>
+                                      <p:cBhvr>
+                                        <p:cTn id="134" dur="1" fill="hold">
+                                          <p:stCondLst>
+                                            <p:cond delay="0"/>
+                                          </p:stCondLst>
+                                        </p:cTn>
+                                        <p:tgtEl>
+                                          <p:spTgt spid="5">
+                                            <p:graphicEl>
+                                              <a:dgm id="{8C9FE8B8-DC11-4721-942D-905655C00CE9}"/>
+                                            </p:graphicEl>
+                                          </p:spTgt>
+                                        </p:tgtEl>
+                                        <p:attrNameLst>
+                                          <p:attrName>style.visibility</p:attrName>
+                                        </p:attrNameLst>
+                                      </p:cBhvr>
+                                      <p:to>
+                                        <p:strVal val="visible"/>
+                                      </p:to>
+                                    </p:set>
+                                    <p:animEffect transition="in" filter="fade">
+                                      <p:cBhvr>
+                                        <p:cTn id="135" dur="500"/>
+                                        <p:tgtEl>
+                                          <p:spTgt spid="5">
+                                            <p:graphicEl>
+                                              <a:dgm id="{8C9FE8B8-DC11-4721-942D-905655C00CE9}"/>
+                                            </p:graphicEl>
+                                          </p:spTgt>
+                                        </p:tgtEl>
+                                      </p:cBhvr>
+                                    </p:animEffect>
+                                    <p:anim calcmode="lin" valueType="num">
+                                      <p:cBhvr>
+                                        <p:cTn id="136" dur="500" fill="hold"/>
+                                        <p:tgtEl>
+                                          <p:spTgt spid="5">
+                                            <p:graphicEl>
+                                              <a:dgm id="{8C9FE8B8-DC11-4721-942D-905655C00CE9}"/>
+                                            </p:graphicEl>
+                                          </p:spTgt>
+                                        </p:tgtEl>
+                                        <p:attrNameLst>
+                                          <p:attrName>ppt_x</p:attrName>
+                                        </p:attrNameLst>
+                                      </p:cBhvr>
+                                      <p:tavLst>
+                                        <p:tav tm="0">
+                                          <p:val>
+                                            <p:strVal val="#ppt_x"/>
+                                          </p:val>
+                                        </p:tav>
+                                        <p:tav tm="100000">
+                                          <p:val>
+                                            <p:strVal val="#ppt_x"/>
+                                          </p:val>
+                                        </p:tav>
+                                      </p:tavLst>
+                                    </p:anim>
+                                    <p:anim calcmode="lin" valueType="num">
+                                      <p:cBhvr>
+                                        <p:cTn id="137" dur="500" fill="hold"/>
+                                        <p:tgtEl>
+                                          <p:spTgt spid="5">
+                                            <p:graphicEl>
+                                              <a:dgm id="{8C9FE8B8-DC11-4721-942D-905655C00CE9}"/>
+                                            </p:graphicEl>
+                                          </p:spTgt>
+                                        </p:tgtEl>
+                                        <p:attrNameLst>
+                                          <p:attrName>ppt_y</p:attrName>
+                                        </p:attrNameLst>
+                                      </p:cBhvr>
+                                      <p:tavLst>
+                                        <p:tav tm="0">
+                                          <p:val>
+                                            <p:strVal val="#ppt_y+.1"/>
+                                          </p:val>
+                                        </p:tav>
+                                        <p:tav tm="100000">
+                                          <p:val>
+                                            <p:strVal val="#ppt_y"/>
+                                          </p:val>
+                                        </p:tav>
+                                      </p:tavLst>
+                                    </p:anim>
+                                  </p:childTnLst>
+                                </p:cTn>
+                              </p:par>
+                              <p:par>
+                                <p:cTn id="138" presetID="42" presetClass="entr" presetSubtype="0" fill="hold" grpId="0" nodeType="withEffect">
+                                  <p:stCondLst>
+                                    <p:cond delay="0"/>
+                                  </p:stCondLst>
+                                  <p:childTnLst>
+                                    <p:set>
+                                      <p:cBhvr>
+                                        <p:cTn id="139" dur="1" fill="hold">
+                                          <p:stCondLst>
+                                            <p:cond delay="0"/>
+                                          </p:stCondLst>
+                                        </p:cTn>
+                                        <p:tgtEl>
+                                          <p:spTgt spid="5">
+                                            <p:graphicEl>
+                                              <a:dgm id="{99B615F0-8139-4359-949E-2A2A37E2D3AF}"/>
+                                            </p:graphicEl>
+                                          </p:spTgt>
+                                        </p:tgtEl>
+                                        <p:attrNameLst>
+                                          <p:attrName>style.visibility</p:attrName>
+                                        </p:attrNameLst>
+                                      </p:cBhvr>
+                                      <p:to>
+                                        <p:strVal val="visible"/>
+                                      </p:to>
+                                    </p:set>
+                                    <p:animEffect transition="in" filter="fade">
+                                      <p:cBhvr>
+                                        <p:cTn id="140" dur="500"/>
+                                        <p:tgtEl>
+                                          <p:spTgt spid="5">
+                                            <p:graphicEl>
+                                              <a:dgm id="{99B615F0-8139-4359-949E-2A2A37E2D3AF}"/>
+                                            </p:graphicEl>
+                                          </p:spTgt>
+                                        </p:tgtEl>
+                                      </p:cBhvr>
+                                    </p:animEffect>
+                                    <p:anim calcmode="lin" valueType="num">
+                                      <p:cBhvr>
+                                        <p:cTn id="141" dur="500" fill="hold"/>
+                                        <p:tgtEl>
+                                          <p:spTgt spid="5">
+                                            <p:graphicEl>
+                                              <a:dgm id="{99B615F0-8139-4359-949E-2A2A37E2D3AF}"/>
+                                            </p:graphicEl>
+                                          </p:spTgt>
+                                        </p:tgtEl>
+                                        <p:attrNameLst>
+                                          <p:attrName>ppt_x</p:attrName>
+                                        </p:attrNameLst>
+                                      </p:cBhvr>
+                                      <p:tavLst>
+                                        <p:tav tm="0">
+                                          <p:val>
+                                            <p:strVal val="#ppt_x"/>
+                                          </p:val>
+                                        </p:tav>
+                                        <p:tav tm="100000">
+                                          <p:val>
+                                            <p:strVal val="#ppt_x"/>
+                                          </p:val>
+                                        </p:tav>
+                                      </p:tavLst>
+                                    </p:anim>
+                                    <p:anim calcmode="lin" valueType="num">
+                                      <p:cBhvr>
+                                        <p:cTn id="142" dur="500" fill="hold"/>
+                                        <p:tgtEl>
+                                          <p:spTgt spid="5">
+                                            <p:graphicEl>
+                                              <a:dgm id="{99B615F0-8139-4359-949E-2A2A37E2D3AF}"/>
+                                            </p:graphicEl>
+                                          </p:spTgt>
+                                        </p:tgtEl>
+                                        <p:attrNameLst>
+                                          <p:attrName>ppt_y</p:attrName>
+                                        </p:attrNameLst>
+                                      </p:cBhvr>
+                                      <p:tavLst>
+                                        <p:tav tm="0">
+                                          <p:val>
+                                            <p:strVal val="#ppt_y+.1"/>
+                                          </p:val>
+                                        </p:tav>
+                                        <p:tav tm="100000">
+                                          <p:val>
+                                            <p:strVal val="#ppt_y"/>
+                                          </p:val>
+                                        </p:tav>
+                                      </p:tavLst>
+                                    </p:anim>
+                                  </p:childTnLst>
+                                </p:cTn>
+                              </p:par>
+                            </p:childTnLst>
+                          </p:cTn>
+                        </p:par>
+                      </p:childTnLst>
+                    </p:cTn>
+                  </p:par>
+                  <p:par>
+                    <p:cTn id="143" fill="hold">
+                      <p:stCondLst>
+                        <p:cond delay="indefinite"/>
+                      </p:stCondLst>
+                      <p:childTnLst>
+                        <p:par>
+                          <p:cTn id="144" fill="hold">
+                            <p:stCondLst>
+                              <p:cond delay="0"/>
+                            </p:stCondLst>
+                            <p:childTnLst>
+                              <p:par>
+                                <p:cTn id="145" presetID="42" presetClass="entr" presetSubtype="0" fill="hold" grpId="0" nodeType="clickEffect">
+                                  <p:stCondLst>
+                                    <p:cond delay="0"/>
+                                  </p:stCondLst>
+                                  <p:childTnLst>
+                                    <p:set>
+                                      <p:cBhvr>
+                                        <p:cTn id="146" dur="1" fill="hold">
+                                          <p:stCondLst>
+                                            <p:cond delay="0"/>
+                                          </p:stCondLst>
+                                        </p:cTn>
+                                        <p:tgtEl>
+                                          <p:spTgt spid="5">
+                                            <p:graphicEl>
+                                              <a:dgm id="{3AB6591B-587F-4DA3-830A-8A2EE4E8CC7C}"/>
+                                            </p:graphicEl>
+                                          </p:spTgt>
+                                        </p:tgtEl>
+                                        <p:attrNameLst>
+                                          <p:attrName>style.visibility</p:attrName>
+                                        </p:attrNameLst>
+                                      </p:cBhvr>
+                                      <p:to>
+                                        <p:strVal val="visible"/>
+                                      </p:to>
+                                    </p:set>
+                                    <p:animEffect transition="in" filter="fade">
+                                      <p:cBhvr>
+                                        <p:cTn id="147" dur="500"/>
+                                        <p:tgtEl>
+                                          <p:spTgt spid="5">
+                                            <p:graphicEl>
+                                              <a:dgm id="{3AB6591B-587F-4DA3-830A-8A2EE4E8CC7C}"/>
+                                            </p:graphicEl>
+                                          </p:spTgt>
+                                        </p:tgtEl>
+                                      </p:cBhvr>
+                                    </p:animEffect>
+                                    <p:anim calcmode="lin" valueType="num">
+                                      <p:cBhvr>
+                                        <p:cTn id="148" dur="500" fill="hold"/>
+                                        <p:tgtEl>
+                                          <p:spTgt spid="5">
+                                            <p:graphicEl>
+                                              <a:dgm id="{3AB6591B-587F-4DA3-830A-8A2EE4E8CC7C}"/>
+                                            </p:graphicEl>
+                                          </p:spTgt>
+                                        </p:tgtEl>
+                                        <p:attrNameLst>
+                                          <p:attrName>ppt_x</p:attrName>
+                                        </p:attrNameLst>
+                                      </p:cBhvr>
+                                      <p:tavLst>
+                                        <p:tav tm="0">
+                                          <p:val>
+                                            <p:strVal val="#ppt_x"/>
+                                          </p:val>
+                                        </p:tav>
+                                        <p:tav tm="100000">
+                                          <p:val>
+                                            <p:strVal val="#ppt_x"/>
+                                          </p:val>
+                                        </p:tav>
+                                      </p:tavLst>
+                                    </p:anim>
+                                    <p:anim calcmode="lin" valueType="num">
+                                      <p:cBhvr>
+                                        <p:cTn id="149" dur="500" fill="hold"/>
+                                        <p:tgtEl>
+                                          <p:spTgt spid="5">
+                                            <p:graphicEl>
+                                              <a:dgm id="{3AB6591B-587F-4DA3-830A-8A2EE4E8CC7C}"/>
+                                            </p:graphicEl>
+                                          </p:spTgt>
+                                        </p:tgtEl>
+                                        <p:attrNameLst>
+                                          <p:attrName>ppt_y</p:attrName>
+                                        </p:attrNameLst>
+                                      </p:cBhvr>
+                                      <p:tavLst>
+                                        <p:tav tm="0">
+                                          <p:val>
+                                            <p:strVal val="#ppt_y+.1"/>
+                                          </p:val>
+                                        </p:tav>
+                                        <p:tav tm="100000">
+                                          <p:val>
+                                            <p:strVal val="#ppt_y"/>
+                                          </p:val>
+                                        </p:tav>
+                                      </p:tavLst>
+                                    </p:anim>
+                                  </p:childTnLst>
+                                </p:cTn>
+                              </p:par>
+                              <p:par>
+                                <p:cTn id="150" presetID="42" presetClass="entr" presetSubtype="0" fill="hold" grpId="0" nodeType="withEffect">
+                                  <p:stCondLst>
+                                    <p:cond delay="0"/>
+                                  </p:stCondLst>
+                                  <p:childTnLst>
+                                    <p:set>
+                                      <p:cBhvr>
+                                        <p:cTn id="151" dur="1" fill="hold">
+                                          <p:stCondLst>
+                                            <p:cond delay="0"/>
+                                          </p:stCondLst>
+                                        </p:cTn>
+                                        <p:tgtEl>
+                                          <p:spTgt spid="5">
+                                            <p:graphicEl>
+                                              <a:dgm id="{E6DD7986-8B2F-4F73-B9F8-EFD41E23A411}"/>
+                                            </p:graphicEl>
+                                          </p:spTgt>
+                                        </p:tgtEl>
+                                        <p:attrNameLst>
+                                          <p:attrName>style.visibility</p:attrName>
+                                        </p:attrNameLst>
+                                      </p:cBhvr>
+                                      <p:to>
+                                        <p:strVal val="visible"/>
+                                      </p:to>
+                                    </p:set>
+                                    <p:animEffect transition="in" filter="fade">
+                                      <p:cBhvr>
+                                        <p:cTn id="152" dur="500"/>
+                                        <p:tgtEl>
+                                          <p:spTgt spid="5">
+                                            <p:graphicEl>
+                                              <a:dgm id="{E6DD7986-8B2F-4F73-B9F8-EFD41E23A411}"/>
+                                            </p:graphicEl>
+                                          </p:spTgt>
+                                        </p:tgtEl>
+                                      </p:cBhvr>
+                                    </p:animEffect>
+                                    <p:anim calcmode="lin" valueType="num">
+                                      <p:cBhvr>
+                                        <p:cTn id="153" dur="500" fill="hold"/>
+                                        <p:tgtEl>
+                                          <p:spTgt spid="5">
+                                            <p:graphicEl>
+                                              <a:dgm id="{E6DD7986-8B2F-4F73-B9F8-EFD41E23A411}"/>
+                                            </p:graphicEl>
+                                          </p:spTgt>
+                                        </p:tgtEl>
+                                        <p:attrNameLst>
+                                          <p:attrName>ppt_x</p:attrName>
+                                        </p:attrNameLst>
+                                      </p:cBhvr>
+                                      <p:tavLst>
+                                        <p:tav tm="0">
+                                          <p:val>
+                                            <p:strVal val="#ppt_x"/>
+                                          </p:val>
+                                        </p:tav>
+                                        <p:tav tm="100000">
+                                          <p:val>
+                                            <p:strVal val="#ppt_x"/>
+                                          </p:val>
+                                        </p:tav>
+                                      </p:tavLst>
+                                    </p:anim>
+                                    <p:anim calcmode="lin" valueType="num">
+                                      <p:cBhvr>
+                                        <p:cTn id="154" dur="500" fill="hold"/>
+                                        <p:tgtEl>
+                                          <p:spTgt spid="5">
+                                            <p:graphicEl>
+                                              <a:dgm id="{E6DD7986-8B2F-4F73-B9F8-EFD41E23A411}"/>
+                                            </p:graphicEl>
+                                          </p:spTgt>
+                                        </p:tgtEl>
+                                        <p:attrNameLst>
+                                          <p:attrName>ppt_y</p:attrName>
+                                        </p:attrNameLst>
+                                      </p:cBhvr>
+                                      <p:tavLst>
+                                        <p:tav tm="0">
+                                          <p:val>
+                                            <p:strVal val="#ppt_y+.1"/>
+                                          </p:val>
+                                        </p:tav>
+                                        <p:tav tm="100000">
+                                          <p:val>
+                                            <p:strVal val="#ppt_y"/>
+                                          </p:val>
+                                        </p:tav>
+                                      </p:tavLst>
+                                    </p:anim>
+                                  </p:childTnLst>
+                                </p:cTn>
+                              </p:par>
+                            </p:childTnLst>
+                          </p:cTn>
+                        </p:par>
+                      </p:childTnLst>
+                    </p:cTn>
+                  </p:par>
+                  <p:par>
+                    <p:cTn id="155" fill="hold">
+                      <p:stCondLst>
+                        <p:cond delay="indefinite"/>
+                      </p:stCondLst>
+                      <p:childTnLst>
+                        <p:par>
+                          <p:cTn id="156" fill="hold">
+                            <p:stCondLst>
+                              <p:cond delay="0"/>
+                            </p:stCondLst>
+                            <p:childTnLst>
+                              <p:par>
+                                <p:cTn id="157" presetID="42" presetClass="entr" presetSubtype="0" fill="hold" grpId="0" nodeType="clickEffect">
+                                  <p:stCondLst>
+                                    <p:cond delay="0"/>
+                                  </p:stCondLst>
+                                  <p:childTnLst>
+                                    <p:set>
+                                      <p:cBhvr>
+                                        <p:cTn id="158" dur="1" fill="hold">
+                                          <p:stCondLst>
+                                            <p:cond delay="0"/>
+                                          </p:stCondLst>
+                                        </p:cTn>
+                                        <p:tgtEl>
+                                          <p:spTgt spid="5">
+                                            <p:graphicEl>
+                                              <a:dgm id="{DA6A172D-C8EF-4EEE-8A72-71BE97162571}"/>
+                                            </p:graphicEl>
+                                          </p:spTgt>
+                                        </p:tgtEl>
+                                        <p:attrNameLst>
+                                          <p:attrName>style.visibility</p:attrName>
+                                        </p:attrNameLst>
+                                      </p:cBhvr>
+                                      <p:to>
+                                        <p:strVal val="visible"/>
+                                      </p:to>
+                                    </p:set>
+                                    <p:animEffect transition="in" filter="fade">
+                                      <p:cBhvr>
+                                        <p:cTn id="159" dur="500"/>
+                                        <p:tgtEl>
+                                          <p:spTgt spid="5">
+                                            <p:graphicEl>
+                                              <a:dgm id="{DA6A172D-C8EF-4EEE-8A72-71BE97162571}"/>
+                                            </p:graphicEl>
+                                          </p:spTgt>
+                                        </p:tgtEl>
+                                      </p:cBhvr>
+                                    </p:animEffect>
+                                    <p:anim calcmode="lin" valueType="num">
+                                      <p:cBhvr>
+                                        <p:cTn id="160" dur="500" fill="hold"/>
+                                        <p:tgtEl>
+                                          <p:spTgt spid="5">
+                                            <p:graphicEl>
+                                              <a:dgm id="{DA6A172D-C8EF-4EEE-8A72-71BE97162571}"/>
+                                            </p:graphicEl>
+                                          </p:spTgt>
+                                        </p:tgtEl>
+                                        <p:attrNameLst>
+                                          <p:attrName>ppt_x</p:attrName>
+                                        </p:attrNameLst>
+                                      </p:cBhvr>
+                                      <p:tavLst>
+                                        <p:tav tm="0">
+                                          <p:val>
+                                            <p:strVal val="#ppt_x"/>
+                                          </p:val>
+                                        </p:tav>
+                                        <p:tav tm="100000">
+                                          <p:val>
+                                            <p:strVal val="#ppt_x"/>
+                                          </p:val>
+                                        </p:tav>
+                                      </p:tavLst>
+                                    </p:anim>
+                                    <p:anim calcmode="lin" valueType="num">
+                                      <p:cBhvr>
+                                        <p:cTn id="161" dur="500" fill="hold"/>
+                                        <p:tgtEl>
+                                          <p:spTgt spid="5">
+                                            <p:graphicEl>
+                                              <a:dgm id="{DA6A172D-C8EF-4EEE-8A72-71BE97162571}"/>
+                                            </p:graphicEl>
+                                          </p:spTgt>
+                                        </p:tgtEl>
+                                        <p:attrNameLst>
+                                          <p:attrName>ppt_y</p:attrName>
+                                        </p:attrNameLst>
+                                      </p:cBhvr>
+                                      <p:tavLst>
+                                        <p:tav tm="0">
+                                          <p:val>
+                                            <p:strVal val="#ppt_y+.1"/>
+                                          </p:val>
+                                        </p:tav>
+                                        <p:tav tm="100000">
+                                          <p:val>
+                                            <p:strVal val="#ppt_y"/>
+                                          </p:val>
+                                        </p:tav>
+                                      </p:tavLst>
+                                    </p:anim>
+                                  </p:childTnLst>
+                                </p:cTn>
+                              </p:par>
+                              <p:par>
+                                <p:cTn id="162" presetID="42" presetClass="entr" presetSubtype="0" fill="hold" grpId="0" nodeType="withEffect">
+                                  <p:stCondLst>
+                                    <p:cond delay="0"/>
+                                  </p:stCondLst>
+                                  <p:childTnLst>
+                                    <p:set>
+                                      <p:cBhvr>
+                                        <p:cTn id="163" dur="1" fill="hold">
+                                          <p:stCondLst>
+                                            <p:cond delay="0"/>
+                                          </p:stCondLst>
+                                        </p:cTn>
+                                        <p:tgtEl>
+                                          <p:spTgt spid="5">
+                                            <p:graphicEl>
+                                              <a:dgm id="{96066DCF-1020-4B1B-9719-3F5253BDEE75}"/>
+                                            </p:graphicEl>
+                                          </p:spTgt>
+                                        </p:tgtEl>
+                                        <p:attrNameLst>
+                                          <p:attrName>style.visibility</p:attrName>
+                                        </p:attrNameLst>
+                                      </p:cBhvr>
+                                      <p:to>
+                                        <p:strVal val="visible"/>
+                                      </p:to>
+                                    </p:set>
+                                    <p:animEffect transition="in" filter="fade">
+                                      <p:cBhvr>
+                                        <p:cTn id="164" dur="500"/>
+                                        <p:tgtEl>
+                                          <p:spTgt spid="5">
+                                            <p:graphicEl>
+                                              <a:dgm id="{96066DCF-1020-4B1B-9719-3F5253BDEE75}"/>
+                                            </p:graphicEl>
+                                          </p:spTgt>
+                                        </p:tgtEl>
+                                      </p:cBhvr>
+                                    </p:animEffect>
+                                    <p:anim calcmode="lin" valueType="num">
+                                      <p:cBhvr>
+                                        <p:cTn id="165" dur="500" fill="hold"/>
+                                        <p:tgtEl>
+                                          <p:spTgt spid="5">
+                                            <p:graphicEl>
+                                              <a:dgm id="{96066DCF-1020-4B1B-9719-3F5253BDEE75}"/>
+                                            </p:graphicEl>
+                                          </p:spTgt>
+                                        </p:tgtEl>
+                                        <p:attrNameLst>
+                                          <p:attrName>ppt_x</p:attrName>
+                                        </p:attrNameLst>
+                                      </p:cBhvr>
+                                      <p:tavLst>
+                                        <p:tav tm="0">
+                                          <p:val>
+                                            <p:strVal val="#ppt_x"/>
+                                          </p:val>
+                                        </p:tav>
+                                        <p:tav tm="100000">
+                                          <p:val>
+                                            <p:strVal val="#ppt_x"/>
+                                          </p:val>
+                                        </p:tav>
+                                      </p:tavLst>
+                                    </p:anim>
+                                    <p:anim calcmode="lin" valueType="num">
+                                      <p:cBhvr>
+                                        <p:cTn id="166" dur="500" fill="hold"/>
+                                        <p:tgtEl>
+                                          <p:spTgt spid="5">
+                                            <p:graphicEl>
+                                              <a:dgm id="{96066DCF-1020-4B1B-9719-3F5253BDEE75}"/>
+                                            </p:graphicEl>
+                                          </p:spTgt>
+                                        </p:tgtEl>
+                                        <p:attrNameLst>
+                                          <p:attrName>ppt_y</p:attrName>
+                                        </p:attrNameLst>
+                                      </p:cBhvr>
+                                      <p:tavLst>
+                                        <p:tav tm="0">
+                                          <p:val>
+                                            <p:strVal val="#ppt_y+.1"/>
+                                          </p:val>
+                                        </p:tav>
+                                        <p:tav tm="100000">
+                                          <p:val>
+                                            <p:strVal val="#ppt_y"/>
+                                          </p:val>
+                                        </p:tav>
+                                      </p:tavLst>
+                                    </p:anim>
+                                  </p:childTnLst>
+                                </p:cTn>
+                              </p:par>
+                            </p:childTnLst>
+                          </p:cTn>
+                        </p:par>
+                      </p:childTnLst>
+                    </p:cTn>
+                  </p:par>
+                  <p:par>
+                    <p:cTn id="167" fill="hold">
+                      <p:stCondLst>
+                        <p:cond delay="indefinite"/>
+                      </p:stCondLst>
+                      <p:childTnLst>
+                        <p:par>
+                          <p:cTn id="168" fill="hold">
+                            <p:stCondLst>
+                              <p:cond delay="0"/>
+                            </p:stCondLst>
+                            <p:childTnLst>
+                              <p:par>
+                                <p:cTn id="169" presetID="47" presetClass="entr" presetSubtype="0" fill="hold" grpId="0" nodeType="clickEffect">
+                                  <p:stCondLst>
+                                    <p:cond delay="0"/>
+                                  </p:stCondLst>
+                                  <p:childTnLst>
+                                    <p:set>
+                                      <p:cBhvr>
+                                        <p:cTn id="170" dur="1" fill="hold">
+                                          <p:stCondLst>
+                                            <p:cond delay="0"/>
+                                          </p:stCondLst>
+                                        </p:cTn>
+                                        <p:tgtEl>
+                                          <p:spTgt spid="3"/>
+                                        </p:tgtEl>
+                                        <p:attrNameLst>
+                                          <p:attrName>style.visibility</p:attrName>
+                                        </p:attrNameLst>
+                                      </p:cBhvr>
+                                      <p:to>
+                                        <p:strVal val="visible"/>
+                                      </p:to>
+                                    </p:set>
+                                    <p:animEffect transition="in" filter="fade">
+                                      <p:cBhvr>
+                                        <p:cTn id="171" dur="1000"/>
+                                        <p:tgtEl>
+                                          <p:spTgt spid="3"/>
+                                        </p:tgtEl>
+                                      </p:cBhvr>
+                                    </p:animEffect>
+                                    <p:anim calcmode="lin" valueType="num">
+                                      <p:cBhvr>
+                                        <p:cTn id="172" dur="1000" fill="hold"/>
+                                        <p:tgtEl>
+                                          <p:spTgt spid="3"/>
+                                        </p:tgtEl>
+                                        <p:attrNameLst>
+                                          <p:attrName>ppt_x</p:attrName>
+                                        </p:attrNameLst>
+                                      </p:cBhvr>
+                                      <p:tavLst>
+                                        <p:tav tm="0">
+                                          <p:val>
+                                            <p:strVal val="#ppt_x"/>
+                                          </p:val>
+                                        </p:tav>
+                                        <p:tav tm="100000">
+                                          <p:val>
+                                            <p:strVal val="#ppt_x"/>
+                                          </p:val>
+                                        </p:tav>
+                                      </p:tavLst>
+                                    </p:anim>
+                                    <p:anim calcmode="lin" valueType="num">
+                                      <p:cBhvr>
+                                        <p:cTn id="173" dur="1000" fill="hold"/>
+                                        <p:tgtEl>
+                                          <p:spTgt spid="3"/>
+                                        </p:tgtEl>
+                                        <p:attrNameLst>
+                                          <p:attrName>ppt_y</p:attrName>
+                                        </p:attrNameLst>
+                                      </p:cBhvr>
+                                      <p:tavLst>
+                                        <p:tav tm="0">
+                                          <p:val>
+                                            <p:strVal val="#ppt_y-.1"/>
+                                          </p:val>
+                                        </p:tav>
+                                        <p:tav tm="100000">
+                                          <p:val>
+                                            <p:strVal val="#ppt_y"/>
+                                          </p:val>
+                                        </p:tav>
+                                      </p:tavLst>
+                                    </p:anim>
+                                  </p:childTnLst>
+                                </p:cTn>
+                              </p:par>
+                            </p:childTnLst>
+                          </p:cTn>
+                        </p:par>
+                      </p:childTnLst>
+                    </p:cTn>
+                  </p:par>
+                  <p:par>
+                    <p:cTn id="174" fill="hold">
+                      <p:stCondLst>
+                        <p:cond delay="indefinite"/>
+                      </p:stCondLst>
+                      <p:childTnLst>
+                        <p:par>
+                          <p:cTn id="175" fill="hold">
+                            <p:stCondLst>
+                              <p:cond delay="0"/>
+                            </p:stCondLst>
+                            <p:childTnLst>
+                              <p:par>
+                                <p:cTn id="176" presetID="31" presetClass="entr" presetSubtype="0" fill="hold" nodeType="clickEffect">
+                                  <p:stCondLst>
+                                    <p:cond delay="0"/>
+                                  </p:stCondLst>
+                                  <p:childTnLst>
+                                    <p:set>
+                                      <p:cBhvr>
+                                        <p:cTn id="177" dur="1" fill="hold">
+                                          <p:stCondLst>
+                                            <p:cond delay="0"/>
+                                          </p:stCondLst>
+                                        </p:cTn>
+                                        <p:tgtEl>
+                                          <p:spTgt spid="6"/>
+                                        </p:tgtEl>
+                                        <p:attrNameLst>
+                                          <p:attrName>style.visibility</p:attrName>
+                                        </p:attrNameLst>
+                                      </p:cBhvr>
+                                      <p:to>
+                                        <p:strVal val="visible"/>
+                                      </p:to>
+                                    </p:set>
+                                    <p:anim calcmode="lin" valueType="num">
+                                      <p:cBhvr>
+                                        <p:cTn id="178" dur="1000" fill="hold"/>
+                                        <p:tgtEl>
+                                          <p:spTgt spid="6"/>
+                                        </p:tgtEl>
+                                        <p:attrNameLst>
+                                          <p:attrName>ppt_w</p:attrName>
+                                        </p:attrNameLst>
+                                      </p:cBhvr>
+                                      <p:tavLst>
+                                        <p:tav tm="0">
+                                          <p:val>
+                                            <p:fltVal val="0"/>
+                                          </p:val>
+                                        </p:tav>
+                                        <p:tav tm="100000">
+                                          <p:val>
+                                            <p:strVal val="#ppt_w"/>
+                                          </p:val>
+                                        </p:tav>
+                                      </p:tavLst>
+                                    </p:anim>
+                                    <p:anim calcmode="lin" valueType="num">
+                                      <p:cBhvr>
+                                        <p:cTn id="179" dur="1000" fill="hold"/>
+                                        <p:tgtEl>
+                                          <p:spTgt spid="6"/>
+                                        </p:tgtEl>
+                                        <p:attrNameLst>
+                                          <p:attrName>ppt_h</p:attrName>
+                                        </p:attrNameLst>
+                                      </p:cBhvr>
+                                      <p:tavLst>
+                                        <p:tav tm="0">
+                                          <p:val>
+                                            <p:fltVal val="0"/>
+                                          </p:val>
+                                        </p:tav>
+                                        <p:tav tm="100000">
+                                          <p:val>
+                                            <p:strVal val="#ppt_h"/>
+                                          </p:val>
+                                        </p:tav>
+                                      </p:tavLst>
+                                    </p:anim>
+                                    <p:anim calcmode="lin" valueType="num">
+                                      <p:cBhvr>
+                                        <p:cTn id="180" dur="1000" fill="hold"/>
+                                        <p:tgtEl>
+                                          <p:spTgt spid="6"/>
+                                        </p:tgtEl>
+                                        <p:attrNameLst>
+                                          <p:attrName>style.rotation</p:attrName>
+                                        </p:attrNameLst>
+                                      </p:cBhvr>
+                                      <p:tavLst>
+                                        <p:tav tm="0">
+                                          <p:val>
+                                            <p:fltVal val="90"/>
+                                          </p:val>
+                                        </p:tav>
+                                        <p:tav tm="100000">
+                                          <p:val>
+                                            <p:fltVal val="0"/>
+                                          </p:val>
+                                        </p:tav>
+                                      </p:tavLst>
+                                    </p:anim>
+                                    <p:animEffect transition="in" filter="fade">
+                                      <p:cBhvr>
+                                        <p:cTn id="181" dur="1000"/>
+                                        <p:tgtEl>
+                                          <p:spTgt spid="6"/>
+                                        </p:tgtEl>
+                                      </p:cBhvr>
+                                    </p:animEffect>
+                                  </p:childTnLst>
+                                </p:cTn>
+                              </p:par>
+                            </p:childTnLst>
+                          </p:cTn>
+                        </p:par>
+                        <p:par>
+                          <p:cTn id="182" fill="hold">
+                            <p:stCondLst>
+                              <p:cond delay="1000"/>
+                            </p:stCondLst>
+                            <p:childTnLst>
+                              <p:par>
+                                <p:cTn id="183" presetID="31" presetClass="entr" presetSubtype="0" fill="hold" nodeType="afterEffect">
+                                  <p:stCondLst>
+                                    <p:cond delay="0"/>
+                                  </p:stCondLst>
+                                  <p:childTnLst>
+                                    <p:set>
+                                      <p:cBhvr>
+                                        <p:cTn id="184" dur="1" fill="hold">
+                                          <p:stCondLst>
+                                            <p:cond delay="0"/>
+                                          </p:stCondLst>
+                                        </p:cTn>
+                                        <p:tgtEl>
+                                          <p:spTgt spid="7"/>
+                                        </p:tgtEl>
+                                        <p:attrNameLst>
+                                          <p:attrName>style.visibility</p:attrName>
+                                        </p:attrNameLst>
+                                      </p:cBhvr>
+                                      <p:to>
+                                        <p:strVal val="visible"/>
+                                      </p:to>
+                                    </p:set>
+                                    <p:anim calcmode="lin" valueType="num">
+                                      <p:cBhvr>
+                                        <p:cTn id="185" dur="1000" fill="hold"/>
+                                        <p:tgtEl>
+                                          <p:spTgt spid="7"/>
+                                        </p:tgtEl>
+                                        <p:attrNameLst>
+                                          <p:attrName>ppt_w</p:attrName>
+                                        </p:attrNameLst>
+                                      </p:cBhvr>
+                                      <p:tavLst>
+                                        <p:tav tm="0">
+                                          <p:val>
+                                            <p:fltVal val="0"/>
+                                          </p:val>
+                                        </p:tav>
+                                        <p:tav tm="100000">
+                                          <p:val>
+                                            <p:strVal val="#ppt_w"/>
+                                          </p:val>
+                                        </p:tav>
+                                      </p:tavLst>
+                                    </p:anim>
+                                    <p:anim calcmode="lin" valueType="num">
+                                      <p:cBhvr>
+                                        <p:cTn id="186" dur="1000" fill="hold"/>
+                                        <p:tgtEl>
+                                          <p:spTgt spid="7"/>
+                                        </p:tgtEl>
+                                        <p:attrNameLst>
+                                          <p:attrName>ppt_h</p:attrName>
+                                        </p:attrNameLst>
+                                      </p:cBhvr>
+                                      <p:tavLst>
+                                        <p:tav tm="0">
+                                          <p:val>
+                                            <p:fltVal val="0"/>
+                                          </p:val>
+                                        </p:tav>
+                                        <p:tav tm="100000">
+                                          <p:val>
+                                            <p:strVal val="#ppt_h"/>
+                                          </p:val>
+                                        </p:tav>
+                                      </p:tavLst>
+                                    </p:anim>
+                                    <p:anim calcmode="lin" valueType="num">
+                                      <p:cBhvr>
+                                        <p:cTn id="187" dur="1000" fill="hold"/>
+                                        <p:tgtEl>
+                                          <p:spTgt spid="7"/>
+                                        </p:tgtEl>
+                                        <p:attrNameLst>
+                                          <p:attrName>style.rotation</p:attrName>
+                                        </p:attrNameLst>
+                                      </p:cBhvr>
+                                      <p:tavLst>
+                                        <p:tav tm="0">
+                                          <p:val>
+                                            <p:fltVal val="90"/>
+                                          </p:val>
+                                        </p:tav>
+                                        <p:tav tm="100000">
+                                          <p:val>
+                                            <p:fltVal val="0"/>
+                                          </p:val>
+                                        </p:tav>
+                                      </p:tavLst>
+                                    </p:anim>
+                                    <p:animEffect transition="in" filter="fade">
+                                      <p:cBhvr>
+                                        <p:cTn id="188" dur="1000"/>
+                                        <p:tgtEl>
+                                          <p:spTgt spid="7"/>
+                                        </p:tgtEl>
+                                      </p:cBhvr>
+                                    </p:animEffect>
+                                  </p:childTnLst>
+                                </p:cTn>
+                              </p:par>
+                            </p:childTnLst>
+                          </p:cTn>
+                        </p:par>
+                        <p:par>
+                          <p:cTn id="189" fill="hold">
+                            <p:stCondLst>
+                              <p:cond delay="2000"/>
+                            </p:stCondLst>
+                            <p:childTnLst>
+                              <p:par>
+                                <p:cTn id="190" presetID="31" presetClass="entr" presetSubtype="0" fill="hold" nodeType="afterEffect">
+                                  <p:stCondLst>
+                                    <p:cond delay="0"/>
+                                  </p:stCondLst>
+                                  <p:childTnLst>
+                                    <p:set>
+                                      <p:cBhvr>
+                                        <p:cTn id="191" dur="1" fill="hold">
+                                          <p:stCondLst>
+                                            <p:cond delay="0"/>
+                                          </p:stCondLst>
+                                        </p:cTn>
+                                        <p:tgtEl>
+                                          <p:spTgt spid="9"/>
+                                        </p:tgtEl>
+                                        <p:attrNameLst>
+                                          <p:attrName>style.visibility</p:attrName>
+                                        </p:attrNameLst>
+                                      </p:cBhvr>
+                                      <p:to>
+                                        <p:strVal val="visible"/>
+                                      </p:to>
+                                    </p:set>
+                                    <p:anim calcmode="lin" valueType="num">
+                                      <p:cBhvr>
+                                        <p:cTn id="192" dur="1000" fill="hold"/>
+                                        <p:tgtEl>
+                                          <p:spTgt spid="9"/>
+                                        </p:tgtEl>
+                                        <p:attrNameLst>
+                                          <p:attrName>ppt_w</p:attrName>
+                                        </p:attrNameLst>
+                                      </p:cBhvr>
+                                      <p:tavLst>
+                                        <p:tav tm="0">
+                                          <p:val>
+                                            <p:fltVal val="0"/>
+                                          </p:val>
+                                        </p:tav>
+                                        <p:tav tm="100000">
+                                          <p:val>
+                                            <p:strVal val="#ppt_w"/>
+                                          </p:val>
+                                        </p:tav>
+                                      </p:tavLst>
+                                    </p:anim>
+                                    <p:anim calcmode="lin" valueType="num">
+                                      <p:cBhvr>
+                                        <p:cTn id="193" dur="1000" fill="hold"/>
+                                        <p:tgtEl>
+                                          <p:spTgt spid="9"/>
+                                        </p:tgtEl>
+                                        <p:attrNameLst>
+                                          <p:attrName>ppt_h</p:attrName>
+                                        </p:attrNameLst>
+                                      </p:cBhvr>
+                                      <p:tavLst>
+                                        <p:tav tm="0">
+                                          <p:val>
+                                            <p:fltVal val="0"/>
+                                          </p:val>
+                                        </p:tav>
+                                        <p:tav tm="100000">
+                                          <p:val>
+                                            <p:strVal val="#ppt_h"/>
+                                          </p:val>
+                                        </p:tav>
+                                      </p:tavLst>
+                                    </p:anim>
+                                    <p:anim calcmode="lin" valueType="num">
+                                      <p:cBhvr>
+                                        <p:cTn id="194" dur="1000" fill="hold"/>
+                                        <p:tgtEl>
+                                          <p:spTgt spid="9"/>
+                                        </p:tgtEl>
+                                        <p:attrNameLst>
+                                          <p:attrName>style.rotation</p:attrName>
+                                        </p:attrNameLst>
+                                      </p:cBhvr>
+                                      <p:tavLst>
+                                        <p:tav tm="0">
+                                          <p:val>
+                                            <p:fltVal val="90"/>
+                                          </p:val>
+                                        </p:tav>
+                                        <p:tav tm="100000">
+                                          <p:val>
+                                            <p:fltVal val="0"/>
+                                          </p:val>
+                                        </p:tav>
+                                      </p:tavLst>
+                                    </p:anim>
+                                    <p:animEffect transition="in" filter="fade">
+                                      <p:cBhvr>
+                                        <p:cTn id="195" dur="1000"/>
+                                        <p:tgtEl>
+                                          <p:spTgt spid="9"/>
+                                        </p:tgtEl>
+                                      </p:cBhvr>
+                                    </p:animEffect>
+                                  </p:childTnLst>
+                                </p:cTn>
+                              </p:par>
+                            </p:childTnLst>
+                          </p:cTn>
+                        </p:par>
+                        <p:par>
+                          <p:cTn id="196" fill="hold">
+                            <p:stCondLst>
+                              <p:cond delay="3000"/>
+                            </p:stCondLst>
+                            <p:childTnLst>
+                              <p:par>
+                                <p:cTn id="197" presetID="31" presetClass="entr" presetSubtype="0" fill="hold" nodeType="afterEffect">
+                                  <p:stCondLst>
+                                    <p:cond delay="0"/>
+                                  </p:stCondLst>
+                                  <p:childTnLst>
+                                    <p:set>
+                                      <p:cBhvr>
+                                        <p:cTn id="198" dur="1" fill="hold">
+                                          <p:stCondLst>
+                                            <p:cond delay="0"/>
+                                          </p:stCondLst>
+                                        </p:cTn>
+                                        <p:tgtEl>
+                                          <p:spTgt spid="21"/>
+                                        </p:tgtEl>
+                                        <p:attrNameLst>
+                                          <p:attrName>style.visibility</p:attrName>
+                                        </p:attrNameLst>
+                                      </p:cBhvr>
+                                      <p:to>
+                                        <p:strVal val="visible"/>
+                                      </p:to>
+                                    </p:set>
+                                    <p:anim calcmode="lin" valueType="num">
+                                      <p:cBhvr>
+                                        <p:cTn id="199" dur="1000" fill="hold"/>
+                                        <p:tgtEl>
+                                          <p:spTgt spid="21"/>
+                                        </p:tgtEl>
+                                        <p:attrNameLst>
+                                          <p:attrName>ppt_w</p:attrName>
+                                        </p:attrNameLst>
+                                      </p:cBhvr>
+                                      <p:tavLst>
+                                        <p:tav tm="0">
+                                          <p:val>
+                                            <p:fltVal val="0"/>
+                                          </p:val>
+                                        </p:tav>
+                                        <p:tav tm="100000">
+                                          <p:val>
+                                            <p:strVal val="#ppt_w"/>
+                                          </p:val>
+                                        </p:tav>
+                                      </p:tavLst>
+                                    </p:anim>
+                                    <p:anim calcmode="lin" valueType="num">
+                                      <p:cBhvr>
+                                        <p:cTn id="200" dur="1000" fill="hold"/>
+                                        <p:tgtEl>
+                                          <p:spTgt spid="21"/>
+                                        </p:tgtEl>
+                                        <p:attrNameLst>
+                                          <p:attrName>ppt_h</p:attrName>
+                                        </p:attrNameLst>
+                                      </p:cBhvr>
+                                      <p:tavLst>
+                                        <p:tav tm="0">
+                                          <p:val>
+                                            <p:fltVal val="0"/>
+                                          </p:val>
+                                        </p:tav>
+                                        <p:tav tm="100000">
+                                          <p:val>
+                                            <p:strVal val="#ppt_h"/>
+                                          </p:val>
+                                        </p:tav>
+                                      </p:tavLst>
+                                    </p:anim>
+                                    <p:anim calcmode="lin" valueType="num">
+                                      <p:cBhvr>
+                                        <p:cTn id="201" dur="1000" fill="hold"/>
+                                        <p:tgtEl>
+                                          <p:spTgt spid="21"/>
+                                        </p:tgtEl>
+                                        <p:attrNameLst>
+                                          <p:attrName>style.rotation</p:attrName>
+                                        </p:attrNameLst>
+                                      </p:cBhvr>
+                                      <p:tavLst>
+                                        <p:tav tm="0">
+                                          <p:val>
+                                            <p:fltVal val="90"/>
+                                          </p:val>
+                                        </p:tav>
+                                        <p:tav tm="100000">
+                                          <p:val>
+                                            <p:fltVal val="0"/>
+                                          </p:val>
+                                        </p:tav>
+                                      </p:tavLst>
+                                    </p:anim>
+                                    <p:animEffect transition="in" filter="fade">
+                                      <p:cBhvr>
+                                        <p:cTn id="202" dur="1000"/>
+                                        <p:tgtEl>
+                                          <p:spTgt spid="21"/>
+                                        </p:tgtEl>
+                                      </p:cBhvr>
+                                    </p:animEffect>
+                                  </p:childTnLst>
+                                </p:cTn>
+                              </p:par>
+                            </p:childTnLst>
+                          </p:cTn>
+                        </p:par>
+                      </p:childTnLst>
+                    </p:cTn>
+                  </p:par>
+                  <p:par>
+                    <p:cTn id="203" fill="hold">
+                      <p:stCondLst>
+                        <p:cond delay="indefinite"/>
+                      </p:stCondLst>
+                      <p:childTnLst>
+                        <p:par>
+                          <p:cTn id="204" fill="hold">
+                            <p:stCondLst>
+                              <p:cond delay="0"/>
+                            </p:stCondLst>
+                            <p:childTnLst>
+                              <p:par>
+                                <p:cTn id="205" presetID="53" presetClass="entr" presetSubtype="16" fill="hold" nodeType="clickEffect">
+                                  <p:stCondLst>
+                                    <p:cond delay="0"/>
+                                  </p:stCondLst>
+                                  <p:childTnLst>
+                                    <p:set>
+                                      <p:cBhvr>
+                                        <p:cTn id="206" dur="1" fill="hold">
+                                          <p:stCondLst>
+                                            <p:cond delay="0"/>
+                                          </p:stCondLst>
+                                        </p:cTn>
+                                        <p:tgtEl>
+                                          <p:spTgt spid="22"/>
+                                        </p:tgtEl>
+                                        <p:attrNameLst>
+                                          <p:attrName>style.visibility</p:attrName>
+                                        </p:attrNameLst>
+                                      </p:cBhvr>
+                                      <p:to>
+                                        <p:strVal val="visible"/>
+                                      </p:to>
+                                    </p:set>
+                                    <p:anim calcmode="lin" valueType="num">
+                                      <p:cBhvr>
+                                        <p:cTn id="207" dur="500" fill="hold"/>
+                                        <p:tgtEl>
+                                          <p:spTgt spid="22"/>
+                                        </p:tgtEl>
+                                        <p:attrNameLst>
+                                          <p:attrName>ppt_w</p:attrName>
+                                        </p:attrNameLst>
+                                      </p:cBhvr>
+                                      <p:tavLst>
+                                        <p:tav tm="0">
+                                          <p:val>
+                                            <p:fltVal val="0"/>
+                                          </p:val>
+                                        </p:tav>
+                                        <p:tav tm="100000">
+                                          <p:val>
+                                            <p:strVal val="#ppt_w"/>
+                                          </p:val>
+                                        </p:tav>
+                                      </p:tavLst>
+                                    </p:anim>
+                                    <p:anim calcmode="lin" valueType="num">
+                                      <p:cBhvr>
+                                        <p:cTn id="208" dur="500" fill="hold"/>
+                                        <p:tgtEl>
+                                          <p:spTgt spid="22"/>
+                                        </p:tgtEl>
+                                        <p:attrNameLst>
+                                          <p:attrName>ppt_h</p:attrName>
+                                        </p:attrNameLst>
+                                      </p:cBhvr>
+                                      <p:tavLst>
+                                        <p:tav tm="0">
+                                          <p:val>
+                                            <p:fltVal val="0"/>
+                                          </p:val>
+                                        </p:tav>
+                                        <p:tav tm="100000">
+                                          <p:val>
+                                            <p:strVal val="#ppt_h"/>
+                                          </p:val>
+                                        </p:tav>
+                                      </p:tavLst>
+                                    </p:anim>
+                                    <p:animEffect transition="in" filter="fade">
+                                      <p:cBhvr>
+                                        <p:cTn id="209" dur="500"/>
+                                        <p:tgtEl>
+                                          <p:spTgt spid="22"/>
+                                        </p:tgtEl>
+                                      </p:cBhvr>
+                                    </p:animEffect>
+                                  </p:childTnLst>
+                                </p:cTn>
+                              </p:par>
+                            </p:childTnLst>
+                          </p:cTn>
+                        </p:par>
+                      </p:childTnLst>
+                    </p:cTn>
+                  </p:par>
+                </p:childTnLst>
+              </p:cTn>
+              <p:prevCondLst>
+                <p:cond evt="onPrev" delay="0">
+                  <p:tgtEl>
+                    <p:sldTgt/>
+                  </p:tgtEl>
+                </p:cond>
+              </p:prevCondLst>
+              <p:nextCondLst>
+                <p:cond evt="onNext" delay="0">
+                  <p:tgtEl>
+                    <p:sldTgt/>
+                  </p:tgtEl>
+                </p:cond>
+              </p:nextCondLst>
+            </p:seq>
+          </p:childTnLst>
+        </p:cTn>
+      </p:par>
+    </p:tnLst>
+    <p:bldLst>
+      <p:bldP spid="2" grpId="0"/>
+      <p:bldGraphic spid="4" grpId="0">
+        <p:bldSub>
+          <a:bldDgm bld="one"/>
+        </p:bldSub>
+      </p:bldGraphic>
+      <p:bldGraphic spid="5" grpId="0">
+        <p:bldSub>
+          <a:bldDgm bld="one"/>
+        </p:bldSub>
+      </p:bldGraphic>
+      <p:bldP spid="3" grpId="0"/>
+    </p:bldLst>
+  </p:timing>
 </p:sld>
 </file>
 
@@ -35213,12 +37222,12 @@
                         </a:spcAft>
                       </a:pPr>
                       <a:r>
-                        <a:rPr lang="en-IN" sz="1800" kern="100">
+                        <a:rPr lang="en-IN" sz="1800" kern="100" dirty="0">
                           <a:effectLst/>
                         </a:rPr>
                         <a:t>0.95</a:t>
                       </a:r>
-                      <a:endParaRPr lang="en-IN" sz="1700" kern="100">
+                      <a:endParaRPr lang="en-IN" sz="1700" kern="100" dirty="0">
                         <a:effectLst/>
                         <a:latin typeface="Calibri" panose="020F0502020204030204" pitchFamily="34" charset="0"/>
                         <a:ea typeface="Calibri" panose="020F0502020204030204" pitchFamily="34" charset="0"/>
@@ -36254,6 +38263,629 @@
   <p:clrMapOvr>
     <a:masterClrMapping/>
   </p:clrMapOvr>
+  <p:transition spd="slow">
+    <p:push dir="u"/>
+  </p:transition>
+  <p:timing>
+    <p:tnLst>
+      <p:par>
+        <p:cTn id="1" dur="indefinite" restart="never" nodeType="tmRoot">
+          <p:childTnLst>
+            <p:seq concurrent="1" nextAc="seek">
+              <p:cTn id="2" dur="indefinite" nodeType="mainSeq">
+                <p:childTnLst>
+                  <p:par>
+                    <p:cTn id="3" fill="hold">
+                      <p:stCondLst>
+                        <p:cond delay="indefinite"/>
+                      </p:stCondLst>
+                      <p:childTnLst>
+                        <p:par>
+                          <p:cTn id="4" fill="hold">
+                            <p:stCondLst>
+                              <p:cond delay="0"/>
+                            </p:stCondLst>
+                            <p:childTnLst>
+                              <p:par>
+                                <p:cTn id="5" presetID="14" presetClass="entr" presetSubtype="10" fill="hold" grpId="0" nodeType="clickEffect">
+                                  <p:stCondLst>
+                                    <p:cond delay="0"/>
+                                  </p:stCondLst>
+                                  <p:childTnLst>
+                                    <p:set>
+                                      <p:cBhvr>
+                                        <p:cTn id="6" dur="1" fill="hold">
+                                          <p:stCondLst>
+                                            <p:cond delay="0"/>
+                                          </p:stCondLst>
+                                        </p:cTn>
+                                        <p:tgtEl>
+                                          <p:spTgt spid="2"/>
+                                        </p:tgtEl>
+                                        <p:attrNameLst>
+                                          <p:attrName>style.visibility</p:attrName>
+                                        </p:attrNameLst>
+                                      </p:cBhvr>
+                                      <p:to>
+                                        <p:strVal val="visible"/>
+                                      </p:to>
+                                    </p:set>
+                                    <p:animEffect transition="in" filter="randombar(horizontal)">
+                                      <p:cBhvr>
+                                        <p:cTn id="7" dur="500"/>
+                                        <p:tgtEl>
+                                          <p:spTgt spid="2"/>
+                                        </p:tgtEl>
+                                      </p:cBhvr>
+                                    </p:animEffect>
+                                  </p:childTnLst>
+                                </p:cTn>
+                              </p:par>
+                            </p:childTnLst>
+                          </p:cTn>
+                        </p:par>
+                      </p:childTnLst>
+                    </p:cTn>
+                  </p:par>
+                  <p:par>
+                    <p:cTn id="8" fill="hold">
+                      <p:stCondLst>
+                        <p:cond delay="indefinite"/>
+                      </p:stCondLst>
+                      <p:childTnLst>
+                        <p:par>
+                          <p:cTn id="9" fill="hold">
+                            <p:stCondLst>
+                              <p:cond delay="0"/>
+                            </p:stCondLst>
+                            <p:childTnLst>
+                              <p:par>
+                                <p:cTn id="10" presetID="53" presetClass="entr" presetSubtype="16" fill="hold" grpId="0" nodeType="clickEffect">
+                                  <p:stCondLst>
+                                    <p:cond delay="0"/>
+                                  </p:stCondLst>
+                                  <p:childTnLst>
+                                    <p:set>
+                                      <p:cBhvr>
+                                        <p:cTn id="11" dur="1" fill="hold">
+                                          <p:stCondLst>
+                                            <p:cond delay="0"/>
+                                          </p:stCondLst>
+                                        </p:cTn>
+                                        <p:tgtEl>
+                                          <p:spTgt spid="3">
+                                            <p:txEl>
+                                              <p:pRg st="0" end="0"/>
+                                            </p:txEl>
+                                          </p:spTgt>
+                                        </p:tgtEl>
+                                        <p:attrNameLst>
+                                          <p:attrName>style.visibility</p:attrName>
+                                        </p:attrNameLst>
+                                      </p:cBhvr>
+                                      <p:to>
+                                        <p:strVal val="visible"/>
+                                      </p:to>
+                                    </p:set>
+                                    <p:anim calcmode="lin" valueType="num">
+                                      <p:cBhvr>
+                                        <p:cTn id="12" dur="500" fill="hold"/>
+                                        <p:tgtEl>
+                                          <p:spTgt spid="3">
+                                            <p:txEl>
+                                              <p:pRg st="0" end="0"/>
+                                            </p:txEl>
+                                          </p:spTgt>
+                                        </p:tgtEl>
+                                        <p:attrNameLst>
+                                          <p:attrName>ppt_w</p:attrName>
+                                        </p:attrNameLst>
+                                      </p:cBhvr>
+                                      <p:tavLst>
+                                        <p:tav tm="0">
+                                          <p:val>
+                                            <p:fltVal val="0"/>
+                                          </p:val>
+                                        </p:tav>
+                                        <p:tav tm="100000">
+                                          <p:val>
+                                            <p:strVal val="#ppt_w"/>
+                                          </p:val>
+                                        </p:tav>
+                                      </p:tavLst>
+                                    </p:anim>
+                                    <p:anim calcmode="lin" valueType="num">
+                                      <p:cBhvr>
+                                        <p:cTn id="13" dur="500" fill="hold"/>
+                                        <p:tgtEl>
+                                          <p:spTgt spid="3">
+                                            <p:txEl>
+                                              <p:pRg st="0" end="0"/>
+                                            </p:txEl>
+                                          </p:spTgt>
+                                        </p:tgtEl>
+                                        <p:attrNameLst>
+                                          <p:attrName>ppt_h</p:attrName>
+                                        </p:attrNameLst>
+                                      </p:cBhvr>
+                                      <p:tavLst>
+                                        <p:tav tm="0">
+                                          <p:val>
+                                            <p:fltVal val="0"/>
+                                          </p:val>
+                                        </p:tav>
+                                        <p:tav tm="100000">
+                                          <p:val>
+                                            <p:strVal val="#ppt_h"/>
+                                          </p:val>
+                                        </p:tav>
+                                      </p:tavLst>
+                                    </p:anim>
+                                    <p:animEffect transition="in" filter="fade">
+                                      <p:cBhvr>
+                                        <p:cTn id="14" dur="500"/>
+                                        <p:tgtEl>
+                                          <p:spTgt spid="3">
+                                            <p:txEl>
+                                              <p:pRg st="0" end="0"/>
+                                            </p:txEl>
+                                          </p:spTgt>
+                                        </p:tgtEl>
+                                      </p:cBhvr>
+                                    </p:animEffect>
+                                  </p:childTnLst>
+                                </p:cTn>
+                              </p:par>
+                            </p:childTnLst>
+                          </p:cTn>
+                        </p:par>
+                      </p:childTnLst>
+                    </p:cTn>
+                  </p:par>
+                  <p:par>
+                    <p:cTn id="15" fill="hold">
+                      <p:stCondLst>
+                        <p:cond delay="indefinite"/>
+                      </p:stCondLst>
+                      <p:childTnLst>
+                        <p:par>
+                          <p:cTn id="16" fill="hold">
+                            <p:stCondLst>
+                              <p:cond delay="0"/>
+                            </p:stCondLst>
+                            <p:childTnLst>
+                              <p:par>
+                                <p:cTn id="17" presetID="53" presetClass="entr" presetSubtype="16" fill="hold" grpId="0" nodeType="clickEffect">
+                                  <p:stCondLst>
+                                    <p:cond delay="0"/>
+                                  </p:stCondLst>
+                                  <p:childTnLst>
+                                    <p:set>
+                                      <p:cBhvr>
+                                        <p:cTn id="18" dur="1" fill="hold">
+                                          <p:stCondLst>
+                                            <p:cond delay="0"/>
+                                          </p:stCondLst>
+                                        </p:cTn>
+                                        <p:tgtEl>
+                                          <p:spTgt spid="3">
+                                            <p:txEl>
+                                              <p:pRg st="1" end="1"/>
+                                            </p:txEl>
+                                          </p:spTgt>
+                                        </p:tgtEl>
+                                        <p:attrNameLst>
+                                          <p:attrName>style.visibility</p:attrName>
+                                        </p:attrNameLst>
+                                      </p:cBhvr>
+                                      <p:to>
+                                        <p:strVal val="visible"/>
+                                      </p:to>
+                                    </p:set>
+                                    <p:anim calcmode="lin" valueType="num">
+                                      <p:cBhvr>
+                                        <p:cTn id="19" dur="500" fill="hold"/>
+                                        <p:tgtEl>
+                                          <p:spTgt spid="3">
+                                            <p:txEl>
+                                              <p:pRg st="1" end="1"/>
+                                            </p:txEl>
+                                          </p:spTgt>
+                                        </p:tgtEl>
+                                        <p:attrNameLst>
+                                          <p:attrName>ppt_w</p:attrName>
+                                        </p:attrNameLst>
+                                      </p:cBhvr>
+                                      <p:tavLst>
+                                        <p:tav tm="0">
+                                          <p:val>
+                                            <p:fltVal val="0"/>
+                                          </p:val>
+                                        </p:tav>
+                                        <p:tav tm="100000">
+                                          <p:val>
+                                            <p:strVal val="#ppt_w"/>
+                                          </p:val>
+                                        </p:tav>
+                                      </p:tavLst>
+                                    </p:anim>
+                                    <p:anim calcmode="lin" valueType="num">
+                                      <p:cBhvr>
+                                        <p:cTn id="20" dur="500" fill="hold"/>
+                                        <p:tgtEl>
+                                          <p:spTgt spid="3">
+                                            <p:txEl>
+                                              <p:pRg st="1" end="1"/>
+                                            </p:txEl>
+                                          </p:spTgt>
+                                        </p:tgtEl>
+                                        <p:attrNameLst>
+                                          <p:attrName>ppt_h</p:attrName>
+                                        </p:attrNameLst>
+                                      </p:cBhvr>
+                                      <p:tavLst>
+                                        <p:tav tm="0">
+                                          <p:val>
+                                            <p:fltVal val="0"/>
+                                          </p:val>
+                                        </p:tav>
+                                        <p:tav tm="100000">
+                                          <p:val>
+                                            <p:strVal val="#ppt_h"/>
+                                          </p:val>
+                                        </p:tav>
+                                      </p:tavLst>
+                                    </p:anim>
+                                    <p:animEffect transition="in" filter="fade">
+                                      <p:cBhvr>
+                                        <p:cTn id="21" dur="500"/>
+                                        <p:tgtEl>
+                                          <p:spTgt spid="3">
+                                            <p:txEl>
+                                              <p:pRg st="1" end="1"/>
+                                            </p:txEl>
+                                          </p:spTgt>
+                                        </p:tgtEl>
+                                      </p:cBhvr>
+                                    </p:animEffect>
+                                  </p:childTnLst>
+                                </p:cTn>
+                              </p:par>
+                            </p:childTnLst>
+                          </p:cTn>
+                        </p:par>
+                      </p:childTnLst>
+                    </p:cTn>
+                  </p:par>
+                  <p:par>
+                    <p:cTn id="22" fill="hold">
+                      <p:stCondLst>
+                        <p:cond delay="indefinite"/>
+                      </p:stCondLst>
+                      <p:childTnLst>
+                        <p:par>
+                          <p:cTn id="23" fill="hold">
+                            <p:stCondLst>
+                              <p:cond delay="0"/>
+                            </p:stCondLst>
+                            <p:childTnLst>
+                              <p:par>
+                                <p:cTn id="24" presetID="53" presetClass="entr" presetSubtype="16" fill="hold" grpId="0" nodeType="clickEffect">
+                                  <p:stCondLst>
+                                    <p:cond delay="0"/>
+                                  </p:stCondLst>
+                                  <p:childTnLst>
+                                    <p:set>
+                                      <p:cBhvr>
+                                        <p:cTn id="25" dur="1" fill="hold">
+                                          <p:stCondLst>
+                                            <p:cond delay="0"/>
+                                          </p:stCondLst>
+                                        </p:cTn>
+                                        <p:tgtEl>
+                                          <p:spTgt spid="3">
+                                            <p:txEl>
+                                              <p:pRg st="2" end="2"/>
+                                            </p:txEl>
+                                          </p:spTgt>
+                                        </p:tgtEl>
+                                        <p:attrNameLst>
+                                          <p:attrName>style.visibility</p:attrName>
+                                        </p:attrNameLst>
+                                      </p:cBhvr>
+                                      <p:to>
+                                        <p:strVal val="visible"/>
+                                      </p:to>
+                                    </p:set>
+                                    <p:anim calcmode="lin" valueType="num">
+                                      <p:cBhvr>
+                                        <p:cTn id="26" dur="500" fill="hold"/>
+                                        <p:tgtEl>
+                                          <p:spTgt spid="3">
+                                            <p:txEl>
+                                              <p:pRg st="2" end="2"/>
+                                            </p:txEl>
+                                          </p:spTgt>
+                                        </p:tgtEl>
+                                        <p:attrNameLst>
+                                          <p:attrName>ppt_w</p:attrName>
+                                        </p:attrNameLst>
+                                      </p:cBhvr>
+                                      <p:tavLst>
+                                        <p:tav tm="0">
+                                          <p:val>
+                                            <p:fltVal val="0"/>
+                                          </p:val>
+                                        </p:tav>
+                                        <p:tav tm="100000">
+                                          <p:val>
+                                            <p:strVal val="#ppt_w"/>
+                                          </p:val>
+                                        </p:tav>
+                                      </p:tavLst>
+                                    </p:anim>
+                                    <p:anim calcmode="lin" valueType="num">
+                                      <p:cBhvr>
+                                        <p:cTn id="27" dur="500" fill="hold"/>
+                                        <p:tgtEl>
+                                          <p:spTgt spid="3">
+                                            <p:txEl>
+                                              <p:pRg st="2" end="2"/>
+                                            </p:txEl>
+                                          </p:spTgt>
+                                        </p:tgtEl>
+                                        <p:attrNameLst>
+                                          <p:attrName>ppt_h</p:attrName>
+                                        </p:attrNameLst>
+                                      </p:cBhvr>
+                                      <p:tavLst>
+                                        <p:tav tm="0">
+                                          <p:val>
+                                            <p:fltVal val="0"/>
+                                          </p:val>
+                                        </p:tav>
+                                        <p:tav tm="100000">
+                                          <p:val>
+                                            <p:strVal val="#ppt_h"/>
+                                          </p:val>
+                                        </p:tav>
+                                      </p:tavLst>
+                                    </p:anim>
+                                    <p:animEffect transition="in" filter="fade">
+                                      <p:cBhvr>
+                                        <p:cTn id="28" dur="500"/>
+                                        <p:tgtEl>
+                                          <p:spTgt spid="3">
+                                            <p:txEl>
+                                              <p:pRg st="2" end="2"/>
+                                            </p:txEl>
+                                          </p:spTgt>
+                                        </p:tgtEl>
+                                      </p:cBhvr>
+                                    </p:animEffect>
+                                  </p:childTnLst>
+                                </p:cTn>
+                              </p:par>
+                            </p:childTnLst>
+                          </p:cTn>
+                        </p:par>
+                      </p:childTnLst>
+                    </p:cTn>
+                  </p:par>
+                  <p:par>
+                    <p:cTn id="29" fill="hold">
+                      <p:stCondLst>
+                        <p:cond delay="indefinite"/>
+                      </p:stCondLst>
+                      <p:childTnLst>
+                        <p:par>
+                          <p:cTn id="30" fill="hold">
+                            <p:stCondLst>
+                              <p:cond delay="0"/>
+                            </p:stCondLst>
+                            <p:childTnLst>
+                              <p:par>
+                                <p:cTn id="31" presetID="23" presetClass="entr" presetSubtype="16" fill="hold" nodeType="clickEffect">
+                                  <p:stCondLst>
+                                    <p:cond delay="0"/>
+                                  </p:stCondLst>
+                                  <p:childTnLst>
+                                    <p:set>
+                                      <p:cBhvr>
+                                        <p:cTn id="32" dur="1" fill="hold">
+                                          <p:stCondLst>
+                                            <p:cond delay="0"/>
+                                          </p:stCondLst>
+                                        </p:cTn>
+                                        <p:tgtEl>
+                                          <p:spTgt spid="8"/>
+                                        </p:tgtEl>
+                                        <p:attrNameLst>
+                                          <p:attrName>style.visibility</p:attrName>
+                                        </p:attrNameLst>
+                                      </p:cBhvr>
+                                      <p:to>
+                                        <p:strVal val="visible"/>
+                                      </p:to>
+                                    </p:set>
+                                    <p:anim calcmode="lin" valueType="num">
+                                      <p:cBhvr>
+                                        <p:cTn id="33" dur="500" fill="hold"/>
+                                        <p:tgtEl>
+                                          <p:spTgt spid="8"/>
+                                        </p:tgtEl>
+                                        <p:attrNameLst>
+                                          <p:attrName>ppt_w</p:attrName>
+                                        </p:attrNameLst>
+                                      </p:cBhvr>
+                                      <p:tavLst>
+                                        <p:tav tm="0">
+                                          <p:val>
+                                            <p:fltVal val="0"/>
+                                          </p:val>
+                                        </p:tav>
+                                        <p:tav tm="100000">
+                                          <p:val>
+                                            <p:strVal val="#ppt_w"/>
+                                          </p:val>
+                                        </p:tav>
+                                      </p:tavLst>
+                                    </p:anim>
+                                    <p:anim calcmode="lin" valueType="num">
+                                      <p:cBhvr>
+                                        <p:cTn id="34" dur="500" fill="hold"/>
+                                        <p:tgtEl>
+                                          <p:spTgt spid="8"/>
+                                        </p:tgtEl>
+                                        <p:attrNameLst>
+                                          <p:attrName>ppt_h</p:attrName>
+                                        </p:attrNameLst>
+                                      </p:cBhvr>
+                                      <p:tavLst>
+                                        <p:tav tm="0">
+                                          <p:val>
+                                            <p:fltVal val="0"/>
+                                          </p:val>
+                                        </p:tav>
+                                        <p:tav tm="100000">
+                                          <p:val>
+                                            <p:strVal val="#ppt_h"/>
+                                          </p:val>
+                                        </p:tav>
+                                      </p:tavLst>
+                                    </p:anim>
+                                  </p:childTnLst>
+                                </p:cTn>
+                              </p:par>
+                            </p:childTnLst>
+                          </p:cTn>
+                        </p:par>
+                      </p:childTnLst>
+                    </p:cTn>
+                  </p:par>
+                  <p:par>
+                    <p:cTn id="35" fill="hold">
+                      <p:stCondLst>
+                        <p:cond delay="indefinite"/>
+                      </p:stCondLst>
+                      <p:childTnLst>
+                        <p:par>
+                          <p:cTn id="36" fill="hold">
+                            <p:stCondLst>
+                              <p:cond delay="0"/>
+                            </p:stCondLst>
+                            <p:childTnLst>
+                              <p:par>
+                                <p:cTn id="37" presetID="22" presetClass="entr" presetSubtype="1" fill="hold" nodeType="clickEffect">
+                                  <p:stCondLst>
+                                    <p:cond delay="0"/>
+                                  </p:stCondLst>
+                                  <p:childTnLst>
+                                    <p:set>
+                                      <p:cBhvr>
+                                        <p:cTn id="38" dur="1" fill="hold">
+                                          <p:stCondLst>
+                                            <p:cond delay="0"/>
+                                          </p:stCondLst>
+                                        </p:cTn>
+                                        <p:tgtEl>
+                                          <p:spTgt spid="6"/>
+                                        </p:tgtEl>
+                                        <p:attrNameLst>
+                                          <p:attrName>style.visibility</p:attrName>
+                                        </p:attrNameLst>
+                                      </p:cBhvr>
+                                      <p:to>
+                                        <p:strVal val="visible"/>
+                                      </p:to>
+                                    </p:set>
+                                    <p:animEffect transition="in" filter="wipe(up)">
+                                      <p:cBhvr>
+                                        <p:cTn id="39" dur="500"/>
+                                        <p:tgtEl>
+                                          <p:spTgt spid="6"/>
+                                        </p:tgtEl>
+                                      </p:cBhvr>
+                                    </p:animEffect>
+                                  </p:childTnLst>
+                                </p:cTn>
+                              </p:par>
+                            </p:childTnLst>
+                          </p:cTn>
+                        </p:par>
+                        <p:par>
+                          <p:cTn id="40" fill="hold">
+                            <p:stCondLst>
+                              <p:cond delay="500"/>
+                            </p:stCondLst>
+                            <p:childTnLst>
+                              <p:par>
+                                <p:cTn id="41" presetID="22" presetClass="entr" presetSubtype="1" fill="hold" nodeType="afterEffect">
+                                  <p:stCondLst>
+                                    <p:cond delay="0"/>
+                                  </p:stCondLst>
+                                  <p:childTnLst>
+                                    <p:set>
+                                      <p:cBhvr>
+                                        <p:cTn id="42" dur="1" fill="hold">
+                                          <p:stCondLst>
+                                            <p:cond delay="0"/>
+                                          </p:stCondLst>
+                                        </p:cTn>
+                                        <p:tgtEl>
+                                          <p:spTgt spid="7"/>
+                                        </p:tgtEl>
+                                        <p:attrNameLst>
+                                          <p:attrName>style.visibility</p:attrName>
+                                        </p:attrNameLst>
+                                      </p:cBhvr>
+                                      <p:to>
+                                        <p:strVal val="visible"/>
+                                      </p:to>
+                                    </p:set>
+                                    <p:animEffect transition="in" filter="wipe(up)">
+                                      <p:cBhvr>
+                                        <p:cTn id="43" dur="500"/>
+                                        <p:tgtEl>
+                                          <p:spTgt spid="7"/>
+                                        </p:tgtEl>
+                                      </p:cBhvr>
+                                    </p:animEffect>
+                                  </p:childTnLst>
+                                </p:cTn>
+                              </p:par>
+                            </p:childTnLst>
+                          </p:cTn>
+                        </p:par>
+                      </p:childTnLst>
+                    </p:cTn>
+                  </p:par>
+                </p:childTnLst>
+              </p:cTn>
+              <p:prevCondLst>
+                <p:cond evt="onPrev" delay="0">
+                  <p:tgtEl>
+                    <p:sldTgt/>
+                  </p:tgtEl>
+                </p:cond>
+              </p:prevCondLst>
+              <p:nextCondLst>
+                <p:cond evt="onNext" delay="0">
+                  <p:tgtEl>
+                    <p:sldTgt/>
+                  </p:tgtEl>
+                </p:cond>
+              </p:nextCondLst>
+            </p:seq>
+          </p:childTnLst>
+        </p:cTn>
+      </p:par>
+    </p:tnLst>
+    <p:bldLst>
+      <p:bldP spid="2" grpId="0"/>
+      <p:bldP spid="3" grpId="0" build="p"/>
+    </p:bldLst>
+  </p:timing>
 </p:sld>
 </file>
 
@@ -36523,6 +39155,566 @@
   <p:clrMapOvr>
     <a:masterClrMapping/>
   </p:clrMapOvr>
+  <p:transition spd="slow">
+    <p:wipe/>
+  </p:transition>
+  <p:timing>
+    <p:tnLst>
+      <p:par>
+        <p:cTn id="1" dur="indefinite" restart="never" nodeType="tmRoot">
+          <p:childTnLst>
+            <p:seq concurrent="1" nextAc="seek">
+              <p:cTn id="2" dur="indefinite" nodeType="mainSeq">
+                <p:childTnLst>
+                  <p:par>
+                    <p:cTn id="3" fill="hold">
+                      <p:stCondLst>
+                        <p:cond delay="indefinite"/>
+                      </p:stCondLst>
+                      <p:childTnLst>
+                        <p:par>
+                          <p:cTn id="4" fill="hold">
+                            <p:stCondLst>
+                              <p:cond delay="0"/>
+                            </p:stCondLst>
+                            <p:childTnLst>
+                              <p:par>
+                                <p:cTn id="5" presetID="14" presetClass="entr" presetSubtype="10" fill="hold" grpId="0" nodeType="clickEffect">
+                                  <p:stCondLst>
+                                    <p:cond delay="0"/>
+                                  </p:stCondLst>
+                                  <p:childTnLst>
+                                    <p:set>
+                                      <p:cBhvr>
+                                        <p:cTn id="6" dur="1" fill="hold">
+                                          <p:stCondLst>
+                                            <p:cond delay="0"/>
+                                          </p:stCondLst>
+                                        </p:cTn>
+                                        <p:tgtEl>
+                                          <p:spTgt spid="2"/>
+                                        </p:tgtEl>
+                                        <p:attrNameLst>
+                                          <p:attrName>style.visibility</p:attrName>
+                                        </p:attrNameLst>
+                                      </p:cBhvr>
+                                      <p:to>
+                                        <p:strVal val="visible"/>
+                                      </p:to>
+                                    </p:set>
+                                    <p:animEffect transition="in" filter="randombar(horizontal)">
+                                      <p:cBhvr>
+                                        <p:cTn id="7" dur="500"/>
+                                        <p:tgtEl>
+                                          <p:spTgt spid="2"/>
+                                        </p:tgtEl>
+                                      </p:cBhvr>
+                                    </p:animEffect>
+                                  </p:childTnLst>
+                                </p:cTn>
+                              </p:par>
+                            </p:childTnLst>
+                          </p:cTn>
+                        </p:par>
+                      </p:childTnLst>
+                    </p:cTn>
+                  </p:par>
+                  <p:par>
+                    <p:cTn id="8" fill="hold">
+                      <p:stCondLst>
+                        <p:cond delay="indefinite"/>
+                      </p:stCondLst>
+                      <p:childTnLst>
+                        <p:par>
+                          <p:cTn id="9" fill="hold">
+                            <p:stCondLst>
+                              <p:cond delay="0"/>
+                            </p:stCondLst>
+                            <p:childTnLst>
+                              <p:par>
+                                <p:cTn id="10" presetID="22" presetClass="entr" presetSubtype="1" fill="hold" grpId="0" nodeType="clickEffect">
+                                  <p:stCondLst>
+                                    <p:cond delay="0"/>
+                                  </p:stCondLst>
+                                  <p:childTnLst>
+                                    <p:set>
+                                      <p:cBhvr>
+                                        <p:cTn id="11" dur="1" fill="hold">
+                                          <p:stCondLst>
+                                            <p:cond delay="0"/>
+                                          </p:stCondLst>
+                                        </p:cTn>
+                                        <p:tgtEl>
+                                          <p:spTgt spid="3">
+                                            <p:txEl>
+                                              <p:pRg st="0" end="0"/>
+                                            </p:txEl>
+                                          </p:spTgt>
+                                        </p:tgtEl>
+                                        <p:attrNameLst>
+                                          <p:attrName>style.visibility</p:attrName>
+                                        </p:attrNameLst>
+                                      </p:cBhvr>
+                                      <p:to>
+                                        <p:strVal val="visible"/>
+                                      </p:to>
+                                    </p:set>
+                                    <p:animEffect transition="in" filter="wipe(up)">
+                                      <p:cBhvr>
+                                        <p:cTn id="12" dur="500"/>
+                                        <p:tgtEl>
+                                          <p:spTgt spid="3">
+                                            <p:txEl>
+                                              <p:pRg st="0" end="0"/>
+                                            </p:txEl>
+                                          </p:spTgt>
+                                        </p:tgtEl>
+                                      </p:cBhvr>
+                                    </p:animEffect>
+                                  </p:childTnLst>
+                                </p:cTn>
+                              </p:par>
+                            </p:childTnLst>
+                          </p:cTn>
+                        </p:par>
+                      </p:childTnLst>
+                    </p:cTn>
+                  </p:par>
+                  <p:par>
+                    <p:cTn id="13" fill="hold">
+                      <p:stCondLst>
+                        <p:cond delay="indefinite"/>
+                      </p:stCondLst>
+                      <p:childTnLst>
+                        <p:par>
+                          <p:cTn id="14" fill="hold">
+                            <p:stCondLst>
+                              <p:cond delay="0"/>
+                            </p:stCondLst>
+                            <p:childTnLst>
+                              <p:par>
+                                <p:cTn id="15" presetID="22" presetClass="entr" presetSubtype="1" fill="hold" grpId="0" nodeType="clickEffect">
+                                  <p:stCondLst>
+                                    <p:cond delay="0"/>
+                                  </p:stCondLst>
+                                  <p:childTnLst>
+                                    <p:set>
+                                      <p:cBhvr>
+                                        <p:cTn id="16" dur="1" fill="hold">
+                                          <p:stCondLst>
+                                            <p:cond delay="0"/>
+                                          </p:stCondLst>
+                                        </p:cTn>
+                                        <p:tgtEl>
+                                          <p:spTgt spid="3">
+                                            <p:txEl>
+                                              <p:pRg st="1" end="1"/>
+                                            </p:txEl>
+                                          </p:spTgt>
+                                        </p:tgtEl>
+                                        <p:attrNameLst>
+                                          <p:attrName>style.visibility</p:attrName>
+                                        </p:attrNameLst>
+                                      </p:cBhvr>
+                                      <p:to>
+                                        <p:strVal val="visible"/>
+                                      </p:to>
+                                    </p:set>
+                                    <p:animEffect transition="in" filter="wipe(up)">
+                                      <p:cBhvr>
+                                        <p:cTn id="17" dur="500"/>
+                                        <p:tgtEl>
+                                          <p:spTgt spid="3">
+                                            <p:txEl>
+                                              <p:pRg st="1" end="1"/>
+                                            </p:txEl>
+                                          </p:spTgt>
+                                        </p:tgtEl>
+                                      </p:cBhvr>
+                                    </p:animEffect>
+                                  </p:childTnLst>
+                                </p:cTn>
+                              </p:par>
+                            </p:childTnLst>
+                          </p:cTn>
+                        </p:par>
+                      </p:childTnLst>
+                    </p:cTn>
+                  </p:par>
+                  <p:par>
+                    <p:cTn id="18" fill="hold">
+                      <p:stCondLst>
+                        <p:cond delay="indefinite"/>
+                      </p:stCondLst>
+                      <p:childTnLst>
+                        <p:par>
+                          <p:cTn id="19" fill="hold">
+                            <p:stCondLst>
+                              <p:cond delay="0"/>
+                            </p:stCondLst>
+                            <p:childTnLst>
+                              <p:par>
+                                <p:cTn id="20" presetID="2" presetClass="entr" presetSubtype="4" fill="hold" nodeType="clickEffect">
+                                  <p:stCondLst>
+                                    <p:cond delay="0"/>
+                                  </p:stCondLst>
+                                  <p:childTnLst>
+                                    <p:set>
+                                      <p:cBhvr>
+                                        <p:cTn id="21" dur="1" fill="hold">
+                                          <p:stCondLst>
+                                            <p:cond delay="0"/>
+                                          </p:stCondLst>
+                                        </p:cTn>
+                                        <p:tgtEl>
+                                          <p:spTgt spid="5"/>
+                                        </p:tgtEl>
+                                        <p:attrNameLst>
+                                          <p:attrName>style.visibility</p:attrName>
+                                        </p:attrNameLst>
+                                      </p:cBhvr>
+                                      <p:to>
+                                        <p:strVal val="visible"/>
+                                      </p:to>
+                                    </p:set>
+                                    <p:anim calcmode="lin" valueType="num">
+                                      <p:cBhvr additive="base">
+                                        <p:cTn id="22" dur="500" fill="hold"/>
+                                        <p:tgtEl>
+                                          <p:spTgt spid="5"/>
+                                        </p:tgtEl>
+                                        <p:attrNameLst>
+                                          <p:attrName>ppt_x</p:attrName>
+                                        </p:attrNameLst>
+                                      </p:cBhvr>
+                                      <p:tavLst>
+                                        <p:tav tm="0">
+                                          <p:val>
+                                            <p:strVal val="#ppt_x"/>
+                                          </p:val>
+                                        </p:tav>
+                                        <p:tav tm="100000">
+                                          <p:val>
+                                            <p:strVal val="#ppt_x"/>
+                                          </p:val>
+                                        </p:tav>
+                                      </p:tavLst>
+                                    </p:anim>
+                                    <p:anim calcmode="lin" valueType="num">
+                                      <p:cBhvr additive="base">
+                                        <p:cTn id="23" dur="500" fill="hold"/>
+                                        <p:tgtEl>
+                                          <p:spTgt spid="5"/>
+                                        </p:tgtEl>
+                                        <p:attrNameLst>
+                                          <p:attrName>ppt_y</p:attrName>
+                                        </p:attrNameLst>
+                                      </p:cBhvr>
+                                      <p:tavLst>
+                                        <p:tav tm="0">
+                                          <p:val>
+                                            <p:strVal val="1+#ppt_h/2"/>
+                                          </p:val>
+                                        </p:tav>
+                                        <p:tav tm="100000">
+                                          <p:val>
+                                            <p:strVal val="#ppt_y"/>
+                                          </p:val>
+                                        </p:tav>
+                                      </p:tavLst>
+                                    </p:anim>
+                                  </p:childTnLst>
+                                </p:cTn>
+                              </p:par>
+                            </p:childTnLst>
+                          </p:cTn>
+                        </p:par>
+                        <p:par>
+                          <p:cTn id="24" fill="hold">
+                            <p:stCondLst>
+                              <p:cond delay="500"/>
+                            </p:stCondLst>
+                            <p:childTnLst>
+                              <p:par>
+                                <p:cTn id="25" presetID="2" presetClass="entr" presetSubtype="4" fill="hold" grpId="0" nodeType="afterEffect">
+                                  <p:stCondLst>
+                                    <p:cond delay="0"/>
+                                  </p:stCondLst>
+                                  <p:childTnLst>
+                                    <p:set>
+                                      <p:cBhvr>
+                                        <p:cTn id="26" dur="1" fill="hold">
+                                          <p:stCondLst>
+                                            <p:cond delay="0"/>
+                                          </p:stCondLst>
+                                        </p:cTn>
+                                        <p:tgtEl>
+                                          <p:spTgt spid="8"/>
+                                        </p:tgtEl>
+                                        <p:attrNameLst>
+                                          <p:attrName>style.visibility</p:attrName>
+                                        </p:attrNameLst>
+                                      </p:cBhvr>
+                                      <p:to>
+                                        <p:strVal val="visible"/>
+                                      </p:to>
+                                    </p:set>
+                                    <p:anim calcmode="lin" valueType="num">
+                                      <p:cBhvr additive="base">
+                                        <p:cTn id="27" dur="500" fill="hold"/>
+                                        <p:tgtEl>
+                                          <p:spTgt spid="8"/>
+                                        </p:tgtEl>
+                                        <p:attrNameLst>
+                                          <p:attrName>ppt_x</p:attrName>
+                                        </p:attrNameLst>
+                                      </p:cBhvr>
+                                      <p:tavLst>
+                                        <p:tav tm="0">
+                                          <p:val>
+                                            <p:strVal val="#ppt_x"/>
+                                          </p:val>
+                                        </p:tav>
+                                        <p:tav tm="100000">
+                                          <p:val>
+                                            <p:strVal val="#ppt_x"/>
+                                          </p:val>
+                                        </p:tav>
+                                      </p:tavLst>
+                                    </p:anim>
+                                    <p:anim calcmode="lin" valueType="num">
+                                      <p:cBhvr additive="base">
+                                        <p:cTn id="28" dur="500" fill="hold"/>
+                                        <p:tgtEl>
+                                          <p:spTgt spid="8"/>
+                                        </p:tgtEl>
+                                        <p:attrNameLst>
+                                          <p:attrName>ppt_y</p:attrName>
+                                        </p:attrNameLst>
+                                      </p:cBhvr>
+                                      <p:tavLst>
+                                        <p:tav tm="0">
+                                          <p:val>
+                                            <p:strVal val="1+#ppt_h/2"/>
+                                          </p:val>
+                                        </p:tav>
+                                        <p:tav tm="100000">
+                                          <p:val>
+                                            <p:strVal val="#ppt_y"/>
+                                          </p:val>
+                                        </p:tav>
+                                      </p:tavLst>
+                                    </p:anim>
+                                  </p:childTnLst>
+                                </p:cTn>
+                              </p:par>
+                            </p:childTnLst>
+                          </p:cTn>
+                        </p:par>
+                      </p:childTnLst>
+                    </p:cTn>
+                  </p:par>
+                  <p:par>
+                    <p:cTn id="29" fill="hold">
+                      <p:stCondLst>
+                        <p:cond delay="indefinite"/>
+                      </p:stCondLst>
+                      <p:childTnLst>
+                        <p:par>
+                          <p:cTn id="30" fill="hold">
+                            <p:stCondLst>
+                              <p:cond delay="0"/>
+                            </p:stCondLst>
+                            <p:childTnLst>
+                              <p:par>
+                                <p:cTn id="31" presetID="2" presetClass="entr" presetSubtype="4" fill="hold" nodeType="clickEffect">
+                                  <p:stCondLst>
+                                    <p:cond delay="0"/>
+                                  </p:stCondLst>
+                                  <p:childTnLst>
+                                    <p:set>
+                                      <p:cBhvr>
+                                        <p:cTn id="32" dur="1" fill="hold">
+                                          <p:stCondLst>
+                                            <p:cond delay="0"/>
+                                          </p:stCondLst>
+                                        </p:cTn>
+                                        <p:tgtEl>
+                                          <p:spTgt spid="7"/>
+                                        </p:tgtEl>
+                                        <p:attrNameLst>
+                                          <p:attrName>style.visibility</p:attrName>
+                                        </p:attrNameLst>
+                                      </p:cBhvr>
+                                      <p:to>
+                                        <p:strVal val="visible"/>
+                                      </p:to>
+                                    </p:set>
+                                    <p:anim calcmode="lin" valueType="num">
+                                      <p:cBhvr additive="base">
+                                        <p:cTn id="33" dur="500" fill="hold"/>
+                                        <p:tgtEl>
+                                          <p:spTgt spid="7"/>
+                                        </p:tgtEl>
+                                        <p:attrNameLst>
+                                          <p:attrName>ppt_x</p:attrName>
+                                        </p:attrNameLst>
+                                      </p:cBhvr>
+                                      <p:tavLst>
+                                        <p:tav tm="0">
+                                          <p:val>
+                                            <p:strVal val="#ppt_x"/>
+                                          </p:val>
+                                        </p:tav>
+                                        <p:tav tm="100000">
+                                          <p:val>
+                                            <p:strVal val="#ppt_x"/>
+                                          </p:val>
+                                        </p:tav>
+                                      </p:tavLst>
+                                    </p:anim>
+                                    <p:anim calcmode="lin" valueType="num">
+                                      <p:cBhvr additive="base">
+                                        <p:cTn id="34" dur="500" fill="hold"/>
+                                        <p:tgtEl>
+                                          <p:spTgt spid="7"/>
+                                        </p:tgtEl>
+                                        <p:attrNameLst>
+                                          <p:attrName>ppt_y</p:attrName>
+                                        </p:attrNameLst>
+                                      </p:cBhvr>
+                                      <p:tavLst>
+                                        <p:tav tm="0">
+                                          <p:val>
+                                            <p:strVal val="1+#ppt_h/2"/>
+                                          </p:val>
+                                        </p:tav>
+                                        <p:tav tm="100000">
+                                          <p:val>
+                                            <p:strVal val="#ppt_y"/>
+                                          </p:val>
+                                        </p:tav>
+                                      </p:tavLst>
+                                    </p:anim>
+                                  </p:childTnLst>
+                                </p:cTn>
+                              </p:par>
+                            </p:childTnLst>
+                          </p:cTn>
+                        </p:par>
+                        <p:par>
+                          <p:cTn id="35" fill="hold">
+                            <p:stCondLst>
+                              <p:cond delay="500"/>
+                            </p:stCondLst>
+                            <p:childTnLst>
+                              <p:par>
+                                <p:cTn id="36" presetID="2" presetClass="entr" presetSubtype="4" fill="hold" grpId="0" nodeType="afterEffect">
+                                  <p:stCondLst>
+                                    <p:cond delay="0"/>
+                                  </p:stCondLst>
+                                  <p:childTnLst>
+                                    <p:set>
+                                      <p:cBhvr>
+                                        <p:cTn id="37" dur="1" fill="hold">
+                                          <p:stCondLst>
+                                            <p:cond delay="0"/>
+                                          </p:stCondLst>
+                                        </p:cTn>
+                                        <p:tgtEl>
+                                          <p:spTgt spid="9"/>
+                                        </p:tgtEl>
+                                        <p:attrNameLst>
+                                          <p:attrName>style.visibility</p:attrName>
+                                        </p:attrNameLst>
+                                      </p:cBhvr>
+                                      <p:to>
+                                        <p:strVal val="visible"/>
+                                      </p:to>
+                                    </p:set>
+                                    <p:anim calcmode="lin" valueType="num">
+                                      <p:cBhvr additive="base">
+                                        <p:cTn id="38" dur="500" fill="hold"/>
+                                        <p:tgtEl>
+                                          <p:spTgt spid="9"/>
+                                        </p:tgtEl>
+                                        <p:attrNameLst>
+                                          <p:attrName>ppt_x</p:attrName>
+                                        </p:attrNameLst>
+                                      </p:cBhvr>
+                                      <p:tavLst>
+                                        <p:tav tm="0">
+                                          <p:val>
+                                            <p:strVal val="#ppt_x"/>
+                                          </p:val>
+                                        </p:tav>
+                                        <p:tav tm="100000">
+                                          <p:val>
+                                            <p:strVal val="#ppt_x"/>
+                                          </p:val>
+                                        </p:tav>
+                                      </p:tavLst>
+                                    </p:anim>
+                                    <p:anim calcmode="lin" valueType="num">
+                                      <p:cBhvr additive="base">
+                                        <p:cTn id="39" dur="500" fill="hold"/>
+                                        <p:tgtEl>
+                                          <p:spTgt spid="9"/>
+                                        </p:tgtEl>
+                                        <p:attrNameLst>
+                                          <p:attrName>ppt_y</p:attrName>
+                                        </p:attrNameLst>
+                                      </p:cBhvr>
+                                      <p:tavLst>
+                                        <p:tav tm="0">
+                                          <p:val>
+                                            <p:strVal val="1+#ppt_h/2"/>
+                                          </p:val>
+                                        </p:tav>
+                                        <p:tav tm="100000">
+                                          <p:val>
+                                            <p:strVal val="#ppt_y"/>
+                                          </p:val>
+                                        </p:tav>
+                                      </p:tavLst>
+                                    </p:anim>
+                                  </p:childTnLst>
+                                </p:cTn>
+                              </p:par>
+                            </p:childTnLst>
+                          </p:cTn>
+                        </p:par>
+                      </p:childTnLst>
+                    </p:cTn>
+                  </p:par>
+                </p:childTnLst>
+              </p:cTn>
+              <p:prevCondLst>
+                <p:cond evt="onPrev" delay="0">
+                  <p:tgtEl>
+                    <p:sldTgt/>
+                  </p:tgtEl>
+                </p:cond>
+              </p:prevCondLst>
+              <p:nextCondLst>
+                <p:cond evt="onNext" delay="0">
+                  <p:tgtEl>
+                    <p:sldTgt/>
+                  </p:tgtEl>
+                </p:cond>
+              </p:nextCondLst>
+            </p:seq>
+          </p:childTnLst>
+        </p:cTn>
+      </p:par>
+    </p:tnLst>
+    <p:bldLst>
+      <p:bldP spid="8" grpId="0"/>
+      <p:bldP spid="2" grpId="0"/>
+      <p:bldP spid="3" grpId="0" build="p"/>
+      <p:bldP spid="9" grpId="0"/>
+    </p:bldLst>
+  </p:timing>
 </p:sld>
 </file>
 
@@ -36626,6 +39818,227 @@
   <p:clrMapOvr>
     <a:masterClrMapping/>
   </p:clrMapOvr>
+  <mc:AlternateContent xmlns:mc="http://schemas.openxmlformats.org/markup-compatibility/2006">
+    <mc:Choice xmlns:p14="http://schemas.microsoft.com/office/powerpoint/2010/main" Requires="p14">
+      <p:transition spd="slow" p14:dur="1500">
+        <p:split orient="vert"/>
+      </p:transition>
+    </mc:Choice>
+    <mc:Fallback>
+      <p:transition spd="slow">
+        <p:split orient="vert"/>
+      </p:transition>
+    </mc:Fallback>
+  </mc:AlternateContent>
+  <p:timing>
+    <p:tnLst>
+      <p:par>
+        <p:cTn id="1" dur="indefinite" restart="never" nodeType="tmRoot">
+          <p:childTnLst>
+            <p:seq concurrent="1" nextAc="seek">
+              <p:cTn id="2" dur="indefinite" nodeType="mainSeq">
+                <p:childTnLst>
+                  <p:par>
+                    <p:cTn id="3" fill="hold">
+                      <p:stCondLst>
+                        <p:cond delay="indefinite"/>
+                      </p:stCondLst>
+                      <p:childTnLst>
+                        <p:par>
+                          <p:cTn id="4" fill="hold">
+                            <p:stCondLst>
+                              <p:cond delay="0"/>
+                            </p:stCondLst>
+                            <p:childTnLst>
+                              <p:par>
+                                <p:cTn id="5" presetID="14" presetClass="entr" presetSubtype="10" fill="hold" grpId="0" nodeType="clickEffect">
+                                  <p:stCondLst>
+                                    <p:cond delay="0"/>
+                                  </p:stCondLst>
+                                  <p:childTnLst>
+                                    <p:set>
+                                      <p:cBhvr>
+                                        <p:cTn id="6" dur="1" fill="hold">
+                                          <p:stCondLst>
+                                            <p:cond delay="0"/>
+                                          </p:stCondLst>
+                                        </p:cTn>
+                                        <p:tgtEl>
+                                          <p:spTgt spid="2"/>
+                                        </p:tgtEl>
+                                        <p:attrNameLst>
+                                          <p:attrName>style.visibility</p:attrName>
+                                        </p:attrNameLst>
+                                      </p:cBhvr>
+                                      <p:to>
+                                        <p:strVal val="visible"/>
+                                      </p:to>
+                                    </p:set>
+                                    <p:animEffect transition="in" filter="randombar(horizontal)">
+                                      <p:cBhvr>
+                                        <p:cTn id="7" dur="500"/>
+                                        <p:tgtEl>
+                                          <p:spTgt spid="2"/>
+                                        </p:tgtEl>
+                                      </p:cBhvr>
+                                    </p:animEffect>
+                                  </p:childTnLst>
+                                </p:cTn>
+                              </p:par>
+                            </p:childTnLst>
+                          </p:cTn>
+                        </p:par>
+                      </p:childTnLst>
+                    </p:cTn>
+                  </p:par>
+                  <p:par>
+                    <p:cTn id="8" fill="hold">
+                      <p:stCondLst>
+                        <p:cond delay="indefinite"/>
+                      </p:stCondLst>
+                      <p:childTnLst>
+                        <p:par>
+                          <p:cTn id="9" fill="hold">
+                            <p:stCondLst>
+                              <p:cond delay="0"/>
+                            </p:stCondLst>
+                            <p:childTnLst>
+                              <p:par>
+                                <p:cTn id="10" presetID="10" presetClass="entr" presetSubtype="0" fill="hold" grpId="0" nodeType="clickEffect">
+                                  <p:stCondLst>
+                                    <p:cond delay="0"/>
+                                  </p:stCondLst>
+                                  <p:childTnLst>
+                                    <p:set>
+                                      <p:cBhvr>
+                                        <p:cTn id="11" dur="1" fill="hold">
+                                          <p:stCondLst>
+                                            <p:cond delay="0"/>
+                                          </p:stCondLst>
+                                        </p:cTn>
+                                        <p:tgtEl>
+                                          <p:spTgt spid="3">
+                                            <p:txEl>
+                                              <p:pRg st="0" end="0"/>
+                                            </p:txEl>
+                                          </p:spTgt>
+                                        </p:tgtEl>
+                                        <p:attrNameLst>
+                                          <p:attrName>style.visibility</p:attrName>
+                                        </p:attrNameLst>
+                                      </p:cBhvr>
+                                      <p:to>
+                                        <p:strVal val="visible"/>
+                                      </p:to>
+                                    </p:set>
+                                    <p:animEffect transition="in" filter="fade">
+                                      <p:cBhvr>
+                                        <p:cTn id="12" dur="500"/>
+                                        <p:tgtEl>
+                                          <p:spTgt spid="3">
+                                            <p:txEl>
+                                              <p:pRg st="0" end="0"/>
+                                            </p:txEl>
+                                          </p:spTgt>
+                                        </p:tgtEl>
+                                      </p:cBhvr>
+                                    </p:animEffect>
+                                  </p:childTnLst>
+                                </p:cTn>
+                              </p:par>
+                            </p:childTnLst>
+                          </p:cTn>
+                        </p:par>
+                      </p:childTnLst>
+                    </p:cTn>
+                  </p:par>
+                  <p:par>
+                    <p:cTn id="13" fill="hold">
+                      <p:stCondLst>
+                        <p:cond delay="indefinite"/>
+                      </p:stCondLst>
+                      <p:childTnLst>
+                        <p:par>
+                          <p:cTn id="14" fill="hold">
+                            <p:stCondLst>
+                              <p:cond delay="0"/>
+                            </p:stCondLst>
+                            <p:childTnLst>
+                              <p:par>
+                                <p:cTn id="15" presetID="10" presetClass="entr" presetSubtype="0" fill="hold" grpId="0" nodeType="clickEffect">
+                                  <p:stCondLst>
+                                    <p:cond delay="0"/>
+                                  </p:stCondLst>
+                                  <p:childTnLst>
+                                    <p:set>
+                                      <p:cBhvr>
+                                        <p:cTn id="16" dur="1" fill="hold">
+                                          <p:stCondLst>
+                                            <p:cond delay="0"/>
+                                          </p:stCondLst>
+                                        </p:cTn>
+                                        <p:tgtEl>
+                                          <p:spTgt spid="3">
+                                            <p:txEl>
+                                              <p:pRg st="1" end="1"/>
+                                            </p:txEl>
+                                          </p:spTgt>
+                                        </p:tgtEl>
+                                        <p:attrNameLst>
+                                          <p:attrName>style.visibility</p:attrName>
+                                        </p:attrNameLst>
+                                      </p:cBhvr>
+                                      <p:to>
+                                        <p:strVal val="visible"/>
+                                      </p:to>
+                                    </p:set>
+                                    <p:animEffect transition="in" filter="fade">
+                                      <p:cBhvr>
+                                        <p:cTn id="17" dur="500"/>
+                                        <p:tgtEl>
+                                          <p:spTgt spid="3">
+                                            <p:txEl>
+                                              <p:pRg st="1" end="1"/>
+                                            </p:txEl>
+                                          </p:spTgt>
+                                        </p:tgtEl>
+                                      </p:cBhvr>
+                                    </p:animEffect>
+                                  </p:childTnLst>
+                                </p:cTn>
+                              </p:par>
+                            </p:childTnLst>
+                          </p:cTn>
+                        </p:par>
+                      </p:childTnLst>
+                    </p:cTn>
+                  </p:par>
+                </p:childTnLst>
+              </p:cTn>
+              <p:prevCondLst>
+                <p:cond evt="onPrev" delay="0">
+                  <p:tgtEl>
+                    <p:sldTgt/>
+                  </p:tgtEl>
+                </p:cond>
+              </p:prevCondLst>
+              <p:nextCondLst>
+                <p:cond evt="onNext" delay="0">
+                  <p:tgtEl>
+                    <p:sldTgt/>
+                  </p:tgtEl>
+                </p:cond>
+              </p:nextCondLst>
+            </p:seq>
+          </p:childTnLst>
+        </p:cTn>
+      </p:par>
+    </p:tnLst>
+    <p:bldLst>
+      <p:bldP spid="2" grpId="0"/>
+      <p:bldP spid="3" grpId="0" build="p"/>
+    </p:bldLst>
+  </p:timing>
 </p:sld>
 </file>
 

--- a/JPMC CCB Risk Modelling Case Study.pptx
+++ b/JPMC CCB Risk Modelling Case Study.pptx
@@ -45185,6 +45185,357 @@
           </a:p>
         </p:txBody>
       </p:sp>
+      <p:graphicFrame>
+        <p:nvGraphicFramePr>
+          <p:cNvPr id="4" name="Table 3">
+            <a:extLst>
+              <a:ext uri="{FF2B5EF4-FFF2-40B4-BE49-F238E27FC236}">
+                <a16:creationId xmlns:a16="http://schemas.microsoft.com/office/drawing/2014/main" id="{1D99CE20-2F5C-DDFD-B4EA-BDF56DFB23EA}"/>
+              </a:ext>
+            </a:extLst>
+          </p:cNvPr>
+          <p:cNvGraphicFramePr>
+            <a:graphicFrameLocks noGrp="1"/>
+          </p:cNvGraphicFramePr>
+          <p:nvPr>
+            <p:extLst>
+              <p:ext uri="{D42A27DB-BD31-4B8C-83A1-F6EECF244321}">
+                <p14:modId xmlns:p14="http://schemas.microsoft.com/office/powerpoint/2010/main" val="819735521"/>
+              </p:ext>
+            </p:extLst>
+          </p:nvPr>
+        </p:nvGraphicFramePr>
+        <p:xfrm>
+          <a:off x="1509150" y="5524500"/>
+          <a:ext cx="14873848" cy="4648201"/>
+        </p:xfrm>
+        <a:graphic>
+          <a:graphicData uri="http://schemas.openxmlformats.org/drawingml/2006/table">
+            <a:tbl>
+              <a:tblPr firstRow="1" bandRow="1">
+                <a:tableStyleId>{5C22544A-7EE6-4342-B048-85BDC9FD1C3A}</a:tableStyleId>
+              </a:tblPr>
+              <a:tblGrid>
+                <a:gridCol w="3291450">
+                  <a:extLst>
+                    <a:ext uri="{9D8B030D-6E8A-4147-A177-3AD203B41FA5}">
+                      <a16:colId xmlns:a16="http://schemas.microsoft.com/office/drawing/2014/main" val="2769277857"/>
+                    </a:ext>
+                  </a:extLst>
+                </a:gridCol>
+                <a:gridCol w="3048000">
+                  <a:extLst>
+                    <a:ext uri="{9D8B030D-6E8A-4147-A177-3AD203B41FA5}">
+                      <a16:colId xmlns:a16="http://schemas.microsoft.com/office/drawing/2014/main" val="1483197414"/>
+                    </a:ext>
+                  </a:extLst>
+                </a:gridCol>
+                <a:gridCol w="2590800">
+                  <a:extLst>
+                    <a:ext uri="{9D8B030D-6E8A-4147-A177-3AD203B41FA5}">
+                      <a16:colId xmlns:a16="http://schemas.microsoft.com/office/drawing/2014/main" val="2757069996"/>
+                    </a:ext>
+                  </a:extLst>
+                </a:gridCol>
+                <a:gridCol w="5943598">
+                  <a:extLst>
+                    <a:ext uri="{9D8B030D-6E8A-4147-A177-3AD203B41FA5}">
+                      <a16:colId xmlns:a16="http://schemas.microsoft.com/office/drawing/2014/main" val="3122805489"/>
+                    </a:ext>
+                  </a:extLst>
+                </a:gridCol>
+              </a:tblGrid>
+              <a:tr h="969109">
+                <a:tc>
+                  <a:txBody>
+                    <a:bodyPr/>
+                    <a:lstStyle/>
+                    <a:p>
+                      <a:pPr algn="ctr"/>
+                      <a:r>
+                        <a:rPr lang="en-IN" sz="2800" dirty="0"/>
+                        <a:t>Chi Square Test Of Independence</a:t>
+                      </a:r>
+                    </a:p>
+                  </a:txBody>
+                  <a:tcPr anchor="ctr"/>
+                </a:tc>
+                <a:tc>
+                  <a:txBody>
+                    <a:bodyPr/>
+                    <a:lstStyle/>
+                    <a:p>
+                      <a:pPr algn="ctr"/>
+                      <a:r>
+                        <a:rPr lang="en-IN" sz="2800" dirty="0"/>
+                        <a:t>Chi Square Statistic</a:t>
+                      </a:r>
+                    </a:p>
+                  </a:txBody>
+                  <a:tcPr anchor="ctr"/>
+                </a:tc>
+                <a:tc>
+                  <a:txBody>
+                    <a:bodyPr/>
+                    <a:lstStyle/>
+                    <a:p>
+                      <a:pPr algn="ctr"/>
+                      <a:r>
+                        <a:rPr lang="en-IN" sz="2800" dirty="0"/>
+                        <a:t>p – value</a:t>
+                      </a:r>
+                    </a:p>
+                  </a:txBody>
+                  <a:tcPr anchor="ctr"/>
+                </a:tc>
+                <a:tc>
+                  <a:txBody>
+                    <a:bodyPr/>
+                    <a:lstStyle/>
+                    <a:p>
+                      <a:pPr algn="ctr"/>
+                      <a:r>
+                        <a:rPr lang="en-IN" sz="2800" dirty="0"/>
+                        <a:t>Result</a:t>
+                      </a:r>
+                    </a:p>
+                  </a:txBody>
+                  <a:tcPr anchor="ctr"/>
+                </a:tc>
+                <a:extLst>
+                  <a:ext uri="{0D108BD9-81ED-4DB2-BD59-A6C34878D82A}">
+                    <a16:rowId xmlns:a16="http://schemas.microsoft.com/office/drawing/2014/main" val="220147074"/>
+                  </a:ext>
+                </a:extLst>
+              </a:tr>
+              <a:tr h="1226364">
+                <a:tc>
+                  <a:txBody>
+                    <a:bodyPr/>
+                    <a:lstStyle/>
+                    <a:p>
+                      <a:pPr algn="ctr"/>
+                      <a:r>
+                        <a:rPr lang="en-IN" sz="2400" dirty="0"/>
+                        <a:t>Gender</a:t>
+                      </a:r>
+                    </a:p>
+                  </a:txBody>
+                  <a:tcPr anchor="ctr"/>
+                </a:tc>
+                <a:tc>
+                  <a:txBody>
+                    <a:bodyPr/>
+                    <a:lstStyle/>
+                    <a:p>
+                      <a:pPr algn="ctr"/>
+                      <a:r>
+                        <a:rPr lang="en-IN" sz="2400" dirty="0"/>
+                        <a:t>0.0</a:t>
+                      </a:r>
+                    </a:p>
+                  </a:txBody>
+                  <a:tcPr anchor="ctr"/>
+                </a:tc>
+                <a:tc>
+                  <a:txBody>
+                    <a:bodyPr/>
+                    <a:lstStyle/>
+                    <a:p>
+                      <a:pPr algn="ctr"/>
+                      <a:r>
+                        <a:rPr lang="en-IN" sz="2400" dirty="0"/>
+                        <a:t>1.0</a:t>
+                      </a:r>
+                    </a:p>
+                  </a:txBody>
+                  <a:tcPr anchor="ctr"/>
+                </a:tc>
+                <a:tc>
+                  <a:txBody>
+                    <a:bodyPr/>
+                    <a:lstStyle/>
+                    <a:p>
+                      <a:pPr marL="0" marR="0" lvl="0" indent="0" algn="ctr" defTabSz="1371600" rtl="0" eaLnBrk="1" fontAlgn="auto" latinLnBrk="0" hangingPunct="1">
+                        <a:lnSpc>
+                          <a:spcPct val="100000"/>
+                        </a:lnSpc>
+                        <a:spcBef>
+                          <a:spcPts val="0"/>
+                        </a:spcBef>
+                        <a:spcAft>
+                          <a:spcPts val="0"/>
+                        </a:spcAft>
+                        <a:buClrTx/>
+                        <a:buSzTx/>
+                        <a:buFontTx/>
+                        <a:buNone/>
+                        <a:tabLst/>
+                        <a:defRPr/>
+                      </a:pPr>
+                      <a:r>
+                        <a:rPr lang="en-US" sz="2400" dirty="0"/>
+                        <a:t>Fail to reject the null hypothesis: There is no significant association between model output and gender.</a:t>
+                      </a:r>
+                      <a:endParaRPr lang="en-IN" sz="2400" dirty="0"/>
+                    </a:p>
+                  </a:txBody>
+                  <a:tcPr anchor="ctr"/>
+                </a:tc>
+                <a:extLst>
+                  <a:ext uri="{0D108BD9-81ED-4DB2-BD59-A6C34878D82A}">
+                    <a16:rowId xmlns:a16="http://schemas.microsoft.com/office/drawing/2014/main" val="2350121652"/>
+                  </a:ext>
+                </a:extLst>
+              </a:tr>
+              <a:tr h="1226364">
+                <a:tc>
+                  <a:txBody>
+                    <a:bodyPr/>
+                    <a:lstStyle/>
+                    <a:p>
+                      <a:pPr algn="ctr"/>
+                      <a:r>
+                        <a:rPr lang="en-IN" sz="2400" dirty="0"/>
+                        <a:t>Race</a:t>
+                      </a:r>
+                    </a:p>
+                  </a:txBody>
+                  <a:tcPr anchor="ctr"/>
+                </a:tc>
+                <a:tc>
+                  <a:txBody>
+                    <a:bodyPr/>
+                    <a:lstStyle/>
+                    <a:p>
+                      <a:pPr algn="ctr"/>
+                      <a:r>
+                        <a:rPr lang="en-IN" sz="2400" dirty="0"/>
+                        <a:t>0.29</a:t>
+                      </a:r>
+                    </a:p>
+                  </a:txBody>
+                  <a:tcPr anchor="ctr"/>
+                </a:tc>
+                <a:tc>
+                  <a:txBody>
+                    <a:bodyPr/>
+                    <a:lstStyle/>
+                    <a:p>
+                      <a:pPr algn="ctr"/>
+                      <a:r>
+                        <a:rPr lang="en-IN" sz="2400" dirty="0"/>
+                        <a:t>0.96</a:t>
+                      </a:r>
+                    </a:p>
+                  </a:txBody>
+                  <a:tcPr anchor="ctr"/>
+                </a:tc>
+                <a:tc>
+                  <a:txBody>
+                    <a:bodyPr/>
+                    <a:lstStyle/>
+                    <a:p>
+                      <a:pPr marL="0" marR="0" lvl="0" indent="0" algn="ctr" defTabSz="1371600" rtl="0" eaLnBrk="1" fontAlgn="auto" latinLnBrk="0" hangingPunct="1">
+                        <a:lnSpc>
+                          <a:spcPct val="100000"/>
+                        </a:lnSpc>
+                        <a:spcBef>
+                          <a:spcPts val="0"/>
+                        </a:spcBef>
+                        <a:spcAft>
+                          <a:spcPts val="0"/>
+                        </a:spcAft>
+                        <a:buClrTx/>
+                        <a:buSzTx/>
+                        <a:buFontTx/>
+                        <a:buNone/>
+                        <a:tabLst/>
+                        <a:defRPr/>
+                      </a:pPr>
+                      <a:r>
+                        <a:rPr lang="en-US" sz="2400" dirty="0"/>
+                        <a:t>Fail to reject the null hypothesis: There is no significant association between model output and race.</a:t>
+                      </a:r>
+                      <a:endParaRPr lang="en-IN" sz="2400" dirty="0"/>
+                    </a:p>
+                  </a:txBody>
+                  <a:tcPr anchor="ctr"/>
+                </a:tc>
+                <a:extLst>
+                  <a:ext uri="{0D108BD9-81ED-4DB2-BD59-A6C34878D82A}">
+                    <a16:rowId xmlns:a16="http://schemas.microsoft.com/office/drawing/2014/main" val="29702267"/>
+                  </a:ext>
+                </a:extLst>
+              </a:tr>
+              <a:tr h="1226364">
+                <a:tc>
+                  <a:txBody>
+                    <a:bodyPr/>
+                    <a:lstStyle/>
+                    <a:p>
+                      <a:pPr algn="ctr"/>
+                      <a:r>
+                        <a:rPr lang="en-IN" sz="2400" dirty="0"/>
+                        <a:t>Address State</a:t>
+                      </a:r>
+                    </a:p>
+                  </a:txBody>
+                  <a:tcPr anchor="ctr"/>
+                </a:tc>
+                <a:tc>
+                  <a:txBody>
+                    <a:bodyPr/>
+                    <a:lstStyle/>
+                    <a:p>
+                      <a:pPr algn="ctr"/>
+                      <a:r>
+                        <a:rPr lang="en-IN" sz="2400" dirty="0"/>
+                        <a:t>39.07</a:t>
+                      </a:r>
+                    </a:p>
+                  </a:txBody>
+                  <a:tcPr anchor="ctr"/>
+                </a:tc>
+                <a:tc>
+                  <a:txBody>
+                    <a:bodyPr/>
+                    <a:lstStyle/>
+                    <a:p>
+                      <a:pPr algn="ctr"/>
+                      <a:r>
+                        <a:rPr lang="en-IN" sz="2400" dirty="0"/>
+                        <a:t>0.72</a:t>
+                      </a:r>
+                    </a:p>
+                  </a:txBody>
+                  <a:tcPr anchor="ctr"/>
+                </a:tc>
+                <a:tc>
+                  <a:txBody>
+                    <a:bodyPr/>
+                    <a:lstStyle/>
+                    <a:p>
+                      <a:pPr algn="ctr"/>
+                      <a:r>
+                        <a:rPr lang="en-US" sz="2400" dirty="0"/>
+                        <a:t>Fail to reject the null hypothesis: There is no significant association between model output and address state.</a:t>
+                      </a:r>
+                      <a:endParaRPr lang="en-IN" sz="2400" dirty="0"/>
+                    </a:p>
+                  </a:txBody>
+                  <a:tcPr anchor="ctr"/>
+                </a:tc>
+                <a:extLst>
+                  <a:ext uri="{0D108BD9-81ED-4DB2-BD59-A6C34878D82A}">
+                    <a16:rowId xmlns:a16="http://schemas.microsoft.com/office/drawing/2014/main" val="3111057690"/>
+                  </a:ext>
+                </a:extLst>
+              </a:tr>
+            </a:tbl>
+          </a:graphicData>
+        </a:graphic>
+      </p:graphicFrame>
     </p:spTree>
     <p:extLst>
       <p:ext uri="{BB962C8B-B14F-4D97-AF65-F5344CB8AC3E}">
@@ -45378,6 +45729,128 @@
                                               <p:pRg st="1" end="1"/>
                                             </p:txEl>
                                           </p:spTgt>
+                                        </p:tgtEl>
+                                      </p:cBhvr>
+                                    </p:animEffect>
+                                  </p:childTnLst>
+                                </p:cTn>
+                              </p:par>
+                            </p:childTnLst>
+                          </p:cTn>
+                        </p:par>
+                      </p:childTnLst>
+                    </p:cTn>
+                  </p:par>
+                  <p:par>
+                    <p:cTn id="18" fill="hold">
+                      <p:stCondLst>
+                        <p:cond delay="indefinite"/>
+                      </p:stCondLst>
+                      <p:childTnLst>
+                        <p:par>
+                          <p:cTn id="19" fill="hold">
+                            <p:stCondLst>
+                              <p:cond delay="0"/>
+                            </p:stCondLst>
+                            <p:childTnLst>
+                              <p:par>
+                                <p:cTn id="20" presetID="31" presetClass="entr" presetSubtype="0" fill="hold" nodeType="clickEffect">
+                                  <p:stCondLst>
+                                    <p:cond delay="0"/>
+                                  </p:stCondLst>
+                                  <p:childTnLst>
+                                    <p:set>
+                                      <p:cBhvr>
+                                        <p:cTn id="21" dur="1" fill="hold">
+                                          <p:stCondLst>
+                                            <p:cond delay="0"/>
+                                          </p:stCondLst>
+                                        </p:cTn>
+                                        <p:tgtEl>
+                                          <p:spTgt spid="4"/>
+                                        </p:tgtEl>
+                                        <p:attrNameLst>
+                                          <p:attrName>style.visibility</p:attrName>
+                                        </p:attrNameLst>
+                                      </p:cBhvr>
+                                      <p:to>
+                                        <p:strVal val="visible"/>
+                                      </p:to>
+                                    </p:set>
+                                    <p:anim calcmode="lin" valueType="num">
+                                      <p:cBhvr>
+                                        <p:cTn id="22" dur="1000" fill="hold"/>
+                                        <p:tgtEl>
+                                          <p:spTgt spid="4"/>
+                                        </p:tgtEl>
+                                        <p:attrNameLst>
+                                          <p:attrName>ppt_w</p:attrName>
+                                        </p:attrNameLst>
+                                      </p:cBhvr>
+                                      <p:tavLst>
+                                        <p:tav tm="0">
+                                          <p:val>
+                                            <p:fltVal val="0"/>
+                                          </p:val>
+                                        </p:tav>
+                                        <p:tav tm="100000">
+                                          <p:val>
+                                            <p:strVal val="#ppt_w"/>
+                                          </p:val>
+                                        </p:tav>
+                                      </p:tavLst>
+                                    </p:anim>
+                                    <p:anim calcmode="lin" valueType="num">
+                                      <p:cBhvr>
+                                        <p:cTn id="23" dur="1000" fill="hold"/>
+                                        <p:tgtEl>
+                                          <p:spTgt spid="4"/>
+                                        </p:tgtEl>
+                                        <p:attrNameLst>
+                                          <p:attrName>ppt_h</p:attrName>
+                                        </p:attrNameLst>
+                                      </p:cBhvr>
+                                      <p:tavLst>
+                                        <p:tav tm="0">
+                                          <p:val>
+                                            <p:fltVal val="0"/>
+                                          </p:val>
+                                        </p:tav>
+                                        <p:tav tm="100000">
+                                          <p:val>
+                                            <p:strVal val="#ppt_h"/>
+                                          </p:val>
+                                        </p:tav>
+                                      </p:tavLst>
+                                    </p:anim>
+                                    <p:anim calcmode="lin" valueType="num">
+                                      <p:cBhvr>
+                                        <p:cTn id="24" dur="1000" fill="hold"/>
+                                        <p:tgtEl>
+                                          <p:spTgt spid="4"/>
+                                        </p:tgtEl>
+                                        <p:attrNameLst>
+                                          <p:attrName>style.rotation</p:attrName>
+                                        </p:attrNameLst>
+                                      </p:cBhvr>
+                                      <p:tavLst>
+                                        <p:tav tm="0">
+                                          <p:val>
+                                            <p:fltVal val="90"/>
+                                          </p:val>
+                                        </p:tav>
+                                        <p:tav tm="100000">
+                                          <p:val>
+                                            <p:fltVal val="0"/>
+                                          </p:val>
+                                        </p:tav>
+                                      </p:tavLst>
+                                    </p:anim>
+                                    <p:animEffect transition="in" filter="fade">
+                                      <p:cBhvr>
+                                        <p:cTn id="25" dur="1000"/>
+                                        <p:tgtEl>
+                                          <p:spTgt spid="4"/>
                                         </p:tgtEl>
                                       </p:cBhvr>
                                     </p:animEffect>

--- a/JPMC CCB Risk Modelling Case Study.pptx
+++ b/JPMC CCB Risk Modelling Case Study.pptx
@@ -4037,6 +4037,46 @@
         </a:p>
       </dgm:t>
     </dgm:pt>
+    <dgm:pt modelId="{7B1417CD-0CD2-41B8-952B-755CD818D76F}">
+      <dgm:prSet phldrT="[Text]"/>
+      <dgm:spPr/>
+      <dgm:t>
+        <a:bodyPr/>
+        <a:lstStyle/>
+        <a:p>
+          <a:pPr>
+            <a:buFont typeface="Arial" panose="020B0604020202020204" pitchFamily="34" charset="0"/>
+            <a:buChar char="•"/>
+          </a:pPr>
+          <a:r>
+            <a:rPr lang="en-IN" dirty="0"/>
+            <a:t>For our model, chi-square test of independence was used to give a baseline performance.</a:t>
+          </a:r>
+        </a:p>
+      </dgm:t>
+    </dgm:pt>
+    <dgm:pt modelId="{F47AB152-B78B-44FF-9812-6EE5B3F9D29B}" type="parTrans" cxnId="{BF3F8F43-F19A-407E-A631-CEDB15375E3E}">
+      <dgm:prSet/>
+      <dgm:spPr/>
+      <dgm:t>
+        <a:bodyPr/>
+        <a:lstStyle/>
+        <a:p>
+          <a:endParaRPr lang="en-IN"/>
+        </a:p>
+      </dgm:t>
+    </dgm:pt>
+    <dgm:pt modelId="{A065DCE3-743D-4368-B5C9-6CD12B98DAB8}" type="sibTrans" cxnId="{BF3F8F43-F19A-407E-A631-CEDB15375E3E}">
+      <dgm:prSet/>
+      <dgm:spPr/>
+      <dgm:t>
+        <a:bodyPr/>
+        <a:lstStyle/>
+        <a:p>
+          <a:endParaRPr lang="en-IN"/>
+        </a:p>
+      </dgm:t>
+    </dgm:pt>
     <dgm:pt modelId="{45D544C8-80C1-43BE-BAC9-3F2853FE3848}" type="pres">
       <dgm:prSet presAssocID="{FBB8B414-0A44-4042-B94B-F14D5DC1A314}" presName="Name0" presStyleCnt="0">
         <dgm:presLayoutVars>
@@ -4156,6 +4196,7 @@
     <dgm:cxn modelId="{AD247538-24D9-4958-99DC-2F1E262BA03C}" srcId="{C87BED47-9F8F-4431-AB35-4BC2C069D88D}" destId="{223EAE6E-B6F4-4206-B426-D2E67EADACFB}" srcOrd="0" destOrd="0" parTransId="{0942B1FD-FCE7-498F-A17F-79A8B44B8711}" sibTransId="{65580473-E46C-4197-A516-E4FBE34ADEAD}"/>
     <dgm:cxn modelId="{064F8939-158E-4CA9-A6DF-676C07571E9A}" type="presOf" srcId="{0E38B473-E41D-437E-AD96-7F674B20B078}" destId="{CB6F96F9-CD6F-4181-8BA0-8D13AA93B901}" srcOrd="0" destOrd="0" presId="urn:microsoft.com/office/officeart/2005/8/layout/hList1"/>
     <dgm:cxn modelId="{AE543163-82DD-43FA-B9AC-EDB5071B0936}" srcId="{FBB8B414-0A44-4042-B94B-F14D5DC1A314}" destId="{0E38B473-E41D-437E-AD96-7F674B20B078}" srcOrd="1" destOrd="0" parTransId="{2A8CE444-2CB5-45C9-9E2E-FABE71D5E308}" sibTransId="{9177F14F-D0D4-4567-A7FA-2C720E2CF866}"/>
+    <dgm:cxn modelId="{BF3F8F43-F19A-407E-A631-CEDB15375E3E}" srcId="{740CE386-FB35-496A-B9F4-82E1E3FD1E65}" destId="{7B1417CD-0CD2-41B8-952B-755CD818D76F}" srcOrd="1" destOrd="0" parTransId="{F47AB152-B78B-44FF-9812-6EE5B3F9D29B}" sibTransId="{A065DCE3-743D-4368-B5C9-6CD12B98DAB8}"/>
     <dgm:cxn modelId="{80E82F66-397E-4DEE-824B-DD32A3E22772}" type="presOf" srcId="{A7088EBC-8C09-48EA-A779-7146CAEA9ADB}" destId="{00566CF8-D632-4CB4-867E-C7085F6B371C}" srcOrd="0" destOrd="0" presId="urn:microsoft.com/office/officeart/2005/8/layout/hList1"/>
     <dgm:cxn modelId="{7020A769-EC30-4040-9601-09F5BB1B0B2A}" type="presOf" srcId="{FBB8B414-0A44-4042-B94B-F14D5DC1A314}" destId="{45D544C8-80C1-43BE-BAC9-3F2853FE3848}" srcOrd="0" destOrd="0" presId="urn:microsoft.com/office/officeart/2005/8/layout/hList1"/>
     <dgm:cxn modelId="{ABF8C551-54D2-4689-AFD2-76F6A39E1BFE}" srcId="{0E38B473-E41D-437E-AD96-7F674B20B078}" destId="{77D77ACF-1C04-4026-99FF-4688B737FC4D}" srcOrd="1" destOrd="0" parTransId="{04DA4624-497F-4989-8A7A-A7BA6451560D}" sibTransId="{E5D386E3-2AD7-4418-9A6C-7BFF1764971C}"/>
@@ -4174,6 +4215,7 @@
     <dgm:cxn modelId="{CECEBDDD-DC27-442E-9789-7C47F7EE558C}" type="presOf" srcId="{81616E67-B945-4270-92BD-54AA0614F681}" destId="{4193D61F-4E73-4B87-A0CE-B6F1D5499745}" srcOrd="0" destOrd="2" presId="urn:microsoft.com/office/officeart/2005/8/layout/hList1"/>
     <dgm:cxn modelId="{BBC7DEE5-F427-4196-8FE7-37A48FA0849A}" type="presOf" srcId="{740CE386-FB35-496A-B9F4-82E1E3FD1E65}" destId="{56AB0B1F-DF9D-4F5B-A707-53BA4027A47F}" srcOrd="0" destOrd="0" presId="urn:microsoft.com/office/officeart/2005/8/layout/hList1"/>
     <dgm:cxn modelId="{68175EE6-6886-4800-9452-FE05FE3F5356}" type="presOf" srcId="{77D77ACF-1C04-4026-99FF-4688B737FC4D}" destId="{1619041F-35BA-46BE-ABAF-634275848ED1}" srcOrd="0" destOrd="1" presId="urn:microsoft.com/office/officeart/2005/8/layout/hList1"/>
+    <dgm:cxn modelId="{66ACF1E8-987A-48E1-B8AD-E731D8A02C2C}" type="presOf" srcId="{7B1417CD-0CD2-41B8-952B-755CD818D76F}" destId="{00566CF8-D632-4CB4-867E-C7085F6B371C}" srcOrd="0" destOrd="1" presId="urn:microsoft.com/office/officeart/2005/8/layout/hList1"/>
     <dgm:cxn modelId="{273A92F2-7FF7-4F75-81E0-AE1F0AE3F237}" srcId="{FBB8B414-0A44-4042-B94B-F14D5DC1A314}" destId="{31571203-06A9-4D56-933D-EE7FA6A2E4F2}" srcOrd="0" destOrd="0" parTransId="{A70392F3-86F3-45BE-890E-1260815BA900}" sibTransId="{0F044DE3-5162-4FE5-BFF0-9D812522136E}"/>
     <dgm:cxn modelId="{6F6F3DFE-4B04-4F47-A217-1EFF4295A204}" type="presOf" srcId="{C87BED47-9F8F-4431-AB35-4BC2C069D88D}" destId="{59EA4C2E-BDF9-416A-9161-78F3E5A1A255}" srcOrd="0" destOrd="0" presId="urn:microsoft.com/office/officeart/2005/8/layout/hList1"/>
     <dgm:cxn modelId="{44C8779F-4D5C-465D-91B0-7E91535F0D30}" type="presParOf" srcId="{45D544C8-80C1-43BE-BAC9-3F2853FE3848}" destId="{162F7F63-7E77-4CA2-AB33-97FC7D1D6BD4}" srcOrd="0" destOrd="0" presId="urn:microsoft.com/office/officeart/2005/8/layout/hList1"/>
@@ -6942,6 +6984,25 @@
             <a:t>Continuous monitoring using statistical tests to avoid inherent bias in the model.</a:t>
           </a:r>
           <a:endParaRPr lang="en-IN" sz="3100" kern="1200" dirty="0"/>
+        </a:p>
+        <a:p>
+          <a:pPr marL="285750" lvl="1" indent="-285750" algn="l" defTabSz="1377950">
+            <a:lnSpc>
+              <a:spcPct val="90000"/>
+            </a:lnSpc>
+            <a:spcBef>
+              <a:spcPct val="0"/>
+            </a:spcBef>
+            <a:spcAft>
+              <a:spcPct val="15000"/>
+            </a:spcAft>
+            <a:buFont typeface="Arial" panose="020B0604020202020204" pitchFamily="34" charset="0"/>
+            <a:buChar char="•"/>
+          </a:pPr>
+          <a:r>
+            <a:rPr lang="en-IN" sz="3100" kern="1200" dirty="0"/>
+            <a:t>For our model, chi-square test of independence was used to give a baseline performance.</a:t>
+          </a:r>
         </a:p>
       </dsp:txBody>
       <dsp:txXfrm>
@@ -32071,7 +32132,7 @@
         </p:nvSpPr>
         <p:spPr>
           <a:xfrm>
-            <a:off x="1905000" y="4000500"/>
+            <a:off x="1905000" y="4091744"/>
             <a:ext cx="14631330" cy="2423356"/>
           </a:xfrm>
           <a:prstGeom prst="rect">
@@ -32109,7 +32170,7 @@
         </p:nvSpPr>
         <p:spPr>
           <a:xfrm>
-            <a:off x="4236347" y="3783885"/>
+            <a:off x="4236347" y="3875129"/>
             <a:ext cx="9815307" cy="1112997"/>
           </a:xfrm>
           <a:prstGeom prst="rect">
@@ -32854,7 +32915,7 @@
           <a:p>
             <a:r>
               <a:rPr lang="en-IN" dirty="0"/>
-              <a:t>Problem Statement</a:t>
+              <a:t>OBJECTIVE</a:t>
             </a:r>
           </a:p>
         </p:txBody>
@@ -32896,7 +32957,7 @@
             </a:pPr>
             <a:r>
               <a:rPr lang="en-US" dirty="0"/>
-              <a:t>A dataset of 42,000 loan accounts from 2007 to 2011, containing demographic, credit bureau attributes, and loan statuses, is available for analysis. </a:t>
+              <a:t>A dataset of around 42,000 loan accounts from 2007 to 2011, containing demographic, credit bureau attributes, and loan statuses, is available for analysis. </a:t>
             </a:r>
           </a:p>
           <a:p>
@@ -32921,14 +32982,14 @@
   <p:clrMapOvr>
     <a:masterClrMapping/>
   </p:clrMapOvr>
-  <mc:AlternateContent xmlns:mc="http://schemas.openxmlformats.org/markup-compatibility/2006" xmlns:p159="http://schemas.microsoft.com/office/powerpoint/2015/09/main">
-    <mc:Choice Requires="p159">
-      <p:transition xmlns:p14="http://schemas.microsoft.com/office/powerpoint/2010/main" spd="slow" p14:dur="2000">
+  <mc:AlternateContent xmlns:mc="http://schemas.openxmlformats.org/markup-compatibility/2006">
+    <mc:Choice xmlns:p159="http://schemas.microsoft.com/office/powerpoint/2015/09/main" Requires="p159">
+      <p:transition>
         <p159:morph option="byObject"/>
       </p:transition>
     </mc:Choice>
-    <mc:Fallback xmlns="">
-      <p:transition spd="slow">
+    <mc:Fallback>
+      <p:transition>
         <p:fade/>
       </p:transition>
     </mc:Fallback>
@@ -43089,12 +43150,12 @@
                         </a:spcAft>
                       </a:pPr>
                       <a:r>
-                        <a:rPr lang="en-IN" sz="1800" kern="100">
+                        <a:rPr lang="en-IN" sz="1800" kern="100" dirty="0">
                           <a:effectLst/>
                         </a:rPr>
                         <a:t>0.97</a:t>
                       </a:r>
-                      <a:endParaRPr lang="en-IN" sz="1700" kern="100">
+                      <a:endParaRPr lang="en-IN" sz="1700" kern="100" dirty="0">
                         <a:effectLst/>
                         <a:latin typeface="Calibri" panose="020F0502020204030204" pitchFamily="34" charset="0"/>
                         <a:ea typeface="Calibri" panose="020F0502020204030204" pitchFamily="34" charset="0"/>
@@ -43638,7 +43699,7 @@
   <p:clrMapOvr>
     <a:masterClrMapping/>
   </p:clrMapOvr>
-  <p:transition spd="slow">
+  <p:transition spd="med">
     <p:push dir="u"/>
   </p:transition>
   <p:timing>
@@ -44532,7 +44593,7 @@
   <p:clrMapOvr>
     <a:masterClrMapping/>
   </p:clrMapOvr>
-  <p:transition spd="slow">
+  <p:transition spd="med">
     <p:wipe/>
   </p:transition>
   <p:timing>
@@ -45200,14 +45261,14 @@
           <p:nvPr>
             <p:extLst>
               <p:ext uri="{D42A27DB-BD31-4B8C-83A1-F6EECF244321}">
-                <p14:modId xmlns:p14="http://schemas.microsoft.com/office/powerpoint/2010/main" val="819735521"/>
+                <p14:modId xmlns:p14="http://schemas.microsoft.com/office/powerpoint/2010/main" val="182698402"/>
               </p:ext>
             </p:extLst>
           </p:nvPr>
         </p:nvGraphicFramePr>
         <p:xfrm>
           <a:off x="1509150" y="5524500"/>
-          <a:ext cx="14873848" cy="4648201"/>
+          <a:ext cx="16016850" cy="4646490"/>
         </p:xfrm>
         <a:graphic>
           <a:graphicData uri="http://schemas.openxmlformats.org/drawingml/2006/table">
@@ -45216,28 +45277,35 @@
                 <a:tableStyleId>{5C22544A-7EE6-4342-B048-85BDC9FD1C3A}</a:tableStyleId>
               </a:tblPr>
               <a:tblGrid>
-                <a:gridCol w="3291450">
+                <a:gridCol w="2508331">
                   <a:extLst>
                     <a:ext uri="{9D8B030D-6E8A-4147-A177-3AD203B41FA5}">
                       <a16:colId xmlns:a16="http://schemas.microsoft.com/office/drawing/2014/main" val="2769277857"/>
                     </a:ext>
                   </a:extLst>
                 </a:gridCol>
-                <a:gridCol w="3048000">
+                <a:gridCol w="2322804">
                   <a:extLst>
                     <a:ext uri="{9D8B030D-6E8A-4147-A177-3AD203B41FA5}">
                       <a16:colId xmlns:a16="http://schemas.microsoft.com/office/drawing/2014/main" val="1483197414"/>
                     </a:ext>
                   </a:extLst>
                 </a:gridCol>
-                <a:gridCol w="2590800">
+                <a:gridCol w="1974384">
                   <a:extLst>
                     <a:ext uri="{9D8B030D-6E8A-4147-A177-3AD203B41FA5}">
                       <a16:colId xmlns:a16="http://schemas.microsoft.com/office/drawing/2014/main" val="2757069996"/>
                     </a:ext>
                   </a:extLst>
                 </a:gridCol>
-                <a:gridCol w="5943598">
+                <a:gridCol w="2393036">
+                  <a:extLst>
+                    <a:ext uri="{9D8B030D-6E8A-4147-A177-3AD203B41FA5}">
+                      <a16:colId xmlns:a16="http://schemas.microsoft.com/office/drawing/2014/main" val="3302163697"/>
+                    </a:ext>
+                  </a:extLst>
+                </a:gridCol>
+                <a:gridCol w="6818295">
                   <a:extLst>
                     <a:ext uri="{9D8B030D-6E8A-4147-A177-3AD203B41FA5}">
                       <a16:colId xmlns:a16="http://schemas.microsoft.com/office/drawing/2014/main" val="3122805489"/>
@@ -45245,7 +45313,7 @@
                   </a:extLst>
                 </a:gridCol>
               </a:tblGrid>
-              <a:tr h="969109">
+              <a:tr h="1220910">
                 <a:tc>
                   <a:txBody>
                     <a:bodyPr/>
@@ -45285,6 +45353,45 @@
                         <a:t>p – value</a:t>
                       </a:r>
                     </a:p>
+                    <a:p>
+                      <a:pPr algn="ctr"/>
+                      <a:r>
+                        <a:rPr lang="en-IN" sz="2800" dirty="0"/>
+                        <a:t>(</a:t>
+                      </a:r>
+                      <a:r>
+                        <a:rPr lang="el-GR" sz="2800" dirty="0">
+                          <a:latin typeface="Times New Roman" panose="02020603050405020304" pitchFamily="18" charset="0"/>
+                          <a:cs typeface="Times New Roman" panose="02020603050405020304" pitchFamily="18" charset="0"/>
+                        </a:rPr>
+                        <a:t>α</a:t>
+                      </a:r>
+                      <a:r>
+                        <a:rPr lang="en-IN" sz="2800" dirty="0">
+                          <a:latin typeface="Times New Roman" panose="02020603050405020304" pitchFamily="18" charset="0"/>
+                          <a:cs typeface="Times New Roman" panose="02020603050405020304" pitchFamily="18" charset="0"/>
+                        </a:rPr>
+                        <a:t> = 0.05</a:t>
+                      </a:r>
+                      <a:r>
+                        <a:rPr lang="en-IN" sz="2800" dirty="0"/>
+                        <a:t>)</a:t>
+                      </a:r>
+                    </a:p>
+                  </a:txBody>
+                  <a:tcPr anchor="ctr"/>
+                </a:tc>
+                <a:tc>
+                  <a:txBody>
+                    <a:bodyPr/>
+                    <a:lstStyle/>
+                    <a:p>
+                      <a:pPr algn="ctr"/>
+                      <a:r>
+                        <a:rPr lang="en-IN" sz="2800" dirty="0"/>
+                        <a:t>Critical Value</a:t>
+                      </a:r>
+                    </a:p>
                   </a:txBody>
                   <a:tcPr anchor="ctr"/>
                 </a:tc>
@@ -45308,7 +45415,7 @@
                   </a:ext>
                 </a:extLst>
               </a:tr>
-              <a:tr h="1226364">
+              <a:tr h="1091630">
                 <a:tc>
                   <a:txBody>
                     <a:bodyPr/>
@@ -45374,6 +45481,45 @@
                         <a:defRPr/>
                       </a:pPr>
                       <a:r>
+                        <a:rPr lang="en-IN" sz="2400" b="0" i="0" kern="1200" dirty="0">
+                          <a:solidFill>
+                            <a:schemeClr val="dk1"/>
+                          </a:solidFill>
+                          <a:effectLst/>
+                          <a:latin typeface="+mn-lt"/>
+                          <a:ea typeface="+mn-ea"/>
+                          <a:cs typeface="+mn-cs"/>
+                        </a:rPr>
+                        <a:t>3.84</a:t>
+                      </a:r>
+                      <a:endParaRPr lang="en-IN" sz="2000" dirty="0"/>
+                    </a:p>
+                  </a:txBody>
+                  <a:tcPr anchor="ctr"/>
+                </a:tc>
+                <a:tc>
+                  <a:txBody>
+                    <a:bodyPr/>
+                    <a:lstStyle/>
+                    <a:p>
+                      <a:pPr marL="0" marR="0" lvl="0" indent="0" algn="ctr" defTabSz="1371600" rtl="0" eaLnBrk="1" fontAlgn="auto" latinLnBrk="0" hangingPunct="1">
+                        <a:lnSpc>
+                          <a:spcPct val="100000"/>
+                        </a:lnSpc>
+                        <a:spcBef>
+                          <a:spcPts val="0"/>
+                        </a:spcBef>
+                        <a:spcAft>
+                          <a:spcPts val="0"/>
+                        </a:spcAft>
+                        <a:buClrTx/>
+                        <a:buSzTx/>
+                        <a:buFontTx/>
+                        <a:buNone/>
+                        <a:tabLst/>
+                        <a:defRPr/>
+                      </a:pPr>
+                      <a:r>
                         <a:rPr lang="en-US" sz="2400" dirty="0"/>
                         <a:t>Fail to reject the null hypothesis: There is no significant association between model output and gender.</a:t>
                       </a:r>
@@ -45388,7 +45534,7 @@
                   </a:ext>
                 </a:extLst>
               </a:tr>
-              <a:tr h="1226364">
+              <a:tr h="1091630">
                 <a:tc>
                   <a:txBody>
                     <a:bodyPr/>
@@ -45454,6 +45600,36 @@
                         <a:defRPr/>
                       </a:pPr>
                       <a:r>
+                        <a:rPr lang="en-IN" sz="2400" dirty="0"/>
+                        <a:t>7.81</a:t>
+                      </a:r>
+                    </a:p>
+                  </a:txBody>
+                  <a:tcPr anchor="ctr"/>
+                </a:tc>
+                <a:tc>
+                  <a:txBody>
+                    <a:bodyPr/>
+                    <a:lstStyle/>
+                    <a:p>
+                      <a:pPr marL="0" marR="0" lvl="0" indent="0" algn="ctr" defTabSz="1371600" rtl="0" eaLnBrk="1" fontAlgn="auto" latinLnBrk="0" hangingPunct="1">
+                        <a:lnSpc>
+                          <a:spcPct val="100000"/>
+                        </a:lnSpc>
+                        <a:spcBef>
+                          <a:spcPts val="0"/>
+                        </a:spcBef>
+                        <a:spcAft>
+                          <a:spcPts val="0"/>
+                        </a:spcAft>
+                        <a:buClrTx/>
+                        <a:buSzTx/>
+                        <a:buFontTx/>
+                        <a:buNone/>
+                        <a:tabLst/>
+                        <a:defRPr/>
+                      </a:pPr>
+                      <a:r>
                         <a:rPr lang="en-US" sz="2400" dirty="0"/>
                         <a:t>Fail to reject the null hypothesis: There is no significant association between model output and race.</a:t>
                       </a:r>
@@ -45468,7 +45644,7 @@
                   </a:ext>
                 </a:extLst>
               </a:tr>
-              <a:tr h="1226364">
+              <a:tr h="1091630">
                 <a:tc>
                   <a:txBody>
                     <a:bodyPr/>
@@ -45518,6 +45694,29 @@
                     <a:p>
                       <a:pPr algn="ctr"/>
                       <a:r>
+                        <a:rPr lang="en-IN" sz="2700" b="0" i="0" kern="1200" dirty="0">
+                          <a:solidFill>
+                            <a:schemeClr val="dk1"/>
+                          </a:solidFill>
+                          <a:effectLst/>
+                          <a:latin typeface="+mn-lt"/>
+                          <a:ea typeface="+mn-ea"/>
+                          <a:cs typeface="+mn-cs"/>
+                        </a:rPr>
+                        <a:t>61.66</a:t>
+                      </a:r>
+                      <a:endParaRPr lang="en-IN" sz="2400" dirty="0"/>
+                    </a:p>
+                  </a:txBody>
+                  <a:tcPr anchor="ctr"/>
+                </a:tc>
+                <a:tc>
+                  <a:txBody>
+                    <a:bodyPr/>
+                    <a:lstStyle/>
+                    <a:p>
+                      <a:pPr algn="ctr"/>
+                      <a:r>
                         <a:rPr lang="en-US" sz="2400" dirty="0"/>
                         <a:t>Fail to reject the null hypothesis: There is no significant association between model output and address state.</a:t>
                       </a:r>
@@ -45546,18 +45745,9 @@
   <p:clrMapOvr>
     <a:masterClrMapping/>
   </p:clrMapOvr>
-  <mc:AlternateContent xmlns:mc="http://schemas.openxmlformats.org/markup-compatibility/2006" xmlns:p14="http://schemas.microsoft.com/office/powerpoint/2010/main">
-    <mc:Choice Requires="p14">
-      <p:transition spd="slow" p14:dur="1500">
-        <p:split orient="vert"/>
-      </p:transition>
-    </mc:Choice>
-    <mc:Fallback xmlns="">
-      <p:transition spd="slow">
-        <p:split orient="vert"/>
-      </p:transition>
-    </mc:Fallback>
-  </mc:AlternateContent>
+  <p:transition spd="med">
+    <p:split orient="vert"/>
+  </p:transition>
   <p:timing>
     <p:tnLst>
       <p:par>
@@ -45955,7 +46145,7 @@
           <p:nvPr>
             <p:extLst>
               <p:ext uri="{D42A27DB-BD31-4B8C-83A1-F6EECF244321}">
-                <p14:modId xmlns:p14="http://schemas.microsoft.com/office/powerpoint/2010/main" val="1596741465"/>
+                <p14:modId xmlns:p14="http://schemas.microsoft.com/office/powerpoint/2010/main" val="2547388467"/>
               </p:ext>
             </p:extLst>
           </p:nvPr>
@@ -45980,6 +46170,9 @@
   <p:clrMapOvr>
     <a:masterClrMapping/>
   </p:clrMapOvr>
+  <p:transition>
+    <p:cut/>
+  </p:transition>
   <p:timing>
     <p:tnLst>
       <p:par>
